--- a/MachineLearning/NaiveBayes/NaiveBayes.pptx
+++ b/MachineLearning/NaiveBayes/NaiveBayes.pptx
@@ -5,15 +5,21 @@
     <p:sldMasterId id="2147483648" r:id="rId1"/>
   </p:sldMasterIdLst>
   <p:notesMasterIdLst>
-    <p:notesMasterId r:id="rId8"/>
+    <p:notesMasterId r:id="rId14"/>
   </p:notesMasterIdLst>
   <p:sldIdLst>
     <p:sldId id="256" r:id="rId2"/>
     <p:sldId id="268" r:id="rId3"/>
     <p:sldId id="270" r:id="rId4"/>
-    <p:sldId id="271" r:id="rId5"/>
-    <p:sldId id="273" r:id="rId6"/>
-    <p:sldId id="269" r:id="rId7"/>
+    <p:sldId id="274" r:id="rId5"/>
+    <p:sldId id="275" r:id="rId6"/>
+    <p:sldId id="276" r:id="rId7"/>
+    <p:sldId id="277" r:id="rId8"/>
+    <p:sldId id="278" r:id="rId9"/>
+    <p:sldId id="279" r:id="rId10"/>
+    <p:sldId id="271" r:id="rId11"/>
+    <p:sldId id="273" r:id="rId12"/>
+    <p:sldId id="269" r:id="rId13"/>
   </p:sldIdLst>
   <p:sldSz cx="9144000" cy="6858000" type="screen4x3"/>
   <p:notesSz cx="6858000" cy="9144000"/>
@@ -3500,6 +3506,232 @@
 </p:sld>
 </file>
 
+<file path=ppt/slides/slide10.xml><?xml version="1.0" encoding="utf-8"?>
+<p:sld xmlns:a="http://schemas.openxmlformats.org/drawingml/2006/main" xmlns:r="http://schemas.openxmlformats.org/officeDocument/2006/relationships" xmlns:p="http://schemas.openxmlformats.org/presentationml/2006/main">
+  <p:cSld>
+    <p:spTree>
+      <p:nvGrpSpPr>
+        <p:cNvPr id="1" name=""/>
+        <p:cNvGrpSpPr/>
+        <p:nvPr/>
+      </p:nvGrpSpPr>
+      <p:grpSpPr>
+        <a:xfrm>
+          <a:off x="0" y="0"/>
+          <a:ext cx="0" cy="0"/>
+          <a:chOff x="0" y="0"/>
+          <a:chExt cx="0" cy="0"/>
+        </a:xfrm>
+      </p:grpSpPr>
+      <p:sp>
+        <p:nvSpPr>
+          <p:cNvPr id="2" name="Title 1"/>
+          <p:cNvSpPr>
+            <a:spLocks noGrp="1"/>
+          </p:cNvSpPr>
+          <p:nvPr>
+            <p:ph type="title"/>
+          </p:nvPr>
+        </p:nvSpPr>
+        <p:spPr/>
+        <p:txBody>
+          <a:bodyPr/>
+          <a:lstStyle/>
+          <a:p>
+            <a:r>
+              <a:rPr lang="en-US" dirty="0" smtClean="0"/>
+              <a:t>Advantages</a:t>
+            </a:r>
+            <a:endParaRPr lang="en-US" dirty="0"/>
+          </a:p>
+        </p:txBody>
+      </p:sp>
+      <p:sp>
+        <p:nvSpPr>
+          <p:cNvPr id="4" name="Content Placeholder 3"/>
+          <p:cNvSpPr>
+            <a:spLocks noGrp="1"/>
+          </p:cNvSpPr>
+          <p:nvPr>
+            <p:ph idx="1"/>
+          </p:nvPr>
+        </p:nvSpPr>
+        <p:spPr/>
+        <p:txBody>
+          <a:bodyPr/>
+          <a:lstStyle/>
+          <a:p>
+            <a:endParaRPr lang="en-US" dirty="0"/>
+          </a:p>
+        </p:txBody>
+      </p:sp>
+    </p:spTree>
+  </p:cSld>
+  <p:clrMapOvr>
+    <a:masterClrMapping/>
+  </p:clrMapOvr>
+  <p:timing>
+    <p:tnLst>
+      <p:par>
+        <p:cTn id="1" dur="indefinite" restart="never" nodeType="tmRoot"/>
+      </p:par>
+    </p:tnLst>
+  </p:timing>
+</p:sld>
+</file>
+
+<file path=ppt/slides/slide11.xml><?xml version="1.0" encoding="utf-8"?>
+<p:sld xmlns:a="http://schemas.openxmlformats.org/drawingml/2006/main" xmlns:r="http://schemas.openxmlformats.org/officeDocument/2006/relationships" xmlns:p="http://schemas.openxmlformats.org/presentationml/2006/main">
+  <p:cSld>
+    <p:spTree>
+      <p:nvGrpSpPr>
+        <p:cNvPr id="1" name=""/>
+        <p:cNvGrpSpPr/>
+        <p:nvPr/>
+      </p:nvGrpSpPr>
+      <p:grpSpPr>
+        <a:xfrm>
+          <a:off x="0" y="0"/>
+          <a:ext cx="0" cy="0"/>
+          <a:chOff x="0" y="0"/>
+          <a:chExt cx="0" cy="0"/>
+        </a:xfrm>
+      </p:grpSpPr>
+      <p:sp>
+        <p:nvSpPr>
+          <p:cNvPr id="2" name="Title 1"/>
+          <p:cNvSpPr>
+            <a:spLocks noGrp="1"/>
+          </p:cNvSpPr>
+          <p:nvPr>
+            <p:ph type="title"/>
+          </p:nvPr>
+        </p:nvSpPr>
+        <p:spPr/>
+        <p:txBody>
+          <a:bodyPr/>
+          <a:lstStyle/>
+          <a:p>
+            <a:r>
+              <a:rPr lang="en-US" dirty="0" smtClean="0"/>
+              <a:t>Disadvantages</a:t>
+            </a:r>
+            <a:endParaRPr lang="en-US" dirty="0"/>
+          </a:p>
+        </p:txBody>
+      </p:sp>
+      <p:sp>
+        <p:nvSpPr>
+          <p:cNvPr id="4" name="Content Placeholder 3"/>
+          <p:cNvSpPr>
+            <a:spLocks noGrp="1"/>
+          </p:cNvSpPr>
+          <p:nvPr>
+            <p:ph idx="1"/>
+          </p:nvPr>
+        </p:nvSpPr>
+        <p:spPr/>
+        <p:txBody>
+          <a:bodyPr/>
+          <a:lstStyle/>
+          <a:p>
+            <a:endParaRPr lang="en-US" dirty="0"/>
+          </a:p>
+        </p:txBody>
+      </p:sp>
+    </p:spTree>
+  </p:cSld>
+  <p:clrMapOvr>
+    <a:masterClrMapping/>
+  </p:clrMapOvr>
+  <p:timing>
+    <p:tnLst>
+      <p:par>
+        <p:cTn id="1" dur="indefinite" restart="never" nodeType="tmRoot"/>
+      </p:par>
+    </p:tnLst>
+  </p:timing>
+</p:sld>
+</file>
+
+<file path=ppt/slides/slide12.xml><?xml version="1.0" encoding="utf-8"?>
+<p:sld xmlns:a="http://schemas.openxmlformats.org/drawingml/2006/main" xmlns:r="http://schemas.openxmlformats.org/officeDocument/2006/relationships" xmlns:p="http://schemas.openxmlformats.org/presentationml/2006/main">
+  <p:cSld>
+    <p:spTree>
+      <p:nvGrpSpPr>
+        <p:cNvPr id="1" name=""/>
+        <p:cNvGrpSpPr/>
+        <p:nvPr/>
+      </p:nvGrpSpPr>
+      <p:grpSpPr>
+        <a:xfrm>
+          <a:off x="0" y="0"/>
+          <a:ext cx="0" cy="0"/>
+          <a:chOff x="0" y="0"/>
+          <a:chExt cx="0" cy="0"/>
+        </a:xfrm>
+      </p:grpSpPr>
+      <p:sp>
+        <p:nvSpPr>
+          <p:cNvPr id="2" name="Title 1"/>
+          <p:cNvSpPr>
+            <a:spLocks noGrp="1"/>
+          </p:cNvSpPr>
+          <p:nvPr>
+            <p:ph type="ctrTitle"/>
+          </p:nvPr>
+        </p:nvSpPr>
+        <p:spPr/>
+        <p:txBody>
+          <a:bodyPr/>
+          <a:lstStyle/>
+          <a:p>
+            <a:r>
+              <a:rPr lang="en-US" dirty="0" smtClean="0"/>
+              <a:t>Questions?</a:t>
+            </a:r>
+            <a:endParaRPr lang="en-US" dirty="0"/>
+          </a:p>
+        </p:txBody>
+      </p:sp>
+      <p:sp>
+        <p:nvSpPr>
+          <p:cNvPr id="3" name="Subtitle 2"/>
+          <p:cNvSpPr>
+            <a:spLocks noGrp="1"/>
+          </p:cNvSpPr>
+          <p:nvPr>
+            <p:ph type="subTitle" idx="1"/>
+          </p:nvPr>
+        </p:nvSpPr>
+        <p:spPr/>
+        <p:txBody>
+          <a:bodyPr/>
+          <a:lstStyle/>
+          <a:p>
+            <a:r>
+              <a:rPr lang="en-US" dirty="0" smtClean="0"/>
+              <a:t>Thank you</a:t>
+            </a:r>
+            <a:endParaRPr lang="en-US" dirty="0"/>
+          </a:p>
+        </p:txBody>
+      </p:sp>
+    </p:spTree>
+  </p:cSld>
+  <p:clrMapOvr>
+    <a:masterClrMapping/>
+  </p:clrMapOvr>
+  <p:timing>
+    <p:tnLst>
+      <p:par>
+        <p:cTn id="1" dur="indefinite" restart="never" nodeType="tmRoot"/>
+      </p:par>
+    </p:tnLst>
+  </p:timing>
+</p:sld>
+</file>
+
 <file path=ppt/slides/slide2.xml><?xml version="1.0" encoding="utf-8"?>
 <p:sld xmlns:a="http://schemas.openxmlformats.org/drawingml/2006/main" xmlns:r="http://schemas.openxmlformats.org/officeDocument/2006/relationships" xmlns:p="http://schemas.openxmlformats.org/presentationml/2006/main">
   <p:cSld>
@@ -3553,7 +3785,7 @@
         <p:spPr/>
         <p:txBody>
           <a:bodyPr>
-            <a:normAutofit/>
+            <a:normAutofit lnSpcReduction="10000"/>
           </a:bodyPr>
           <a:lstStyle/>
           <a:p>
@@ -3565,13 +3797,50 @@
           <a:p>
             <a:r>
               <a:rPr lang="en-US" dirty="0" smtClean="0"/>
-              <a:t>Naive </a:t>
-            </a:r>
+              <a:t>Conditional probability</a:t>
+            </a:r>
+            <a:endParaRPr lang="en-US" dirty="0" smtClean="0"/>
+          </a:p>
+          <a:p>
             <a:r>
               <a:rPr lang="en-US" dirty="0" err="1" smtClean="0"/>
               <a:t>Bayes</a:t>
             </a:r>
+            <a:r>
+              <a:rPr lang="en-US" dirty="0" smtClean="0"/>
+              <a:t>’ rule</a:t>
+            </a:r>
+          </a:p>
+          <a:p>
+            <a:r>
+              <a:rPr lang="en-US" dirty="0" smtClean="0"/>
+              <a:t>Naive </a:t>
+            </a:r>
+            <a:r>
+              <a:rPr lang="en-US" dirty="0" err="1" smtClean="0"/>
+              <a:t>Bayes</a:t>
+            </a:r>
             <a:endParaRPr lang="en-US" dirty="0" smtClean="0"/>
+          </a:p>
+          <a:p>
+            <a:r>
+              <a:rPr lang="en-US" dirty="0" err="1" smtClean="0"/>
+              <a:t>Laplacian</a:t>
+            </a:r>
+            <a:r>
+              <a:rPr lang="en-US" dirty="0" smtClean="0"/>
+              <a:t> </a:t>
+            </a:r>
+            <a:r>
+              <a:rPr lang="en-US" dirty="0" smtClean="0"/>
+              <a:t>smoothing</a:t>
+            </a:r>
+          </a:p>
+          <a:p>
+            <a:r>
+              <a:rPr lang="en-US" dirty="0" smtClean="0"/>
+              <a:t>Applications</a:t>
+            </a:r>
           </a:p>
           <a:p>
             <a:r>
@@ -3864,15 +4133,15 @@
           <a:p>
             <a:r>
               <a:rPr lang="en-US" dirty="0" smtClean="0"/>
-              <a:t>Advantages</a:t>
-            </a:r>
-            <a:endParaRPr lang="en-US" dirty="0"/>
-          </a:p>
-        </p:txBody>
-      </p:sp>
-      <p:sp>
-        <p:nvSpPr>
-          <p:cNvPr id="4" name="Content Placeholder 3"/>
+              <a:t>Probability</a:t>
+            </a:r>
+            <a:endParaRPr lang="en-IN" dirty="0"/>
+          </a:p>
+        </p:txBody>
+      </p:sp>
+      <p:sp>
+        <p:nvSpPr>
+          <p:cNvPr id="3" name="Content Placeholder 2"/>
           <p:cNvSpPr>
             <a:spLocks noGrp="1"/>
           </p:cNvSpPr>
@@ -3885,7 +4154,7 @@
           <a:bodyPr/>
           <a:lstStyle/>
           <a:p>
-            <a:endParaRPr lang="en-US" dirty="0"/>
+            <a:endParaRPr lang="en-IN"/>
           </a:p>
         </p:txBody>
       </p:sp>
@@ -3894,13 +4163,6 @@
   <p:clrMapOvr>
     <a:masterClrMapping/>
   </p:clrMapOvr>
-  <p:timing>
-    <p:tnLst>
-      <p:par>
-        <p:cTn id="1" dur="indefinite" restart="never" nodeType="tmRoot"/>
-      </p:par>
-    </p:tnLst>
-  </p:timing>
 </p:sld>
 </file>
 
@@ -3933,20 +4195,26 @@
         </p:nvSpPr>
         <p:spPr/>
         <p:txBody>
-          <a:bodyPr/>
+          <a:bodyPr>
+            <a:normAutofit/>
+          </a:bodyPr>
           <a:lstStyle/>
           <a:p>
             <a:r>
               <a:rPr lang="en-US" dirty="0" smtClean="0"/>
-              <a:t>Disadvantages</a:t>
-            </a:r>
-            <a:endParaRPr lang="en-US" dirty="0"/>
-          </a:p>
-        </p:txBody>
-      </p:sp>
-      <p:sp>
-        <p:nvSpPr>
-          <p:cNvPr id="4" name="Content Placeholder 3"/>
+              <a:t>Conditional </a:t>
+            </a:r>
+            <a:r>
+              <a:rPr lang="en-US" dirty="0" smtClean="0"/>
+              <a:t>Probability</a:t>
+            </a:r>
+            <a:endParaRPr lang="en-IN" dirty="0"/>
+          </a:p>
+        </p:txBody>
+      </p:sp>
+      <p:sp>
+        <p:nvSpPr>
+          <p:cNvPr id="3" name="Content Placeholder 2"/>
           <p:cNvSpPr>
             <a:spLocks noGrp="1"/>
           </p:cNvSpPr>
@@ -3959,7 +4227,7 @@
           <a:bodyPr/>
           <a:lstStyle/>
           <a:p>
-            <a:endParaRPr lang="en-US" dirty="0"/>
+            <a:endParaRPr lang="en-IN"/>
           </a:p>
         </p:txBody>
       </p:sp>
@@ -3968,13 +4236,6 @@
   <p:clrMapOvr>
     <a:masterClrMapping/>
   </p:clrMapOvr>
-  <p:timing>
-    <p:tnLst>
-      <p:par>
-        <p:cTn id="1" dur="indefinite" restart="never" nodeType="tmRoot"/>
-      </p:par>
-    </p:tnLst>
-  </p:timing>
 </p:sld>
 </file>
 
@@ -4002,42 +4263,48 @@
             <a:spLocks noGrp="1"/>
           </p:cNvSpPr>
           <p:nvPr>
-            <p:ph type="ctrTitle"/>
-          </p:nvPr>
-        </p:nvSpPr>
-        <p:spPr/>
-        <p:txBody>
-          <a:bodyPr/>
-          <a:lstStyle/>
-          <a:p>
+            <p:ph type="title"/>
+          </p:nvPr>
+        </p:nvSpPr>
+        <p:spPr/>
+        <p:txBody>
+          <a:bodyPr>
+            <a:normAutofit/>
+          </a:bodyPr>
+          <a:lstStyle/>
+          <a:p>
+            <a:r>
+              <a:rPr lang="en-US" dirty="0" err="1" smtClean="0"/>
+              <a:t>Bayes</a:t>
+            </a:r>
             <a:r>
               <a:rPr lang="en-US" dirty="0" smtClean="0"/>
-              <a:t>Questions?</a:t>
-            </a:r>
-            <a:endParaRPr lang="en-US" dirty="0"/>
-          </a:p>
-        </p:txBody>
-      </p:sp>
-      <p:sp>
-        <p:nvSpPr>
-          <p:cNvPr id="3" name="Subtitle 2"/>
-          <p:cNvSpPr>
-            <a:spLocks noGrp="1"/>
-          </p:cNvSpPr>
-          <p:nvPr>
-            <p:ph type="subTitle" idx="1"/>
-          </p:nvPr>
-        </p:nvSpPr>
-        <p:spPr/>
-        <p:txBody>
-          <a:bodyPr/>
-          <a:lstStyle/>
-          <a:p>
+              <a:t>’ R</a:t>
+            </a:r>
             <a:r>
               <a:rPr lang="en-US" dirty="0" smtClean="0"/>
-              <a:t>Thank you</a:t>
-            </a:r>
-            <a:endParaRPr lang="en-US" dirty="0"/>
+              <a:t>ule</a:t>
+            </a:r>
+            <a:endParaRPr lang="en-IN" dirty="0"/>
+          </a:p>
+        </p:txBody>
+      </p:sp>
+      <p:sp>
+        <p:nvSpPr>
+          <p:cNvPr id="3" name="Content Placeholder 2"/>
+          <p:cNvSpPr>
+            <a:spLocks noGrp="1"/>
+          </p:cNvSpPr>
+          <p:nvPr>
+            <p:ph idx="1"/>
+          </p:nvPr>
+        </p:nvSpPr>
+        <p:spPr/>
+        <p:txBody>
+          <a:bodyPr/>
+          <a:lstStyle/>
+          <a:p>
+            <a:endParaRPr lang="en-IN"/>
           </a:p>
         </p:txBody>
       </p:sp>
@@ -4046,13 +4313,221 @@
   <p:clrMapOvr>
     <a:masterClrMapping/>
   </p:clrMapOvr>
-  <p:timing>
-    <p:tnLst>
-      <p:par>
-        <p:cTn id="1" dur="indefinite" restart="never" nodeType="tmRoot"/>
-      </p:par>
-    </p:tnLst>
-  </p:timing>
+</p:sld>
+</file>
+
+<file path=ppt/slides/slide7.xml><?xml version="1.0" encoding="utf-8"?>
+<p:sld xmlns:a="http://schemas.openxmlformats.org/drawingml/2006/main" xmlns:r="http://schemas.openxmlformats.org/officeDocument/2006/relationships" xmlns:p="http://schemas.openxmlformats.org/presentationml/2006/main">
+  <p:cSld>
+    <p:spTree>
+      <p:nvGrpSpPr>
+        <p:cNvPr id="1" name=""/>
+        <p:cNvGrpSpPr/>
+        <p:nvPr/>
+      </p:nvGrpSpPr>
+      <p:grpSpPr>
+        <a:xfrm>
+          <a:off x="0" y="0"/>
+          <a:ext cx="0" cy="0"/>
+          <a:chOff x="0" y="0"/>
+          <a:chExt cx="0" cy="0"/>
+        </a:xfrm>
+      </p:grpSpPr>
+      <p:sp>
+        <p:nvSpPr>
+          <p:cNvPr id="2" name="Title 1"/>
+          <p:cNvSpPr>
+            <a:spLocks noGrp="1"/>
+          </p:cNvSpPr>
+          <p:nvPr>
+            <p:ph type="title"/>
+          </p:nvPr>
+        </p:nvSpPr>
+        <p:spPr/>
+        <p:txBody>
+          <a:bodyPr/>
+          <a:lstStyle/>
+          <a:p>
+            <a:r>
+              <a:rPr lang="en-US" dirty="0" smtClean="0"/>
+              <a:t>Naive </a:t>
+            </a:r>
+            <a:r>
+              <a:rPr lang="en-US" dirty="0" err="1" smtClean="0"/>
+              <a:t>Bayes</a:t>
+            </a:r>
+            <a:endParaRPr lang="en-IN" dirty="0"/>
+          </a:p>
+        </p:txBody>
+      </p:sp>
+      <p:sp>
+        <p:nvSpPr>
+          <p:cNvPr id="3" name="Content Placeholder 2"/>
+          <p:cNvSpPr>
+            <a:spLocks noGrp="1"/>
+          </p:cNvSpPr>
+          <p:nvPr>
+            <p:ph idx="1"/>
+          </p:nvPr>
+        </p:nvSpPr>
+        <p:spPr/>
+        <p:txBody>
+          <a:bodyPr/>
+          <a:lstStyle/>
+          <a:p>
+            <a:endParaRPr lang="en-IN"/>
+          </a:p>
+        </p:txBody>
+      </p:sp>
+    </p:spTree>
+  </p:cSld>
+  <p:clrMapOvr>
+    <a:masterClrMapping/>
+  </p:clrMapOvr>
+</p:sld>
+</file>
+
+<file path=ppt/slides/slide8.xml><?xml version="1.0" encoding="utf-8"?>
+<p:sld xmlns:a="http://schemas.openxmlformats.org/drawingml/2006/main" xmlns:r="http://schemas.openxmlformats.org/officeDocument/2006/relationships" xmlns:p="http://schemas.openxmlformats.org/presentationml/2006/main">
+  <p:cSld>
+    <p:spTree>
+      <p:nvGrpSpPr>
+        <p:cNvPr id="1" name=""/>
+        <p:cNvGrpSpPr/>
+        <p:nvPr/>
+      </p:nvGrpSpPr>
+      <p:grpSpPr>
+        <a:xfrm>
+          <a:off x="0" y="0"/>
+          <a:ext cx="0" cy="0"/>
+          <a:chOff x="0" y="0"/>
+          <a:chExt cx="0" cy="0"/>
+        </a:xfrm>
+      </p:grpSpPr>
+      <p:sp>
+        <p:nvSpPr>
+          <p:cNvPr id="2" name="Title 1"/>
+          <p:cNvSpPr>
+            <a:spLocks noGrp="1"/>
+          </p:cNvSpPr>
+          <p:nvPr>
+            <p:ph type="title"/>
+          </p:nvPr>
+        </p:nvSpPr>
+        <p:spPr/>
+        <p:txBody>
+          <a:bodyPr>
+            <a:normAutofit/>
+          </a:bodyPr>
+          <a:lstStyle/>
+          <a:p>
+            <a:r>
+              <a:rPr lang="en-US" dirty="0" err="1" smtClean="0"/>
+              <a:t>Laplacian</a:t>
+            </a:r>
+            <a:r>
+              <a:rPr lang="en-US" dirty="0" smtClean="0"/>
+              <a:t> </a:t>
+            </a:r>
+            <a:r>
+              <a:rPr lang="en-US" dirty="0" smtClean="0"/>
+              <a:t>Smoothing</a:t>
+            </a:r>
+            <a:endParaRPr lang="en-IN" dirty="0"/>
+          </a:p>
+        </p:txBody>
+      </p:sp>
+      <p:sp>
+        <p:nvSpPr>
+          <p:cNvPr id="3" name="Content Placeholder 2"/>
+          <p:cNvSpPr>
+            <a:spLocks noGrp="1"/>
+          </p:cNvSpPr>
+          <p:nvPr>
+            <p:ph idx="1"/>
+          </p:nvPr>
+        </p:nvSpPr>
+        <p:spPr/>
+        <p:txBody>
+          <a:bodyPr/>
+          <a:lstStyle/>
+          <a:p>
+            <a:endParaRPr lang="en-IN"/>
+          </a:p>
+        </p:txBody>
+      </p:sp>
+    </p:spTree>
+  </p:cSld>
+  <p:clrMapOvr>
+    <a:masterClrMapping/>
+  </p:clrMapOvr>
+</p:sld>
+</file>
+
+<file path=ppt/slides/slide9.xml><?xml version="1.0" encoding="utf-8"?>
+<p:sld xmlns:a="http://schemas.openxmlformats.org/drawingml/2006/main" xmlns:r="http://schemas.openxmlformats.org/officeDocument/2006/relationships" xmlns:p="http://schemas.openxmlformats.org/presentationml/2006/main">
+  <p:cSld>
+    <p:spTree>
+      <p:nvGrpSpPr>
+        <p:cNvPr id="1" name=""/>
+        <p:cNvGrpSpPr/>
+        <p:nvPr/>
+      </p:nvGrpSpPr>
+      <p:grpSpPr>
+        <a:xfrm>
+          <a:off x="0" y="0"/>
+          <a:ext cx="0" cy="0"/>
+          <a:chOff x="0" y="0"/>
+          <a:chExt cx="0" cy="0"/>
+        </a:xfrm>
+      </p:grpSpPr>
+      <p:sp>
+        <p:nvSpPr>
+          <p:cNvPr id="2" name="Title 1"/>
+          <p:cNvSpPr>
+            <a:spLocks noGrp="1"/>
+          </p:cNvSpPr>
+          <p:nvPr>
+            <p:ph type="title"/>
+          </p:nvPr>
+        </p:nvSpPr>
+        <p:spPr/>
+        <p:txBody>
+          <a:bodyPr/>
+          <a:lstStyle/>
+          <a:p>
+            <a:r>
+              <a:rPr lang="en-IN" dirty="0" smtClean="0"/>
+              <a:t>Applications</a:t>
+            </a:r>
+            <a:endParaRPr lang="en-IN" dirty="0"/>
+          </a:p>
+        </p:txBody>
+      </p:sp>
+      <p:sp>
+        <p:nvSpPr>
+          <p:cNvPr id="3" name="Content Placeholder 2"/>
+          <p:cNvSpPr>
+            <a:spLocks noGrp="1"/>
+          </p:cNvSpPr>
+          <p:nvPr>
+            <p:ph idx="1"/>
+          </p:nvPr>
+        </p:nvSpPr>
+        <p:spPr/>
+        <p:txBody>
+          <a:bodyPr/>
+          <a:lstStyle/>
+          <a:p>
+            <a:endParaRPr lang="en-IN"/>
+          </a:p>
+        </p:txBody>
+      </p:sp>
+    </p:spTree>
+  </p:cSld>
+  <p:clrMapOvr>
+    <a:masterClrMapping/>
+  </p:clrMapOvr>
 </p:sld>
 </file>
 

--- a/MachineLearning/NaiveBayes/NaiveBayes.pptx
+++ b/MachineLearning/NaiveBayes/NaiveBayes.pptx
@@ -5,21 +5,22 @@
     <p:sldMasterId id="2147483648" r:id="rId1"/>
   </p:sldMasterIdLst>
   <p:notesMasterIdLst>
-    <p:notesMasterId r:id="rId14"/>
+    <p:notesMasterId r:id="rId15"/>
   </p:notesMasterIdLst>
   <p:sldIdLst>
     <p:sldId id="256" r:id="rId2"/>
     <p:sldId id="268" r:id="rId3"/>
     <p:sldId id="270" r:id="rId4"/>
     <p:sldId id="274" r:id="rId5"/>
-    <p:sldId id="275" r:id="rId6"/>
-    <p:sldId id="276" r:id="rId7"/>
-    <p:sldId id="277" r:id="rId8"/>
-    <p:sldId id="278" r:id="rId9"/>
-    <p:sldId id="279" r:id="rId10"/>
-    <p:sldId id="271" r:id="rId11"/>
-    <p:sldId id="273" r:id="rId12"/>
-    <p:sldId id="269" r:id="rId13"/>
+    <p:sldId id="280" r:id="rId6"/>
+    <p:sldId id="275" r:id="rId7"/>
+    <p:sldId id="276" r:id="rId8"/>
+    <p:sldId id="277" r:id="rId9"/>
+    <p:sldId id="278" r:id="rId10"/>
+    <p:sldId id="279" r:id="rId11"/>
+    <p:sldId id="271" r:id="rId12"/>
+    <p:sldId id="273" r:id="rId13"/>
+    <p:sldId id="269" r:id="rId14"/>
   </p:sldIdLst>
   <p:sldSz cx="9144000" cy="6858000" type="screen4x3"/>
   <p:notesSz cx="6858000" cy="9144000"/>
@@ -3539,16 +3540,16 @@
           <a:lstStyle/>
           <a:p>
             <a:r>
-              <a:rPr lang="en-US" dirty="0" smtClean="0"/>
-              <a:t>Advantages</a:t>
-            </a:r>
-            <a:endParaRPr lang="en-US" dirty="0"/>
-          </a:p>
-        </p:txBody>
-      </p:sp>
-      <p:sp>
-        <p:nvSpPr>
-          <p:cNvPr id="4" name="Content Placeholder 3"/>
+              <a:rPr lang="en-IN" dirty="0" smtClean="0"/>
+              <a:t>Applications</a:t>
+            </a:r>
+            <a:endParaRPr lang="en-IN" dirty="0"/>
+          </a:p>
+        </p:txBody>
+      </p:sp>
+      <p:sp>
+        <p:nvSpPr>
+          <p:cNvPr id="3" name="Content Placeholder 2"/>
           <p:cNvSpPr>
             <a:spLocks noGrp="1"/>
           </p:cNvSpPr>
@@ -3561,7 +3562,7 @@
           <a:bodyPr/>
           <a:lstStyle/>
           <a:p>
-            <a:endParaRPr lang="en-US" dirty="0"/>
+            <a:endParaRPr lang="en-IN"/>
           </a:p>
         </p:txBody>
       </p:sp>
@@ -3570,13 +3571,6 @@
   <p:clrMapOvr>
     <a:masterClrMapping/>
   </p:clrMapOvr>
-  <p:timing>
-    <p:tnLst>
-      <p:par>
-        <p:cTn id="1" dur="indefinite" restart="never" nodeType="tmRoot"/>
-      </p:par>
-    </p:tnLst>
-  </p:timing>
 </p:sld>
 </file>
 
@@ -3614,7 +3608,7 @@
           <a:p>
             <a:r>
               <a:rPr lang="en-US" dirty="0" smtClean="0"/>
-              <a:t>Disadvantages</a:t>
+              <a:t>Advantages</a:t>
             </a:r>
             <a:endParaRPr lang="en-US" dirty="0"/>
           </a:p>
@@ -3678,6 +3672,80 @@
             <a:spLocks noGrp="1"/>
           </p:cNvSpPr>
           <p:nvPr>
+            <p:ph type="title"/>
+          </p:nvPr>
+        </p:nvSpPr>
+        <p:spPr/>
+        <p:txBody>
+          <a:bodyPr/>
+          <a:lstStyle/>
+          <a:p>
+            <a:r>
+              <a:rPr lang="en-US" dirty="0" smtClean="0"/>
+              <a:t>Disadvantages</a:t>
+            </a:r>
+            <a:endParaRPr lang="en-US" dirty="0"/>
+          </a:p>
+        </p:txBody>
+      </p:sp>
+      <p:sp>
+        <p:nvSpPr>
+          <p:cNvPr id="4" name="Content Placeholder 3"/>
+          <p:cNvSpPr>
+            <a:spLocks noGrp="1"/>
+          </p:cNvSpPr>
+          <p:nvPr>
+            <p:ph idx="1"/>
+          </p:nvPr>
+        </p:nvSpPr>
+        <p:spPr/>
+        <p:txBody>
+          <a:bodyPr/>
+          <a:lstStyle/>
+          <a:p>
+            <a:endParaRPr lang="en-US" dirty="0"/>
+          </a:p>
+        </p:txBody>
+      </p:sp>
+    </p:spTree>
+  </p:cSld>
+  <p:clrMapOvr>
+    <a:masterClrMapping/>
+  </p:clrMapOvr>
+  <p:timing>
+    <p:tnLst>
+      <p:par>
+        <p:cTn id="1" dur="indefinite" restart="never" nodeType="tmRoot"/>
+      </p:par>
+    </p:tnLst>
+  </p:timing>
+</p:sld>
+</file>
+
+<file path=ppt/slides/slide13.xml><?xml version="1.0" encoding="utf-8"?>
+<p:sld xmlns:a="http://schemas.openxmlformats.org/drawingml/2006/main" xmlns:r="http://schemas.openxmlformats.org/officeDocument/2006/relationships" xmlns:p="http://schemas.openxmlformats.org/presentationml/2006/main">
+  <p:cSld>
+    <p:spTree>
+      <p:nvGrpSpPr>
+        <p:cNvPr id="1" name=""/>
+        <p:cNvGrpSpPr/>
+        <p:nvPr/>
+      </p:nvGrpSpPr>
+      <p:grpSpPr>
+        <a:xfrm>
+          <a:off x="0" y="0"/>
+          <a:ext cx="0" cy="0"/>
+          <a:chOff x="0" y="0"/>
+          <a:chExt cx="0" cy="0"/>
+        </a:xfrm>
+      </p:grpSpPr>
+      <p:sp>
+        <p:nvSpPr>
+          <p:cNvPr id="2" name="Title 1"/>
+          <p:cNvSpPr>
+            <a:spLocks noGrp="1"/>
+          </p:cNvSpPr>
+          <p:nvPr>
             <p:ph type="ctrTitle"/>
           </p:nvPr>
         </p:nvSpPr>
@@ -4154,10 +4222,49 @@
           <a:bodyPr/>
           <a:lstStyle/>
           <a:p>
-            <a:endParaRPr lang="en-IN"/>
-          </a:p>
-        </p:txBody>
-      </p:sp>
+            <a:r>
+              <a:rPr lang="en-IN" dirty="0" smtClean="0"/>
+              <a:t>Application </a:t>
+            </a:r>
+            <a:r>
+              <a:rPr lang="en-IN" dirty="0" smtClean="0"/>
+              <a:t>– SMS spam detection</a:t>
+            </a:r>
+          </a:p>
+          <a:p>
+            <a:r>
+              <a:rPr lang="en-IN" dirty="0" smtClean="0"/>
+              <a:t>Corpus of SMSs</a:t>
+            </a:r>
+          </a:p>
+          <a:p>
+            <a:endParaRPr lang="en-IN" dirty="0" smtClean="0"/>
+          </a:p>
+          <a:p>
+            <a:endParaRPr lang="en-IN" dirty="0"/>
+          </a:p>
+        </p:txBody>
+      </p:sp>
+      <p:graphicFrame>
+        <p:nvGraphicFramePr>
+          <p:cNvPr id="4" name="Object 3"/>
+          <p:cNvGraphicFramePr>
+            <a:graphicFrameLocks noChangeAspect="1"/>
+          </p:cNvGraphicFramePr>
+          <p:nvPr/>
+        </p:nvGraphicFramePr>
+        <p:xfrm>
+          <a:off x="838200" y="2912729"/>
+          <a:ext cx="3886200" cy="2345071"/>
+        </p:xfrm>
+        <a:graphic>
+          <a:graphicData uri="http://schemas.openxmlformats.org/presentationml/2006/ole">
+            <p:oleObj spid="_x0000_s1026" name="Equation" r:id="rId3" imgW="1854000" imgH="1117440" progId="Equation.3">
+              <p:embed/>
+            </p:oleObj>
+          </a:graphicData>
+        </a:graphic>
+      </p:graphicFrame>
     </p:spTree>
   </p:cSld>
   <p:clrMapOvr>
@@ -4195,15 +4302,9 @@
         </p:nvSpPr>
         <p:spPr/>
         <p:txBody>
-          <a:bodyPr>
-            <a:normAutofit/>
-          </a:bodyPr>
-          <a:lstStyle/>
-          <a:p>
-            <a:r>
-              <a:rPr lang="en-US" dirty="0" smtClean="0"/>
-              <a:t>Conditional </a:t>
-            </a:r>
+          <a:bodyPr/>
+          <a:lstStyle/>
+          <a:p>
             <a:r>
               <a:rPr lang="en-US" dirty="0" smtClean="0"/>
               <a:t>Probability</a:t>
@@ -4227,10 +4328,311 @@
           <a:bodyPr/>
           <a:lstStyle/>
           <a:p>
-            <a:endParaRPr lang="en-IN"/>
-          </a:p>
-        </p:txBody>
-      </p:sp>
+            <a:r>
+              <a:rPr lang="en-IN" dirty="0" smtClean="0"/>
+              <a:t>Application </a:t>
+            </a:r>
+            <a:r>
+              <a:rPr lang="en-IN" dirty="0" smtClean="0"/>
+              <a:t>– SMS spam detection</a:t>
+            </a:r>
+          </a:p>
+          <a:p>
+            <a:r>
+              <a:rPr lang="en-IN" dirty="0" smtClean="0"/>
+              <a:t>Corpus of SMSs</a:t>
+            </a:r>
+          </a:p>
+          <a:p>
+            <a:endParaRPr lang="en-IN" dirty="0" smtClean="0"/>
+          </a:p>
+          <a:p>
+            <a:endParaRPr lang="en-IN" dirty="0"/>
+          </a:p>
+        </p:txBody>
+      </p:sp>
+      <p:graphicFrame>
+        <p:nvGraphicFramePr>
+          <p:cNvPr id="4" name="Object 3"/>
+          <p:cNvGraphicFramePr>
+            <a:graphicFrameLocks noChangeAspect="1"/>
+          </p:cNvGraphicFramePr>
+          <p:nvPr/>
+        </p:nvGraphicFramePr>
+        <p:xfrm>
+          <a:off x="838200" y="2912729"/>
+          <a:ext cx="3886200" cy="2345071"/>
+        </p:xfrm>
+        <a:graphic>
+          <a:graphicData uri="http://schemas.openxmlformats.org/presentationml/2006/ole">
+            <p:oleObj spid="_x0000_s2050" name="Equation" r:id="rId3" imgW="1854000" imgH="1117440" progId="Equation.3">
+              <p:embed/>
+            </p:oleObj>
+          </a:graphicData>
+        </a:graphic>
+      </p:graphicFrame>
+      <p:graphicFrame>
+        <p:nvGraphicFramePr>
+          <p:cNvPr id="5" name="Table 4"/>
+          <p:cNvGraphicFramePr>
+            <a:graphicFrameLocks noGrp="1"/>
+          </p:cNvGraphicFramePr>
+          <p:nvPr/>
+        </p:nvGraphicFramePr>
+        <p:xfrm>
+          <a:off x="5029200" y="3022600"/>
+          <a:ext cx="2895600" cy="2225040"/>
+        </p:xfrm>
+        <a:graphic>
+          <a:graphicData uri="http://schemas.openxmlformats.org/drawingml/2006/table">
+            <a:tbl>
+              <a:tblPr firstRow="1" bandRow="1">
+                <a:tableStyleId>{5C22544A-7EE6-4342-B048-85BDC9FD1C3A}</a:tableStyleId>
+              </a:tblPr>
+              <a:tblGrid>
+                <a:gridCol w="1447800"/>
+                <a:gridCol w="1447800"/>
+              </a:tblGrid>
+              <a:tr h="370840">
+                <a:tc>
+                  <a:txBody>
+                    <a:bodyPr/>
+                    <a:lstStyle/>
+                    <a:p>
+                      <a:pPr algn="ctr"/>
+                      <a:r>
+                        <a:rPr lang="en-IN" dirty="0" smtClean="0"/>
+                        <a:t>Name</a:t>
+                      </a:r>
+                      <a:endParaRPr lang="en-IN" dirty="0"/>
+                    </a:p>
+                  </a:txBody>
+                  <a:tcPr/>
+                </a:tc>
+                <a:tc>
+                  <a:txBody>
+                    <a:bodyPr/>
+                    <a:lstStyle/>
+                    <a:p>
+                      <a:pPr algn="ctr"/>
+                      <a:r>
+                        <a:rPr lang="en-IN" dirty="0" smtClean="0"/>
+                        <a:t>Value</a:t>
+                      </a:r>
+                      <a:endParaRPr lang="en-IN" dirty="0"/>
+                    </a:p>
+                  </a:txBody>
+                  <a:tcPr/>
+                </a:tc>
+              </a:tr>
+              <a:tr h="370840">
+                <a:tc>
+                  <a:txBody>
+                    <a:bodyPr/>
+                    <a:lstStyle/>
+                    <a:p>
+                      <a:pPr algn="ctr"/>
+                      <a:r>
+                        <a:rPr lang="en-IN" dirty="0" smtClean="0"/>
+                        <a:t>N</a:t>
+                      </a:r>
+                      <a:r>
+                        <a:rPr lang="en-IN" baseline="-25000" dirty="0" smtClean="0"/>
+                        <a:t>Total</a:t>
+                      </a:r>
+                      <a:endParaRPr lang="en-IN" baseline="-25000" dirty="0"/>
+                    </a:p>
+                  </a:txBody>
+                  <a:tcPr/>
+                </a:tc>
+                <a:tc>
+                  <a:txBody>
+                    <a:bodyPr/>
+                    <a:lstStyle/>
+                    <a:p>
+                      <a:pPr algn="ctr"/>
+                      <a:r>
+                        <a:rPr lang="en-IN" dirty="0" smtClean="0"/>
+                        <a:t>1000</a:t>
+                      </a:r>
+                      <a:endParaRPr lang="en-IN" dirty="0"/>
+                    </a:p>
+                  </a:txBody>
+                  <a:tcPr/>
+                </a:tc>
+              </a:tr>
+              <a:tr h="370840">
+                <a:tc>
+                  <a:txBody>
+                    <a:bodyPr/>
+                    <a:lstStyle/>
+                    <a:p>
+                      <a:pPr marL="0" marR="0" indent="0" algn="ctr" defTabSz="914400" rtl="0" eaLnBrk="1" fontAlgn="auto" latinLnBrk="0" hangingPunct="1">
+                        <a:lnSpc>
+                          <a:spcPct val="100000"/>
+                        </a:lnSpc>
+                        <a:spcBef>
+                          <a:spcPts val="0"/>
+                        </a:spcBef>
+                        <a:spcAft>
+                          <a:spcPts val="0"/>
+                        </a:spcAft>
+                        <a:buClrTx/>
+                        <a:buSzTx/>
+                        <a:buFontTx/>
+                        <a:buNone/>
+                        <a:tabLst/>
+                        <a:defRPr/>
+                      </a:pPr>
+                      <a:r>
+                        <a:rPr lang="en-IN" dirty="0" err="1" smtClean="0"/>
+                        <a:t>N</a:t>
+                      </a:r>
+                      <a:r>
+                        <a:rPr lang="en-IN" baseline="-25000" dirty="0" err="1" smtClean="0"/>
+                        <a:t>Ham</a:t>
+                      </a:r>
+                      <a:endParaRPr lang="en-IN" dirty="0"/>
+                    </a:p>
+                  </a:txBody>
+                  <a:tcPr/>
+                </a:tc>
+                <a:tc>
+                  <a:txBody>
+                    <a:bodyPr/>
+                    <a:lstStyle/>
+                    <a:p>
+                      <a:pPr algn="ctr"/>
+                      <a:r>
+                        <a:rPr lang="en-IN" dirty="0" smtClean="0"/>
+                        <a:t>800</a:t>
+                      </a:r>
+                      <a:endParaRPr lang="en-IN" dirty="0"/>
+                    </a:p>
+                  </a:txBody>
+                  <a:tcPr/>
+                </a:tc>
+              </a:tr>
+              <a:tr h="370840">
+                <a:tc>
+                  <a:txBody>
+                    <a:bodyPr/>
+                    <a:lstStyle/>
+                    <a:p>
+                      <a:pPr marL="0" marR="0" indent="0" algn="ctr" defTabSz="914400" rtl="0" eaLnBrk="1" fontAlgn="auto" latinLnBrk="0" hangingPunct="1">
+                        <a:lnSpc>
+                          <a:spcPct val="100000"/>
+                        </a:lnSpc>
+                        <a:spcBef>
+                          <a:spcPts val="0"/>
+                        </a:spcBef>
+                        <a:spcAft>
+                          <a:spcPts val="0"/>
+                        </a:spcAft>
+                        <a:buClrTx/>
+                        <a:buSzTx/>
+                        <a:buFontTx/>
+                        <a:buNone/>
+                        <a:tabLst/>
+                        <a:defRPr/>
+                      </a:pPr>
+                      <a:r>
+                        <a:rPr lang="en-IN" dirty="0" err="1" smtClean="0"/>
+                        <a:t>N</a:t>
+                      </a:r>
+                      <a:r>
+                        <a:rPr lang="en-IN" baseline="-25000" dirty="0" err="1" smtClean="0"/>
+                        <a:t>Spam</a:t>
+                      </a:r>
+                      <a:endParaRPr lang="en-IN" dirty="0"/>
+                    </a:p>
+                  </a:txBody>
+                  <a:tcPr/>
+                </a:tc>
+                <a:tc>
+                  <a:txBody>
+                    <a:bodyPr/>
+                    <a:lstStyle/>
+                    <a:p>
+                      <a:pPr algn="ctr"/>
+                      <a:r>
+                        <a:rPr lang="en-IN" dirty="0" smtClean="0"/>
+                        <a:t>200</a:t>
+                      </a:r>
+                      <a:endParaRPr lang="en-IN" dirty="0"/>
+                    </a:p>
+                  </a:txBody>
+                  <a:tcPr/>
+                </a:tc>
+              </a:tr>
+              <a:tr h="370840">
+                <a:tc>
+                  <a:txBody>
+                    <a:bodyPr/>
+                    <a:lstStyle/>
+                    <a:p>
+                      <a:pPr algn="ctr"/>
+                      <a:r>
+                        <a:rPr lang="en-IN" dirty="0" smtClean="0"/>
+                        <a:t>P(Spam)</a:t>
+                      </a:r>
+                      <a:endParaRPr lang="en-IN" dirty="0"/>
+                    </a:p>
+                  </a:txBody>
+                  <a:tcPr/>
+                </a:tc>
+                <a:tc>
+                  <a:txBody>
+                    <a:bodyPr/>
+                    <a:lstStyle/>
+                    <a:p>
+                      <a:pPr algn="ctr"/>
+                      <a:r>
+                        <a:rPr lang="en-IN" dirty="0" smtClean="0"/>
+                        <a:t>0.2</a:t>
+                      </a:r>
+                      <a:endParaRPr lang="en-IN" dirty="0"/>
+                    </a:p>
+                  </a:txBody>
+                  <a:tcPr/>
+                </a:tc>
+              </a:tr>
+              <a:tr h="370840">
+                <a:tc>
+                  <a:txBody>
+                    <a:bodyPr/>
+                    <a:lstStyle/>
+                    <a:p>
+                      <a:pPr algn="ctr"/>
+                      <a:r>
+                        <a:rPr lang="en-IN" dirty="0" smtClean="0"/>
+                        <a:t>P(Ham)</a:t>
+                      </a:r>
+                      <a:endParaRPr lang="en-IN" dirty="0"/>
+                    </a:p>
+                  </a:txBody>
+                  <a:tcPr/>
+                </a:tc>
+                <a:tc>
+                  <a:txBody>
+                    <a:bodyPr/>
+                    <a:lstStyle/>
+                    <a:p>
+                      <a:pPr algn="ctr"/>
+                      <a:r>
+                        <a:rPr lang="en-IN" smtClean="0"/>
+                        <a:t>0.8</a:t>
+                      </a:r>
+                      <a:endParaRPr lang="en-IN" dirty="0"/>
+                    </a:p>
+                  </a:txBody>
+                  <a:tcPr/>
+                </a:tc>
+              </a:tr>
+            </a:tbl>
+          </a:graphicData>
+        </a:graphic>
+      </p:graphicFrame>
     </p:spTree>
   </p:cSld>
   <p:clrMapOvr>
@@ -4274,16 +4676,12 @@
           <a:lstStyle/>
           <a:p>
             <a:r>
-              <a:rPr lang="en-US" dirty="0" err="1" smtClean="0"/>
-              <a:t>Bayes</a:t>
-            </a:r>
-            <a:r>
               <a:rPr lang="en-US" dirty="0" smtClean="0"/>
-              <a:t>’ R</a:t>
+              <a:t>Conditional </a:t>
             </a:r>
             <a:r>
               <a:rPr lang="en-US" dirty="0" smtClean="0"/>
-              <a:t>ule</a:t>
+              <a:t>Probability</a:t>
             </a:r>
             <a:endParaRPr lang="en-IN" dirty="0"/>
           </a:p>
@@ -4345,16 +4743,22 @@
         </p:nvSpPr>
         <p:spPr/>
         <p:txBody>
-          <a:bodyPr/>
-          <a:lstStyle/>
-          <a:p>
-            <a:r>
-              <a:rPr lang="en-US" dirty="0" smtClean="0"/>
-              <a:t>Naive </a:t>
-            </a:r>
+          <a:bodyPr>
+            <a:normAutofit/>
+          </a:bodyPr>
+          <a:lstStyle/>
+          <a:p>
             <a:r>
               <a:rPr lang="en-US" dirty="0" err="1" smtClean="0"/>
               <a:t>Bayes</a:t>
+            </a:r>
+            <a:r>
+              <a:rPr lang="en-US" dirty="0" smtClean="0"/>
+              <a:t>’ R</a:t>
+            </a:r>
+            <a:r>
+              <a:rPr lang="en-US" dirty="0" smtClean="0"/>
+              <a:t>ule</a:t>
             </a:r>
             <a:endParaRPr lang="en-IN" dirty="0"/>
           </a:p>
@@ -4416,22 +4820,16 @@
         </p:nvSpPr>
         <p:spPr/>
         <p:txBody>
-          <a:bodyPr>
-            <a:normAutofit/>
-          </a:bodyPr>
-          <a:lstStyle/>
-          <a:p>
+          <a:bodyPr/>
+          <a:lstStyle/>
+          <a:p>
+            <a:r>
+              <a:rPr lang="en-US" dirty="0" smtClean="0"/>
+              <a:t>Naive </a:t>
+            </a:r>
             <a:r>
               <a:rPr lang="en-US" dirty="0" err="1" smtClean="0"/>
-              <a:t>Laplacian</a:t>
-            </a:r>
-            <a:r>
-              <a:rPr lang="en-US" dirty="0" smtClean="0"/>
-              <a:t> </a:t>
-            </a:r>
-            <a:r>
-              <a:rPr lang="en-US" dirty="0" smtClean="0"/>
-              <a:t>Smoothing</a:t>
+              <a:t>Bayes</a:t>
             </a:r>
             <a:endParaRPr lang="en-IN" dirty="0"/>
           </a:p>
@@ -4493,12 +4891,22 @@
         </p:nvSpPr>
         <p:spPr/>
         <p:txBody>
-          <a:bodyPr/>
-          <a:lstStyle/>
-          <a:p>
-            <a:r>
-              <a:rPr lang="en-IN" dirty="0" smtClean="0"/>
-              <a:t>Applications</a:t>
+          <a:bodyPr>
+            <a:normAutofit/>
+          </a:bodyPr>
+          <a:lstStyle/>
+          <a:p>
+            <a:r>
+              <a:rPr lang="en-US" dirty="0" err="1" smtClean="0"/>
+              <a:t>Laplacian</a:t>
+            </a:r>
+            <a:r>
+              <a:rPr lang="en-US" dirty="0" smtClean="0"/>
+              <a:t> </a:t>
+            </a:r>
+            <a:r>
+              <a:rPr lang="en-US" dirty="0" smtClean="0"/>
+              <a:t>Smoothing</a:t>
             </a:r>
             <a:endParaRPr lang="en-IN" dirty="0"/>
           </a:p>

--- a/MachineLearning/NaiveBayes/NaiveBayes.pptx
+++ b/MachineLearning/NaiveBayes/NaiveBayes.pptx
@@ -11,8 +11,8 @@
     <p:sldId id="256" r:id="rId2"/>
     <p:sldId id="268" r:id="rId3"/>
     <p:sldId id="270" r:id="rId4"/>
-    <p:sldId id="274" r:id="rId5"/>
-    <p:sldId id="280" r:id="rId6"/>
+    <p:sldId id="280" r:id="rId5"/>
+    <p:sldId id="281" r:id="rId6"/>
     <p:sldId id="275" r:id="rId7"/>
     <p:sldId id="276" r:id="rId8"/>
     <p:sldId id="277" r:id="rId9"/>
@@ -4238,6 +4238,20 @@
             </a:r>
           </a:p>
           <a:p>
+            <a:r>
+              <a:rPr lang="en-IN" dirty="0" smtClean="0"/>
+              <a:t>Events – </a:t>
+            </a:r>
+            <a:r>
+              <a:rPr lang="en-IN" dirty="0" smtClean="0"/>
+              <a:t>Ham </a:t>
+            </a:r>
+            <a:r>
+              <a:rPr lang="en-IN" dirty="0" smtClean="0"/>
+              <a:t>or Spam SMS</a:t>
+            </a:r>
+          </a:p>
+          <a:p>
             <a:endParaRPr lang="en-IN" dirty="0" smtClean="0"/>
           </a:p>
           <a:p>
@@ -4254,12 +4268,12 @@
           <p:nvPr/>
         </p:nvGraphicFramePr>
         <p:xfrm>
-          <a:off x="838200" y="2912729"/>
-          <a:ext cx="3886200" cy="2345071"/>
+          <a:off x="838200" y="3505200"/>
+          <a:ext cx="3886200" cy="1865313"/>
         </p:xfrm>
         <a:graphic>
           <a:graphicData uri="http://schemas.openxmlformats.org/presentationml/2006/ole">
-            <p:oleObj spid="_x0000_s1026" name="Equation" r:id="rId3" imgW="1854000" imgH="1117440" progId="Equation.3">
+            <p:oleObj spid="_x0000_s2050" name="Equation" r:id="rId3" imgW="1854000" imgH="888840" progId="Equation.3">
               <p:embed/>
             </p:oleObj>
           </a:graphicData>
@@ -4344,6 +4358,13 @@
             </a:r>
           </a:p>
           <a:p>
+            <a:r>
+              <a:rPr lang="en-IN" smtClean="0"/>
+              <a:t>Events – Ham or Spam SMS</a:t>
+            </a:r>
+            <a:endParaRPr lang="en-IN" dirty="0" smtClean="0"/>
+          </a:p>
+          <a:p>
             <a:endParaRPr lang="en-IN" dirty="0" smtClean="0"/>
           </a:p>
           <a:p>
@@ -4360,12 +4381,12 @@
           <p:nvPr/>
         </p:nvGraphicFramePr>
         <p:xfrm>
-          <a:off x="838200" y="2912729"/>
-          <a:ext cx="3886200" cy="2345071"/>
+          <a:off x="838200" y="3505200"/>
+          <a:ext cx="3886200" cy="1865313"/>
         </p:xfrm>
         <a:graphic>
           <a:graphicData uri="http://schemas.openxmlformats.org/presentationml/2006/ole">
-            <p:oleObj spid="_x0000_s2050" name="Equation" r:id="rId3" imgW="1854000" imgH="1117440" progId="Equation.3">
+            <p:oleObj spid="_x0000_s3074" name="Equation" r:id="rId3" imgW="1854000" imgH="888840" progId="Equation.3">
               <p:embed/>
             </p:oleObj>
           </a:graphicData>
@@ -4380,7 +4401,7 @@
           <p:nvPr/>
         </p:nvGraphicFramePr>
         <p:xfrm>
-          <a:off x="5029200" y="3022600"/>
+          <a:off x="5105400" y="3505200"/>
           <a:ext cx="2895600" cy="2225040"/>
         </p:xfrm>
         <a:graphic>
@@ -4574,6 +4595,38 @@
                       <a:pPr algn="ctr"/>
                       <a:r>
                         <a:rPr lang="en-IN" dirty="0" smtClean="0"/>
+                        <a:t>P(Ham)</a:t>
+                      </a:r>
+                      <a:endParaRPr lang="en-IN" dirty="0"/>
+                    </a:p>
+                  </a:txBody>
+                  <a:tcPr/>
+                </a:tc>
+                <a:tc>
+                  <a:txBody>
+                    <a:bodyPr/>
+                    <a:lstStyle/>
+                    <a:p>
+                      <a:pPr algn="ctr"/>
+                      <a:r>
+                        <a:rPr lang="en-IN" dirty="0" smtClean="0"/>
+                        <a:t>0.8</a:t>
+                      </a:r>
+                      <a:endParaRPr lang="en-IN" dirty="0"/>
+                    </a:p>
+                  </a:txBody>
+                  <a:tcPr/>
+                </a:tc>
+              </a:tr>
+              <a:tr h="370840">
+                <a:tc>
+                  <a:txBody>
+                    <a:bodyPr/>
+                    <a:lstStyle/>
+                    <a:p>
+                      <a:pPr algn="ctr"/>
+                      <a:r>
+                        <a:rPr lang="en-IN" dirty="0" smtClean="0"/>
                         <a:t>P(Spam)</a:t>
                       </a:r>
                       <a:endParaRPr lang="en-IN" dirty="0"/>
@@ -4590,38 +4643,6 @@
                       <a:r>
                         <a:rPr lang="en-IN" dirty="0" smtClean="0"/>
                         <a:t>0.2</a:t>
-                      </a:r>
-                      <a:endParaRPr lang="en-IN" dirty="0"/>
-                    </a:p>
-                  </a:txBody>
-                  <a:tcPr/>
-                </a:tc>
-              </a:tr>
-              <a:tr h="370840">
-                <a:tc>
-                  <a:txBody>
-                    <a:bodyPr/>
-                    <a:lstStyle/>
-                    <a:p>
-                      <a:pPr algn="ctr"/>
-                      <a:r>
-                        <a:rPr lang="en-IN" dirty="0" smtClean="0"/>
-                        <a:t>P(Ham)</a:t>
-                      </a:r>
-                      <a:endParaRPr lang="en-IN" dirty="0"/>
-                    </a:p>
-                  </a:txBody>
-                  <a:tcPr/>
-                </a:tc>
-                <a:tc>
-                  <a:txBody>
-                    <a:bodyPr/>
-                    <a:lstStyle/>
-                    <a:p>
-                      <a:pPr algn="ctr"/>
-                      <a:r>
-                        <a:rPr lang="en-IN" smtClean="0"/>
-                        <a:t>0.8</a:t>
                       </a:r>
                       <a:endParaRPr lang="en-IN" dirty="0"/>
                     </a:p>

--- a/MachineLearning/NaiveBayes/NaiveBayes.pptx
+++ b/MachineLearning/NaiveBayes/NaiveBayes.pptx
@@ -11,8 +11,8 @@
     <p:sldId id="256" r:id="rId2"/>
     <p:sldId id="268" r:id="rId3"/>
     <p:sldId id="270" r:id="rId4"/>
-    <p:sldId id="280" r:id="rId5"/>
-    <p:sldId id="281" r:id="rId6"/>
+    <p:sldId id="281" r:id="rId5"/>
+    <p:sldId id="282" r:id="rId6"/>
     <p:sldId id="275" r:id="rId7"/>
     <p:sldId id="276" r:id="rId8"/>
     <p:sldId id="277" r:id="rId9"/>
@@ -4240,126 +4240,6 @@
           <a:p>
             <a:r>
               <a:rPr lang="en-IN" dirty="0" smtClean="0"/>
-              <a:t>Events – </a:t>
-            </a:r>
-            <a:r>
-              <a:rPr lang="en-IN" dirty="0" smtClean="0"/>
-              <a:t>Ham </a:t>
-            </a:r>
-            <a:r>
-              <a:rPr lang="en-IN" dirty="0" smtClean="0"/>
-              <a:t>or Spam SMS</a:t>
-            </a:r>
-          </a:p>
-          <a:p>
-            <a:endParaRPr lang="en-IN" dirty="0" smtClean="0"/>
-          </a:p>
-          <a:p>
-            <a:endParaRPr lang="en-IN" dirty="0"/>
-          </a:p>
-        </p:txBody>
-      </p:sp>
-      <p:graphicFrame>
-        <p:nvGraphicFramePr>
-          <p:cNvPr id="4" name="Object 3"/>
-          <p:cNvGraphicFramePr>
-            <a:graphicFrameLocks noChangeAspect="1"/>
-          </p:cNvGraphicFramePr>
-          <p:nvPr/>
-        </p:nvGraphicFramePr>
-        <p:xfrm>
-          <a:off x="838200" y="3505200"/>
-          <a:ext cx="3886200" cy="1865313"/>
-        </p:xfrm>
-        <a:graphic>
-          <a:graphicData uri="http://schemas.openxmlformats.org/presentationml/2006/ole">
-            <p:oleObj spid="_x0000_s2050" name="Equation" r:id="rId3" imgW="1854000" imgH="888840" progId="Equation.3">
-              <p:embed/>
-            </p:oleObj>
-          </a:graphicData>
-        </a:graphic>
-      </p:graphicFrame>
-    </p:spTree>
-  </p:cSld>
-  <p:clrMapOvr>
-    <a:masterClrMapping/>
-  </p:clrMapOvr>
-</p:sld>
-</file>
-
-<file path=ppt/slides/slide5.xml><?xml version="1.0" encoding="utf-8"?>
-<p:sld xmlns:a="http://schemas.openxmlformats.org/drawingml/2006/main" xmlns:r="http://schemas.openxmlformats.org/officeDocument/2006/relationships" xmlns:p="http://schemas.openxmlformats.org/presentationml/2006/main">
-  <p:cSld>
-    <p:spTree>
-      <p:nvGrpSpPr>
-        <p:cNvPr id="1" name=""/>
-        <p:cNvGrpSpPr/>
-        <p:nvPr/>
-      </p:nvGrpSpPr>
-      <p:grpSpPr>
-        <a:xfrm>
-          <a:off x="0" y="0"/>
-          <a:ext cx="0" cy="0"/>
-          <a:chOff x="0" y="0"/>
-          <a:chExt cx="0" cy="0"/>
-        </a:xfrm>
-      </p:grpSpPr>
-      <p:sp>
-        <p:nvSpPr>
-          <p:cNvPr id="2" name="Title 1"/>
-          <p:cNvSpPr>
-            <a:spLocks noGrp="1"/>
-          </p:cNvSpPr>
-          <p:nvPr>
-            <p:ph type="title"/>
-          </p:nvPr>
-        </p:nvSpPr>
-        <p:spPr/>
-        <p:txBody>
-          <a:bodyPr/>
-          <a:lstStyle/>
-          <a:p>
-            <a:r>
-              <a:rPr lang="en-US" dirty="0" smtClean="0"/>
-              <a:t>Probability</a:t>
-            </a:r>
-            <a:endParaRPr lang="en-IN" dirty="0"/>
-          </a:p>
-        </p:txBody>
-      </p:sp>
-      <p:sp>
-        <p:nvSpPr>
-          <p:cNvPr id="3" name="Content Placeholder 2"/>
-          <p:cNvSpPr>
-            <a:spLocks noGrp="1"/>
-          </p:cNvSpPr>
-          <p:nvPr>
-            <p:ph idx="1"/>
-          </p:nvPr>
-        </p:nvSpPr>
-        <p:spPr/>
-        <p:txBody>
-          <a:bodyPr/>
-          <a:lstStyle/>
-          <a:p>
-            <a:r>
-              <a:rPr lang="en-IN" dirty="0" smtClean="0"/>
-              <a:t>Application </a:t>
-            </a:r>
-            <a:r>
-              <a:rPr lang="en-IN" dirty="0" smtClean="0"/>
-              <a:t>– SMS spam detection</a:t>
-            </a:r>
-          </a:p>
-          <a:p>
-            <a:r>
-              <a:rPr lang="en-IN" dirty="0" smtClean="0"/>
-              <a:t>Corpus of SMSs</a:t>
-            </a:r>
-          </a:p>
-          <a:p>
-            <a:r>
-              <a:rPr lang="en-IN" smtClean="0"/>
               <a:t>Events – Ham or Spam SMS</a:t>
             </a:r>
             <a:endParaRPr lang="en-IN" dirty="0" smtClean="0"/>
@@ -4610,7 +4490,7 @@
                       <a:pPr algn="ctr"/>
                       <a:r>
                         <a:rPr lang="en-IN" dirty="0" smtClean="0"/>
-                        <a:t>0.8</a:t>
+                        <a:t>0.8 (80%)</a:t>
                       </a:r>
                       <a:endParaRPr lang="en-IN" dirty="0"/>
                     </a:p>
@@ -4642,7 +4522,305 @@
                       <a:pPr algn="ctr"/>
                       <a:r>
                         <a:rPr lang="en-IN" dirty="0" smtClean="0"/>
-                        <a:t>0.2</a:t>
+                        <a:t>0.2 (20 %)</a:t>
+                      </a:r>
+                      <a:endParaRPr lang="en-IN" dirty="0"/>
+                    </a:p>
+                  </a:txBody>
+                  <a:tcPr/>
+                </a:tc>
+              </a:tr>
+            </a:tbl>
+          </a:graphicData>
+        </a:graphic>
+      </p:graphicFrame>
+    </p:spTree>
+  </p:cSld>
+  <p:clrMapOvr>
+    <a:masterClrMapping/>
+  </p:clrMapOvr>
+</p:sld>
+</file>
+
+<file path=ppt/slides/slide5.xml><?xml version="1.0" encoding="utf-8"?>
+<p:sld xmlns:a="http://schemas.openxmlformats.org/drawingml/2006/main" xmlns:r="http://schemas.openxmlformats.org/officeDocument/2006/relationships" xmlns:p="http://schemas.openxmlformats.org/presentationml/2006/main">
+  <p:cSld>
+    <p:spTree>
+      <p:nvGrpSpPr>
+        <p:cNvPr id="1" name=""/>
+        <p:cNvGrpSpPr/>
+        <p:nvPr/>
+      </p:nvGrpSpPr>
+      <p:grpSpPr>
+        <a:xfrm>
+          <a:off x="0" y="0"/>
+          <a:ext cx="0" cy="0"/>
+          <a:chOff x="0" y="0"/>
+          <a:chExt cx="0" cy="0"/>
+        </a:xfrm>
+      </p:grpSpPr>
+      <p:sp>
+        <p:nvSpPr>
+          <p:cNvPr id="2" name="Title 1"/>
+          <p:cNvSpPr>
+            <a:spLocks noGrp="1"/>
+          </p:cNvSpPr>
+          <p:nvPr>
+            <p:ph type="title"/>
+          </p:nvPr>
+        </p:nvSpPr>
+        <p:spPr/>
+        <p:txBody>
+          <a:bodyPr/>
+          <a:lstStyle/>
+          <a:p>
+            <a:r>
+              <a:rPr lang="en-US" dirty="0" smtClean="0"/>
+              <a:t>Probability</a:t>
+            </a:r>
+            <a:endParaRPr lang="en-IN" dirty="0"/>
+          </a:p>
+        </p:txBody>
+      </p:sp>
+      <p:sp>
+        <p:nvSpPr>
+          <p:cNvPr id="3" name="Content Placeholder 2"/>
+          <p:cNvSpPr>
+            <a:spLocks noGrp="1"/>
+          </p:cNvSpPr>
+          <p:nvPr>
+            <p:ph idx="1"/>
+          </p:nvPr>
+        </p:nvSpPr>
+        <p:spPr/>
+        <p:txBody>
+          <a:bodyPr/>
+          <a:lstStyle/>
+          <a:p>
+            <a:r>
+              <a:rPr lang="en-IN" dirty="0" smtClean="0"/>
+              <a:t>Application </a:t>
+            </a:r>
+            <a:r>
+              <a:rPr lang="en-IN" dirty="0" smtClean="0"/>
+              <a:t>– SMS spam detection</a:t>
+            </a:r>
+          </a:p>
+          <a:p>
+            <a:r>
+              <a:rPr lang="en-IN" dirty="0" smtClean="0"/>
+              <a:t>Corpus of SMSs</a:t>
+            </a:r>
+          </a:p>
+          <a:p>
+            <a:r>
+              <a:rPr lang="en-IN" dirty="0" smtClean="0"/>
+              <a:t>Event – SMS </a:t>
+            </a:r>
+            <a:r>
+              <a:rPr lang="en-IN" dirty="0" smtClean="0"/>
+              <a:t>contains word </a:t>
+            </a:r>
+            <a:r>
+              <a:rPr lang="en-IN" dirty="0" smtClean="0"/>
+              <a:t>‘discount’</a:t>
+            </a:r>
+          </a:p>
+          <a:p>
+            <a:endParaRPr lang="en-IN" dirty="0" smtClean="0"/>
+          </a:p>
+          <a:p>
+            <a:endParaRPr lang="en-IN" dirty="0"/>
+          </a:p>
+        </p:txBody>
+      </p:sp>
+      <p:graphicFrame>
+        <p:nvGraphicFramePr>
+          <p:cNvPr id="4" name="Object 3"/>
+          <p:cNvGraphicFramePr>
+            <a:graphicFrameLocks noChangeAspect="1"/>
+          </p:cNvGraphicFramePr>
+          <p:nvPr/>
+        </p:nvGraphicFramePr>
+        <p:xfrm>
+          <a:off x="914400" y="3429000"/>
+          <a:ext cx="2873375" cy="906463"/>
+        </p:xfrm>
+        <a:graphic>
+          <a:graphicData uri="http://schemas.openxmlformats.org/presentationml/2006/ole">
+            <p:oleObj spid="_x0000_s4098" name="Equation" r:id="rId3" imgW="1371600" imgH="431640" progId="Equation.3">
+              <p:embed/>
+            </p:oleObj>
+          </a:graphicData>
+        </a:graphic>
+      </p:graphicFrame>
+      <p:graphicFrame>
+        <p:nvGraphicFramePr>
+          <p:cNvPr id="5" name="Table 4"/>
+          <p:cNvGraphicFramePr>
+            <a:graphicFrameLocks noGrp="1"/>
+          </p:cNvGraphicFramePr>
+          <p:nvPr/>
+        </p:nvGraphicFramePr>
+        <p:xfrm>
+          <a:off x="5105400" y="3505200"/>
+          <a:ext cx="2895600" cy="1483360"/>
+        </p:xfrm>
+        <a:graphic>
+          <a:graphicData uri="http://schemas.openxmlformats.org/drawingml/2006/table">
+            <a:tbl>
+              <a:tblPr firstRow="1" bandRow="1">
+                <a:tableStyleId>{5C22544A-7EE6-4342-B048-85BDC9FD1C3A}</a:tableStyleId>
+              </a:tblPr>
+              <a:tblGrid>
+                <a:gridCol w="1447800"/>
+                <a:gridCol w="1447800"/>
+              </a:tblGrid>
+              <a:tr h="370840">
+                <a:tc>
+                  <a:txBody>
+                    <a:bodyPr/>
+                    <a:lstStyle/>
+                    <a:p>
+                      <a:pPr algn="ctr"/>
+                      <a:r>
+                        <a:rPr lang="en-IN" dirty="0" smtClean="0"/>
+                        <a:t>Name</a:t>
+                      </a:r>
+                      <a:endParaRPr lang="en-IN" dirty="0"/>
+                    </a:p>
+                  </a:txBody>
+                  <a:tcPr/>
+                </a:tc>
+                <a:tc>
+                  <a:txBody>
+                    <a:bodyPr/>
+                    <a:lstStyle/>
+                    <a:p>
+                      <a:pPr algn="ctr"/>
+                      <a:r>
+                        <a:rPr lang="en-IN" dirty="0" smtClean="0"/>
+                        <a:t>Value</a:t>
+                      </a:r>
+                      <a:endParaRPr lang="en-IN" dirty="0"/>
+                    </a:p>
+                  </a:txBody>
+                  <a:tcPr/>
+                </a:tc>
+              </a:tr>
+              <a:tr h="370840">
+                <a:tc>
+                  <a:txBody>
+                    <a:bodyPr/>
+                    <a:lstStyle/>
+                    <a:p>
+                      <a:pPr algn="ctr"/>
+                      <a:r>
+                        <a:rPr lang="en-IN" dirty="0" smtClean="0"/>
+                        <a:t>N</a:t>
+                      </a:r>
+                      <a:r>
+                        <a:rPr lang="en-IN" baseline="-25000" dirty="0" smtClean="0"/>
+                        <a:t>Total</a:t>
+                      </a:r>
+                      <a:endParaRPr lang="en-IN" baseline="-25000" dirty="0"/>
+                    </a:p>
+                  </a:txBody>
+                  <a:tcPr/>
+                </a:tc>
+                <a:tc>
+                  <a:txBody>
+                    <a:bodyPr/>
+                    <a:lstStyle/>
+                    <a:p>
+                      <a:pPr algn="ctr"/>
+                      <a:r>
+                        <a:rPr lang="en-IN" dirty="0" smtClean="0"/>
+                        <a:t>1000</a:t>
+                      </a:r>
+                      <a:endParaRPr lang="en-IN" dirty="0"/>
+                    </a:p>
+                  </a:txBody>
+                  <a:tcPr/>
+                </a:tc>
+              </a:tr>
+              <a:tr h="370840">
+                <a:tc>
+                  <a:txBody>
+                    <a:bodyPr/>
+                    <a:lstStyle/>
+                    <a:p>
+                      <a:pPr marL="0" marR="0" indent="0" algn="ctr" defTabSz="914400" rtl="0" eaLnBrk="1" fontAlgn="auto" latinLnBrk="0" hangingPunct="1">
+                        <a:lnSpc>
+                          <a:spcPct val="100000"/>
+                        </a:lnSpc>
+                        <a:spcBef>
+                          <a:spcPts val="0"/>
+                        </a:spcBef>
+                        <a:spcAft>
+                          <a:spcPts val="0"/>
+                        </a:spcAft>
+                        <a:buClrTx/>
+                        <a:buSzTx/>
+                        <a:buFontTx/>
+                        <a:buNone/>
+                        <a:tabLst/>
+                        <a:defRPr/>
+                      </a:pPr>
+                      <a:r>
+                        <a:rPr lang="en-IN" dirty="0" err="1" smtClean="0"/>
+                        <a:t>N</a:t>
+                      </a:r>
+                      <a:r>
+                        <a:rPr lang="en-IN" baseline="-25000" dirty="0" err="1" smtClean="0"/>
+                        <a:t>discount</a:t>
+                      </a:r>
+                      <a:endParaRPr lang="en-IN" dirty="0"/>
+                    </a:p>
+                  </a:txBody>
+                  <a:tcPr/>
+                </a:tc>
+                <a:tc>
+                  <a:txBody>
+                    <a:bodyPr/>
+                    <a:lstStyle/>
+                    <a:p>
+                      <a:pPr algn="ctr"/>
+                      <a:r>
+                        <a:rPr lang="en-IN" dirty="0" smtClean="0"/>
+                        <a:t>20</a:t>
+                      </a:r>
+                      <a:endParaRPr lang="en-IN" dirty="0"/>
+                    </a:p>
+                  </a:txBody>
+                  <a:tcPr/>
+                </a:tc>
+              </a:tr>
+              <a:tr h="370840">
+                <a:tc>
+                  <a:txBody>
+                    <a:bodyPr/>
+                    <a:lstStyle/>
+                    <a:p>
+                      <a:pPr algn="ctr"/>
+                      <a:r>
+                        <a:rPr lang="en-IN" dirty="0" smtClean="0"/>
+                        <a:t>P(discount)</a:t>
+                      </a:r>
+                      <a:endParaRPr lang="en-IN" dirty="0"/>
+                    </a:p>
+                  </a:txBody>
+                  <a:tcPr/>
+                </a:tc>
+                <a:tc>
+                  <a:txBody>
+                    <a:bodyPr/>
+                    <a:lstStyle/>
+                    <a:p>
+                      <a:pPr algn="ctr"/>
+                      <a:r>
+                        <a:rPr lang="en-IN" smtClean="0"/>
+                        <a:t>0.02 (2 %)</a:t>
                       </a:r>
                       <a:endParaRPr lang="en-IN" dirty="0"/>
                     </a:p>

--- a/MachineLearning/NaiveBayes/NaiveBayes.pptx
+++ b/MachineLearning/NaiveBayes/NaiveBayes.pptx
@@ -5,7 +5,7 @@
     <p:sldMasterId id="2147483648" r:id="rId1"/>
   </p:sldMasterIdLst>
   <p:notesMasterIdLst>
-    <p:notesMasterId r:id="rId15"/>
+    <p:notesMasterId r:id="rId16"/>
   </p:notesMasterIdLst>
   <p:sldIdLst>
     <p:sldId id="256" r:id="rId2"/>
@@ -14,13 +14,14 @@
     <p:sldId id="281" r:id="rId5"/>
     <p:sldId id="282" r:id="rId6"/>
     <p:sldId id="275" r:id="rId7"/>
-    <p:sldId id="276" r:id="rId8"/>
-    <p:sldId id="277" r:id="rId9"/>
-    <p:sldId id="278" r:id="rId10"/>
-    <p:sldId id="279" r:id="rId11"/>
-    <p:sldId id="271" r:id="rId12"/>
-    <p:sldId id="273" r:id="rId13"/>
-    <p:sldId id="269" r:id="rId14"/>
+    <p:sldId id="285" r:id="rId8"/>
+    <p:sldId id="276" r:id="rId9"/>
+    <p:sldId id="277" r:id="rId10"/>
+    <p:sldId id="278" r:id="rId11"/>
+    <p:sldId id="279" r:id="rId12"/>
+    <p:sldId id="271" r:id="rId13"/>
+    <p:sldId id="273" r:id="rId14"/>
+    <p:sldId id="269" r:id="rId15"/>
   </p:sldIdLst>
   <p:sldSz cx="9144000" cy="6858000" type="screen4x3"/>
   <p:notesSz cx="6858000" cy="9144000"/>
@@ -3536,12 +3537,22 @@
         </p:nvSpPr>
         <p:spPr/>
         <p:txBody>
-          <a:bodyPr/>
-          <a:lstStyle/>
-          <a:p>
-            <a:r>
-              <a:rPr lang="en-IN" dirty="0" smtClean="0"/>
-              <a:t>Applications</a:t>
+          <a:bodyPr>
+            <a:normAutofit/>
+          </a:bodyPr>
+          <a:lstStyle/>
+          <a:p>
+            <a:r>
+              <a:rPr lang="en-US" dirty="0" err="1" smtClean="0"/>
+              <a:t>Laplacian</a:t>
+            </a:r>
+            <a:r>
+              <a:rPr lang="en-US" dirty="0" smtClean="0"/>
+              <a:t> </a:t>
+            </a:r>
+            <a:r>
+              <a:rPr lang="en-US" dirty="0" smtClean="0"/>
+              <a:t>Smoothing</a:t>
             </a:r>
             <a:endParaRPr lang="en-IN" dirty="0"/>
           </a:p>
@@ -3607,16 +3618,16 @@
           <a:lstStyle/>
           <a:p>
             <a:r>
-              <a:rPr lang="en-US" dirty="0" smtClean="0"/>
-              <a:t>Advantages</a:t>
-            </a:r>
-            <a:endParaRPr lang="en-US" dirty="0"/>
-          </a:p>
-        </p:txBody>
-      </p:sp>
-      <p:sp>
-        <p:nvSpPr>
-          <p:cNvPr id="4" name="Content Placeholder 3"/>
+              <a:rPr lang="en-IN" dirty="0" smtClean="0"/>
+              <a:t>Applications</a:t>
+            </a:r>
+            <a:endParaRPr lang="en-IN" dirty="0"/>
+          </a:p>
+        </p:txBody>
+      </p:sp>
+      <p:sp>
+        <p:nvSpPr>
+          <p:cNvPr id="3" name="Content Placeholder 2"/>
           <p:cNvSpPr>
             <a:spLocks noGrp="1"/>
           </p:cNvSpPr>
@@ -3629,7 +3640,7 @@
           <a:bodyPr/>
           <a:lstStyle/>
           <a:p>
-            <a:endParaRPr lang="en-US" dirty="0"/>
+            <a:endParaRPr lang="en-IN"/>
           </a:p>
         </p:txBody>
       </p:sp>
@@ -3638,13 +3649,6 @@
   <p:clrMapOvr>
     <a:masterClrMapping/>
   </p:clrMapOvr>
-  <p:timing>
-    <p:tnLst>
-      <p:par>
-        <p:cTn id="1" dur="indefinite" restart="never" nodeType="tmRoot"/>
-      </p:par>
-    </p:tnLst>
-  </p:timing>
 </p:sld>
 </file>
 
@@ -3682,7 +3686,7 @@
           <a:p>
             <a:r>
               <a:rPr lang="en-US" dirty="0" smtClean="0"/>
-              <a:t>Disadvantages</a:t>
+              <a:t>Advantages</a:t>
             </a:r>
             <a:endParaRPr lang="en-US" dirty="0"/>
           </a:p>
@@ -3723,6 +3727,80 @@
 </file>
 
 <file path=ppt/slides/slide13.xml><?xml version="1.0" encoding="utf-8"?>
+<p:sld xmlns:a="http://schemas.openxmlformats.org/drawingml/2006/main" xmlns:r="http://schemas.openxmlformats.org/officeDocument/2006/relationships" xmlns:p="http://schemas.openxmlformats.org/presentationml/2006/main">
+  <p:cSld>
+    <p:spTree>
+      <p:nvGrpSpPr>
+        <p:cNvPr id="1" name=""/>
+        <p:cNvGrpSpPr/>
+        <p:nvPr/>
+      </p:nvGrpSpPr>
+      <p:grpSpPr>
+        <a:xfrm>
+          <a:off x="0" y="0"/>
+          <a:ext cx="0" cy="0"/>
+          <a:chOff x="0" y="0"/>
+          <a:chExt cx="0" cy="0"/>
+        </a:xfrm>
+      </p:grpSpPr>
+      <p:sp>
+        <p:nvSpPr>
+          <p:cNvPr id="2" name="Title 1"/>
+          <p:cNvSpPr>
+            <a:spLocks noGrp="1"/>
+          </p:cNvSpPr>
+          <p:nvPr>
+            <p:ph type="title"/>
+          </p:nvPr>
+        </p:nvSpPr>
+        <p:spPr/>
+        <p:txBody>
+          <a:bodyPr/>
+          <a:lstStyle/>
+          <a:p>
+            <a:r>
+              <a:rPr lang="en-US" dirty="0" smtClean="0"/>
+              <a:t>Disadvantages</a:t>
+            </a:r>
+            <a:endParaRPr lang="en-US" dirty="0"/>
+          </a:p>
+        </p:txBody>
+      </p:sp>
+      <p:sp>
+        <p:nvSpPr>
+          <p:cNvPr id="4" name="Content Placeholder 3"/>
+          <p:cNvSpPr>
+            <a:spLocks noGrp="1"/>
+          </p:cNvSpPr>
+          <p:nvPr>
+            <p:ph idx="1"/>
+          </p:nvPr>
+        </p:nvSpPr>
+        <p:spPr/>
+        <p:txBody>
+          <a:bodyPr/>
+          <a:lstStyle/>
+          <a:p>
+            <a:endParaRPr lang="en-US" dirty="0"/>
+          </a:p>
+        </p:txBody>
+      </p:sp>
+    </p:spTree>
+  </p:cSld>
+  <p:clrMapOvr>
+    <a:masterClrMapping/>
+  </p:clrMapOvr>
+  <p:timing>
+    <p:tnLst>
+      <p:par>
+        <p:cTn id="1" dur="indefinite" restart="never" nodeType="tmRoot"/>
+      </p:par>
+    </p:tnLst>
+  </p:timing>
+</p:sld>
+</file>
+
+<file path=ppt/slides/slide14.xml><?xml version="1.0" encoding="utf-8"?>
 <p:sld xmlns:a="http://schemas.openxmlformats.org/drawingml/2006/main" xmlns:r="http://schemas.openxmlformats.org/officeDocument/2006/relationships" xmlns:p="http://schemas.openxmlformats.org/presentationml/2006/main">
   <p:cSld>
     <p:spTree>
@@ -4819,7 +4897,7 @@
                     <a:p>
                       <a:pPr algn="ctr"/>
                       <a:r>
-                        <a:rPr lang="en-IN" smtClean="0"/>
+                        <a:rPr lang="en-IN" dirty="0" smtClean="0"/>
                         <a:t>0.02 (2 %)</a:t>
                       </a:r>
                       <a:endParaRPr lang="en-IN" dirty="0"/>
@@ -4888,20 +4966,263 @@
       </p:sp>
       <p:sp>
         <p:nvSpPr>
-          <p:cNvPr id="3" name="Content Placeholder 2"/>
-          <p:cNvSpPr>
-            <a:spLocks noGrp="1"/>
-          </p:cNvSpPr>
-          <p:nvPr>
-            <p:ph idx="1"/>
-          </p:nvPr>
-        </p:nvSpPr>
-        <p:spPr/>
-        <p:txBody>
-          <a:bodyPr/>
-          <a:lstStyle/>
-          <a:p>
+          <p:cNvPr id="4" name="Oval 3"/>
+          <p:cNvSpPr>
+            <a:spLocks noChangeAspect="1"/>
+          </p:cNvSpPr>
+          <p:nvPr/>
+        </p:nvSpPr>
+        <p:spPr>
+          <a:xfrm>
+            <a:off x="3300000" y="1852200"/>
+            <a:ext cx="4320000" cy="4320000"/>
+          </a:xfrm>
+          <a:prstGeom prst="ellipse">
+            <a:avLst/>
+          </a:prstGeom>
+          <a:noFill/>
+          <a:ln w="38100">
+            <a:solidFill>
+              <a:srgbClr val="00B050"/>
+            </a:solidFill>
+          </a:ln>
+        </p:spPr>
+        <p:style>
+          <a:lnRef idx="2">
+            <a:schemeClr val="accent1">
+              <a:shade val="50000"/>
+            </a:schemeClr>
+          </a:lnRef>
+          <a:fillRef idx="1">
+            <a:schemeClr val="accent1"/>
+          </a:fillRef>
+          <a:effectRef idx="0">
+            <a:schemeClr val="accent1"/>
+          </a:effectRef>
+          <a:fontRef idx="minor">
+            <a:schemeClr val="lt1"/>
+          </a:fontRef>
+        </p:style>
+        <p:txBody>
+          <a:bodyPr rtlCol="0" anchor="ctr"/>
+          <a:lstStyle/>
+          <a:p>
+            <a:pPr algn="ctr"/>
             <a:endParaRPr lang="en-IN"/>
+          </a:p>
+        </p:txBody>
+      </p:sp>
+      <p:sp>
+        <p:nvSpPr>
+          <p:cNvPr id="5" name="Oval 4"/>
+          <p:cNvSpPr>
+            <a:spLocks noChangeAspect="1"/>
+          </p:cNvSpPr>
+          <p:nvPr/>
+        </p:nvSpPr>
+        <p:spPr>
+          <a:xfrm>
+            <a:off x="1865400" y="2398800"/>
+            <a:ext cx="3240000" cy="3240000"/>
+          </a:xfrm>
+          <a:prstGeom prst="ellipse">
+            <a:avLst/>
+          </a:prstGeom>
+          <a:noFill/>
+          <a:ln w="38100">
+            <a:solidFill>
+              <a:srgbClr val="FF0000"/>
+            </a:solidFill>
+          </a:ln>
+        </p:spPr>
+        <p:style>
+          <a:lnRef idx="2">
+            <a:schemeClr val="accent1">
+              <a:shade val="50000"/>
+            </a:schemeClr>
+          </a:lnRef>
+          <a:fillRef idx="1">
+            <a:schemeClr val="accent1"/>
+          </a:fillRef>
+          <a:effectRef idx="0">
+            <a:schemeClr val="accent1"/>
+          </a:effectRef>
+          <a:fontRef idx="minor">
+            <a:schemeClr val="lt1"/>
+          </a:fontRef>
+        </p:style>
+        <p:txBody>
+          <a:bodyPr rtlCol="0" anchor="ctr"/>
+          <a:lstStyle/>
+          <a:p>
+            <a:pPr algn="ctr"/>
+            <a:endParaRPr lang="en-IN"/>
+          </a:p>
+        </p:txBody>
+      </p:sp>
+      <p:sp>
+        <p:nvSpPr>
+          <p:cNvPr id="6" name="Rectangle 5"/>
+          <p:cNvSpPr/>
+          <p:nvPr/>
+        </p:nvSpPr>
+        <p:spPr>
+          <a:xfrm>
+            <a:off x="457200" y="1447800"/>
+            <a:ext cx="8305800" cy="5105400"/>
+          </a:xfrm>
+          <a:prstGeom prst="rect">
+            <a:avLst/>
+          </a:prstGeom>
+          <a:noFill/>
+          <a:ln w="38100">
+            <a:solidFill>
+              <a:schemeClr val="tx1"/>
+            </a:solidFill>
+          </a:ln>
+        </p:spPr>
+        <p:style>
+          <a:lnRef idx="2">
+            <a:schemeClr val="accent1">
+              <a:shade val="50000"/>
+            </a:schemeClr>
+          </a:lnRef>
+          <a:fillRef idx="1">
+            <a:schemeClr val="accent1"/>
+          </a:fillRef>
+          <a:effectRef idx="0">
+            <a:schemeClr val="accent1"/>
+          </a:effectRef>
+          <a:fontRef idx="minor">
+            <a:schemeClr val="lt1"/>
+          </a:fontRef>
+        </p:style>
+        <p:txBody>
+          <a:bodyPr rtlCol="0" anchor="ctr"/>
+          <a:lstStyle/>
+          <a:p>
+            <a:pPr algn="ctr"/>
+            <a:endParaRPr lang="en-IN"/>
+          </a:p>
+        </p:txBody>
+      </p:sp>
+      <p:sp>
+        <p:nvSpPr>
+          <p:cNvPr id="7" name="TextBox 6"/>
+          <p:cNvSpPr txBox="1"/>
+          <p:nvPr/>
+        </p:nvSpPr>
+        <p:spPr>
+          <a:xfrm>
+            <a:off x="5867400" y="2209800"/>
+            <a:ext cx="780983" cy="461665"/>
+          </a:xfrm>
+          <a:prstGeom prst="rect">
+            <a:avLst/>
+          </a:prstGeom>
+          <a:noFill/>
+        </p:spPr>
+        <p:txBody>
+          <a:bodyPr wrap="none" rtlCol="0">
+            <a:spAutoFit/>
+          </a:bodyPr>
+          <a:lstStyle/>
+          <a:p>
+            <a:r>
+              <a:rPr lang="en-IN" sz="2400" b="1" dirty="0" smtClean="0"/>
+              <a:t>Ham</a:t>
+            </a:r>
+            <a:endParaRPr lang="en-IN" sz="2400" b="1" dirty="0"/>
+          </a:p>
+        </p:txBody>
+      </p:sp>
+      <p:sp>
+        <p:nvSpPr>
+          <p:cNvPr id="8" name="TextBox 7"/>
+          <p:cNvSpPr txBox="1"/>
+          <p:nvPr/>
+        </p:nvSpPr>
+        <p:spPr>
+          <a:xfrm>
+            <a:off x="2286000" y="2967335"/>
+            <a:ext cx="898003" cy="461665"/>
+          </a:xfrm>
+          <a:prstGeom prst="rect">
+            <a:avLst/>
+          </a:prstGeom>
+          <a:noFill/>
+        </p:spPr>
+        <p:txBody>
+          <a:bodyPr wrap="none" rtlCol="0">
+            <a:spAutoFit/>
+          </a:bodyPr>
+          <a:lstStyle/>
+          <a:p>
+            <a:r>
+              <a:rPr lang="en-IN" sz="2400" b="1" dirty="0" smtClean="0"/>
+              <a:t>Spam</a:t>
+            </a:r>
+            <a:endParaRPr lang="en-IN" sz="2400" b="1" dirty="0"/>
+          </a:p>
+        </p:txBody>
+      </p:sp>
+      <p:sp>
+        <p:nvSpPr>
+          <p:cNvPr id="9" name="TextBox 8"/>
+          <p:cNvSpPr txBox="1"/>
+          <p:nvPr/>
+        </p:nvSpPr>
+        <p:spPr>
+          <a:xfrm>
+            <a:off x="3657600" y="3729335"/>
+            <a:ext cx="1275157" cy="461665"/>
+          </a:xfrm>
+          <a:prstGeom prst="rect">
+            <a:avLst/>
+          </a:prstGeom>
+          <a:noFill/>
+        </p:spPr>
+        <p:txBody>
+          <a:bodyPr wrap="none" rtlCol="0">
+            <a:spAutoFit/>
+          </a:bodyPr>
+          <a:lstStyle/>
+          <a:p>
+            <a:r>
+              <a:rPr lang="en-IN" sz="2400" b="1" dirty="0" smtClean="0"/>
+              <a:t>discount</a:t>
+            </a:r>
+            <a:endParaRPr lang="en-IN" sz="2400" b="1" dirty="0"/>
+          </a:p>
+        </p:txBody>
+      </p:sp>
+      <p:sp>
+        <p:nvSpPr>
+          <p:cNvPr id="11" name="TextBox 10"/>
+          <p:cNvSpPr txBox="1"/>
+          <p:nvPr/>
+        </p:nvSpPr>
+        <p:spPr>
+          <a:xfrm>
+            <a:off x="609600" y="1600200"/>
+            <a:ext cx="1075936" cy="461665"/>
+          </a:xfrm>
+          <a:prstGeom prst="rect">
+            <a:avLst/>
+          </a:prstGeom>
+          <a:noFill/>
+        </p:spPr>
+        <p:txBody>
+          <a:bodyPr wrap="none" rtlCol="0">
+            <a:spAutoFit/>
+          </a:bodyPr>
+          <a:lstStyle/>
+          <a:p>
+            <a:r>
+              <a:rPr lang="en-IN" sz="2400" b="1" dirty="0" smtClean="0"/>
+              <a:t>Corpus</a:t>
+            </a:r>
+            <a:endParaRPr lang="en-IN" sz="2400" b="1" dirty="0"/>
           </a:p>
         </p:txBody>
       </p:sp>
@@ -4948,16 +5269,8 @@
           <a:lstStyle/>
           <a:p>
             <a:r>
-              <a:rPr lang="en-US" dirty="0" err="1" smtClean="0"/>
-              <a:t>Bayes</a:t>
-            </a:r>
-            <a:r>
               <a:rPr lang="en-US" dirty="0" smtClean="0"/>
-              <a:t>’ R</a:t>
-            </a:r>
-            <a:r>
-              <a:rPr lang="en-US" dirty="0" smtClean="0"/>
-              <a:t>ule</a:t>
+              <a:t>Conditional Probability</a:t>
             </a:r>
             <a:endParaRPr lang="en-IN" dirty="0"/>
           </a:p>
@@ -4975,13 +5288,85 @@
         </p:nvSpPr>
         <p:spPr/>
         <p:txBody>
-          <a:bodyPr/>
-          <a:lstStyle/>
-          <a:p>
-            <a:endParaRPr lang="en-IN"/>
-          </a:p>
-        </p:txBody>
-      </p:sp>
+          <a:bodyPr>
+            <a:normAutofit fontScale="92500" lnSpcReduction="10000"/>
+          </a:bodyPr>
+          <a:lstStyle/>
+          <a:p>
+            <a:r>
+              <a:rPr lang="en-IN" dirty="0" smtClean="0"/>
+              <a:t>Event – SMS – Spam</a:t>
+            </a:r>
+          </a:p>
+          <a:p>
+            <a:r>
+              <a:rPr lang="en-IN" dirty="0" smtClean="0"/>
+              <a:t>Event – SMS – ‘discount’</a:t>
+            </a:r>
+          </a:p>
+          <a:p>
+            <a:r>
+              <a:rPr lang="en-IN" dirty="0" smtClean="0"/>
+              <a:t>Intersection – Spam and </a:t>
+            </a:r>
+            <a:r>
+              <a:rPr lang="en-IN" dirty="0" smtClean="0"/>
+              <a:t>‘discount’</a:t>
+            </a:r>
+            <a:r>
+              <a:rPr lang="en-IN" dirty="0" smtClean="0"/>
+              <a:t>  </a:t>
+            </a:r>
+          </a:p>
+          <a:p>
+            <a:endParaRPr lang="en-IN" dirty="0" smtClean="0"/>
+          </a:p>
+          <a:p>
+            <a:endParaRPr lang="en-IN" dirty="0" smtClean="0"/>
+          </a:p>
+          <a:p>
+            <a:r>
+              <a:rPr lang="en-IN" dirty="0" smtClean="0"/>
+              <a:t>Probability that SMS is Spam given SMS contains word ‘discount’.</a:t>
+            </a:r>
+          </a:p>
+          <a:p>
+            <a:r>
+              <a:rPr lang="en-IN" dirty="0" smtClean="0"/>
+              <a:t>Probability that SMS is Spam and SMS contains word </a:t>
+            </a:r>
+            <a:r>
+              <a:rPr lang="en-IN" dirty="0" smtClean="0"/>
+              <a:t>‘discount</a:t>
+            </a:r>
+            <a:r>
+              <a:rPr lang="en-IN" dirty="0" smtClean="0"/>
+              <a:t>’. </a:t>
+            </a:r>
+            <a:endParaRPr lang="en-IN" dirty="0"/>
+          </a:p>
+        </p:txBody>
+      </p:sp>
+      <p:graphicFrame>
+        <p:nvGraphicFramePr>
+          <p:cNvPr id="6146" name="Object 2"/>
+          <p:cNvGraphicFramePr>
+            <a:graphicFrameLocks noChangeAspect="1"/>
+          </p:cNvGraphicFramePr>
+          <p:nvPr/>
+        </p:nvGraphicFramePr>
+        <p:xfrm>
+          <a:off x="942974" y="3200400"/>
+          <a:ext cx="5457826" cy="887412"/>
+        </p:xfrm>
+        <a:graphic>
+          <a:graphicData uri="http://schemas.openxmlformats.org/presentationml/2006/ole">
+            <p:oleObj spid="_x0000_s6146" name="Equation" r:id="rId3" imgW="2577960" imgH="419040" progId="Equation.3">
+              <p:embed/>
+            </p:oleObj>
+          </a:graphicData>
+        </a:graphic>
+      </p:graphicFrame>
     </p:spTree>
   </p:cSld>
   <p:clrMapOvr>
@@ -5019,17 +5404,23 @@
         </p:nvSpPr>
         <p:spPr/>
         <p:txBody>
-          <a:bodyPr/>
-          <a:lstStyle/>
-          <a:p>
-            <a:r>
-              <a:rPr lang="en-US" dirty="0" smtClean="0"/>
-              <a:t>Naive </a:t>
-            </a:r>
+          <a:bodyPr>
+            <a:normAutofit/>
+          </a:bodyPr>
+          <a:lstStyle/>
+          <a:p>
             <a:r>
               <a:rPr lang="en-US" dirty="0" err="1" smtClean="0"/>
               <a:t>Bayes</a:t>
             </a:r>
+            <a:r>
+              <a:rPr lang="en-US" dirty="0" smtClean="0"/>
+              <a:t>’ R</a:t>
+            </a:r>
+            <a:r>
+              <a:rPr lang="en-US" dirty="0" smtClean="0"/>
+              <a:t>ule</a:t>
+            </a:r>
             <a:endParaRPr lang="en-IN" dirty="0"/>
           </a:p>
         </p:txBody>
@@ -5048,6 +5439,18 @@
         <p:txBody>
           <a:bodyPr/>
           <a:lstStyle/>
+          <a:p>
+            <a:r>
+              <a:rPr lang="en-IN" dirty="0" smtClean="0"/>
+              <a:t>Event – SMS – Spam</a:t>
+            </a:r>
+          </a:p>
+          <a:p>
+            <a:r>
+              <a:rPr lang="en-IN" smtClean="0"/>
+              <a:t>Event – SMS – ‘discount’</a:t>
+            </a:r>
+          </a:p>
           <a:p>
             <a:endParaRPr lang="en-IN"/>
           </a:p>
@@ -5090,22 +5493,16 @@
         </p:nvSpPr>
         <p:spPr/>
         <p:txBody>
-          <a:bodyPr>
-            <a:normAutofit/>
-          </a:bodyPr>
-          <a:lstStyle/>
-          <a:p>
+          <a:bodyPr/>
+          <a:lstStyle/>
+          <a:p>
+            <a:r>
+              <a:rPr lang="en-US" dirty="0" smtClean="0"/>
+              <a:t>Naive </a:t>
+            </a:r>
             <a:r>
               <a:rPr lang="en-US" dirty="0" err="1" smtClean="0"/>
-              <a:t>Laplacian</a:t>
-            </a:r>
-            <a:r>
-              <a:rPr lang="en-US" dirty="0" smtClean="0"/>
-              <a:t> </a:t>
-            </a:r>
-            <a:r>
-              <a:rPr lang="en-US" dirty="0" smtClean="0"/>
-              <a:t>Smoothing</a:t>
+              <a:t>Bayes</a:t>
             </a:r>
             <a:endParaRPr lang="en-IN" dirty="0"/>
           </a:p>

--- a/MachineLearning/NaiveBayes/NaiveBayes.pptx
+++ b/MachineLearning/NaiveBayes/NaiveBayes.pptx
@@ -5,7 +5,7 @@
     <p:sldMasterId id="2147483648" r:id="rId1"/>
   </p:sldMasterIdLst>
   <p:notesMasterIdLst>
-    <p:notesMasterId r:id="rId16"/>
+    <p:notesMasterId r:id="rId18"/>
   </p:notesMasterIdLst>
   <p:sldIdLst>
     <p:sldId id="256" r:id="rId2"/>
@@ -16,12 +16,14 @@
     <p:sldId id="275" r:id="rId7"/>
     <p:sldId id="285" r:id="rId8"/>
     <p:sldId id="276" r:id="rId9"/>
-    <p:sldId id="277" r:id="rId10"/>
-    <p:sldId id="278" r:id="rId11"/>
-    <p:sldId id="279" r:id="rId12"/>
-    <p:sldId id="271" r:id="rId13"/>
-    <p:sldId id="273" r:id="rId14"/>
-    <p:sldId id="269" r:id="rId15"/>
+    <p:sldId id="286" r:id="rId10"/>
+    <p:sldId id="287" r:id="rId11"/>
+    <p:sldId id="277" r:id="rId12"/>
+    <p:sldId id="278" r:id="rId13"/>
+    <p:sldId id="279" r:id="rId14"/>
+    <p:sldId id="271" r:id="rId15"/>
+    <p:sldId id="273" r:id="rId16"/>
+    <p:sldId id="269" r:id="rId17"/>
   </p:sldIdLst>
   <p:sldSz cx="9144000" cy="6858000" type="screen4x3"/>
   <p:notesSz cx="6858000" cy="9144000"/>
@@ -3544,15 +3546,15 @@
           <a:p>
             <a:r>
               <a:rPr lang="en-US" dirty="0" err="1" smtClean="0"/>
-              <a:t>Laplacian</a:t>
+              <a:t>Bayes</a:t>
             </a:r>
             <a:r>
               <a:rPr lang="en-US" dirty="0" smtClean="0"/>
-              <a:t> </a:t>
+              <a:t>’ R</a:t>
             </a:r>
             <a:r>
               <a:rPr lang="en-US" dirty="0" smtClean="0"/>
-              <a:t>Smoothing</a:t>
+              <a:t>ule</a:t>
             </a:r>
             <a:endParaRPr lang="en-IN" dirty="0"/>
           </a:p>
@@ -3573,10 +3575,72 @@
           <a:bodyPr/>
           <a:lstStyle/>
           <a:p>
-            <a:endParaRPr lang="en-IN"/>
-          </a:p>
-        </p:txBody>
-      </p:sp>
+            <a:r>
+              <a:rPr lang="en-IN" dirty="0" smtClean="0"/>
+              <a:t>Event – SMS – Spam</a:t>
+            </a:r>
+          </a:p>
+          <a:p>
+            <a:r>
+              <a:rPr lang="en-IN" dirty="0" smtClean="0"/>
+              <a:t>Event – SMS – ‘discount</a:t>
+            </a:r>
+            <a:r>
+              <a:rPr lang="en-IN" dirty="0" smtClean="0"/>
+              <a:t>’</a:t>
+            </a:r>
+          </a:p>
+          <a:p>
+            <a:r>
+              <a:rPr lang="en-IN" dirty="0" smtClean="0"/>
+              <a:t>Intersection – Spam and ‘discount’</a:t>
+            </a:r>
+          </a:p>
+          <a:p>
+            <a:endParaRPr lang="en-IN" dirty="0"/>
+          </a:p>
+        </p:txBody>
+      </p:sp>
+      <p:graphicFrame>
+        <p:nvGraphicFramePr>
+          <p:cNvPr id="7170" name="Object 2"/>
+          <p:cNvGraphicFramePr>
+            <a:graphicFrameLocks noChangeAspect="1"/>
+          </p:cNvGraphicFramePr>
+          <p:nvPr/>
+        </p:nvGraphicFramePr>
+        <p:xfrm>
+          <a:off x="885825" y="3505200"/>
+          <a:ext cx="6962775" cy="887413"/>
+        </p:xfrm>
+        <a:graphic>
+          <a:graphicData uri="http://schemas.openxmlformats.org/presentationml/2006/ole">
+            <p:oleObj spid="_x0000_s9218" name="Equation" r:id="rId3" imgW="3288960" imgH="419040" progId="Equation.3">
+              <p:embed/>
+            </p:oleObj>
+          </a:graphicData>
+        </a:graphic>
+      </p:graphicFrame>
+      <p:graphicFrame>
+        <p:nvGraphicFramePr>
+          <p:cNvPr id="8195" name="Object 3"/>
+          <p:cNvGraphicFramePr>
+            <a:graphicFrameLocks noChangeAspect="1"/>
+          </p:cNvGraphicFramePr>
+          <p:nvPr/>
+        </p:nvGraphicFramePr>
+        <p:xfrm>
+          <a:off x="914400" y="4572000"/>
+          <a:ext cx="3360738" cy="887412"/>
+        </p:xfrm>
+        <a:graphic>
+          <a:graphicData uri="http://schemas.openxmlformats.org/presentationml/2006/ole">
+            <p:oleObj spid="_x0000_s9219" name="Equation" r:id="rId4" imgW="1587240" imgH="419040" progId="Equation.3">
+              <p:embed/>
+            </p:oleObj>
+          </a:graphicData>
+        </a:graphic>
+      </p:graphicFrame>
     </p:spTree>
   </p:cSld>
   <p:clrMapOvr>
@@ -3618,8 +3682,12 @@
           <a:lstStyle/>
           <a:p>
             <a:r>
-              <a:rPr lang="en-IN" dirty="0" smtClean="0"/>
-              <a:t>Applications</a:t>
+              <a:rPr lang="en-US" dirty="0" smtClean="0"/>
+              <a:t>Naive </a:t>
+            </a:r>
+            <a:r>
+              <a:rPr lang="en-US" dirty="0" err="1" smtClean="0"/>
+              <a:t>Bayes</a:t>
             </a:r>
             <a:endParaRPr lang="en-IN" dirty="0"/>
           </a:p>
@@ -3681,20 +3749,30 @@
         </p:nvSpPr>
         <p:spPr/>
         <p:txBody>
-          <a:bodyPr/>
-          <a:lstStyle/>
-          <a:p>
+          <a:bodyPr>
+            <a:normAutofit/>
+          </a:bodyPr>
+          <a:lstStyle/>
+          <a:p>
+            <a:r>
+              <a:rPr lang="en-US" dirty="0" err="1" smtClean="0"/>
+              <a:t>Laplacian</a:t>
+            </a:r>
             <a:r>
               <a:rPr lang="en-US" dirty="0" smtClean="0"/>
-              <a:t>Advantages</a:t>
-            </a:r>
-            <a:endParaRPr lang="en-US" dirty="0"/>
-          </a:p>
-        </p:txBody>
-      </p:sp>
-      <p:sp>
-        <p:nvSpPr>
-          <p:cNvPr id="4" name="Content Placeholder 3"/>
+              <a:t> </a:t>
+            </a:r>
+            <a:r>
+              <a:rPr lang="en-US" dirty="0" smtClean="0"/>
+              <a:t>Smoothing</a:t>
+            </a:r>
+            <a:endParaRPr lang="en-IN" dirty="0"/>
+          </a:p>
+        </p:txBody>
+      </p:sp>
+      <p:sp>
+        <p:nvSpPr>
+          <p:cNvPr id="3" name="Content Placeholder 2"/>
           <p:cNvSpPr>
             <a:spLocks noGrp="1"/>
           </p:cNvSpPr>
@@ -3707,7 +3785,7 @@
           <a:bodyPr/>
           <a:lstStyle/>
           <a:p>
-            <a:endParaRPr lang="en-US" dirty="0"/>
+            <a:endParaRPr lang="en-IN"/>
           </a:p>
         </p:txBody>
       </p:sp>
@@ -3716,13 +3794,6 @@
   <p:clrMapOvr>
     <a:masterClrMapping/>
   </p:clrMapOvr>
-  <p:timing>
-    <p:tnLst>
-      <p:par>
-        <p:cTn id="1" dur="indefinite" restart="never" nodeType="tmRoot"/>
-      </p:par>
-    </p:tnLst>
-  </p:timing>
 </p:sld>
 </file>
 
@@ -3759,8 +3830,75 @@
           <a:lstStyle/>
           <a:p>
             <a:r>
+              <a:rPr lang="en-IN" dirty="0" smtClean="0"/>
+              <a:t>Applications</a:t>
+            </a:r>
+            <a:endParaRPr lang="en-IN" dirty="0"/>
+          </a:p>
+        </p:txBody>
+      </p:sp>
+      <p:sp>
+        <p:nvSpPr>
+          <p:cNvPr id="3" name="Content Placeholder 2"/>
+          <p:cNvSpPr>
+            <a:spLocks noGrp="1"/>
+          </p:cNvSpPr>
+          <p:nvPr>
+            <p:ph idx="1"/>
+          </p:nvPr>
+        </p:nvSpPr>
+        <p:spPr/>
+        <p:txBody>
+          <a:bodyPr/>
+          <a:lstStyle/>
+          <a:p>
+            <a:endParaRPr lang="en-IN"/>
+          </a:p>
+        </p:txBody>
+      </p:sp>
+    </p:spTree>
+  </p:cSld>
+  <p:clrMapOvr>
+    <a:masterClrMapping/>
+  </p:clrMapOvr>
+</p:sld>
+</file>
+
+<file path=ppt/slides/slide14.xml><?xml version="1.0" encoding="utf-8"?>
+<p:sld xmlns:a="http://schemas.openxmlformats.org/drawingml/2006/main" xmlns:r="http://schemas.openxmlformats.org/officeDocument/2006/relationships" xmlns:p="http://schemas.openxmlformats.org/presentationml/2006/main">
+  <p:cSld>
+    <p:spTree>
+      <p:nvGrpSpPr>
+        <p:cNvPr id="1" name=""/>
+        <p:cNvGrpSpPr/>
+        <p:nvPr/>
+      </p:nvGrpSpPr>
+      <p:grpSpPr>
+        <a:xfrm>
+          <a:off x="0" y="0"/>
+          <a:ext cx="0" cy="0"/>
+          <a:chOff x="0" y="0"/>
+          <a:chExt cx="0" cy="0"/>
+        </a:xfrm>
+      </p:grpSpPr>
+      <p:sp>
+        <p:nvSpPr>
+          <p:cNvPr id="2" name="Title 1"/>
+          <p:cNvSpPr>
+            <a:spLocks noGrp="1"/>
+          </p:cNvSpPr>
+          <p:nvPr>
+            <p:ph type="title"/>
+          </p:nvPr>
+        </p:nvSpPr>
+        <p:spPr/>
+        <p:txBody>
+          <a:bodyPr/>
+          <a:lstStyle/>
+          <a:p>
+            <a:r>
               <a:rPr lang="en-US" dirty="0" smtClean="0"/>
-              <a:t>Disadvantages</a:t>
+              <a:t>Advantages</a:t>
             </a:r>
             <a:endParaRPr lang="en-US" dirty="0"/>
           </a:p>
@@ -3800,7 +3938,81 @@
 </p:sld>
 </file>
 
-<file path=ppt/slides/slide14.xml><?xml version="1.0" encoding="utf-8"?>
+<file path=ppt/slides/slide15.xml><?xml version="1.0" encoding="utf-8"?>
+<p:sld xmlns:a="http://schemas.openxmlformats.org/drawingml/2006/main" xmlns:r="http://schemas.openxmlformats.org/officeDocument/2006/relationships" xmlns:p="http://schemas.openxmlformats.org/presentationml/2006/main">
+  <p:cSld>
+    <p:spTree>
+      <p:nvGrpSpPr>
+        <p:cNvPr id="1" name=""/>
+        <p:cNvGrpSpPr/>
+        <p:nvPr/>
+      </p:nvGrpSpPr>
+      <p:grpSpPr>
+        <a:xfrm>
+          <a:off x="0" y="0"/>
+          <a:ext cx="0" cy="0"/>
+          <a:chOff x="0" y="0"/>
+          <a:chExt cx="0" cy="0"/>
+        </a:xfrm>
+      </p:grpSpPr>
+      <p:sp>
+        <p:nvSpPr>
+          <p:cNvPr id="2" name="Title 1"/>
+          <p:cNvSpPr>
+            <a:spLocks noGrp="1"/>
+          </p:cNvSpPr>
+          <p:nvPr>
+            <p:ph type="title"/>
+          </p:nvPr>
+        </p:nvSpPr>
+        <p:spPr/>
+        <p:txBody>
+          <a:bodyPr/>
+          <a:lstStyle/>
+          <a:p>
+            <a:r>
+              <a:rPr lang="en-US" dirty="0" smtClean="0"/>
+              <a:t>Disadvantages</a:t>
+            </a:r>
+            <a:endParaRPr lang="en-US" dirty="0"/>
+          </a:p>
+        </p:txBody>
+      </p:sp>
+      <p:sp>
+        <p:nvSpPr>
+          <p:cNvPr id="4" name="Content Placeholder 3"/>
+          <p:cNvSpPr>
+            <a:spLocks noGrp="1"/>
+          </p:cNvSpPr>
+          <p:nvPr>
+            <p:ph idx="1"/>
+          </p:nvPr>
+        </p:nvSpPr>
+        <p:spPr/>
+        <p:txBody>
+          <a:bodyPr/>
+          <a:lstStyle/>
+          <a:p>
+            <a:endParaRPr lang="en-US" dirty="0"/>
+          </a:p>
+        </p:txBody>
+      </p:sp>
+    </p:spTree>
+  </p:cSld>
+  <p:clrMapOvr>
+    <a:masterClrMapping/>
+  </p:clrMapOvr>
+  <p:timing>
+    <p:tnLst>
+      <p:par>
+        <p:cTn id="1" dur="indefinite" restart="never" nodeType="tmRoot"/>
+      </p:par>
+    </p:tnLst>
+  </p:timing>
+</p:sld>
+</file>
+
+<file path=ppt/slides/slide16.xml><?xml version="1.0" encoding="utf-8"?>
 <p:sld xmlns:a="http://schemas.openxmlformats.org/drawingml/2006/main" xmlns:r="http://schemas.openxmlformats.org/officeDocument/2006/relationships" xmlns:p="http://schemas.openxmlformats.org/presentationml/2006/main">
   <p:cSld>
     <p:spTree>
@@ -5447,15 +5659,45 @@
           </a:p>
           <a:p>
             <a:r>
-              <a:rPr lang="en-IN" smtClean="0"/>
-              <a:t>Event – SMS – ‘discount’</a:t>
-            </a:r>
-          </a:p>
-          <a:p>
-            <a:endParaRPr lang="en-IN"/>
-          </a:p>
-        </p:txBody>
-      </p:sp>
+              <a:rPr lang="en-IN" dirty="0" smtClean="0"/>
+              <a:t>Event – SMS – ‘discount</a:t>
+            </a:r>
+            <a:r>
+              <a:rPr lang="en-IN" dirty="0" smtClean="0"/>
+              <a:t>’</a:t>
+            </a:r>
+          </a:p>
+          <a:p>
+            <a:r>
+              <a:rPr lang="en-IN" dirty="0" smtClean="0"/>
+              <a:t>Intersection – Spam and ‘discount’</a:t>
+            </a:r>
+          </a:p>
+          <a:p>
+            <a:endParaRPr lang="en-IN" dirty="0"/>
+          </a:p>
+        </p:txBody>
+      </p:sp>
+      <p:graphicFrame>
+        <p:nvGraphicFramePr>
+          <p:cNvPr id="7170" name="Object 2"/>
+          <p:cNvGraphicFramePr>
+            <a:graphicFrameLocks noChangeAspect="1"/>
+          </p:cNvGraphicFramePr>
+          <p:nvPr/>
+        </p:nvGraphicFramePr>
+        <p:xfrm>
+          <a:off x="914400" y="3505200"/>
+          <a:ext cx="5457825" cy="1828800"/>
+        </p:xfrm>
+        <a:graphic>
+          <a:graphicData uri="http://schemas.openxmlformats.org/presentationml/2006/ole">
+            <p:oleObj spid="_x0000_s7170" name="Equation" r:id="rId3" imgW="2577960" imgH="863280" progId="Equation.3">
+              <p:embed/>
+            </p:oleObj>
+          </a:graphicData>
+        </a:graphic>
+      </p:graphicFrame>
     </p:spTree>
   </p:cSld>
   <p:clrMapOvr>
@@ -5493,17 +5735,23 @@
         </p:nvSpPr>
         <p:spPr/>
         <p:txBody>
-          <a:bodyPr/>
-          <a:lstStyle/>
-          <a:p>
-            <a:r>
-              <a:rPr lang="en-US" dirty="0" smtClean="0"/>
-              <a:t>Naive </a:t>
-            </a:r>
+          <a:bodyPr>
+            <a:normAutofit/>
+          </a:bodyPr>
+          <a:lstStyle/>
+          <a:p>
             <a:r>
               <a:rPr lang="en-US" dirty="0" err="1" smtClean="0"/>
               <a:t>Bayes</a:t>
             </a:r>
+            <a:r>
+              <a:rPr lang="en-US" dirty="0" smtClean="0"/>
+              <a:t>’ R</a:t>
+            </a:r>
+            <a:r>
+              <a:rPr lang="en-US" dirty="0" smtClean="0"/>
+              <a:t>ule</a:t>
+            </a:r>
             <a:endParaRPr lang="en-IN" dirty="0"/>
           </a:p>
         </p:txBody>
@@ -5523,10 +5771,52 @@
           <a:bodyPr/>
           <a:lstStyle/>
           <a:p>
-            <a:endParaRPr lang="en-IN"/>
-          </a:p>
-        </p:txBody>
-      </p:sp>
+            <a:r>
+              <a:rPr lang="en-IN" dirty="0" smtClean="0"/>
+              <a:t>Event – SMS – Spam</a:t>
+            </a:r>
+          </a:p>
+          <a:p>
+            <a:r>
+              <a:rPr lang="en-IN" dirty="0" smtClean="0"/>
+              <a:t>Event – SMS – ‘discount</a:t>
+            </a:r>
+            <a:r>
+              <a:rPr lang="en-IN" dirty="0" smtClean="0"/>
+              <a:t>’</a:t>
+            </a:r>
+          </a:p>
+          <a:p>
+            <a:r>
+              <a:rPr lang="en-IN" dirty="0" smtClean="0"/>
+              <a:t>Intersection – Spam and ‘discount’</a:t>
+            </a:r>
+          </a:p>
+          <a:p>
+            <a:endParaRPr lang="en-IN" dirty="0"/>
+          </a:p>
+        </p:txBody>
+      </p:sp>
+      <p:graphicFrame>
+        <p:nvGraphicFramePr>
+          <p:cNvPr id="7170" name="Object 2"/>
+          <p:cNvGraphicFramePr>
+            <a:graphicFrameLocks noChangeAspect="1"/>
+          </p:cNvGraphicFramePr>
+          <p:nvPr/>
+        </p:nvGraphicFramePr>
+        <p:xfrm>
+          <a:off x="885825" y="3505200"/>
+          <a:ext cx="6962775" cy="887413"/>
+        </p:xfrm>
+        <a:graphic>
+          <a:graphicData uri="http://schemas.openxmlformats.org/presentationml/2006/ole">
+            <p:oleObj spid="_x0000_s8194" name="Equation" r:id="rId3" imgW="3288960" imgH="419040" progId="Equation.3">
+              <p:embed/>
+            </p:oleObj>
+          </a:graphicData>
+        </a:graphic>
+      </p:graphicFrame>
     </p:spTree>
   </p:cSld>
   <p:clrMapOvr>

--- a/MachineLearning/NaiveBayes/NaiveBayes.pptx
+++ b/MachineLearning/NaiveBayes/NaiveBayes.pptx
@@ -10,7 +10,7 @@
   <p:sldIdLst>
     <p:sldId id="256" r:id="rId2"/>
     <p:sldId id="268" r:id="rId3"/>
-    <p:sldId id="270" r:id="rId4"/>
+    <p:sldId id="288" r:id="rId4"/>
     <p:sldId id="281" r:id="rId5"/>
     <p:sldId id="282" r:id="rId6"/>
     <p:sldId id="275" r:id="rId7"/>
@@ -3708,7 +3708,67 @@
           <a:bodyPr/>
           <a:lstStyle/>
           <a:p>
-            <a:endParaRPr lang="en-IN"/>
+            <a:r>
+              <a:rPr lang="en-IN" dirty="0" smtClean="0"/>
+              <a:t>SMS </a:t>
+            </a:r>
+            <a:r>
+              <a:rPr lang="en-IN" dirty="0" smtClean="0"/>
+              <a:t>spam </a:t>
+            </a:r>
+            <a:r>
+              <a:rPr lang="en-IN" dirty="0" smtClean="0"/>
+              <a:t>detection</a:t>
+            </a:r>
+          </a:p>
+          <a:p>
+            <a:r>
+              <a:rPr lang="en-IN" dirty="0" smtClean="0"/>
+              <a:t>Corpus</a:t>
+            </a:r>
+          </a:p>
+          <a:p>
+            <a:pPr lvl="1"/>
+            <a:r>
+              <a:rPr lang="en-IN" dirty="0" smtClean="0"/>
+              <a:t>Spam corpus</a:t>
+            </a:r>
+          </a:p>
+          <a:p>
+            <a:pPr lvl="1"/>
+            <a:r>
+              <a:rPr lang="en-IN" dirty="0" smtClean="0"/>
+              <a:t>Ham corpus</a:t>
+            </a:r>
+          </a:p>
+          <a:p>
+            <a:r>
+              <a:rPr lang="en-IN" dirty="0" smtClean="0"/>
+              <a:t>Vocabulary </a:t>
+            </a:r>
+            <a:endParaRPr lang="en-IN" dirty="0" smtClean="0"/>
+          </a:p>
+          <a:p>
+            <a:pPr lvl="1"/>
+            <a:r>
+              <a:rPr lang="en-IN" dirty="0" smtClean="0"/>
+              <a:t>All words </a:t>
+            </a:r>
+          </a:p>
+          <a:p>
+            <a:pPr lvl="1"/>
+            <a:r>
+              <a:rPr lang="en-IN" dirty="0" smtClean="0"/>
+              <a:t>Spam and Ham </a:t>
+            </a:r>
+            <a:r>
+              <a:rPr lang="en-IN" dirty="0" smtClean="0"/>
+              <a:t>corpus</a:t>
+            </a:r>
+            <a:r>
+              <a:rPr lang="en-IN" dirty="0" smtClean="0"/>
+              <a:t> </a:t>
+            </a:r>
           </a:p>
         </p:txBody>
       </p:sp>
@@ -4151,6 +4211,7 @@
               <a:rPr lang="en-US" dirty="0" smtClean="0"/>
               <a:t>Supervised learning</a:t>
             </a:r>
+            <a:endParaRPr lang="en-US" dirty="0" smtClean="0"/>
           </a:p>
           <a:p>
             <a:r>
@@ -4166,7 +4227,11 @@
             </a:r>
             <a:r>
               <a:rPr lang="en-US" dirty="0" smtClean="0"/>
-              <a:t>’ rule</a:t>
+              <a:t>’ </a:t>
+            </a:r>
+            <a:r>
+              <a:rPr lang="en-US" dirty="0" smtClean="0"/>
+              <a:t>rule</a:t>
             </a:r>
           </a:p>
           <a:p>
@@ -4889,11 +4954,7 @@
           <a:p>
             <a:r>
               <a:rPr lang="en-IN" dirty="0" smtClean="0"/>
-              <a:t>Application </a:t>
-            </a:r>
-            <a:r>
-              <a:rPr lang="en-IN" dirty="0" smtClean="0"/>
-              <a:t>– SMS spam detection</a:t>
+              <a:t>Application – SMS spam detection</a:t>
             </a:r>
           </a:p>
           <a:p>

--- a/MachineLearning/NaiveBayes/NaiveBayes.pptx
+++ b/MachineLearning/NaiveBayes/NaiveBayes.pptx
@@ -5,7 +5,7 @@
     <p:sldMasterId id="2147483648" r:id="rId1"/>
   </p:sldMasterIdLst>
   <p:notesMasterIdLst>
-    <p:notesMasterId r:id="rId18"/>
+    <p:notesMasterId r:id="rId25"/>
   </p:notesMasterIdLst>
   <p:sldIdLst>
     <p:sldId id="256" r:id="rId2"/>
@@ -19,11 +19,18 @@
     <p:sldId id="286" r:id="rId10"/>
     <p:sldId id="287" r:id="rId11"/>
     <p:sldId id="277" r:id="rId12"/>
-    <p:sldId id="278" r:id="rId13"/>
-    <p:sldId id="279" r:id="rId14"/>
-    <p:sldId id="271" r:id="rId15"/>
-    <p:sldId id="273" r:id="rId16"/>
-    <p:sldId id="269" r:id="rId17"/>
+    <p:sldId id="289" r:id="rId13"/>
+    <p:sldId id="291" r:id="rId14"/>
+    <p:sldId id="290" r:id="rId15"/>
+    <p:sldId id="292" r:id="rId16"/>
+    <p:sldId id="293" r:id="rId17"/>
+    <p:sldId id="294" r:id="rId18"/>
+    <p:sldId id="278" r:id="rId19"/>
+    <p:sldId id="295" r:id="rId20"/>
+    <p:sldId id="279" r:id="rId21"/>
+    <p:sldId id="271" r:id="rId22"/>
+    <p:sldId id="273" r:id="rId23"/>
+    <p:sldId id="269" r:id="rId24"/>
   </p:sldIdLst>
   <p:sldSz cx="9144000" cy="6858000" type="screen4x3"/>
   <p:notesSz cx="6858000" cy="9144000"/>
@@ -3772,6 +3779,467 @@
           </a:p>
         </p:txBody>
       </p:sp>
+      <p:graphicFrame>
+        <p:nvGraphicFramePr>
+          <p:cNvPr id="4" name="Table 3"/>
+          <p:cNvGraphicFramePr>
+            <a:graphicFrameLocks noGrp="1"/>
+          </p:cNvGraphicFramePr>
+          <p:nvPr/>
+        </p:nvGraphicFramePr>
+        <p:xfrm>
+          <a:off x="4953000" y="1838960"/>
+          <a:ext cx="3352800" cy="2966720"/>
+        </p:xfrm>
+        <a:graphic>
+          <a:graphicData uri="http://schemas.openxmlformats.org/drawingml/2006/table">
+            <a:tbl>
+              <a:tblPr firstRow="1" bandRow="1">
+                <a:tableStyleId>{5C22544A-7EE6-4342-B048-85BDC9FD1C3A}</a:tableStyleId>
+              </a:tblPr>
+              <a:tblGrid>
+                <a:gridCol w="1117600"/>
+                <a:gridCol w="1117600"/>
+                <a:gridCol w="1117600"/>
+              </a:tblGrid>
+              <a:tr h="370840">
+                <a:tc>
+                  <a:txBody>
+                    <a:bodyPr/>
+                    <a:lstStyle/>
+                    <a:p>
+                      <a:pPr algn="ctr"/>
+                      <a:r>
+                        <a:rPr lang="en-IN" dirty="0" smtClean="0"/>
+                        <a:t>Word</a:t>
+                      </a:r>
+                      <a:endParaRPr lang="en-IN" dirty="0"/>
+                    </a:p>
+                  </a:txBody>
+                  <a:tcPr/>
+                </a:tc>
+                <a:tc>
+                  <a:txBody>
+                    <a:bodyPr/>
+                    <a:lstStyle/>
+                    <a:p>
+                      <a:pPr algn="ctr"/>
+                      <a:r>
+                        <a:rPr lang="en-IN" dirty="0" smtClean="0"/>
+                        <a:t>Ham</a:t>
+                      </a:r>
+                      <a:endParaRPr lang="en-IN" dirty="0"/>
+                    </a:p>
+                  </a:txBody>
+                  <a:tcPr/>
+                </a:tc>
+                <a:tc>
+                  <a:txBody>
+                    <a:bodyPr/>
+                    <a:lstStyle/>
+                    <a:p>
+                      <a:pPr algn="ctr"/>
+                      <a:r>
+                        <a:rPr lang="en-IN" dirty="0" smtClean="0"/>
+                        <a:t>Spam</a:t>
+                      </a:r>
+                      <a:endParaRPr lang="en-IN" dirty="0"/>
+                    </a:p>
+                  </a:txBody>
+                  <a:tcPr/>
+                </a:tc>
+              </a:tr>
+              <a:tr h="370840">
+                <a:tc>
+                  <a:txBody>
+                    <a:bodyPr/>
+                    <a:lstStyle/>
+                    <a:p>
+                      <a:pPr algn="ctr"/>
+                      <a:r>
+                        <a:rPr lang="en-IN" dirty="0" smtClean="0"/>
+                        <a:t>I</a:t>
+                      </a:r>
+                      <a:endParaRPr lang="en-IN" dirty="0"/>
+                    </a:p>
+                  </a:txBody>
+                  <a:tcPr/>
+                </a:tc>
+                <a:tc>
+                  <a:txBody>
+                    <a:bodyPr/>
+                    <a:lstStyle/>
+                    <a:p>
+                      <a:pPr algn="ctr"/>
+                      <a:r>
+                        <a:rPr lang="en-IN" dirty="0" smtClean="0"/>
+                        <a:t>400</a:t>
+                      </a:r>
+                      <a:endParaRPr lang="en-IN" dirty="0"/>
+                    </a:p>
+                  </a:txBody>
+                  <a:tcPr/>
+                </a:tc>
+                <a:tc>
+                  <a:txBody>
+                    <a:bodyPr/>
+                    <a:lstStyle/>
+                    <a:p>
+                      <a:pPr algn="ctr"/>
+                      <a:r>
+                        <a:rPr lang="en-IN" dirty="0" smtClean="0"/>
+                        <a:t>400</a:t>
+                      </a:r>
+                      <a:endParaRPr lang="en-IN" dirty="0"/>
+                    </a:p>
+                  </a:txBody>
+                  <a:tcPr/>
+                </a:tc>
+              </a:tr>
+              <a:tr h="370840">
+                <a:tc>
+                  <a:txBody>
+                    <a:bodyPr/>
+                    <a:lstStyle/>
+                    <a:p>
+                      <a:pPr algn="ctr"/>
+                      <a:r>
+                        <a:rPr lang="en-IN" dirty="0" smtClean="0"/>
+                        <a:t>am</a:t>
+                      </a:r>
+                      <a:endParaRPr lang="en-IN" dirty="0"/>
+                    </a:p>
+                  </a:txBody>
+                  <a:tcPr/>
+                </a:tc>
+                <a:tc>
+                  <a:txBody>
+                    <a:bodyPr/>
+                    <a:lstStyle/>
+                    <a:p>
+                      <a:pPr algn="ctr"/>
+                      <a:r>
+                        <a:rPr lang="en-IN" dirty="0" smtClean="0"/>
+                        <a:t>400</a:t>
+                      </a:r>
+                      <a:endParaRPr lang="en-IN" dirty="0"/>
+                    </a:p>
+                  </a:txBody>
+                  <a:tcPr/>
+                </a:tc>
+                <a:tc>
+                  <a:txBody>
+                    <a:bodyPr/>
+                    <a:lstStyle/>
+                    <a:p>
+                      <a:pPr algn="ctr"/>
+                      <a:r>
+                        <a:rPr lang="en-IN" dirty="0" smtClean="0"/>
+                        <a:t>400</a:t>
+                      </a:r>
+                      <a:endParaRPr lang="en-IN" dirty="0"/>
+                    </a:p>
+                  </a:txBody>
+                  <a:tcPr/>
+                </a:tc>
+              </a:tr>
+              <a:tr h="370840">
+                <a:tc>
+                  <a:txBody>
+                    <a:bodyPr/>
+                    <a:lstStyle/>
+                    <a:p>
+                      <a:pPr algn="ctr"/>
+                      <a:r>
+                        <a:rPr lang="en-IN" dirty="0" smtClean="0"/>
+                        <a:t>because</a:t>
+                      </a:r>
+                      <a:endParaRPr lang="en-IN" dirty="0"/>
+                    </a:p>
+                  </a:txBody>
+                  <a:tcPr/>
+                </a:tc>
+                <a:tc>
+                  <a:txBody>
+                    <a:bodyPr/>
+                    <a:lstStyle/>
+                    <a:p>
+                      <a:pPr algn="ctr"/>
+                      <a:r>
+                        <a:rPr lang="en-IN" dirty="0" smtClean="0"/>
+                        <a:t>50</a:t>
+                      </a:r>
+                      <a:endParaRPr lang="en-IN" dirty="0"/>
+                    </a:p>
+                  </a:txBody>
+                  <a:tcPr/>
+                </a:tc>
+                <a:tc>
+                  <a:txBody>
+                    <a:bodyPr/>
+                    <a:lstStyle/>
+                    <a:p>
+                      <a:pPr algn="ctr"/>
+                      <a:r>
+                        <a:rPr lang="en-IN" dirty="0" smtClean="0"/>
+                        <a:t>0</a:t>
+                      </a:r>
+                      <a:endParaRPr lang="en-IN" dirty="0"/>
+                    </a:p>
+                  </a:txBody>
+                  <a:tcPr/>
+                </a:tc>
+              </a:tr>
+              <a:tr h="370840">
+                <a:tc>
+                  <a:txBody>
+                    <a:bodyPr/>
+                    <a:lstStyle/>
+                    <a:p>
+                      <a:pPr algn="ctr"/>
+                      <a:r>
+                        <a:rPr lang="en-IN" dirty="0" smtClean="0"/>
+                        <a:t>meeting</a:t>
+                      </a:r>
+                      <a:endParaRPr lang="en-IN" dirty="0"/>
+                    </a:p>
+                  </a:txBody>
+                  <a:tcPr/>
+                </a:tc>
+                <a:tc>
+                  <a:txBody>
+                    <a:bodyPr/>
+                    <a:lstStyle/>
+                    <a:p>
+                      <a:pPr algn="ctr"/>
+                      <a:r>
+                        <a:rPr lang="en-IN" dirty="0" smtClean="0"/>
+                        <a:t>200</a:t>
+                      </a:r>
+                      <a:endParaRPr lang="en-IN" dirty="0"/>
+                    </a:p>
+                  </a:txBody>
+                  <a:tcPr/>
+                </a:tc>
+                <a:tc>
+                  <a:txBody>
+                    <a:bodyPr/>
+                    <a:lstStyle/>
+                    <a:p>
+                      <a:pPr algn="ctr"/>
+                      <a:r>
+                        <a:rPr lang="en-IN" dirty="0" smtClean="0"/>
+                        <a:t>100</a:t>
+                      </a:r>
+                      <a:endParaRPr lang="en-IN" dirty="0"/>
+                    </a:p>
+                  </a:txBody>
+                  <a:tcPr/>
+                </a:tc>
+              </a:tr>
+              <a:tr h="370840">
+                <a:tc>
+                  <a:txBody>
+                    <a:bodyPr/>
+                    <a:lstStyle/>
+                    <a:p>
+                      <a:pPr algn="ctr"/>
+                      <a:r>
+                        <a:rPr lang="en-IN" dirty="0" smtClean="0"/>
+                        <a:t>company</a:t>
+                      </a:r>
+                      <a:endParaRPr lang="en-IN" dirty="0"/>
+                    </a:p>
+                  </a:txBody>
+                  <a:tcPr/>
+                </a:tc>
+                <a:tc>
+                  <a:txBody>
+                    <a:bodyPr/>
+                    <a:lstStyle/>
+                    <a:p>
+                      <a:pPr algn="ctr"/>
+                      <a:r>
+                        <a:rPr lang="en-IN" dirty="0" smtClean="0"/>
+                        <a:t>350</a:t>
+                      </a:r>
+                      <a:endParaRPr lang="en-IN" dirty="0"/>
+                    </a:p>
+                  </a:txBody>
+                  <a:tcPr/>
+                </a:tc>
+                <a:tc>
+                  <a:txBody>
+                    <a:bodyPr/>
+                    <a:lstStyle/>
+                    <a:p>
+                      <a:pPr algn="ctr"/>
+                      <a:r>
+                        <a:rPr lang="en-IN" dirty="0" smtClean="0"/>
+                        <a:t>100</a:t>
+                      </a:r>
+                      <a:endParaRPr lang="en-IN" dirty="0"/>
+                    </a:p>
+                  </a:txBody>
+                  <a:tcPr/>
+                </a:tc>
+              </a:tr>
+              <a:tr h="370840">
+                <a:tc>
+                  <a:txBody>
+                    <a:bodyPr/>
+                    <a:lstStyle/>
+                    <a:p>
+                      <a:pPr algn="ctr"/>
+                      <a:r>
+                        <a:rPr lang="en-IN" dirty="0" smtClean="0"/>
+                        <a:t>discount</a:t>
+                      </a:r>
+                      <a:endParaRPr lang="en-IN" dirty="0"/>
+                    </a:p>
+                  </a:txBody>
+                  <a:tcPr/>
+                </a:tc>
+                <a:tc>
+                  <a:txBody>
+                    <a:bodyPr/>
+                    <a:lstStyle/>
+                    <a:p>
+                      <a:pPr algn="ctr"/>
+                      <a:r>
+                        <a:rPr lang="en-IN" dirty="0" smtClean="0"/>
+                        <a:t>100</a:t>
+                      </a:r>
+                      <a:endParaRPr lang="en-IN" dirty="0"/>
+                    </a:p>
+                  </a:txBody>
+                  <a:tcPr/>
+                </a:tc>
+                <a:tc>
+                  <a:txBody>
+                    <a:bodyPr/>
+                    <a:lstStyle/>
+                    <a:p>
+                      <a:pPr algn="ctr"/>
+                      <a:r>
+                        <a:rPr lang="en-IN" dirty="0" smtClean="0"/>
+                        <a:t>200</a:t>
+                      </a:r>
+                      <a:endParaRPr lang="en-IN" dirty="0"/>
+                    </a:p>
+                  </a:txBody>
+                  <a:tcPr/>
+                </a:tc>
+              </a:tr>
+              <a:tr h="370840">
+                <a:tc>
+                  <a:txBody>
+                    <a:bodyPr/>
+                    <a:lstStyle/>
+                    <a:p>
+                      <a:pPr algn="ctr"/>
+                      <a:r>
+                        <a:rPr lang="en-IN" dirty="0" smtClean="0"/>
+                        <a:t>lottery</a:t>
+                      </a:r>
+                      <a:endParaRPr lang="en-IN" dirty="0"/>
+                    </a:p>
+                  </a:txBody>
+                  <a:tcPr/>
+                </a:tc>
+                <a:tc>
+                  <a:txBody>
+                    <a:bodyPr/>
+                    <a:lstStyle/>
+                    <a:p>
+                      <a:pPr algn="ctr"/>
+                      <a:r>
+                        <a:rPr lang="en-IN" dirty="0" smtClean="0"/>
+                        <a:t>100</a:t>
+                      </a:r>
+                      <a:endParaRPr lang="en-IN" dirty="0"/>
+                    </a:p>
+                  </a:txBody>
+                  <a:tcPr/>
+                </a:tc>
+                <a:tc>
+                  <a:txBody>
+                    <a:bodyPr/>
+                    <a:lstStyle/>
+                    <a:p>
+                      <a:pPr algn="ctr"/>
+                      <a:r>
+                        <a:rPr lang="en-IN" dirty="0" smtClean="0"/>
+                        <a:t>400</a:t>
+                      </a:r>
+                      <a:endParaRPr lang="en-IN" dirty="0"/>
+                    </a:p>
+                  </a:txBody>
+                  <a:tcPr/>
+                </a:tc>
+              </a:tr>
+            </a:tbl>
+          </a:graphicData>
+        </a:graphic>
+      </p:graphicFrame>
+      <p:graphicFrame>
+        <p:nvGraphicFramePr>
+          <p:cNvPr id="5" name="Table 4"/>
+          <p:cNvGraphicFramePr>
+            <a:graphicFrameLocks noGrp="1"/>
+          </p:cNvGraphicFramePr>
+          <p:nvPr/>
+        </p:nvGraphicFramePr>
+        <p:xfrm>
+          <a:off x="6096000" y="4963160"/>
+          <a:ext cx="2209800" cy="370840"/>
+        </p:xfrm>
+        <a:graphic>
+          <a:graphicData uri="http://schemas.openxmlformats.org/drawingml/2006/table">
+            <a:tbl>
+              <a:tblPr firstRow="1" bandRow="1">
+                <a:tableStyleId>{5C22544A-7EE6-4342-B048-85BDC9FD1C3A}</a:tableStyleId>
+              </a:tblPr>
+              <a:tblGrid>
+                <a:gridCol w="1104900"/>
+                <a:gridCol w="1104900"/>
+              </a:tblGrid>
+              <a:tr h="370840">
+                <a:tc>
+                  <a:txBody>
+                    <a:bodyPr/>
+                    <a:lstStyle/>
+                    <a:p>
+                      <a:pPr algn="ctr"/>
+                      <a:r>
+                        <a:rPr lang="en-IN" dirty="0" smtClean="0"/>
+                        <a:t>1600</a:t>
+                      </a:r>
+                      <a:endParaRPr lang="en-IN" dirty="0"/>
+                    </a:p>
+                  </a:txBody>
+                  <a:tcPr/>
+                </a:tc>
+                <a:tc>
+                  <a:txBody>
+                    <a:bodyPr/>
+                    <a:lstStyle/>
+                    <a:p>
+                      <a:pPr algn="ctr"/>
+                      <a:r>
+                        <a:rPr lang="en-IN" dirty="0" smtClean="0"/>
+                        <a:t>1600</a:t>
+                      </a:r>
+                      <a:endParaRPr lang="en-IN" dirty="0"/>
+                    </a:p>
+                  </a:txBody>
+                  <a:tcPr/>
+                </a:tc>
+              </a:tr>
+            </a:tbl>
+          </a:graphicData>
+        </a:graphic>
+      </p:graphicFrame>
     </p:spTree>
   </p:cSld>
   <p:clrMapOvr>
@@ -3809,46 +4277,582 @@
         </p:nvSpPr>
         <p:spPr/>
         <p:txBody>
-          <a:bodyPr>
-            <a:normAutofit/>
-          </a:bodyPr>
-          <a:lstStyle/>
-          <a:p>
-            <a:r>
-              <a:rPr lang="en-US" dirty="0" err="1" smtClean="0"/>
-              <a:t>Laplacian</a:t>
-            </a:r>
-            <a:r>
-              <a:rPr lang="en-US" dirty="0" smtClean="0"/>
-              <a:t> </a:t>
-            </a:r>
-            <a:r>
-              <a:rPr lang="en-US" dirty="0" smtClean="0"/>
-              <a:t>Smoothing</a:t>
-            </a:r>
-            <a:endParaRPr lang="en-IN" dirty="0"/>
-          </a:p>
-        </p:txBody>
-      </p:sp>
-      <p:sp>
-        <p:nvSpPr>
-          <p:cNvPr id="3" name="Content Placeholder 2"/>
-          <p:cNvSpPr>
-            <a:spLocks noGrp="1"/>
-          </p:cNvSpPr>
-          <p:nvPr>
-            <p:ph idx="1"/>
-          </p:nvPr>
-        </p:nvSpPr>
-        <p:spPr/>
-        <p:txBody>
           <a:bodyPr/>
           <a:lstStyle/>
           <a:p>
-            <a:endParaRPr lang="en-IN"/>
-          </a:p>
-        </p:txBody>
-      </p:sp>
+            <a:r>
+              <a:rPr lang="en-US" dirty="0" smtClean="0"/>
+              <a:t>Naive </a:t>
+            </a:r>
+            <a:r>
+              <a:rPr lang="en-US" dirty="0" err="1" smtClean="0"/>
+              <a:t>Bayes</a:t>
+            </a:r>
+            <a:endParaRPr lang="en-IN" dirty="0"/>
+          </a:p>
+        </p:txBody>
+      </p:sp>
+      <p:sp>
+        <p:nvSpPr>
+          <p:cNvPr id="3" name="Content Placeholder 2"/>
+          <p:cNvSpPr>
+            <a:spLocks noGrp="1"/>
+          </p:cNvSpPr>
+          <p:nvPr>
+            <p:ph idx="1"/>
+          </p:nvPr>
+        </p:nvSpPr>
+        <p:spPr/>
+        <p:txBody>
+          <a:bodyPr/>
+          <a:lstStyle/>
+          <a:p>
+            <a:r>
+              <a:rPr lang="en-IN" dirty="0" smtClean="0"/>
+              <a:t>SMS </a:t>
+            </a:r>
+            <a:r>
+              <a:rPr lang="en-IN" dirty="0" smtClean="0"/>
+              <a:t>spam </a:t>
+            </a:r>
+            <a:r>
+              <a:rPr lang="en-IN" dirty="0" smtClean="0"/>
+              <a:t>detection</a:t>
+            </a:r>
+          </a:p>
+          <a:p>
+            <a:r>
+              <a:rPr lang="en-IN" dirty="0" smtClean="0"/>
+              <a:t>Corpus</a:t>
+            </a:r>
+          </a:p>
+          <a:p>
+            <a:pPr lvl="1"/>
+            <a:r>
+              <a:rPr lang="en-IN" dirty="0" smtClean="0"/>
+              <a:t>Spam corpus</a:t>
+            </a:r>
+          </a:p>
+          <a:p>
+            <a:pPr lvl="1"/>
+            <a:r>
+              <a:rPr lang="en-IN" dirty="0" smtClean="0"/>
+              <a:t>Ham corpus</a:t>
+            </a:r>
+          </a:p>
+          <a:p>
+            <a:r>
+              <a:rPr lang="en-IN" dirty="0" smtClean="0"/>
+              <a:t>Vocabulary </a:t>
+            </a:r>
+            <a:endParaRPr lang="en-IN" dirty="0" smtClean="0"/>
+          </a:p>
+          <a:p>
+            <a:pPr lvl="1"/>
+            <a:r>
+              <a:rPr lang="en-IN" dirty="0" smtClean="0"/>
+              <a:t>All words </a:t>
+            </a:r>
+          </a:p>
+          <a:p>
+            <a:pPr lvl="1"/>
+            <a:r>
+              <a:rPr lang="en-IN" dirty="0" smtClean="0"/>
+              <a:t>Spam and Ham corpus</a:t>
+            </a:r>
+          </a:p>
+          <a:p>
+            <a:pPr>
+              <a:buNone/>
+            </a:pPr>
+            <a:r>
+              <a:rPr lang="en-IN" dirty="0" smtClean="0"/>
+              <a:t> </a:t>
+            </a:r>
+          </a:p>
+        </p:txBody>
+      </p:sp>
+      <p:graphicFrame>
+        <p:nvGraphicFramePr>
+          <p:cNvPr id="4" name="Table 3"/>
+          <p:cNvGraphicFramePr>
+            <a:graphicFrameLocks noGrp="1"/>
+          </p:cNvGraphicFramePr>
+          <p:nvPr/>
+        </p:nvGraphicFramePr>
+        <p:xfrm>
+          <a:off x="4953000" y="1828800"/>
+          <a:ext cx="3352800" cy="2966720"/>
+        </p:xfrm>
+        <a:graphic>
+          <a:graphicData uri="http://schemas.openxmlformats.org/drawingml/2006/table">
+            <a:tbl>
+              <a:tblPr firstRow="1" bandRow="1">
+                <a:tableStyleId>{5C22544A-7EE6-4342-B048-85BDC9FD1C3A}</a:tableStyleId>
+              </a:tblPr>
+              <a:tblGrid>
+                <a:gridCol w="1117600"/>
+                <a:gridCol w="1117600"/>
+                <a:gridCol w="1117600"/>
+              </a:tblGrid>
+              <a:tr h="370840">
+                <a:tc>
+                  <a:txBody>
+                    <a:bodyPr/>
+                    <a:lstStyle/>
+                    <a:p>
+                      <a:pPr algn="ctr"/>
+                      <a:r>
+                        <a:rPr lang="en-IN" dirty="0" smtClean="0"/>
+                        <a:t>Word</a:t>
+                      </a:r>
+                      <a:endParaRPr lang="en-IN" dirty="0"/>
+                    </a:p>
+                  </a:txBody>
+                  <a:tcPr/>
+                </a:tc>
+                <a:tc>
+                  <a:txBody>
+                    <a:bodyPr/>
+                    <a:lstStyle/>
+                    <a:p>
+                      <a:pPr algn="ctr"/>
+                      <a:r>
+                        <a:rPr lang="en-IN" dirty="0" smtClean="0"/>
+                        <a:t>Ham</a:t>
+                      </a:r>
+                      <a:endParaRPr lang="en-IN" dirty="0"/>
+                    </a:p>
+                  </a:txBody>
+                  <a:tcPr/>
+                </a:tc>
+                <a:tc>
+                  <a:txBody>
+                    <a:bodyPr/>
+                    <a:lstStyle/>
+                    <a:p>
+                      <a:pPr algn="ctr"/>
+                      <a:r>
+                        <a:rPr lang="en-IN" dirty="0" smtClean="0"/>
+                        <a:t>Spam</a:t>
+                      </a:r>
+                      <a:endParaRPr lang="en-IN" dirty="0"/>
+                    </a:p>
+                  </a:txBody>
+                  <a:tcPr/>
+                </a:tc>
+              </a:tr>
+              <a:tr h="370840">
+                <a:tc>
+                  <a:txBody>
+                    <a:bodyPr/>
+                    <a:lstStyle/>
+                    <a:p>
+                      <a:pPr algn="ctr"/>
+                      <a:r>
+                        <a:rPr lang="en-IN" dirty="0" smtClean="0"/>
+                        <a:t>I</a:t>
+                      </a:r>
+                      <a:endParaRPr lang="en-IN" dirty="0"/>
+                    </a:p>
+                  </a:txBody>
+                  <a:tcPr/>
+                </a:tc>
+                <a:tc>
+                  <a:txBody>
+                    <a:bodyPr/>
+                    <a:lstStyle/>
+                    <a:p>
+                      <a:pPr algn="ctr"/>
+                      <a:r>
+                        <a:rPr lang="en-IN" dirty="0" smtClean="0"/>
+                        <a:t>0.25</a:t>
+                      </a:r>
+                      <a:endParaRPr lang="en-IN" dirty="0"/>
+                    </a:p>
+                  </a:txBody>
+                  <a:tcPr/>
+                </a:tc>
+                <a:tc>
+                  <a:txBody>
+                    <a:bodyPr/>
+                    <a:lstStyle/>
+                    <a:p>
+                      <a:pPr algn="ctr"/>
+                      <a:r>
+                        <a:rPr lang="en-IN" dirty="0" smtClean="0"/>
+                        <a:t>0.25</a:t>
+                      </a:r>
+                      <a:endParaRPr lang="en-IN" dirty="0"/>
+                    </a:p>
+                  </a:txBody>
+                  <a:tcPr/>
+                </a:tc>
+              </a:tr>
+              <a:tr h="370840">
+                <a:tc>
+                  <a:txBody>
+                    <a:bodyPr/>
+                    <a:lstStyle/>
+                    <a:p>
+                      <a:pPr algn="ctr"/>
+                      <a:r>
+                        <a:rPr lang="en-IN" dirty="0" smtClean="0"/>
+                        <a:t>am</a:t>
+                      </a:r>
+                      <a:endParaRPr lang="en-IN" dirty="0"/>
+                    </a:p>
+                  </a:txBody>
+                  <a:tcPr/>
+                </a:tc>
+                <a:tc>
+                  <a:txBody>
+                    <a:bodyPr/>
+                    <a:lstStyle/>
+                    <a:p>
+                      <a:pPr algn="ctr"/>
+                      <a:r>
+                        <a:rPr lang="en-IN" dirty="0" smtClean="0"/>
+                        <a:t>0.25</a:t>
+                      </a:r>
+                      <a:endParaRPr lang="en-IN" dirty="0"/>
+                    </a:p>
+                  </a:txBody>
+                  <a:tcPr/>
+                </a:tc>
+                <a:tc>
+                  <a:txBody>
+                    <a:bodyPr/>
+                    <a:lstStyle/>
+                    <a:p>
+                      <a:pPr algn="ctr"/>
+                      <a:r>
+                        <a:rPr lang="en-IN" dirty="0" smtClean="0"/>
+                        <a:t>0.25</a:t>
+                      </a:r>
+                      <a:endParaRPr lang="en-IN" dirty="0"/>
+                    </a:p>
+                  </a:txBody>
+                  <a:tcPr/>
+                </a:tc>
+              </a:tr>
+              <a:tr h="370840">
+                <a:tc>
+                  <a:txBody>
+                    <a:bodyPr/>
+                    <a:lstStyle/>
+                    <a:p>
+                      <a:pPr algn="ctr"/>
+                      <a:r>
+                        <a:rPr lang="en-IN" dirty="0" smtClean="0"/>
+                        <a:t>because</a:t>
+                      </a:r>
+                      <a:endParaRPr lang="en-IN" dirty="0"/>
+                    </a:p>
+                  </a:txBody>
+                  <a:tcPr/>
+                </a:tc>
+                <a:tc>
+                  <a:txBody>
+                    <a:bodyPr/>
+                    <a:lstStyle/>
+                    <a:p>
+                      <a:pPr algn="ctr"/>
+                      <a:r>
+                        <a:rPr lang="en-IN" dirty="0" smtClean="0"/>
+                        <a:t>0.03125</a:t>
+                      </a:r>
+                      <a:endParaRPr lang="en-IN" dirty="0"/>
+                    </a:p>
+                  </a:txBody>
+                  <a:tcPr/>
+                </a:tc>
+                <a:tc>
+                  <a:txBody>
+                    <a:bodyPr/>
+                    <a:lstStyle/>
+                    <a:p>
+                      <a:pPr algn="ctr"/>
+                      <a:r>
+                        <a:rPr lang="en-IN" dirty="0" smtClean="0"/>
+                        <a:t>0</a:t>
+                      </a:r>
+                      <a:endParaRPr lang="en-IN" dirty="0"/>
+                    </a:p>
+                  </a:txBody>
+                  <a:tcPr/>
+                </a:tc>
+              </a:tr>
+              <a:tr h="370840">
+                <a:tc>
+                  <a:txBody>
+                    <a:bodyPr/>
+                    <a:lstStyle/>
+                    <a:p>
+                      <a:pPr algn="ctr"/>
+                      <a:r>
+                        <a:rPr lang="en-IN" dirty="0" smtClean="0"/>
+                        <a:t>meeting</a:t>
+                      </a:r>
+                      <a:endParaRPr lang="en-IN" dirty="0"/>
+                    </a:p>
+                  </a:txBody>
+                  <a:tcPr/>
+                </a:tc>
+                <a:tc>
+                  <a:txBody>
+                    <a:bodyPr/>
+                    <a:lstStyle/>
+                    <a:p>
+                      <a:pPr algn="ctr"/>
+                      <a:r>
+                        <a:rPr lang="en-IN" dirty="0" smtClean="0"/>
+                        <a:t>0.125</a:t>
+                      </a:r>
+                      <a:endParaRPr lang="en-IN" dirty="0"/>
+                    </a:p>
+                  </a:txBody>
+                  <a:tcPr/>
+                </a:tc>
+                <a:tc>
+                  <a:txBody>
+                    <a:bodyPr/>
+                    <a:lstStyle/>
+                    <a:p>
+                      <a:pPr algn="ctr"/>
+                      <a:r>
+                        <a:rPr lang="en-IN" dirty="0" smtClean="0"/>
+                        <a:t>0.0625</a:t>
+                      </a:r>
+                      <a:endParaRPr lang="en-IN" dirty="0"/>
+                    </a:p>
+                  </a:txBody>
+                  <a:tcPr/>
+                </a:tc>
+              </a:tr>
+              <a:tr h="370840">
+                <a:tc>
+                  <a:txBody>
+                    <a:bodyPr/>
+                    <a:lstStyle/>
+                    <a:p>
+                      <a:pPr algn="ctr"/>
+                      <a:r>
+                        <a:rPr lang="en-IN" dirty="0" smtClean="0"/>
+                        <a:t>company</a:t>
+                      </a:r>
+                      <a:endParaRPr lang="en-IN" dirty="0"/>
+                    </a:p>
+                  </a:txBody>
+                  <a:tcPr/>
+                </a:tc>
+                <a:tc>
+                  <a:txBody>
+                    <a:bodyPr/>
+                    <a:lstStyle/>
+                    <a:p>
+                      <a:pPr algn="ctr"/>
+                      <a:r>
+                        <a:rPr lang="en-IN" dirty="0" smtClean="0"/>
+                        <a:t>0.21875</a:t>
+                      </a:r>
+                      <a:endParaRPr lang="en-IN" dirty="0"/>
+                    </a:p>
+                  </a:txBody>
+                  <a:tcPr/>
+                </a:tc>
+                <a:tc>
+                  <a:txBody>
+                    <a:bodyPr/>
+                    <a:lstStyle/>
+                    <a:p>
+                      <a:pPr algn="ctr"/>
+                      <a:r>
+                        <a:rPr lang="en-IN" dirty="0" smtClean="0"/>
+                        <a:t>0.0625</a:t>
+                      </a:r>
+                      <a:endParaRPr lang="en-IN" dirty="0"/>
+                    </a:p>
+                  </a:txBody>
+                  <a:tcPr/>
+                </a:tc>
+              </a:tr>
+              <a:tr h="370840">
+                <a:tc>
+                  <a:txBody>
+                    <a:bodyPr/>
+                    <a:lstStyle/>
+                    <a:p>
+                      <a:pPr algn="ctr"/>
+                      <a:r>
+                        <a:rPr lang="en-IN" dirty="0" smtClean="0"/>
+                        <a:t>discount</a:t>
+                      </a:r>
+                      <a:endParaRPr lang="en-IN" dirty="0"/>
+                    </a:p>
+                  </a:txBody>
+                  <a:tcPr/>
+                </a:tc>
+                <a:tc>
+                  <a:txBody>
+                    <a:bodyPr/>
+                    <a:lstStyle/>
+                    <a:p>
+                      <a:pPr algn="ctr"/>
+                      <a:r>
+                        <a:rPr lang="en-IN" dirty="0" smtClean="0"/>
+                        <a:t>0.0625</a:t>
+                      </a:r>
+                      <a:endParaRPr lang="en-IN" dirty="0"/>
+                    </a:p>
+                  </a:txBody>
+                  <a:tcPr/>
+                </a:tc>
+                <a:tc>
+                  <a:txBody>
+                    <a:bodyPr/>
+                    <a:lstStyle/>
+                    <a:p>
+                      <a:pPr algn="ctr"/>
+                      <a:r>
+                        <a:rPr lang="en-IN" dirty="0" smtClean="0"/>
+                        <a:t>0.125</a:t>
+                      </a:r>
+                      <a:endParaRPr lang="en-IN" dirty="0"/>
+                    </a:p>
+                  </a:txBody>
+                  <a:tcPr/>
+                </a:tc>
+              </a:tr>
+              <a:tr h="370840">
+                <a:tc>
+                  <a:txBody>
+                    <a:bodyPr/>
+                    <a:lstStyle/>
+                    <a:p>
+                      <a:pPr algn="ctr"/>
+                      <a:r>
+                        <a:rPr lang="en-IN" dirty="0" smtClean="0"/>
+                        <a:t>lottery</a:t>
+                      </a:r>
+                      <a:endParaRPr lang="en-IN" dirty="0"/>
+                    </a:p>
+                  </a:txBody>
+                  <a:tcPr/>
+                </a:tc>
+                <a:tc>
+                  <a:txBody>
+                    <a:bodyPr/>
+                    <a:lstStyle/>
+                    <a:p>
+                      <a:pPr algn="ctr"/>
+                      <a:r>
+                        <a:rPr lang="en-IN" dirty="0" smtClean="0"/>
+                        <a:t>0.0625</a:t>
+                      </a:r>
+                      <a:endParaRPr lang="en-IN" dirty="0"/>
+                    </a:p>
+                  </a:txBody>
+                  <a:tcPr/>
+                </a:tc>
+                <a:tc>
+                  <a:txBody>
+                    <a:bodyPr/>
+                    <a:lstStyle/>
+                    <a:p>
+                      <a:pPr algn="ctr"/>
+                      <a:r>
+                        <a:rPr lang="en-IN" dirty="0" smtClean="0"/>
+                        <a:t>0.25</a:t>
+                      </a:r>
+                      <a:endParaRPr lang="en-IN" dirty="0"/>
+                    </a:p>
+                  </a:txBody>
+                  <a:tcPr/>
+                </a:tc>
+              </a:tr>
+            </a:tbl>
+          </a:graphicData>
+        </a:graphic>
+      </p:graphicFrame>
+      <p:graphicFrame>
+        <p:nvGraphicFramePr>
+          <p:cNvPr id="5" name="Table 4"/>
+          <p:cNvGraphicFramePr>
+            <a:graphicFrameLocks noGrp="1"/>
+          </p:cNvGraphicFramePr>
+          <p:nvPr/>
+        </p:nvGraphicFramePr>
+        <p:xfrm>
+          <a:off x="6096000" y="4953000"/>
+          <a:ext cx="2209800" cy="370840"/>
+        </p:xfrm>
+        <a:graphic>
+          <a:graphicData uri="http://schemas.openxmlformats.org/drawingml/2006/table">
+            <a:tbl>
+              <a:tblPr firstRow="1" bandRow="1">
+                <a:tableStyleId>{5C22544A-7EE6-4342-B048-85BDC9FD1C3A}</a:tableStyleId>
+              </a:tblPr>
+              <a:tblGrid>
+                <a:gridCol w="1104900"/>
+                <a:gridCol w="1104900"/>
+              </a:tblGrid>
+              <a:tr h="370840">
+                <a:tc>
+                  <a:txBody>
+                    <a:bodyPr/>
+                    <a:lstStyle/>
+                    <a:p>
+                      <a:pPr algn="ctr"/>
+                      <a:r>
+                        <a:rPr lang="en-IN" dirty="0" smtClean="0"/>
+                        <a:t>1600</a:t>
+                      </a:r>
+                      <a:endParaRPr lang="en-IN" dirty="0"/>
+                    </a:p>
+                  </a:txBody>
+                  <a:tcPr/>
+                </a:tc>
+                <a:tc>
+                  <a:txBody>
+                    <a:bodyPr/>
+                    <a:lstStyle/>
+                    <a:p>
+                      <a:pPr algn="ctr"/>
+                      <a:r>
+                        <a:rPr lang="en-IN" dirty="0" smtClean="0"/>
+                        <a:t>1600</a:t>
+                      </a:r>
+                      <a:endParaRPr lang="en-IN" dirty="0"/>
+                    </a:p>
+                  </a:txBody>
+                  <a:tcPr/>
+                </a:tc>
+              </a:tr>
+            </a:tbl>
+          </a:graphicData>
+        </a:graphic>
+      </p:graphicFrame>
+      <p:graphicFrame>
+        <p:nvGraphicFramePr>
+          <p:cNvPr id="6" name="Object 5"/>
+          <p:cNvGraphicFramePr>
+            <a:graphicFrameLocks noChangeAspect="1"/>
+          </p:cNvGraphicFramePr>
+          <p:nvPr/>
+        </p:nvGraphicFramePr>
+        <p:xfrm>
+          <a:off x="5410200" y="5486400"/>
+          <a:ext cx="2514600" cy="521319"/>
+        </p:xfrm>
+        <a:graphic>
+          <a:graphicData uri="http://schemas.openxmlformats.org/presentationml/2006/ole">
+            <p:oleObj spid="_x0000_s10242" name="Equation" r:id="rId3" imgW="1041120" imgH="215640" progId="Equation.3">
+              <p:embed/>
+            </p:oleObj>
+          </a:graphicData>
+        </a:graphic>
+      </p:graphicFrame>
     </p:spTree>
   </p:cSld>
   <p:clrMapOvr>
@@ -3890,8 +4894,12 @@
           <a:lstStyle/>
           <a:p>
             <a:r>
-              <a:rPr lang="en-IN" dirty="0" smtClean="0"/>
-              <a:t>Applications</a:t>
+              <a:rPr lang="en-US" dirty="0" smtClean="0"/>
+              <a:t>Naive </a:t>
+            </a:r>
+            <a:r>
+              <a:rPr lang="en-US" dirty="0" err="1" smtClean="0"/>
+              <a:t>Bayes</a:t>
             </a:r>
             <a:endParaRPr lang="en-IN" dirty="0"/>
           </a:p>
@@ -3912,10 +4920,551 @@
           <a:bodyPr/>
           <a:lstStyle/>
           <a:p>
-            <a:endParaRPr lang="en-IN"/>
-          </a:p>
-        </p:txBody>
-      </p:sp>
+            <a:r>
+              <a:rPr lang="en-IN" dirty="0" smtClean="0"/>
+              <a:t>SMS </a:t>
+            </a:r>
+            <a:r>
+              <a:rPr lang="en-IN" dirty="0" smtClean="0"/>
+              <a:t>spam </a:t>
+            </a:r>
+            <a:r>
+              <a:rPr lang="en-IN" dirty="0" smtClean="0"/>
+              <a:t>detection</a:t>
+            </a:r>
+          </a:p>
+          <a:p>
+            <a:r>
+              <a:rPr lang="en-IN" dirty="0" smtClean="0"/>
+              <a:t>Corpus</a:t>
+            </a:r>
+          </a:p>
+          <a:p>
+            <a:pPr lvl="1"/>
+            <a:r>
+              <a:rPr lang="en-IN" dirty="0" smtClean="0"/>
+              <a:t>Spam corpus</a:t>
+            </a:r>
+          </a:p>
+          <a:p>
+            <a:pPr lvl="1"/>
+            <a:r>
+              <a:rPr lang="en-IN" dirty="0" smtClean="0"/>
+              <a:t>Ham corpus</a:t>
+            </a:r>
+          </a:p>
+          <a:p>
+            <a:r>
+              <a:rPr lang="en-IN" dirty="0" smtClean="0"/>
+              <a:t>Vocabulary </a:t>
+            </a:r>
+            <a:endParaRPr lang="en-IN" dirty="0" smtClean="0"/>
+          </a:p>
+          <a:p>
+            <a:pPr lvl="1"/>
+            <a:r>
+              <a:rPr lang="en-IN" dirty="0" smtClean="0"/>
+              <a:t>All words </a:t>
+            </a:r>
+          </a:p>
+          <a:p>
+            <a:pPr lvl="1"/>
+            <a:r>
+              <a:rPr lang="en-IN" dirty="0" smtClean="0"/>
+              <a:t>Spam and Ham </a:t>
+            </a:r>
+            <a:r>
+              <a:rPr lang="en-IN" dirty="0" smtClean="0"/>
+              <a:t>corpus</a:t>
+            </a:r>
+            <a:r>
+              <a:rPr lang="en-IN" dirty="0" smtClean="0"/>
+              <a:t> </a:t>
+            </a:r>
+          </a:p>
+        </p:txBody>
+      </p:sp>
+      <p:graphicFrame>
+        <p:nvGraphicFramePr>
+          <p:cNvPr id="4" name="Table 3"/>
+          <p:cNvGraphicFramePr>
+            <a:graphicFrameLocks noGrp="1"/>
+          </p:cNvGraphicFramePr>
+          <p:nvPr/>
+        </p:nvGraphicFramePr>
+        <p:xfrm>
+          <a:off x="4953000" y="1838960"/>
+          <a:ext cx="3352800" cy="2966720"/>
+        </p:xfrm>
+        <a:graphic>
+          <a:graphicData uri="http://schemas.openxmlformats.org/drawingml/2006/table">
+            <a:tbl>
+              <a:tblPr firstRow="1" bandRow="1">
+                <a:tableStyleId>{5C22544A-7EE6-4342-B048-85BDC9FD1C3A}</a:tableStyleId>
+              </a:tblPr>
+              <a:tblGrid>
+                <a:gridCol w="1117600"/>
+                <a:gridCol w="1117600"/>
+                <a:gridCol w="1117600"/>
+              </a:tblGrid>
+              <a:tr h="370840">
+                <a:tc>
+                  <a:txBody>
+                    <a:bodyPr/>
+                    <a:lstStyle/>
+                    <a:p>
+                      <a:pPr algn="ctr"/>
+                      <a:r>
+                        <a:rPr lang="en-IN" dirty="0" smtClean="0"/>
+                        <a:t>Word</a:t>
+                      </a:r>
+                      <a:endParaRPr lang="en-IN" dirty="0"/>
+                    </a:p>
+                  </a:txBody>
+                  <a:tcPr/>
+                </a:tc>
+                <a:tc>
+                  <a:txBody>
+                    <a:bodyPr/>
+                    <a:lstStyle/>
+                    <a:p>
+                      <a:pPr algn="ctr"/>
+                      <a:r>
+                        <a:rPr lang="en-IN" dirty="0" smtClean="0"/>
+                        <a:t>Ham</a:t>
+                      </a:r>
+                      <a:endParaRPr lang="en-IN" dirty="0"/>
+                    </a:p>
+                  </a:txBody>
+                  <a:tcPr/>
+                </a:tc>
+                <a:tc>
+                  <a:txBody>
+                    <a:bodyPr/>
+                    <a:lstStyle/>
+                    <a:p>
+                      <a:pPr algn="ctr"/>
+                      <a:r>
+                        <a:rPr lang="en-IN" dirty="0" smtClean="0"/>
+                        <a:t>Spam</a:t>
+                      </a:r>
+                      <a:endParaRPr lang="en-IN" dirty="0"/>
+                    </a:p>
+                  </a:txBody>
+                  <a:tcPr/>
+                </a:tc>
+              </a:tr>
+              <a:tr h="370840">
+                <a:tc>
+                  <a:txBody>
+                    <a:bodyPr/>
+                    <a:lstStyle/>
+                    <a:p>
+                      <a:pPr algn="ctr"/>
+                      <a:r>
+                        <a:rPr lang="en-IN" dirty="0" smtClean="0"/>
+                        <a:t>I</a:t>
+                      </a:r>
+                      <a:endParaRPr lang="en-IN" dirty="0"/>
+                    </a:p>
+                  </a:txBody>
+                  <a:tcPr/>
+                </a:tc>
+                <a:tc>
+                  <a:txBody>
+                    <a:bodyPr/>
+                    <a:lstStyle/>
+                    <a:p>
+                      <a:pPr algn="ctr"/>
+                      <a:r>
+                        <a:rPr lang="en-IN" dirty="0" smtClean="0"/>
+                        <a:t>400</a:t>
+                      </a:r>
+                      <a:endParaRPr lang="en-IN" dirty="0"/>
+                    </a:p>
+                  </a:txBody>
+                  <a:tcPr/>
+                </a:tc>
+                <a:tc>
+                  <a:txBody>
+                    <a:bodyPr/>
+                    <a:lstStyle/>
+                    <a:p>
+                      <a:pPr algn="ctr"/>
+                      <a:r>
+                        <a:rPr lang="en-IN" dirty="0" smtClean="0"/>
+                        <a:t>400</a:t>
+                      </a:r>
+                      <a:endParaRPr lang="en-IN" dirty="0"/>
+                    </a:p>
+                  </a:txBody>
+                  <a:tcPr/>
+                </a:tc>
+              </a:tr>
+              <a:tr h="370840">
+                <a:tc>
+                  <a:txBody>
+                    <a:bodyPr/>
+                    <a:lstStyle/>
+                    <a:p>
+                      <a:pPr algn="ctr"/>
+                      <a:r>
+                        <a:rPr lang="en-IN" dirty="0" smtClean="0"/>
+                        <a:t>am</a:t>
+                      </a:r>
+                      <a:endParaRPr lang="en-IN" dirty="0"/>
+                    </a:p>
+                  </a:txBody>
+                  <a:tcPr/>
+                </a:tc>
+                <a:tc>
+                  <a:txBody>
+                    <a:bodyPr/>
+                    <a:lstStyle/>
+                    <a:p>
+                      <a:pPr algn="ctr"/>
+                      <a:r>
+                        <a:rPr lang="en-IN" dirty="0" smtClean="0"/>
+                        <a:t>400</a:t>
+                      </a:r>
+                      <a:endParaRPr lang="en-IN" dirty="0"/>
+                    </a:p>
+                  </a:txBody>
+                  <a:tcPr/>
+                </a:tc>
+                <a:tc>
+                  <a:txBody>
+                    <a:bodyPr/>
+                    <a:lstStyle/>
+                    <a:p>
+                      <a:pPr algn="ctr"/>
+                      <a:r>
+                        <a:rPr lang="en-IN" dirty="0" smtClean="0"/>
+                        <a:t>400</a:t>
+                      </a:r>
+                      <a:endParaRPr lang="en-IN" dirty="0"/>
+                    </a:p>
+                  </a:txBody>
+                  <a:tcPr/>
+                </a:tc>
+              </a:tr>
+              <a:tr h="370840">
+                <a:tc>
+                  <a:txBody>
+                    <a:bodyPr/>
+                    <a:lstStyle/>
+                    <a:p>
+                      <a:pPr algn="ctr"/>
+                      <a:r>
+                        <a:rPr lang="en-IN" dirty="0" smtClean="0"/>
+                        <a:t>because</a:t>
+                      </a:r>
+                      <a:endParaRPr lang="en-IN" dirty="0"/>
+                    </a:p>
+                  </a:txBody>
+                  <a:tcPr/>
+                </a:tc>
+                <a:tc>
+                  <a:txBody>
+                    <a:bodyPr/>
+                    <a:lstStyle/>
+                    <a:p>
+                      <a:pPr algn="ctr"/>
+                      <a:r>
+                        <a:rPr lang="en-IN" dirty="0" smtClean="0"/>
+                        <a:t>50</a:t>
+                      </a:r>
+                      <a:endParaRPr lang="en-IN" dirty="0"/>
+                    </a:p>
+                  </a:txBody>
+                  <a:tcPr/>
+                </a:tc>
+                <a:tc>
+                  <a:txBody>
+                    <a:bodyPr/>
+                    <a:lstStyle/>
+                    <a:p>
+                      <a:pPr algn="ctr"/>
+                      <a:r>
+                        <a:rPr lang="en-IN" dirty="0" smtClean="0"/>
+                        <a:t>0</a:t>
+                      </a:r>
+                      <a:endParaRPr lang="en-IN" dirty="0"/>
+                    </a:p>
+                  </a:txBody>
+                  <a:tcPr/>
+                </a:tc>
+              </a:tr>
+              <a:tr h="370840">
+                <a:tc>
+                  <a:txBody>
+                    <a:bodyPr/>
+                    <a:lstStyle/>
+                    <a:p>
+                      <a:pPr algn="ctr"/>
+                      <a:r>
+                        <a:rPr lang="en-IN" dirty="0" smtClean="0"/>
+                        <a:t>meeting</a:t>
+                      </a:r>
+                      <a:endParaRPr lang="en-IN" dirty="0"/>
+                    </a:p>
+                  </a:txBody>
+                  <a:tcPr/>
+                </a:tc>
+                <a:tc>
+                  <a:txBody>
+                    <a:bodyPr/>
+                    <a:lstStyle/>
+                    <a:p>
+                      <a:pPr algn="ctr"/>
+                      <a:r>
+                        <a:rPr lang="en-IN" dirty="0" smtClean="0"/>
+                        <a:t>200</a:t>
+                      </a:r>
+                      <a:endParaRPr lang="en-IN" dirty="0"/>
+                    </a:p>
+                  </a:txBody>
+                  <a:tcPr/>
+                </a:tc>
+                <a:tc>
+                  <a:txBody>
+                    <a:bodyPr/>
+                    <a:lstStyle/>
+                    <a:p>
+                      <a:pPr algn="ctr"/>
+                      <a:r>
+                        <a:rPr lang="en-IN" dirty="0" smtClean="0"/>
+                        <a:t>100</a:t>
+                      </a:r>
+                      <a:endParaRPr lang="en-IN" dirty="0"/>
+                    </a:p>
+                  </a:txBody>
+                  <a:tcPr/>
+                </a:tc>
+              </a:tr>
+              <a:tr h="370840">
+                <a:tc>
+                  <a:txBody>
+                    <a:bodyPr/>
+                    <a:lstStyle/>
+                    <a:p>
+                      <a:pPr algn="ctr"/>
+                      <a:r>
+                        <a:rPr lang="en-IN" dirty="0" smtClean="0"/>
+                        <a:t>company</a:t>
+                      </a:r>
+                      <a:endParaRPr lang="en-IN" dirty="0"/>
+                    </a:p>
+                  </a:txBody>
+                  <a:tcPr/>
+                </a:tc>
+                <a:tc>
+                  <a:txBody>
+                    <a:bodyPr/>
+                    <a:lstStyle/>
+                    <a:p>
+                      <a:pPr algn="ctr"/>
+                      <a:r>
+                        <a:rPr lang="en-IN" dirty="0" smtClean="0"/>
+                        <a:t>350</a:t>
+                      </a:r>
+                      <a:endParaRPr lang="en-IN" dirty="0"/>
+                    </a:p>
+                  </a:txBody>
+                  <a:tcPr/>
+                </a:tc>
+                <a:tc>
+                  <a:txBody>
+                    <a:bodyPr/>
+                    <a:lstStyle/>
+                    <a:p>
+                      <a:pPr algn="ctr"/>
+                      <a:r>
+                        <a:rPr lang="en-IN" dirty="0" smtClean="0"/>
+                        <a:t>100</a:t>
+                      </a:r>
+                      <a:endParaRPr lang="en-IN" dirty="0"/>
+                    </a:p>
+                  </a:txBody>
+                  <a:tcPr/>
+                </a:tc>
+              </a:tr>
+              <a:tr h="370840">
+                <a:tc>
+                  <a:txBody>
+                    <a:bodyPr/>
+                    <a:lstStyle/>
+                    <a:p>
+                      <a:pPr algn="ctr"/>
+                      <a:r>
+                        <a:rPr lang="en-IN" dirty="0" smtClean="0"/>
+                        <a:t>discount</a:t>
+                      </a:r>
+                      <a:endParaRPr lang="en-IN" dirty="0"/>
+                    </a:p>
+                  </a:txBody>
+                  <a:tcPr/>
+                </a:tc>
+                <a:tc>
+                  <a:txBody>
+                    <a:bodyPr/>
+                    <a:lstStyle/>
+                    <a:p>
+                      <a:pPr algn="ctr"/>
+                      <a:r>
+                        <a:rPr lang="en-IN" dirty="0" smtClean="0"/>
+                        <a:t>100</a:t>
+                      </a:r>
+                      <a:endParaRPr lang="en-IN" dirty="0"/>
+                    </a:p>
+                  </a:txBody>
+                  <a:tcPr/>
+                </a:tc>
+                <a:tc>
+                  <a:txBody>
+                    <a:bodyPr/>
+                    <a:lstStyle/>
+                    <a:p>
+                      <a:pPr algn="ctr"/>
+                      <a:r>
+                        <a:rPr lang="en-IN" dirty="0" smtClean="0"/>
+                        <a:t>200</a:t>
+                      </a:r>
+                      <a:endParaRPr lang="en-IN" dirty="0"/>
+                    </a:p>
+                  </a:txBody>
+                  <a:tcPr/>
+                </a:tc>
+              </a:tr>
+              <a:tr h="370840">
+                <a:tc>
+                  <a:txBody>
+                    <a:bodyPr/>
+                    <a:lstStyle/>
+                    <a:p>
+                      <a:pPr algn="ctr"/>
+                      <a:r>
+                        <a:rPr lang="en-IN" dirty="0" smtClean="0"/>
+                        <a:t>lottery</a:t>
+                      </a:r>
+                      <a:endParaRPr lang="en-IN" dirty="0"/>
+                    </a:p>
+                  </a:txBody>
+                  <a:tcPr/>
+                </a:tc>
+                <a:tc>
+                  <a:txBody>
+                    <a:bodyPr/>
+                    <a:lstStyle/>
+                    <a:p>
+                      <a:pPr algn="ctr"/>
+                      <a:r>
+                        <a:rPr lang="en-IN" dirty="0" smtClean="0"/>
+                        <a:t>100</a:t>
+                      </a:r>
+                      <a:endParaRPr lang="en-IN" dirty="0"/>
+                    </a:p>
+                  </a:txBody>
+                  <a:tcPr/>
+                </a:tc>
+                <a:tc>
+                  <a:txBody>
+                    <a:bodyPr/>
+                    <a:lstStyle/>
+                    <a:p>
+                      <a:pPr algn="ctr"/>
+                      <a:r>
+                        <a:rPr lang="en-IN" dirty="0" smtClean="0"/>
+                        <a:t>400</a:t>
+                      </a:r>
+                      <a:endParaRPr lang="en-IN" dirty="0"/>
+                    </a:p>
+                  </a:txBody>
+                  <a:tcPr/>
+                </a:tc>
+              </a:tr>
+            </a:tbl>
+          </a:graphicData>
+        </a:graphic>
+      </p:graphicFrame>
+      <p:graphicFrame>
+        <p:nvGraphicFramePr>
+          <p:cNvPr id="5" name="Table 4"/>
+          <p:cNvGraphicFramePr>
+            <a:graphicFrameLocks noGrp="1"/>
+          </p:cNvGraphicFramePr>
+          <p:nvPr/>
+        </p:nvGraphicFramePr>
+        <p:xfrm>
+          <a:off x="6096000" y="4963160"/>
+          <a:ext cx="2209800" cy="370840"/>
+        </p:xfrm>
+        <a:graphic>
+          <a:graphicData uri="http://schemas.openxmlformats.org/drawingml/2006/table">
+            <a:tbl>
+              <a:tblPr firstRow="1" bandRow="1">
+                <a:tableStyleId>{5C22544A-7EE6-4342-B048-85BDC9FD1C3A}</a:tableStyleId>
+              </a:tblPr>
+              <a:tblGrid>
+                <a:gridCol w="1104900"/>
+                <a:gridCol w="1104900"/>
+              </a:tblGrid>
+              <a:tr h="370840">
+                <a:tc>
+                  <a:txBody>
+                    <a:bodyPr/>
+                    <a:lstStyle/>
+                    <a:p>
+                      <a:pPr algn="ctr"/>
+                      <a:r>
+                        <a:rPr lang="en-IN" dirty="0" smtClean="0"/>
+                        <a:t>1600</a:t>
+                      </a:r>
+                      <a:endParaRPr lang="en-IN" dirty="0"/>
+                    </a:p>
+                  </a:txBody>
+                  <a:tcPr/>
+                </a:tc>
+                <a:tc>
+                  <a:txBody>
+                    <a:bodyPr/>
+                    <a:lstStyle/>
+                    <a:p>
+                      <a:pPr algn="ctr"/>
+                      <a:r>
+                        <a:rPr lang="en-IN" dirty="0" smtClean="0"/>
+                        <a:t>1600</a:t>
+                      </a:r>
+                      <a:endParaRPr lang="en-IN" dirty="0"/>
+                    </a:p>
+                  </a:txBody>
+                  <a:tcPr/>
+                </a:tc>
+              </a:tr>
+            </a:tbl>
+          </a:graphicData>
+        </a:graphic>
+      </p:graphicFrame>
+      <p:graphicFrame>
+        <p:nvGraphicFramePr>
+          <p:cNvPr id="12290" name="Object 2"/>
+          <p:cNvGraphicFramePr>
+            <a:graphicFrameLocks noChangeAspect="1"/>
+          </p:cNvGraphicFramePr>
+          <p:nvPr/>
+        </p:nvGraphicFramePr>
+        <p:xfrm>
+          <a:off x="4965700" y="5603875"/>
+          <a:ext cx="3263900" cy="835025"/>
+        </p:xfrm>
+        <a:graphic>
+          <a:graphicData uri="http://schemas.openxmlformats.org/presentationml/2006/ole">
+            <p:oleObj spid="_x0000_s12290" name="Equation" r:id="rId3" imgW="1536480" imgH="393480" progId="Equation.3">
+              <p:embed/>
+            </p:oleObj>
+          </a:graphicData>
+        </a:graphic>
+      </p:graphicFrame>
     </p:spTree>
   </p:cSld>
   <p:clrMapOvr>
@@ -3958,15 +5507,19 @@
           <a:p>
             <a:r>
               <a:rPr lang="en-US" dirty="0" smtClean="0"/>
-              <a:t>Advantages</a:t>
-            </a:r>
-            <a:endParaRPr lang="en-US" dirty="0"/>
-          </a:p>
-        </p:txBody>
-      </p:sp>
-      <p:sp>
-        <p:nvSpPr>
-          <p:cNvPr id="4" name="Content Placeholder 3"/>
+              <a:t>Naive </a:t>
+            </a:r>
+            <a:r>
+              <a:rPr lang="en-US" dirty="0" err="1" smtClean="0"/>
+              <a:t>Bayes</a:t>
+            </a:r>
+            <a:endParaRPr lang="en-IN" dirty="0"/>
+          </a:p>
+        </p:txBody>
+      </p:sp>
+      <p:sp>
+        <p:nvSpPr>
+          <p:cNvPr id="3" name="Content Placeholder 2"/>
           <p:cNvSpPr>
             <a:spLocks noGrp="1"/>
           </p:cNvSpPr>
@@ -3979,22 +5532,479 @@
           <a:bodyPr/>
           <a:lstStyle/>
           <a:p>
-            <a:endParaRPr lang="en-US" dirty="0"/>
-          </a:p>
-        </p:txBody>
-      </p:sp>
+            <a:r>
+              <a:rPr lang="en-IN" dirty="0" smtClean="0"/>
+              <a:t>SMS </a:t>
+            </a:r>
+            <a:r>
+              <a:rPr lang="en-IN" dirty="0" smtClean="0"/>
+              <a:t>spam </a:t>
+            </a:r>
+            <a:r>
+              <a:rPr lang="en-IN" dirty="0" smtClean="0"/>
+              <a:t>detection</a:t>
+            </a:r>
+          </a:p>
+          <a:p>
+            <a:r>
+              <a:rPr lang="en-IN" dirty="0" smtClean="0"/>
+              <a:t>Corpus</a:t>
+            </a:r>
+          </a:p>
+          <a:p>
+            <a:pPr lvl="1"/>
+            <a:r>
+              <a:rPr lang="en-IN" dirty="0" smtClean="0"/>
+              <a:t>Spam corpus</a:t>
+            </a:r>
+          </a:p>
+          <a:p>
+            <a:pPr lvl="1"/>
+            <a:r>
+              <a:rPr lang="en-IN" dirty="0" smtClean="0"/>
+              <a:t>Ham corpus</a:t>
+            </a:r>
+          </a:p>
+          <a:p>
+            <a:r>
+              <a:rPr lang="en-IN" dirty="0" smtClean="0"/>
+              <a:t>Vocabulary </a:t>
+            </a:r>
+            <a:endParaRPr lang="en-IN" dirty="0" smtClean="0"/>
+          </a:p>
+          <a:p>
+            <a:pPr lvl="1"/>
+            <a:r>
+              <a:rPr lang="en-IN" dirty="0" smtClean="0"/>
+              <a:t>All words </a:t>
+            </a:r>
+          </a:p>
+          <a:p>
+            <a:pPr lvl="1"/>
+            <a:r>
+              <a:rPr lang="en-IN" dirty="0" smtClean="0"/>
+              <a:t>Spam and Ham corpus</a:t>
+            </a:r>
+          </a:p>
+          <a:p>
+            <a:pPr>
+              <a:buNone/>
+            </a:pPr>
+            <a:r>
+              <a:rPr lang="en-IN" dirty="0" smtClean="0"/>
+              <a:t> </a:t>
+            </a:r>
+          </a:p>
+        </p:txBody>
+      </p:sp>
+      <p:graphicFrame>
+        <p:nvGraphicFramePr>
+          <p:cNvPr id="4" name="Table 3"/>
+          <p:cNvGraphicFramePr>
+            <a:graphicFrameLocks noGrp="1"/>
+          </p:cNvGraphicFramePr>
+          <p:nvPr/>
+        </p:nvGraphicFramePr>
+        <p:xfrm>
+          <a:off x="4953000" y="1828800"/>
+          <a:ext cx="3352800" cy="2966720"/>
+        </p:xfrm>
+        <a:graphic>
+          <a:graphicData uri="http://schemas.openxmlformats.org/drawingml/2006/table">
+            <a:tbl>
+              <a:tblPr firstRow="1" bandRow="1">
+                <a:tableStyleId>{5C22544A-7EE6-4342-B048-85BDC9FD1C3A}</a:tableStyleId>
+              </a:tblPr>
+              <a:tblGrid>
+                <a:gridCol w="1117600"/>
+                <a:gridCol w="1117600"/>
+                <a:gridCol w="1117600"/>
+              </a:tblGrid>
+              <a:tr h="370840">
+                <a:tc>
+                  <a:txBody>
+                    <a:bodyPr/>
+                    <a:lstStyle/>
+                    <a:p>
+                      <a:pPr algn="ctr"/>
+                      <a:r>
+                        <a:rPr lang="en-IN" dirty="0" smtClean="0"/>
+                        <a:t>Word</a:t>
+                      </a:r>
+                      <a:endParaRPr lang="en-IN" dirty="0"/>
+                    </a:p>
+                  </a:txBody>
+                  <a:tcPr/>
+                </a:tc>
+                <a:tc>
+                  <a:txBody>
+                    <a:bodyPr/>
+                    <a:lstStyle/>
+                    <a:p>
+                      <a:pPr algn="ctr"/>
+                      <a:r>
+                        <a:rPr lang="en-IN" dirty="0" smtClean="0"/>
+                        <a:t>Ham</a:t>
+                      </a:r>
+                      <a:endParaRPr lang="en-IN" dirty="0"/>
+                    </a:p>
+                  </a:txBody>
+                  <a:tcPr/>
+                </a:tc>
+                <a:tc>
+                  <a:txBody>
+                    <a:bodyPr/>
+                    <a:lstStyle/>
+                    <a:p>
+                      <a:pPr algn="ctr"/>
+                      <a:r>
+                        <a:rPr lang="en-IN" dirty="0" smtClean="0"/>
+                        <a:t>Spam</a:t>
+                      </a:r>
+                      <a:endParaRPr lang="en-IN" dirty="0"/>
+                    </a:p>
+                  </a:txBody>
+                  <a:tcPr/>
+                </a:tc>
+              </a:tr>
+              <a:tr h="370840">
+                <a:tc>
+                  <a:txBody>
+                    <a:bodyPr/>
+                    <a:lstStyle/>
+                    <a:p>
+                      <a:pPr algn="ctr"/>
+                      <a:r>
+                        <a:rPr lang="en-IN" dirty="0" smtClean="0"/>
+                        <a:t>I</a:t>
+                      </a:r>
+                      <a:endParaRPr lang="en-IN" dirty="0"/>
+                    </a:p>
+                  </a:txBody>
+                  <a:tcPr/>
+                </a:tc>
+                <a:tc>
+                  <a:txBody>
+                    <a:bodyPr/>
+                    <a:lstStyle/>
+                    <a:p>
+                      <a:pPr algn="ctr"/>
+                      <a:r>
+                        <a:rPr lang="en-IN" dirty="0" smtClean="0"/>
+                        <a:t>0.25</a:t>
+                      </a:r>
+                      <a:endParaRPr lang="en-IN" dirty="0"/>
+                    </a:p>
+                  </a:txBody>
+                  <a:tcPr/>
+                </a:tc>
+                <a:tc>
+                  <a:txBody>
+                    <a:bodyPr/>
+                    <a:lstStyle/>
+                    <a:p>
+                      <a:pPr algn="ctr"/>
+                      <a:r>
+                        <a:rPr lang="en-IN" dirty="0" smtClean="0"/>
+                        <a:t>0.25</a:t>
+                      </a:r>
+                      <a:endParaRPr lang="en-IN" dirty="0"/>
+                    </a:p>
+                  </a:txBody>
+                  <a:tcPr/>
+                </a:tc>
+              </a:tr>
+              <a:tr h="370840">
+                <a:tc>
+                  <a:txBody>
+                    <a:bodyPr/>
+                    <a:lstStyle/>
+                    <a:p>
+                      <a:pPr algn="ctr"/>
+                      <a:r>
+                        <a:rPr lang="en-IN" dirty="0" smtClean="0"/>
+                        <a:t>am</a:t>
+                      </a:r>
+                      <a:endParaRPr lang="en-IN" dirty="0"/>
+                    </a:p>
+                  </a:txBody>
+                  <a:tcPr/>
+                </a:tc>
+                <a:tc>
+                  <a:txBody>
+                    <a:bodyPr/>
+                    <a:lstStyle/>
+                    <a:p>
+                      <a:pPr algn="ctr"/>
+                      <a:r>
+                        <a:rPr lang="en-IN" dirty="0" smtClean="0"/>
+                        <a:t>0.25</a:t>
+                      </a:r>
+                      <a:endParaRPr lang="en-IN" dirty="0"/>
+                    </a:p>
+                  </a:txBody>
+                  <a:tcPr/>
+                </a:tc>
+                <a:tc>
+                  <a:txBody>
+                    <a:bodyPr/>
+                    <a:lstStyle/>
+                    <a:p>
+                      <a:pPr algn="ctr"/>
+                      <a:r>
+                        <a:rPr lang="en-IN" dirty="0" smtClean="0"/>
+                        <a:t>0.25</a:t>
+                      </a:r>
+                      <a:endParaRPr lang="en-IN" dirty="0"/>
+                    </a:p>
+                  </a:txBody>
+                  <a:tcPr/>
+                </a:tc>
+              </a:tr>
+              <a:tr h="370840">
+                <a:tc>
+                  <a:txBody>
+                    <a:bodyPr/>
+                    <a:lstStyle/>
+                    <a:p>
+                      <a:pPr algn="ctr"/>
+                      <a:r>
+                        <a:rPr lang="en-IN" dirty="0" smtClean="0"/>
+                        <a:t>because</a:t>
+                      </a:r>
+                      <a:endParaRPr lang="en-IN" dirty="0"/>
+                    </a:p>
+                  </a:txBody>
+                  <a:tcPr/>
+                </a:tc>
+                <a:tc>
+                  <a:txBody>
+                    <a:bodyPr/>
+                    <a:lstStyle/>
+                    <a:p>
+                      <a:pPr algn="ctr"/>
+                      <a:r>
+                        <a:rPr lang="en-IN" dirty="0" smtClean="0"/>
+                        <a:t>0.03125</a:t>
+                      </a:r>
+                      <a:endParaRPr lang="en-IN" dirty="0"/>
+                    </a:p>
+                  </a:txBody>
+                  <a:tcPr/>
+                </a:tc>
+                <a:tc>
+                  <a:txBody>
+                    <a:bodyPr/>
+                    <a:lstStyle/>
+                    <a:p>
+                      <a:pPr algn="ctr"/>
+                      <a:r>
+                        <a:rPr lang="en-IN" dirty="0" smtClean="0"/>
+                        <a:t>0</a:t>
+                      </a:r>
+                      <a:endParaRPr lang="en-IN" dirty="0"/>
+                    </a:p>
+                  </a:txBody>
+                  <a:tcPr/>
+                </a:tc>
+              </a:tr>
+              <a:tr h="370840">
+                <a:tc>
+                  <a:txBody>
+                    <a:bodyPr/>
+                    <a:lstStyle/>
+                    <a:p>
+                      <a:pPr algn="ctr"/>
+                      <a:r>
+                        <a:rPr lang="en-IN" dirty="0" smtClean="0"/>
+                        <a:t>meeting</a:t>
+                      </a:r>
+                      <a:endParaRPr lang="en-IN" dirty="0"/>
+                    </a:p>
+                  </a:txBody>
+                  <a:tcPr/>
+                </a:tc>
+                <a:tc>
+                  <a:txBody>
+                    <a:bodyPr/>
+                    <a:lstStyle/>
+                    <a:p>
+                      <a:pPr algn="ctr"/>
+                      <a:r>
+                        <a:rPr lang="en-IN" dirty="0" smtClean="0"/>
+                        <a:t>0.125</a:t>
+                      </a:r>
+                      <a:endParaRPr lang="en-IN" dirty="0"/>
+                    </a:p>
+                  </a:txBody>
+                  <a:tcPr/>
+                </a:tc>
+                <a:tc>
+                  <a:txBody>
+                    <a:bodyPr/>
+                    <a:lstStyle/>
+                    <a:p>
+                      <a:pPr algn="ctr"/>
+                      <a:r>
+                        <a:rPr lang="en-IN" dirty="0" smtClean="0"/>
+                        <a:t>0.0625</a:t>
+                      </a:r>
+                      <a:endParaRPr lang="en-IN" dirty="0"/>
+                    </a:p>
+                  </a:txBody>
+                  <a:tcPr/>
+                </a:tc>
+              </a:tr>
+              <a:tr h="370840">
+                <a:tc>
+                  <a:txBody>
+                    <a:bodyPr/>
+                    <a:lstStyle/>
+                    <a:p>
+                      <a:pPr algn="ctr"/>
+                      <a:r>
+                        <a:rPr lang="en-IN" dirty="0" smtClean="0"/>
+                        <a:t>company</a:t>
+                      </a:r>
+                      <a:endParaRPr lang="en-IN" dirty="0"/>
+                    </a:p>
+                  </a:txBody>
+                  <a:tcPr/>
+                </a:tc>
+                <a:tc>
+                  <a:txBody>
+                    <a:bodyPr/>
+                    <a:lstStyle/>
+                    <a:p>
+                      <a:pPr algn="ctr"/>
+                      <a:r>
+                        <a:rPr lang="en-IN" dirty="0" smtClean="0"/>
+                        <a:t>0.21875</a:t>
+                      </a:r>
+                      <a:endParaRPr lang="en-IN" dirty="0"/>
+                    </a:p>
+                  </a:txBody>
+                  <a:tcPr/>
+                </a:tc>
+                <a:tc>
+                  <a:txBody>
+                    <a:bodyPr/>
+                    <a:lstStyle/>
+                    <a:p>
+                      <a:pPr algn="ctr"/>
+                      <a:r>
+                        <a:rPr lang="en-IN" dirty="0" smtClean="0"/>
+                        <a:t>0.0625</a:t>
+                      </a:r>
+                      <a:endParaRPr lang="en-IN" dirty="0"/>
+                    </a:p>
+                  </a:txBody>
+                  <a:tcPr/>
+                </a:tc>
+              </a:tr>
+              <a:tr h="370840">
+                <a:tc>
+                  <a:txBody>
+                    <a:bodyPr/>
+                    <a:lstStyle/>
+                    <a:p>
+                      <a:pPr algn="ctr"/>
+                      <a:r>
+                        <a:rPr lang="en-IN" dirty="0" smtClean="0"/>
+                        <a:t>discount</a:t>
+                      </a:r>
+                      <a:endParaRPr lang="en-IN" dirty="0"/>
+                    </a:p>
+                  </a:txBody>
+                  <a:tcPr/>
+                </a:tc>
+                <a:tc>
+                  <a:txBody>
+                    <a:bodyPr/>
+                    <a:lstStyle/>
+                    <a:p>
+                      <a:pPr algn="ctr"/>
+                      <a:r>
+                        <a:rPr lang="en-IN" dirty="0" smtClean="0"/>
+                        <a:t>0.0625</a:t>
+                      </a:r>
+                      <a:endParaRPr lang="en-IN" dirty="0"/>
+                    </a:p>
+                  </a:txBody>
+                  <a:tcPr/>
+                </a:tc>
+                <a:tc>
+                  <a:txBody>
+                    <a:bodyPr/>
+                    <a:lstStyle/>
+                    <a:p>
+                      <a:pPr algn="ctr"/>
+                      <a:r>
+                        <a:rPr lang="en-IN" dirty="0" smtClean="0"/>
+                        <a:t>0.125</a:t>
+                      </a:r>
+                      <a:endParaRPr lang="en-IN" dirty="0"/>
+                    </a:p>
+                  </a:txBody>
+                  <a:tcPr/>
+                </a:tc>
+              </a:tr>
+              <a:tr h="370840">
+                <a:tc>
+                  <a:txBody>
+                    <a:bodyPr/>
+                    <a:lstStyle/>
+                    <a:p>
+                      <a:pPr algn="ctr"/>
+                      <a:r>
+                        <a:rPr lang="en-IN" dirty="0" smtClean="0"/>
+                        <a:t>lottery</a:t>
+                      </a:r>
+                      <a:endParaRPr lang="en-IN" dirty="0"/>
+                    </a:p>
+                  </a:txBody>
+                  <a:tcPr/>
+                </a:tc>
+                <a:tc>
+                  <a:txBody>
+                    <a:bodyPr/>
+                    <a:lstStyle/>
+                    <a:p>
+                      <a:pPr algn="ctr"/>
+                      <a:r>
+                        <a:rPr lang="en-IN" dirty="0" smtClean="0"/>
+                        <a:t>0.0625</a:t>
+                      </a:r>
+                      <a:endParaRPr lang="en-IN" dirty="0"/>
+                    </a:p>
+                  </a:txBody>
+                  <a:tcPr/>
+                </a:tc>
+                <a:tc>
+                  <a:txBody>
+                    <a:bodyPr/>
+                    <a:lstStyle/>
+                    <a:p>
+                      <a:pPr algn="ctr"/>
+                      <a:r>
+                        <a:rPr lang="en-IN" dirty="0" smtClean="0"/>
+                        <a:t>0.25</a:t>
+                      </a:r>
+                      <a:endParaRPr lang="en-IN" dirty="0"/>
+                    </a:p>
+                  </a:txBody>
+                  <a:tcPr/>
+                </a:tc>
+              </a:tr>
+            </a:tbl>
+          </a:graphicData>
+        </a:graphic>
+      </p:graphicFrame>
     </p:spTree>
   </p:cSld>
   <p:clrMapOvr>
     <a:masterClrMapping/>
   </p:clrMapOvr>
-  <p:timing>
-    <p:tnLst>
-      <p:par>
-        <p:cTn id="1" dur="indefinite" restart="never" nodeType="tmRoot"/>
-      </p:par>
-    </p:tnLst>
-  </p:timing>
 </p:sld>
 </file>
 
@@ -4032,15 +6042,19 @@
           <a:p>
             <a:r>
               <a:rPr lang="en-US" dirty="0" smtClean="0"/>
-              <a:t>Disadvantages</a:t>
-            </a:r>
-            <a:endParaRPr lang="en-US" dirty="0"/>
-          </a:p>
-        </p:txBody>
-      </p:sp>
-      <p:sp>
-        <p:nvSpPr>
-          <p:cNvPr id="4" name="Content Placeholder 3"/>
+              <a:t>Naive </a:t>
+            </a:r>
+            <a:r>
+              <a:rPr lang="en-US" dirty="0" err="1" smtClean="0"/>
+              <a:t>Bayes</a:t>
+            </a:r>
+            <a:endParaRPr lang="en-IN" dirty="0"/>
+          </a:p>
+        </p:txBody>
+      </p:sp>
+      <p:sp>
+        <p:nvSpPr>
+          <p:cNvPr id="3" name="Content Placeholder 2"/>
           <p:cNvSpPr>
             <a:spLocks noGrp="1"/>
           </p:cNvSpPr>
@@ -4050,25 +6064,473 @@
         </p:nvSpPr>
         <p:spPr/>
         <p:txBody>
-          <a:bodyPr/>
+          <a:bodyPr>
+            <a:normAutofit/>
+          </a:bodyPr>
           <a:lstStyle/>
           <a:p>
-            <a:endParaRPr lang="en-US" dirty="0"/>
-          </a:p>
-        </p:txBody>
-      </p:sp>
+            <a:r>
+              <a:rPr lang="en-IN" dirty="0" smtClean="0"/>
+              <a:t>Identical probabilities</a:t>
+            </a:r>
+          </a:p>
+          <a:p>
+            <a:pPr lvl="1"/>
+            <a:r>
+              <a:rPr lang="en-IN" dirty="0" smtClean="0"/>
+              <a:t>Neutral words</a:t>
+            </a:r>
+          </a:p>
+          <a:p>
+            <a:pPr lvl="1"/>
+            <a:r>
+              <a:rPr lang="en-IN" dirty="0" smtClean="0"/>
+              <a:t>I, am</a:t>
+            </a:r>
+          </a:p>
+          <a:p>
+            <a:r>
+              <a:rPr lang="en-IN" dirty="0" smtClean="0"/>
+              <a:t>Significant words</a:t>
+            </a:r>
+          </a:p>
+          <a:p>
+            <a:pPr lvl="1"/>
+            <a:r>
+              <a:rPr lang="en-IN" dirty="0" smtClean="0"/>
+              <a:t>meeting, company</a:t>
+            </a:r>
+          </a:p>
+          <a:p>
+            <a:pPr lvl="1"/>
+            <a:r>
+              <a:rPr lang="en-IN" dirty="0" smtClean="0"/>
+              <a:t>discount, lottery </a:t>
+            </a:r>
+          </a:p>
+          <a:p>
+            <a:pPr lvl="1"/>
+            <a:endParaRPr lang="en-IN" dirty="0" smtClean="0"/>
+          </a:p>
+          <a:p>
+            <a:pPr>
+              <a:buNone/>
+            </a:pPr>
+            <a:r>
+              <a:rPr lang="en-IN" dirty="0" smtClean="0"/>
+              <a:t> </a:t>
+            </a:r>
+          </a:p>
+        </p:txBody>
+      </p:sp>
+      <p:graphicFrame>
+        <p:nvGraphicFramePr>
+          <p:cNvPr id="4" name="Table 3"/>
+          <p:cNvGraphicFramePr>
+            <a:graphicFrameLocks noGrp="1"/>
+          </p:cNvGraphicFramePr>
+          <p:nvPr/>
+        </p:nvGraphicFramePr>
+        <p:xfrm>
+          <a:off x="4953000" y="1828800"/>
+          <a:ext cx="3352800" cy="2966720"/>
+        </p:xfrm>
+        <a:graphic>
+          <a:graphicData uri="http://schemas.openxmlformats.org/drawingml/2006/table">
+            <a:tbl>
+              <a:tblPr firstRow="1" bandRow="1">
+                <a:tableStyleId>{5C22544A-7EE6-4342-B048-85BDC9FD1C3A}</a:tableStyleId>
+              </a:tblPr>
+              <a:tblGrid>
+                <a:gridCol w="1117600"/>
+                <a:gridCol w="1117600"/>
+                <a:gridCol w="1117600"/>
+              </a:tblGrid>
+              <a:tr h="370840">
+                <a:tc>
+                  <a:txBody>
+                    <a:bodyPr/>
+                    <a:lstStyle/>
+                    <a:p>
+                      <a:pPr algn="ctr"/>
+                      <a:r>
+                        <a:rPr lang="en-IN" dirty="0" smtClean="0"/>
+                        <a:t>Word</a:t>
+                      </a:r>
+                      <a:endParaRPr lang="en-IN" dirty="0"/>
+                    </a:p>
+                  </a:txBody>
+                  <a:tcPr/>
+                </a:tc>
+                <a:tc>
+                  <a:txBody>
+                    <a:bodyPr/>
+                    <a:lstStyle/>
+                    <a:p>
+                      <a:pPr algn="ctr"/>
+                      <a:r>
+                        <a:rPr lang="en-IN" dirty="0" smtClean="0"/>
+                        <a:t>Ham</a:t>
+                      </a:r>
+                      <a:endParaRPr lang="en-IN" dirty="0"/>
+                    </a:p>
+                  </a:txBody>
+                  <a:tcPr/>
+                </a:tc>
+                <a:tc>
+                  <a:txBody>
+                    <a:bodyPr/>
+                    <a:lstStyle/>
+                    <a:p>
+                      <a:pPr algn="ctr"/>
+                      <a:r>
+                        <a:rPr lang="en-IN" dirty="0" smtClean="0"/>
+                        <a:t>Spam</a:t>
+                      </a:r>
+                      <a:endParaRPr lang="en-IN" dirty="0"/>
+                    </a:p>
+                  </a:txBody>
+                  <a:tcPr/>
+                </a:tc>
+              </a:tr>
+              <a:tr h="370840">
+                <a:tc>
+                  <a:txBody>
+                    <a:bodyPr/>
+                    <a:lstStyle/>
+                    <a:p>
+                      <a:pPr algn="ctr"/>
+                      <a:r>
+                        <a:rPr lang="en-IN" dirty="0" smtClean="0"/>
+                        <a:t>I</a:t>
+                      </a:r>
+                      <a:endParaRPr lang="en-IN" dirty="0"/>
+                    </a:p>
+                  </a:txBody>
+                  <a:tcPr/>
+                </a:tc>
+                <a:tc>
+                  <a:txBody>
+                    <a:bodyPr/>
+                    <a:lstStyle/>
+                    <a:p>
+                      <a:pPr algn="ctr"/>
+                      <a:r>
+                        <a:rPr lang="en-IN" dirty="0" smtClean="0"/>
+                        <a:t>0.25</a:t>
+                      </a:r>
+                      <a:endParaRPr lang="en-IN" dirty="0"/>
+                    </a:p>
+                  </a:txBody>
+                  <a:tcPr/>
+                </a:tc>
+                <a:tc>
+                  <a:txBody>
+                    <a:bodyPr/>
+                    <a:lstStyle/>
+                    <a:p>
+                      <a:pPr algn="ctr"/>
+                      <a:r>
+                        <a:rPr lang="en-IN" dirty="0" smtClean="0"/>
+                        <a:t>0.25</a:t>
+                      </a:r>
+                      <a:endParaRPr lang="en-IN" dirty="0"/>
+                    </a:p>
+                  </a:txBody>
+                  <a:tcPr/>
+                </a:tc>
+              </a:tr>
+              <a:tr h="370840">
+                <a:tc>
+                  <a:txBody>
+                    <a:bodyPr/>
+                    <a:lstStyle/>
+                    <a:p>
+                      <a:pPr algn="ctr"/>
+                      <a:r>
+                        <a:rPr lang="en-IN" dirty="0" smtClean="0"/>
+                        <a:t>am</a:t>
+                      </a:r>
+                      <a:endParaRPr lang="en-IN" dirty="0"/>
+                    </a:p>
+                  </a:txBody>
+                  <a:tcPr/>
+                </a:tc>
+                <a:tc>
+                  <a:txBody>
+                    <a:bodyPr/>
+                    <a:lstStyle/>
+                    <a:p>
+                      <a:pPr algn="ctr"/>
+                      <a:r>
+                        <a:rPr lang="en-IN" dirty="0" smtClean="0"/>
+                        <a:t>0.25</a:t>
+                      </a:r>
+                      <a:endParaRPr lang="en-IN" dirty="0"/>
+                    </a:p>
+                  </a:txBody>
+                  <a:tcPr/>
+                </a:tc>
+                <a:tc>
+                  <a:txBody>
+                    <a:bodyPr/>
+                    <a:lstStyle/>
+                    <a:p>
+                      <a:pPr algn="ctr"/>
+                      <a:r>
+                        <a:rPr lang="en-IN" dirty="0" smtClean="0"/>
+                        <a:t>0.25</a:t>
+                      </a:r>
+                      <a:endParaRPr lang="en-IN" dirty="0"/>
+                    </a:p>
+                  </a:txBody>
+                  <a:tcPr/>
+                </a:tc>
+              </a:tr>
+              <a:tr h="370840">
+                <a:tc>
+                  <a:txBody>
+                    <a:bodyPr/>
+                    <a:lstStyle/>
+                    <a:p>
+                      <a:pPr algn="ctr"/>
+                      <a:r>
+                        <a:rPr lang="en-IN" dirty="0" smtClean="0"/>
+                        <a:t>because</a:t>
+                      </a:r>
+                      <a:endParaRPr lang="en-IN" dirty="0"/>
+                    </a:p>
+                  </a:txBody>
+                  <a:tcPr/>
+                </a:tc>
+                <a:tc>
+                  <a:txBody>
+                    <a:bodyPr/>
+                    <a:lstStyle/>
+                    <a:p>
+                      <a:pPr algn="ctr"/>
+                      <a:r>
+                        <a:rPr lang="en-IN" dirty="0" smtClean="0"/>
+                        <a:t>0.03125</a:t>
+                      </a:r>
+                      <a:endParaRPr lang="en-IN" dirty="0"/>
+                    </a:p>
+                  </a:txBody>
+                  <a:tcPr/>
+                </a:tc>
+                <a:tc>
+                  <a:txBody>
+                    <a:bodyPr/>
+                    <a:lstStyle/>
+                    <a:p>
+                      <a:pPr algn="ctr"/>
+                      <a:r>
+                        <a:rPr lang="en-IN" dirty="0" smtClean="0"/>
+                        <a:t>0</a:t>
+                      </a:r>
+                      <a:endParaRPr lang="en-IN" dirty="0"/>
+                    </a:p>
+                  </a:txBody>
+                  <a:tcPr/>
+                </a:tc>
+              </a:tr>
+              <a:tr h="370840">
+                <a:tc>
+                  <a:txBody>
+                    <a:bodyPr/>
+                    <a:lstStyle/>
+                    <a:p>
+                      <a:pPr algn="ctr"/>
+                      <a:r>
+                        <a:rPr lang="en-IN" dirty="0" smtClean="0"/>
+                        <a:t>meeting</a:t>
+                      </a:r>
+                      <a:endParaRPr lang="en-IN" dirty="0"/>
+                    </a:p>
+                  </a:txBody>
+                  <a:tcPr/>
+                </a:tc>
+                <a:tc>
+                  <a:txBody>
+                    <a:bodyPr/>
+                    <a:lstStyle/>
+                    <a:p>
+                      <a:pPr algn="ctr"/>
+                      <a:r>
+                        <a:rPr lang="en-IN" dirty="0" smtClean="0"/>
+                        <a:t>0.125</a:t>
+                      </a:r>
+                      <a:endParaRPr lang="en-IN" dirty="0"/>
+                    </a:p>
+                  </a:txBody>
+                  <a:tcPr/>
+                </a:tc>
+                <a:tc>
+                  <a:txBody>
+                    <a:bodyPr/>
+                    <a:lstStyle/>
+                    <a:p>
+                      <a:pPr algn="ctr"/>
+                      <a:r>
+                        <a:rPr lang="en-IN" dirty="0" smtClean="0"/>
+                        <a:t>0.0625</a:t>
+                      </a:r>
+                      <a:endParaRPr lang="en-IN" dirty="0"/>
+                    </a:p>
+                  </a:txBody>
+                  <a:tcPr/>
+                </a:tc>
+              </a:tr>
+              <a:tr h="370840">
+                <a:tc>
+                  <a:txBody>
+                    <a:bodyPr/>
+                    <a:lstStyle/>
+                    <a:p>
+                      <a:pPr algn="ctr"/>
+                      <a:r>
+                        <a:rPr lang="en-IN" dirty="0" smtClean="0"/>
+                        <a:t>company</a:t>
+                      </a:r>
+                      <a:endParaRPr lang="en-IN" dirty="0"/>
+                    </a:p>
+                  </a:txBody>
+                  <a:tcPr/>
+                </a:tc>
+                <a:tc>
+                  <a:txBody>
+                    <a:bodyPr/>
+                    <a:lstStyle/>
+                    <a:p>
+                      <a:pPr algn="ctr"/>
+                      <a:r>
+                        <a:rPr lang="en-IN" dirty="0" smtClean="0"/>
+                        <a:t>0.21875</a:t>
+                      </a:r>
+                      <a:endParaRPr lang="en-IN" dirty="0"/>
+                    </a:p>
+                  </a:txBody>
+                  <a:tcPr/>
+                </a:tc>
+                <a:tc>
+                  <a:txBody>
+                    <a:bodyPr/>
+                    <a:lstStyle/>
+                    <a:p>
+                      <a:pPr algn="ctr"/>
+                      <a:r>
+                        <a:rPr lang="en-IN" dirty="0" smtClean="0"/>
+                        <a:t>0.0625</a:t>
+                      </a:r>
+                      <a:endParaRPr lang="en-IN" dirty="0"/>
+                    </a:p>
+                  </a:txBody>
+                  <a:tcPr/>
+                </a:tc>
+              </a:tr>
+              <a:tr h="370840">
+                <a:tc>
+                  <a:txBody>
+                    <a:bodyPr/>
+                    <a:lstStyle/>
+                    <a:p>
+                      <a:pPr algn="ctr"/>
+                      <a:r>
+                        <a:rPr lang="en-IN" dirty="0" smtClean="0"/>
+                        <a:t>discount</a:t>
+                      </a:r>
+                      <a:endParaRPr lang="en-IN" dirty="0"/>
+                    </a:p>
+                  </a:txBody>
+                  <a:tcPr/>
+                </a:tc>
+                <a:tc>
+                  <a:txBody>
+                    <a:bodyPr/>
+                    <a:lstStyle/>
+                    <a:p>
+                      <a:pPr algn="ctr"/>
+                      <a:r>
+                        <a:rPr lang="en-IN" dirty="0" smtClean="0"/>
+                        <a:t>0.0625</a:t>
+                      </a:r>
+                      <a:endParaRPr lang="en-IN" dirty="0"/>
+                    </a:p>
+                  </a:txBody>
+                  <a:tcPr/>
+                </a:tc>
+                <a:tc>
+                  <a:txBody>
+                    <a:bodyPr/>
+                    <a:lstStyle/>
+                    <a:p>
+                      <a:pPr algn="ctr"/>
+                      <a:r>
+                        <a:rPr lang="en-IN" dirty="0" smtClean="0"/>
+                        <a:t>0.125</a:t>
+                      </a:r>
+                      <a:endParaRPr lang="en-IN" dirty="0"/>
+                    </a:p>
+                  </a:txBody>
+                  <a:tcPr/>
+                </a:tc>
+              </a:tr>
+              <a:tr h="370840">
+                <a:tc>
+                  <a:txBody>
+                    <a:bodyPr/>
+                    <a:lstStyle/>
+                    <a:p>
+                      <a:pPr algn="ctr"/>
+                      <a:r>
+                        <a:rPr lang="en-IN" dirty="0" smtClean="0"/>
+                        <a:t>lottery</a:t>
+                      </a:r>
+                      <a:endParaRPr lang="en-IN" dirty="0"/>
+                    </a:p>
+                  </a:txBody>
+                  <a:tcPr/>
+                </a:tc>
+                <a:tc>
+                  <a:txBody>
+                    <a:bodyPr/>
+                    <a:lstStyle/>
+                    <a:p>
+                      <a:pPr algn="ctr"/>
+                      <a:r>
+                        <a:rPr lang="en-IN" dirty="0" smtClean="0"/>
+                        <a:t>0.0625</a:t>
+                      </a:r>
+                      <a:endParaRPr lang="en-IN" dirty="0"/>
+                    </a:p>
+                  </a:txBody>
+                  <a:tcPr/>
+                </a:tc>
+                <a:tc>
+                  <a:txBody>
+                    <a:bodyPr/>
+                    <a:lstStyle/>
+                    <a:p>
+                      <a:pPr algn="ctr"/>
+                      <a:r>
+                        <a:rPr lang="en-IN" dirty="0" smtClean="0"/>
+                        <a:t>0.25</a:t>
+                      </a:r>
+                      <a:endParaRPr lang="en-IN" dirty="0"/>
+                    </a:p>
+                  </a:txBody>
+                  <a:tcPr/>
+                </a:tc>
+              </a:tr>
+            </a:tbl>
+          </a:graphicData>
+        </a:graphic>
+      </p:graphicFrame>
     </p:spTree>
   </p:cSld>
   <p:clrMapOvr>
     <a:masterClrMapping/>
   </p:clrMapOvr>
-  <p:timing>
-    <p:tnLst>
-      <p:par>
-        <p:cTn id="1" dur="indefinite" restart="never" nodeType="tmRoot"/>
-      </p:par>
-    </p:tnLst>
-  </p:timing>
 </p:sld>
 </file>
 
@@ -4096,7 +6558,7 @@
             <a:spLocks noGrp="1"/>
           </p:cNvSpPr>
           <p:nvPr>
-            <p:ph type="ctrTitle"/>
+            <p:ph type="title"/>
           </p:nvPr>
         </p:nvSpPr>
         <p:spPr/>
@@ -4106,32 +6568,565 @@
           <a:p>
             <a:r>
               <a:rPr lang="en-US" dirty="0" smtClean="0"/>
-              <a:t>Questions?</a:t>
-            </a:r>
-            <a:endParaRPr lang="en-US" dirty="0"/>
-          </a:p>
-        </p:txBody>
-      </p:sp>
-      <p:sp>
-        <p:nvSpPr>
-          <p:cNvPr id="3" name="Subtitle 2"/>
-          <p:cNvSpPr>
-            <a:spLocks noGrp="1"/>
-          </p:cNvSpPr>
-          <p:nvPr>
-            <p:ph type="subTitle" idx="1"/>
+              <a:t>Naive </a:t>
+            </a:r>
+            <a:r>
+              <a:rPr lang="en-US" dirty="0" err="1" smtClean="0"/>
+              <a:t>Bayes</a:t>
+            </a:r>
+            <a:endParaRPr lang="en-IN" dirty="0"/>
+          </a:p>
+        </p:txBody>
+      </p:sp>
+      <p:sp>
+        <p:nvSpPr>
+          <p:cNvPr id="3" name="Content Placeholder 2"/>
+          <p:cNvSpPr>
+            <a:spLocks noGrp="1"/>
+          </p:cNvSpPr>
+          <p:nvPr>
+            <p:ph idx="1"/>
           </p:nvPr>
         </p:nvSpPr>
         <p:spPr/>
         <p:txBody>
-          <a:bodyPr/>
+          <a:bodyPr>
+            <a:normAutofit/>
+          </a:bodyPr>
           <a:lstStyle/>
           <a:p>
-            <a:r>
-              <a:rPr lang="en-US" dirty="0" smtClean="0"/>
-              <a:t>Thank you</a:t>
-            </a:r>
-            <a:endParaRPr lang="en-US" dirty="0"/>
+            <a:pPr>
+              <a:buNone/>
+            </a:pPr>
+            <a:endParaRPr lang="en-IN" dirty="0" smtClean="0"/>
+          </a:p>
+          <a:p>
+            <a:pPr>
+              <a:buNone/>
+            </a:pPr>
+            <a:r>
+              <a:rPr lang="en-IN" dirty="0" smtClean="0"/>
+              <a:t> </a:t>
+            </a:r>
+          </a:p>
+        </p:txBody>
+      </p:sp>
+      <p:graphicFrame>
+        <p:nvGraphicFramePr>
+          <p:cNvPr id="4" name="Table 3"/>
+          <p:cNvGraphicFramePr>
+            <a:graphicFrameLocks noGrp="1"/>
+          </p:cNvGraphicFramePr>
+          <p:nvPr/>
+        </p:nvGraphicFramePr>
+        <p:xfrm>
+          <a:off x="4953000" y="1828800"/>
+          <a:ext cx="3352800" cy="2966720"/>
+        </p:xfrm>
+        <a:graphic>
+          <a:graphicData uri="http://schemas.openxmlformats.org/drawingml/2006/table">
+            <a:tbl>
+              <a:tblPr firstRow="1" bandRow="1">
+                <a:tableStyleId>{5C22544A-7EE6-4342-B048-85BDC9FD1C3A}</a:tableStyleId>
+              </a:tblPr>
+              <a:tblGrid>
+                <a:gridCol w="1117600"/>
+                <a:gridCol w="1117600"/>
+                <a:gridCol w="1117600"/>
+              </a:tblGrid>
+              <a:tr h="370840">
+                <a:tc>
+                  <a:txBody>
+                    <a:bodyPr/>
+                    <a:lstStyle/>
+                    <a:p>
+                      <a:pPr algn="ctr"/>
+                      <a:r>
+                        <a:rPr lang="en-IN" dirty="0" smtClean="0"/>
+                        <a:t>Word</a:t>
+                      </a:r>
+                      <a:endParaRPr lang="en-IN" dirty="0"/>
+                    </a:p>
+                  </a:txBody>
+                  <a:tcPr/>
+                </a:tc>
+                <a:tc>
+                  <a:txBody>
+                    <a:bodyPr/>
+                    <a:lstStyle/>
+                    <a:p>
+                      <a:pPr algn="ctr"/>
+                      <a:r>
+                        <a:rPr lang="en-IN" dirty="0" smtClean="0"/>
+                        <a:t>Ham</a:t>
+                      </a:r>
+                      <a:endParaRPr lang="en-IN" dirty="0"/>
+                    </a:p>
+                  </a:txBody>
+                  <a:tcPr/>
+                </a:tc>
+                <a:tc>
+                  <a:txBody>
+                    <a:bodyPr/>
+                    <a:lstStyle/>
+                    <a:p>
+                      <a:pPr algn="ctr"/>
+                      <a:r>
+                        <a:rPr lang="en-IN" dirty="0" smtClean="0"/>
+                        <a:t>Spam</a:t>
+                      </a:r>
+                      <a:endParaRPr lang="en-IN" dirty="0"/>
+                    </a:p>
+                  </a:txBody>
+                  <a:tcPr/>
+                </a:tc>
+              </a:tr>
+              <a:tr h="370840">
+                <a:tc>
+                  <a:txBody>
+                    <a:bodyPr/>
+                    <a:lstStyle/>
+                    <a:p>
+                      <a:pPr algn="ctr"/>
+                      <a:r>
+                        <a:rPr lang="en-IN" dirty="0" smtClean="0"/>
+                        <a:t>I</a:t>
+                      </a:r>
+                      <a:endParaRPr lang="en-IN" dirty="0"/>
+                    </a:p>
+                  </a:txBody>
+                  <a:tcPr/>
+                </a:tc>
+                <a:tc>
+                  <a:txBody>
+                    <a:bodyPr/>
+                    <a:lstStyle/>
+                    <a:p>
+                      <a:pPr algn="ctr"/>
+                      <a:r>
+                        <a:rPr lang="en-IN" dirty="0" smtClean="0"/>
+                        <a:t>0.25</a:t>
+                      </a:r>
+                      <a:endParaRPr lang="en-IN" dirty="0"/>
+                    </a:p>
+                  </a:txBody>
+                  <a:tcPr/>
+                </a:tc>
+                <a:tc>
+                  <a:txBody>
+                    <a:bodyPr/>
+                    <a:lstStyle/>
+                    <a:p>
+                      <a:pPr algn="ctr"/>
+                      <a:r>
+                        <a:rPr lang="en-IN" dirty="0" smtClean="0"/>
+                        <a:t>0.25</a:t>
+                      </a:r>
+                      <a:endParaRPr lang="en-IN" dirty="0"/>
+                    </a:p>
+                  </a:txBody>
+                  <a:tcPr/>
+                </a:tc>
+              </a:tr>
+              <a:tr h="370840">
+                <a:tc>
+                  <a:txBody>
+                    <a:bodyPr/>
+                    <a:lstStyle/>
+                    <a:p>
+                      <a:pPr algn="ctr"/>
+                      <a:r>
+                        <a:rPr lang="en-IN" dirty="0" smtClean="0"/>
+                        <a:t>am</a:t>
+                      </a:r>
+                      <a:endParaRPr lang="en-IN" dirty="0"/>
+                    </a:p>
+                  </a:txBody>
+                  <a:tcPr/>
+                </a:tc>
+                <a:tc>
+                  <a:txBody>
+                    <a:bodyPr/>
+                    <a:lstStyle/>
+                    <a:p>
+                      <a:pPr algn="ctr"/>
+                      <a:r>
+                        <a:rPr lang="en-IN" dirty="0" smtClean="0"/>
+                        <a:t>0.25</a:t>
+                      </a:r>
+                      <a:endParaRPr lang="en-IN" dirty="0"/>
+                    </a:p>
+                  </a:txBody>
+                  <a:tcPr/>
+                </a:tc>
+                <a:tc>
+                  <a:txBody>
+                    <a:bodyPr/>
+                    <a:lstStyle/>
+                    <a:p>
+                      <a:pPr algn="ctr"/>
+                      <a:r>
+                        <a:rPr lang="en-IN" dirty="0" smtClean="0"/>
+                        <a:t>0.25</a:t>
+                      </a:r>
+                      <a:endParaRPr lang="en-IN" dirty="0"/>
+                    </a:p>
+                  </a:txBody>
+                  <a:tcPr/>
+                </a:tc>
+              </a:tr>
+              <a:tr h="370840">
+                <a:tc>
+                  <a:txBody>
+                    <a:bodyPr/>
+                    <a:lstStyle/>
+                    <a:p>
+                      <a:pPr algn="ctr"/>
+                      <a:r>
+                        <a:rPr lang="en-IN" dirty="0" smtClean="0"/>
+                        <a:t>because</a:t>
+                      </a:r>
+                      <a:endParaRPr lang="en-IN" dirty="0"/>
+                    </a:p>
+                  </a:txBody>
+                  <a:tcPr/>
+                </a:tc>
+                <a:tc>
+                  <a:txBody>
+                    <a:bodyPr/>
+                    <a:lstStyle/>
+                    <a:p>
+                      <a:pPr algn="ctr"/>
+                      <a:r>
+                        <a:rPr lang="en-IN" dirty="0" smtClean="0"/>
+                        <a:t>0.03125</a:t>
+                      </a:r>
+                      <a:endParaRPr lang="en-IN" dirty="0"/>
+                    </a:p>
+                  </a:txBody>
+                  <a:tcPr/>
+                </a:tc>
+                <a:tc>
+                  <a:txBody>
+                    <a:bodyPr/>
+                    <a:lstStyle/>
+                    <a:p>
+                      <a:pPr algn="ctr"/>
+                      <a:r>
+                        <a:rPr lang="en-IN" dirty="0" smtClean="0"/>
+                        <a:t>0</a:t>
+                      </a:r>
+                      <a:endParaRPr lang="en-IN" dirty="0"/>
+                    </a:p>
+                  </a:txBody>
+                  <a:tcPr/>
+                </a:tc>
+              </a:tr>
+              <a:tr h="370840">
+                <a:tc>
+                  <a:txBody>
+                    <a:bodyPr/>
+                    <a:lstStyle/>
+                    <a:p>
+                      <a:pPr algn="ctr"/>
+                      <a:r>
+                        <a:rPr lang="en-IN" dirty="0" smtClean="0"/>
+                        <a:t>meeting</a:t>
+                      </a:r>
+                      <a:endParaRPr lang="en-IN" dirty="0"/>
+                    </a:p>
+                  </a:txBody>
+                  <a:tcPr/>
+                </a:tc>
+                <a:tc>
+                  <a:txBody>
+                    <a:bodyPr/>
+                    <a:lstStyle/>
+                    <a:p>
+                      <a:pPr algn="ctr"/>
+                      <a:r>
+                        <a:rPr lang="en-IN" dirty="0" smtClean="0"/>
+                        <a:t>0.125</a:t>
+                      </a:r>
+                      <a:endParaRPr lang="en-IN" dirty="0"/>
+                    </a:p>
+                  </a:txBody>
+                  <a:tcPr/>
+                </a:tc>
+                <a:tc>
+                  <a:txBody>
+                    <a:bodyPr/>
+                    <a:lstStyle/>
+                    <a:p>
+                      <a:pPr algn="ctr"/>
+                      <a:r>
+                        <a:rPr lang="en-IN" dirty="0" smtClean="0"/>
+                        <a:t>0.0625</a:t>
+                      </a:r>
+                      <a:endParaRPr lang="en-IN" dirty="0"/>
+                    </a:p>
+                  </a:txBody>
+                  <a:tcPr/>
+                </a:tc>
+              </a:tr>
+              <a:tr h="370840">
+                <a:tc>
+                  <a:txBody>
+                    <a:bodyPr/>
+                    <a:lstStyle/>
+                    <a:p>
+                      <a:pPr algn="ctr"/>
+                      <a:r>
+                        <a:rPr lang="en-IN" dirty="0" smtClean="0"/>
+                        <a:t>company</a:t>
+                      </a:r>
+                      <a:endParaRPr lang="en-IN" dirty="0"/>
+                    </a:p>
+                  </a:txBody>
+                  <a:tcPr/>
+                </a:tc>
+                <a:tc>
+                  <a:txBody>
+                    <a:bodyPr/>
+                    <a:lstStyle/>
+                    <a:p>
+                      <a:pPr algn="ctr"/>
+                      <a:r>
+                        <a:rPr lang="en-IN" dirty="0" smtClean="0"/>
+                        <a:t>0.21875</a:t>
+                      </a:r>
+                      <a:endParaRPr lang="en-IN" dirty="0"/>
+                    </a:p>
+                  </a:txBody>
+                  <a:tcPr/>
+                </a:tc>
+                <a:tc>
+                  <a:txBody>
+                    <a:bodyPr/>
+                    <a:lstStyle/>
+                    <a:p>
+                      <a:pPr algn="ctr"/>
+                      <a:r>
+                        <a:rPr lang="en-IN" dirty="0" smtClean="0"/>
+                        <a:t>0.0625</a:t>
+                      </a:r>
+                      <a:endParaRPr lang="en-IN" dirty="0"/>
+                    </a:p>
+                  </a:txBody>
+                  <a:tcPr/>
+                </a:tc>
+              </a:tr>
+              <a:tr h="370840">
+                <a:tc>
+                  <a:txBody>
+                    <a:bodyPr/>
+                    <a:lstStyle/>
+                    <a:p>
+                      <a:pPr algn="ctr"/>
+                      <a:r>
+                        <a:rPr lang="en-IN" dirty="0" smtClean="0"/>
+                        <a:t>discount</a:t>
+                      </a:r>
+                      <a:endParaRPr lang="en-IN" dirty="0"/>
+                    </a:p>
+                  </a:txBody>
+                  <a:tcPr/>
+                </a:tc>
+                <a:tc>
+                  <a:txBody>
+                    <a:bodyPr/>
+                    <a:lstStyle/>
+                    <a:p>
+                      <a:pPr algn="ctr"/>
+                      <a:r>
+                        <a:rPr lang="en-IN" dirty="0" smtClean="0"/>
+                        <a:t>0.0625</a:t>
+                      </a:r>
+                      <a:endParaRPr lang="en-IN" dirty="0"/>
+                    </a:p>
+                  </a:txBody>
+                  <a:tcPr/>
+                </a:tc>
+                <a:tc>
+                  <a:txBody>
+                    <a:bodyPr/>
+                    <a:lstStyle/>
+                    <a:p>
+                      <a:pPr algn="ctr"/>
+                      <a:r>
+                        <a:rPr lang="en-IN" dirty="0" smtClean="0"/>
+                        <a:t>0.125</a:t>
+                      </a:r>
+                      <a:endParaRPr lang="en-IN" dirty="0"/>
+                    </a:p>
+                  </a:txBody>
+                  <a:tcPr/>
+                </a:tc>
+              </a:tr>
+              <a:tr h="370840">
+                <a:tc>
+                  <a:txBody>
+                    <a:bodyPr/>
+                    <a:lstStyle/>
+                    <a:p>
+                      <a:pPr algn="ctr"/>
+                      <a:r>
+                        <a:rPr lang="en-IN" dirty="0" smtClean="0"/>
+                        <a:t>lottery</a:t>
+                      </a:r>
+                      <a:endParaRPr lang="en-IN" dirty="0"/>
+                    </a:p>
+                  </a:txBody>
+                  <a:tcPr/>
+                </a:tc>
+                <a:tc>
+                  <a:txBody>
+                    <a:bodyPr/>
+                    <a:lstStyle/>
+                    <a:p>
+                      <a:pPr algn="ctr"/>
+                      <a:r>
+                        <a:rPr lang="en-IN" dirty="0" smtClean="0"/>
+                        <a:t>0.0625</a:t>
+                      </a:r>
+                      <a:endParaRPr lang="en-IN" dirty="0"/>
+                    </a:p>
+                  </a:txBody>
+                  <a:tcPr/>
+                </a:tc>
+                <a:tc>
+                  <a:txBody>
+                    <a:bodyPr/>
+                    <a:lstStyle/>
+                    <a:p>
+                      <a:pPr algn="ctr"/>
+                      <a:r>
+                        <a:rPr lang="en-IN" dirty="0" smtClean="0"/>
+                        <a:t>0.25</a:t>
+                      </a:r>
+                      <a:endParaRPr lang="en-IN" dirty="0"/>
+                    </a:p>
+                  </a:txBody>
+                  <a:tcPr/>
+                </a:tc>
+              </a:tr>
+            </a:tbl>
+          </a:graphicData>
+        </a:graphic>
+      </p:graphicFrame>
+      <p:graphicFrame>
+        <p:nvGraphicFramePr>
+          <p:cNvPr id="5" name="Object 4"/>
+          <p:cNvGraphicFramePr>
+            <a:graphicFrameLocks noChangeAspect="1"/>
+          </p:cNvGraphicFramePr>
+          <p:nvPr/>
+        </p:nvGraphicFramePr>
+        <p:xfrm>
+          <a:off x="703263" y="1905000"/>
+          <a:ext cx="3243262" cy="987425"/>
+        </p:xfrm>
+        <a:graphic>
+          <a:graphicData uri="http://schemas.openxmlformats.org/presentationml/2006/ole">
+            <p:oleObj spid="_x0000_s13314" name="Equation" r:id="rId3" imgW="1460160" imgH="444240" progId="Equation.3">
+              <p:embed/>
+            </p:oleObj>
+          </a:graphicData>
+        </a:graphic>
+      </p:graphicFrame>
+      <p:sp>
+        <p:nvSpPr>
+          <p:cNvPr id="6" name="TextBox 5"/>
+          <p:cNvSpPr txBox="1"/>
+          <p:nvPr/>
+        </p:nvSpPr>
+        <p:spPr>
+          <a:xfrm>
+            <a:off x="762000" y="3276600"/>
+            <a:ext cx="2250424" cy="461665"/>
+          </a:xfrm>
+          <a:prstGeom prst="rect">
+            <a:avLst/>
+          </a:prstGeom>
+          <a:noFill/>
+        </p:spPr>
+        <p:txBody>
+          <a:bodyPr wrap="none" rtlCol="0">
+            <a:spAutoFit/>
+          </a:bodyPr>
+          <a:lstStyle/>
+          <a:p>
+            <a:r>
+              <a:rPr lang="en-IN" sz="2400" b="1" dirty="0" smtClean="0">
+                <a:solidFill>
+                  <a:srgbClr val="0070C0"/>
+                </a:solidFill>
+              </a:rPr>
+              <a:t>I am in meeting.</a:t>
+            </a:r>
+            <a:endParaRPr lang="en-IN" sz="2400" b="1" dirty="0">
+              <a:solidFill>
+                <a:srgbClr val="0070C0"/>
+              </a:solidFill>
+            </a:endParaRPr>
+          </a:p>
+        </p:txBody>
+      </p:sp>
+      <p:graphicFrame>
+        <p:nvGraphicFramePr>
+          <p:cNvPr id="7" name="Object 6"/>
+          <p:cNvGraphicFramePr>
+            <a:graphicFrameLocks noChangeAspect="1"/>
+          </p:cNvGraphicFramePr>
+          <p:nvPr/>
+        </p:nvGraphicFramePr>
+        <p:xfrm>
+          <a:off x="873125" y="3810000"/>
+          <a:ext cx="2860675" cy="1290637"/>
+        </p:xfrm>
+        <a:graphic>
+          <a:graphicData uri="http://schemas.openxmlformats.org/presentationml/2006/ole">
+            <p:oleObj spid="_x0000_s13315" name="Equation" r:id="rId4" imgW="1295280" imgH="583920" progId="Equation.3">
+              <p:embed/>
+            </p:oleObj>
+          </a:graphicData>
+        </a:graphic>
+      </p:graphicFrame>
+      <p:sp>
+        <p:nvSpPr>
+          <p:cNvPr id="8" name="TextBox 7"/>
+          <p:cNvSpPr txBox="1"/>
+          <p:nvPr/>
+        </p:nvSpPr>
+        <p:spPr>
+          <a:xfrm>
+            <a:off x="838200" y="5181600"/>
+            <a:ext cx="780983" cy="461665"/>
+          </a:xfrm>
+          <a:prstGeom prst="rect">
+            <a:avLst/>
+          </a:prstGeom>
+          <a:noFill/>
+        </p:spPr>
+        <p:txBody>
+          <a:bodyPr wrap="none" rtlCol="0">
+            <a:spAutoFit/>
+          </a:bodyPr>
+          <a:lstStyle/>
+          <a:p>
+            <a:r>
+              <a:rPr lang="en-IN" sz="2400" b="1" dirty="0" smtClean="0">
+                <a:solidFill>
+                  <a:srgbClr val="0070C0"/>
+                </a:solidFill>
+              </a:rPr>
+              <a:t>Ham</a:t>
+            </a:r>
+            <a:endParaRPr lang="en-IN" sz="2400" b="1" dirty="0">
+              <a:solidFill>
+                <a:srgbClr val="0070C0"/>
+              </a:solidFill>
+            </a:endParaRPr>
           </a:p>
         </p:txBody>
       </p:sp>
@@ -4140,13 +7135,1237 @@
   <p:clrMapOvr>
     <a:masterClrMapping/>
   </p:clrMapOvr>
-  <p:timing>
-    <p:tnLst>
-      <p:par>
-        <p:cTn id="1" dur="indefinite" restart="never" nodeType="tmRoot"/>
-      </p:par>
-    </p:tnLst>
-  </p:timing>
+</p:sld>
+</file>
+
+<file path=ppt/slides/slide17.xml><?xml version="1.0" encoding="utf-8"?>
+<p:sld xmlns:a="http://schemas.openxmlformats.org/drawingml/2006/main" xmlns:r="http://schemas.openxmlformats.org/officeDocument/2006/relationships" xmlns:p="http://schemas.openxmlformats.org/presentationml/2006/main">
+  <p:cSld>
+    <p:spTree>
+      <p:nvGrpSpPr>
+        <p:cNvPr id="1" name=""/>
+        <p:cNvGrpSpPr/>
+        <p:nvPr/>
+      </p:nvGrpSpPr>
+      <p:grpSpPr>
+        <a:xfrm>
+          <a:off x="0" y="0"/>
+          <a:ext cx="0" cy="0"/>
+          <a:chOff x="0" y="0"/>
+          <a:chExt cx="0" cy="0"/>
+        </a:xfrm>
+      </p:grpSpPr>
+      <p:sp>
+        <p:nvSpPr>
+          <p:cNvPr id="2" name="Title 1"/>
+          <p:cNvSpPr>
+            <a:spLocks noGrp="1"/>
+          </p:cNvSpPr>
+          <p:nvPr>
+            <p:ph type="title"/>
+          </p:nvPr>
+        </p:nvSpPr>
+        <p:spPr/>
+        <p:txBody>
+          <a:bodyPr/>
+          <a:lstStyle/>
+          <a:p>
+            <a:r>
+              <a:rPr lang="en-US" dirty="0" smtClean="0"/>
+              <a:t>Naive </a:t>
+            </a:r>
+            <a:r>
+              <a:rPr lang="en-US" dirty="0" err="1" smtClean="0"/>
+              <a:t>Bayes</a:t>
+            </a:r>
+            <a:endParaRPr lang="en-IN" dirty="0"/>
+          </a:p>
+        </p:txBody>
+      </p:sp>
+      <p:sp>
+        <p:nvSpPr>
+          <p:cNvPr id="3" name="Content Placeholder 2"/>
+          <p:cNvSpPr>
+            <a:spLocks noGrp="1"/>
+          </p:cNvSpPr>
+          <p:nvPr>
+            <p:ph idx="1"/>
+          </p:nvPr>
+        </p:nvSpPr>
+        <p:spPr/>
+        <p:txBody>
+          <a:bodyPr>
+            <a:normAutofit/>
+          </a:bodyPr>
+          <a:lstStyle/>
+          <a:p>
+            <a:pPr>
+              <a:buNone/>
+            </a:pPr>
+            <a:endParaRPr lang="en-IN" dirty="0" smtClean="0"/>
+          </a:p>
+          <a:p>
+            <a:pPr>
+              <a:buNone/>
+            </a:pPr>
+            <a:r>
+              <a:rPr lang="en-IN" dirty="0" smtClean="0"/>
+              <a:t> </a:t>
+            </a:r>
+          </a:p>
+        </p:txBody>
+      </p:sp>
+      <p:graphicFrame>
+        <p:nvGraphicFramePr>
+          <p:cNvPr id="4" name="Table 3"/>
+          <p:cNvGraphicFramePr>
+            <a:graphicFrameLocks noGrp="1"/>
+          </p:cNvGraphicFramePr>
+          <p:nvPr/>
+        </p:nvGraphicFramePr>
+        <p:xfrm>
+          <a:off x="4953000" y="1828800"/>
+          <a:ext cx="3352800" cy="2966720"/>
+        </p:xfrm>
+        <a:graphic>
+          <a:graphicData uri="http://schemas.openxmlformats.org/drawingml/2006/table">
+            <a:tbl>
+              <a:tblPr firstRow="1" bandRow="1">
+                <a:tableStyleId>{5C22544A-7EE6-4342-B048-85BDC9FD1C3A}</a:tableStyleId>
+              </a:tblPr>
+              <a:tblGrid>
+                <a:gridCol w="1117600"/>
+                <a:gridCol w="1117600"/>
+                <a:gridCol w="1117600"/>
+              </a:tblGrid>
+              <a:tr h="370840">
+                <a:tc>
+                  <a:txBody>
+                    <a:bodyPr/>
+                    <a:lstStyle/>
+                    <a:p>
+                      <a:pPr algn="ctr"/>
+                      <a:r>
+                        <a:rPr lang="en-IN" dirty="0" smtClean="0"/>
+                        <a:t>Word</a:t>
+                      </a:r>
+                      <a:endParaRPr lang="en-IN" dirty="0"/>
+                    </a:p>
+                  </a:txBody>
+                  <a:tcPr/>
+                </a:tc>
+                <a:tc>
+                  <a:txBody>
+                    <a:bodyPr/>
+                    <a:lstStyle/>
+                    <a:p>
+                      <a:pPr algn="ctr"/>
+                      <a:r>
+                        <a:rPr lang="en-IN" dirty="0" smtClean="0"/>
+                        <a:t>Ham</a:t>
+                      </a:r>
+                      <a:endParaRPr lang="en-IN" dirty="0"/>
+                    </a:p>
+                  </a:txBody>
+                  <a:tcPr/>
+                </a:tc>
+                <a:tc>
+                  <a:txBody>
+                    <a:bodyPr/>
+                    <a:lstStyle/>
+                    <a:p>
+                      <a:pPr algn="ctr"/>
+                      <a:r>
+                        <a:rPr lang="en-IN" dirty="0" smtClean="0"/>
+                        <a:t>Spam</a:t>
+                      </a:r>
+                      <a:endParaRPr lang="en-IN" dirty="0"/>
+                    </a:p>
+                  </a:txBody>
+                  <a:tcPr/>
+                </a:tc>
+              </a:tr>
+              <a:tr h="370840">
+                <a:tc>
+                  <a:txBody>
+                    <a:bodyPr/>
+                    <a:lstStyle/>
+                    <a:p>
+                      <a:pPr algn="ctr"/>
+                      <a:r>
+                        <a:rPr lang="en-IN" dirty="0" smtClean="0"/>
+                        <a:t>I</a:t>
+                      </a:r>
+                      <a:endParaRPr lang="en-IN" dirty="0"/>
+                    </a:p>
+                  </a:txBody>
+                  <a:tcPr/>
+                </a:tc>
+                <a:tc>
+                  <a:txBody>
+                    <a:bodyPr/>
+                    <a:lstStyle/>
+                    <a:p>
+                      <a:pPr algn="ctr"/>
+                      <a:r>
+                        <a:rPr lang="en-IN" dirty="0" smtClean="0"/>
+                        <a:t>0.25</a:t>
+                      </a:r>
+                      <a:endParaRPr lang="en-IN" dirty="0"/>
+                    </a:p>
+                  </a:txBody>
+                  <a:tcPr/>
+                </a:tc>
+                <a:tc>
+                  <a:txBody>
+                    <a:bodyPr/>
+                    <a:lstStyle/>
+                    <a:p>
+                      <a:pPr algn="ctr"/>
+                      <a:r>
+                        <a:rPr lang="en-IN" dirty="0" smtClean="0"/>
+                        <a:t>0.25</a:t>
+                      </a:r>
+                      <a:endParaRPr lang="en-IN" dirty="0"/>
+                    </a:p>
+                  </a:txBody>
+                  <a:tcPr/>
+                </a:tc>
+              </a:tr>
+              <a:tr h="370840">
+                <a:tc>
+                  <a:txBody>
+                    <a:bodyPr/>
+                    <a:lstStyle/>
+                    <a:p>
+                      <a:pPr algn="ctr"/>
+                      <a:r>
+                        <a:rPr lang="en-IN" dirty="0" smtClean="0"/>
+                        <a:t>am</a:t>
+                      </a:r>
+                      <a:endParaRPr lang="en-IN" dirty="0"/>
+                    </a:p>
+                  </a:txBody>
+                  <a:tcPr/>
+                </a:tc>
+                <a:tc>
+                  <a:txBody>
+                    <a:bodyPr/>
+                    <a:lstStyle/>
+                    <a:p>
+                      <a:pPr algn="ctr"/>
+                      <a:r>
+                        <a:rPr lang="en-IN" dirty="0" smtClean="0"/>
+                        <a:t>0.25</a:t>
+                      </a:r>
+                      <a:endParaRPr lang="en-IN" dirty="0"/>
+                    </a:p>
+                  </a:txBody>
+                  <a:tcPr/>
+                </a:tc>
+                <a:tc>
+                  <a:txBody>
+                    <a:bodyPr/>
+                    <a:lstStyle/>
+                    <a:p>
+                      <a:pPr algn="ctr"/>
+                      <a:r>
+                        <a:rPr lang="en-IN" dirty="0" smtClean="0"/>
+                        <a:t>0.25</a:t>
+                      </a:r>
+                      <a:endParaRPr lang="en-IN" dirty="0"/>
+                    </a:p>
+                  </a:txBody>
+                  <a:tcPr/>
+                </a:tc>
+              </a:tr>
+              <a:tr h="370840">
+                <a:tc>
+                  <a:txBody>
+                    <a:bodyPr/>
+                    <a:lstStyle/>
+                    <a:p>
+                      <a:pPr algn="ctr"/>
+                      <a:r>
+                        <a:rPr lang="en-IN" dirty="0" smtClean="0"/>
+                        <a:t>because</a:t>
+                      </a:r>
+                      <a:endParaRPr lang="en-IN" dirty="0"/>
+                    </a:p>
+                  </a:txBody>
+                  <a:tcPr/>
+                </a:tc>
+                <a:tc>
+                  <a:txBody>
+                    <a:bodyPr/>
+                    <a:lstStyle/>
+                    <a:p>
+                      <a:pPr algn="ctr"/>
+                      <a:r>
+                        <a:rPr lang="en-IN" dirty="0" smtClean="0"/>
+                        <a:t>0.03125</a:t>
+                      </a:r>
+                      <a:endParaRPr lang="en-IN" dirty="0"/>
+                    </a:p>
+                  </a:txBody>
+                  <a:tcPr/>
+                </a:tc>
+                <a:tc>
+                  <a:txBody>
+                    <a:bodyPr/>
+                    <a:lstStyle/>
+                    <a:p>
+                      <a:pPr algn="ctr"/>
+                      <a:r>
+                        <a:rPr lang="en-IN" dirty="0" smtClean="0"/>
+                        <a:t>0</a:t>
+                      </a:r>
+                      <a:endParaRPr lang="en-IN" dirty="0"/>
+                    </a:p>
+                  </a:txBody>
+                  <a:tcPr/>
+                </a:tc>
+              </a:tr>
+              <a:tr h="370840">
+                <a:tc>
+                  <a:txBody>
+                    <a:bodyPr/>
+                    <a:lstStyle/>
+                    <a:p>
+                      <a:pPr algn="ctr"/>
+                      <a:r>
+                        <a:rPr lang="en-IN" dirty="0" smtClean="0"/>
+                        <a:t>meeting</a:t>
+                      </a:r>
+                      <a:endParaRPr lang="en-IN" dirty="0"/>
+                    </a:p>
+                  </a:txBody>
+                  <a:tcPr/>
+                </a:tc>
+                <a:tc>
+                  <a:txBody>
+                    <a:bodyPr/>
+                    <a:lstStyle/>
+                    <a:p>
+                      <a:pPr algn="ctr"/>
+                      <a:r>
+                        <a:rPr lang="en-IN" dirty="0" smtClean="0"/>
+                        <a:t>0.125</a:t>
+                      </a:r>
+                      <a:endParaRPr lang="en-IN" dirty="0"/>
+                    </a:p>
+                  </a:txBody>
+                  <a:tcPr/>
+                </a:tc>
+                <a:tc>
+                  <a:txBody>
+                    <a:bodyPr/>
+                    <a:lstStyle/>
+                    <a:p>
+                      <a:pPr algn="ctr"/>
+                      <a:r>
+                        <a:rPr lang="en-IN" dirty="0" smtClean="0"/>
+                        <a:t>0.0625</a:t>
+                      </a:r>
+                      <a:endParaRPr lang="en-IN" dirty="0"/>
+                    </a:p>
+                  </a:txBody>
+                  <a:tcPr/>
+                </a:tc>
+              </a:tr>
+              <a:tr h="370840">
+                <a:tc>
+                  <a:txBody>
+                    <a:bodyPr/>
+                    <a:lstStyle/>
+                    <a:p>
+                      <a:pPr algn="ctr"/>
+                      <a:r>
+                        <a:rPr lang="en-IN" dirty="0" smtClean="0"/>
+                        <a:t>company</a:t>
+                      </a:r>
+                      <a:endParaRPr lang="en-IN" dirty="0"/>
+                    </a:p>
+                  </a:txBody>
+                  <a:tcPr/>
+                </a:tc>
+                <a:tc>
+                  <a:txBody>
+                    <a:bodyPr/>
+                    <a:lstStyle/>
+                    <a:p>
+                      <a:pPr algn="ctr"/>
+                      <a:r>
+                        <a:rPr lang="en-IN" dirty="0" smtClean="0"/>
+                        <a:t>0.21875</a:t>
+                      </a:r>
+                      <a:endParaRPr lang="en-IN" dirty="0"/>
+                    </a:p>
+                  </a:txBody>
+                  <a:tcPr/>
+                </a:tc>
+                <a:tc>
+                  <a:txBody>
+                    <a:bodyPr/>
+                    <a:lstStyle/>
+                    <a:p>
+                      <a:pPr algn="ctr"/>
+                      <a:r>
+                        <a:rPr lang="en-IN" dirty="0" smtClean="0"/>
+                        <a:t>0.0625</a:t>
+                      </a:r>
+                      <a:endParaRPr lang="en-IN" dirty="0"/>
+                    </a:p>
+                  </a:txBody>
+                  <a:tcPr/>
+                </a:tc>
+              </a:tr>
+              <a:tr h="370840">
+                <a:tc>
+                  <a:txBody>
+                    <a:bodyPr/>
+                    <a:lstStyle/>
+                    <a:p>
+                      <a:pPr algn="ctr"/>
+                      <a:r>
+                        <a:rPr lang="en-IN" dirty="0" smtClean="0"/>
+                        <a:t>discount</a:t>
+                      </a:r>
+                      <a:endParaRPr lang="en-IN" dirty="0"/>
+                    </a:p>
+                  </a:txBody>
+                  <a:tcPr/>
+                </a:tc>
+                <a:tc>
+                  <a:txBody>
+                    <a:bodyPr/>
+                    <a:lstStyle/>
+                    <a:p>
+                      <a:pPr algn="ctr"/>
+                      <a:r>
+                        <a:rPr lang="en-IN" dirty="0" smtClean="0"/>
+                        <a:t>0.0625</a:t>
+                      </a:r>
+                      <a:endParaRPr lang="en-IN" dirty="0"/>
+                    </a:p>
+                  </a:txBody>
+                  <a:tcPr/>
+                </a:tc>
+                <a:tc>
+                  <a:txBody>
+                    <a:bodyPr/>
+                    <a:lstStyle/>
+                    <a:p>
+                      <a:pPr algn="ctr"/>
+                      <a:r>
+                        <a:rPr lang="en-IN" dirty="0" smtClean="0"/>
+                        <a:t>0.125</a:t>
+                      </a:r>
+                      <a:endParaRPr lang="en-IN" dirty="0"/>
+                    </a:p>
+                  </a:txBody>
+                  <a:tcPr/>
+                </a:tc>
+              </a:tr>
+              <a:tr h="370840">
+                <a:tc>
+                  <a:txBody>
+                    <a:bodyPr/>
+                    <a:lstStyle/>
+                    <a:p>
+                      <a:pPr algn="ctr"/>
+                      <a:r>
+                        <a:rPr lang="en-IN" dirty="0" smtClean="0"/>
+                        <a:t>lottery</a:t>
+                      </a:r>
+                      <a:endParaRPr lang="en-IN" dirty="0"/>
+                    </a:p>
+                  </a:txBody>
+                  <a:tcPr/>
+                </a:tc>
+                <a:tc>
+                  <a:txBody>
+                    <a:bodyPr/>
+                    <a:lstStyle/>
+                    <a:p>
+                      <a:pPr algn="ctr"/>
+                      <a:r>
+                        <a:rPr lang="en-IN" dirty="0" smtClean="0"/>
+                        <a:t>0.0625</a:t>
+                      </a:r>
+                      <a:endParaRPr lang="en-IN" dirty="0"/>
+                    </a:p>
+                  </a:txBody>
+                  <a:tcPr/>
+                </a:tc>
+                <a:tc>
+                  <a:txBody>
+                    <a:bodyPr/>
+                    <a:lstStyle/>
+                    <a:p>
+                      <a:pPr algn="ctr"/>
+                      <a:r>
+                        <a:rPr lang="en-IN" dirty="0" smtClean="0"/>
+                        <a:t>0.25</a:t>
+                      </a:r>
+                      <a:endParaRPr lang="en-IN" dirty="0"/>
+                    </a:p>
+                  </a:txBody>
+                  <a:tcPr/>
+                </a:tc>
+              </a:tr>
+            </a:tbl>
+          </a:graphicData>
+        </a:graphic>
+      </p:graphicFrame>
+      <p:graphicFrame>
+        <p:nvGraphicFramePr>
+          <p:cNvPr id="5" name="Object 4"/>
+          <p:cNvGraphicFramePr>
+            <a:graphicFrameLocks noChangeAspect="1"/>
+          </p:cNvGraphicFramePr>
+          <p:nvPr/>
+        </p:nvGraphicFramePr>
+        <p:xfrm>
+          <a:off x="703263" y="1905000"/>
+          <a:ext cx="3243262" cy="987425"/>
+        </p:xfrm>
+        <a:graphic>
+          <a:graphicData uri="http://schemas.openxmlformats.org/presentationml/2006/ole">
+            <p:oleObj spid="_x0000_s14338" name="Equation" r:id="rId3" imgW="1460160" imgH="444240" progId="Equation.3">
+              <p:embed/>
+            </p:oleObj>
+          </a:graphicData>
+        </a:graphic>
+      </p:graphicFrame>
+      <p:sp>
+        <p:nvSpPr>
+          <p:cNvPr id="6" name="TextBox 5"/>
+          <p:cNvSpPr txBox="1"/>
+          <p:nvPr/>
+        </p:nvSpPr>
+        <p:spPr>
+          <a:xfrm>
+            <a:off x="762000" y="3276600"/>
+            <a:ext cx="2375843" cy="461665"/>
+          </a:xfrm>
+          <a:prstGeom prst="rect">
+            <a:avLst/>
+          </a:prstGeom>
+          <a:noFill/>
+        </p:spPr>
+        <p:txBody>
+          <a:bodyPr wrap="none" rtlCol="0">
+            <a:spAutoFit/>
+          </a:bodyPr>
+          <a:lstStyle/>
+          <a:p>
+            <a:r>
+              <a:rPr lang="en-IN" sz="2400" b="1" dirty="0" smtClean="0">
+                <a:solidFill>
+                  <a:srgbClr val="FF0000"/>
+                </a:solidFill>
+              </a:rPr>
+              <a:t>You got discount.</a:t>
+            </a:r>
+            <a:endParaRPr lang="en-IN" sz="2400" b="1" dirty="0">
+              <a:solidFill>
+                <a:srgbClr val="FF0000"/>
+              </a:solidFill>
+            </a:endParaRPr>
+          </a:p>
+        </p:txBody>
+      </p:sp>
+      <p:graphicFrame>
+        <p:nvGraphicFramePr>
+          <p:cNvPr id="7" name="Object 6"/>
+          <p:cNvGraphicFramePr>
+            <a:graphicFrameLocks noChangeAspect="1"/>
+          </p:cNvGraphicFramePr>
+          <p:nvPr/>
+        </p:nvGraphicFramePr>
+        <p:xfrm>
+          <a:off x="914400" y="3810000"/>
+          <a:ext cx="1206500" cy="1290638"/>
+        </p:xfrm>
+        <a:graphic>
+          <a:graphicData uri="http://schemas.openxmlformats.org/presentationml/2006/ole">
+            <p:oleObj spid="_x0000_s14339" name="Equation" r:id="rId4" imgW="545760" imgH="583920" progId="Equation.3">
+              <p:embed/>
+            </p:oleObj>
+          </a:graphicData>
+        </a:graphic>
+      </p:graphicFrame>
+      <p:sp>
+        <p:nvSpPr>
+          <p:cNvPr id="8" name="TextBox 7"/>
+          <p:cNvSpPr txBox="1"/>
+          <p:nvPr/>
+        </p:nvSpPr>
+        <p:spPr>
+          <a:xfrm>
+            <a:off x="854597" y="5181600"/>
+            <a:ext cx="898003" cy="461665"/>
+          </a:xfrm>
+          <a:prstGeom prst="rect">
+            <a:avLst/>
+          </a:prstGeom>
+          <a:noFill/>
+        </p:spPr>
+        <p:txBody>
+          <a:bodyPr wrap="none" rtlCol="0">
+            <a:spAutoFit/>
+          </a:bodyPr>
+          <a:lstStyle/>
+          <a:p>
+            <a:r>
+              <a:rPr lang="en-IN" sz="2400" b="1" dirty="0" smtClean="0">
+                <a:solidFill>
+                  <a:srgbClr val="FF0000"/>
+                </a:solidFill>
+              </a:rPr>
+              <a:t>Spam</a:t>
+            </a:r>
+          </a:p>
+        </p:txBody>
+      </p:sp>
+    </p:spTree>
+  </p:cSld>
+  <p:clrMapOvr>
+    <a:masterClrMapping/>
+  </p:clrMapOvr>
+</p:sld>
+</file>
+
+<file path=ppt/slides/slide18.xml><?xml version="1.0" encoding="utf-8"?>
+<p:sld xmlns:a="http://schemas.openxmlformats.org/drawingml/2006/main" xmlns:r="http://schemas.openxmlformats.org/officeDocument/2006/relationships" xmlns:p="http://schemas.openxmlformats.org/presentationml/2006/main">
+  <p:cSld>
+    <p:spTree>
+      <p:nvGrpSpPr>
+        <p:cNvPr id="1" name=""/>
+        <p:cNvGrpSpPr/>
+        <p:nvPr/>
+      </p:nvGrpSpPr>
+      <p:grpSpPr>
+        <a:xfrm>
+          <a:off x="0" y="0"/>
+          <a:ext cx="0" cy="0"/>
+          <a:chOff x="0" y="0"/>
+          <a:chExt cx="0" cy="0"/>
+        </a:xfrm>
+      </p:grpSpPr>
+      <p:sp>
+        <p:nvSpPr>
+          <p:cNvPr id="2" name="Title 1"/>
+          <p:cNvSpPr>
+            <a:spLocks noGrp="1"/>
+          </p:cNvSpPr>
+          <p:nvPr>
+            <p:ph type="title"/>
+          </p:nvPr>
+        </p:nvSpPr>
+        <p:spPr/>
+        <p:txBody>
+          <a:bodyPr>
+            <a:normAutofit/>
+          </a:bodyPr>
+          <a:lstStyle/>
+          <a:p>
+            <a:r>
+              <a:rPr lang="en-US" dirty="0" err="1" smtClean="0"/>
+              <a:t>Laplacian</a:t>
+            </a:r>
+            <a:r>
+              <a:rPr lang="en-US" dirty="0" smtClean="0"/>
+              <a:t> </a:t>
+            </a:r>
+            <a:r>
+              <a:rPr lang="en-US" dirty="0" smtClean="0"/>
+              <a:t>Smoothing</a:t>
+            </a:r>
+            <a:endParaRPr lang="en-IN" dirty="0"/>
+          </a:p>
+        </p:txBody>
+      </p:sp>
+      <p:sp>
+        <p:nvSpPr>
+          <p:cNvPr id="3" name="Content Placeholder 2"/>
+          <p:cNvSpPr>
+            <a:spLocks noGrp="1"/>
+          </p:cNvSpPr>
+          <p:nvPr>
+            <p:ph idx="1"/>
+          </p:nvPr>
+        </p:nvSpPr>
+        <p:spPr/>
+        <p:txBody>
+          <a:bodyPr/>
+          <a:lstStyle/>
+          <a:p>
+            <a:r>
+              <a:rPr lang="en-IN" dirty="0" smtClean="0"/>
+              <a:t>Word count – 0</a:t>
+            </a:r>
+          </a:p>
+          <a:p>
+            <a:r>
+              <a:rPr lang="en-IN" dirty="0" smtClean="0"/>
+              <a:t>Probability of word – 0 </a:t>
+            </a:r>
+          </a:p>
+          <a:p>
+            <a:r>
+              <a:rPr lang="en-IN" dirty="0" smtClean="0"/>
+              <a:t>Probability – 0</a:t>
+            </a:r>
+          </a:p>
+          <a:p>
+            <a:r>
+              <a:rPr lang="en-IN" dirty="0" smtClean="0"/>
+              <a:t>e.g. </a:t>
+            </a:r>
+          </a:p>
+          <a:p>
+            <a:pPr lvl="1"/>
+            <a:r>
+              <a:rPr lang="en-IN" dirty="0" smtClean="0"/>
+              <a:t>Word ‘because’ – Spam</a:t>
+            </a:r>
+          </a:p>
+          <a:p>
+            <a:pPr>
+              <a:buNone/>
+            </a:pPr>
+            <a:r>
+              <a:rPr lang="en-IN" dirty="0" smtClean="0"/>
+              <a:t> </a:t>
+            </a:r>
+          </a:p>
+          <a:p>
+            <a:endParaRPr lang="en-IN" dirty="0"/>
+          </a:p>
+        </p:txBody>
+      </p:sp>
+    </p:spTree>
+  </p:cSld>
+  <p:clrMapOvr>
+    <a:masterClrMapping/>
+  </p:clrMapOvr>
+</p:sld>
+</file>
+
+<file path=ppt/slides/slide19.xml><?xml version="1.0" encoding="utf-8"?>
+<p:sld xmlns:a="http://schemas.openxmlformats.org/drawingml/2006/main" xmlns:r="http://schemas.openxmlformats.org/officeDocument/2006/relationships" xmlns:p="http://schemas.openxmlformats.org/presentationml/2006/main">
+  <p:cSld>
+    <p:spTree>
+      <p:nvGrpSpPr>
+        <p:cNvPr id="1" name=""/>
+        <p:cNvGrpSpPr/>
+        <p:nvPr/>
+      </p:nvGrpSpPr>
+      <p:grpSpPr>
+        <a:xfrm>
+          <a:off x="0" y="0"/>
+          <a:ext cx="0" cy="0"/>
+          <a:chOff x="0" y="0"/>
+          <a:chExt cx="0" cy="0"/>
+        </a:xfrm>
+      </p:grpSpPr>
+      <p:sp>
+        <p:nvSpPr>
+          <p:cNvPr id="2" name="Title 1"/>
+          <p:cNvSpPr>
+            <a:spLocks noGrp="1"/>
+          </p:cNvSpPr>
+          <p:nvPr>
+            <p:ph type="title"/>
+          </p:nvPr>
+        </p:nvSpPr>
+        <p:spPr/>
+        <p:txBody>
+          <a:bodyPr>
+            <a:normAutofit/>
+          </a:bodyPr>
+          <a:lstStyle/>
+          <a:p>
+            <a:r>
+              <a:rPr lang="en-US" dirty="0" err="1" smtClean="0"/>
+              <a:t>Laplacian</a:t>
+            </a:r>
+            <a:r>
+              <a:rPr lang="en-US" dirty="0" smtClean="0"/>
+              <a:t> </a:t>
+            </a:r>
+            <a:r>
+              <a:rPr lang="en-US" dirty="0" smtClean="0"/>
+              <a:t>Smoothing</a:t>
+            </a:r>
+            <a:endParaRPr lang="en-IN" dirty="0"/>
+          </a:p>
+        </p:txBody>
+      </p:sp>
+      <p:sp>
+        <p:nvSpPr>
+          <p:cNvPr id="3" name="Content Placeholder 2"/>
+          <p:cNvSpPr>
+            <a:spLocks noGrp="1"/>
+          </p:cNvSpPr>
+          <p:nvPr>
+            <p:ph idx="1"/>
+          </p:nvPr>
+        </p:nvSpPr>
+        <p:spPr/>
+        <p:txBody>
+          <a:bodyPr/>
+          <a:lstStyle/>
+          <a:p>
+            <a:pPr>
+              <a:buNone/>
+            </a:pPr>
+            <a:endParaRPr lang="en-IN" dirty="0" smtClean="0"/>
+          </a:p>
+          <a:p>
+            <a:pPr>
+              <a:buNone/>
+            </a:pPr>
+            <a:r>
+              <a:rPr lang="en-IN" dirty="0" smtClean="0"/>
+              <a:t> </a:t>
+            </a:r>
+          </a:p>
+          <a:p>
+            <a:endParaRPr lang="en-IN" dirty="0"/>
+          </a:p>
+        </p:txBody>
+      </p:sp>
+      <p:graphicFrame>
+        <p:nvGraphicFramePr>
+          <p:cNvPr id="4" name="Object 3"/>
+          <p:cNvGraphicFramePr>
+            <a:graphicFrameLocks noChangeAspect="1"/>
+          </p:cNvGraphicFramePr>
+          <p:nvPr/>
+        </p:nvGraphicFramePr>
+        <p:xfrm>
+          <a:off x="822325" y="1676400"/>
+          <a:ext cx="4647903" cy="2286000"/>
+        </p:xfrm>
+        <a:graphic>
+          <a:graphicData uri="http://schemas.openxmlformats.org/presentationml/2006/ole">
+            <p:oleObj spid="_x0000_s15362" name="Equation" r:id="rId3" imgW="3200400" imgH="1574640" progId="Equation.3">
+              <p:embed/>
+            </p:oleObj>
+          </a:graphicData>
+        </a:graphic>
+      </p:graphicFrame>
+      <p:graphicFrame>
+        <p:nvGraphicFramePr>
+          <p:cNvPr id="6" name="Table 5"/>
+          <p:cNvGraphicFramePr>
+            <a:graphicFrameLocks noGrp="1"/>
+          </p:cNvGraphicFramePr>
+          <p:nvPr/>
+        </p:nvGraphicFramePr>
+        <p:xfrm>
+          <a:off x="5562600" y="1676400"/>
+          <a:ext cx="3352800" cy="2966720"/>
+        </p:xfrm>
+        <a:graphic>
+          <a:graphicData uri="http://schemas.openxmlformats.org/drawingml/2006/table">
+            <a:tbl>
+              <a:tblPr firstRow="1" bandRow="1">
+                <a:tableStyleId>{5C22544A-7EE6-4342-B048-85BDC9FD1C3A}</a:tableStyleId>
+              </a:tblPr>
+              <a:tblGrid>
+                <a:gridCol w="1117600"/>
+                <a:gridCol w="1117600"/>
+                <a:gridCol w="1117600"/>
+              </a:tblGrid>
+              <a:tr h="370840">
+                <a:tc>
+                  <a:txBody>
+                    <a:bodyPr/>
+                    <a:lstStyle/>
+                    <a:p>
+                      <a:pPr algn="ctr"/>
+                      <a:r>
+                        <a:rPr lang="en-IN" dirty="0" smtClean="0"/>
+                        <a:t>Word</a:t>
+                      </a:r>
+                      <a:endParaRPr lang="en-IN" dirty="0"/>
+                    </a:p>
+                  </a:txBody>
+                  <a:tcPr/>
+                </a:tc>
+                <a:tc>
+                  <a:txBody>
+                    <a:bodyPr/>
+                    <a:lstStyle/>
+                    <a:p>
+                      <a:pPr algn="ctr"/>
+                      <a:r>
+                        <a:rPr lang="en-IN" dirty="0" smtClean="0"/>
+                        <a:t>Ham</a:t>
+                      </a:r>
+                      <a:endParaRPr lang="en-IN" dirty="0"/>
+                    </a:p>
+                  </a:txBody>
+                  <a:tcPr/>
+                </a:tc>
+                <a:tc>
+                  <a:txBody>
+                    <a:bodyPr/>
+                    <a:lstStyle/>
+                    <a:p>
+                      <a:pPr algn="ctr"/>
+                      <a:r>
+                        <a:rPr lang="en-IN" dirty="0" smtClean="0"/>
+                        <a:t>Spam</a:t>
+                      </a:r>
+                      <a:endParaRPr lang="en-IN" dirty="0"/>
+                    </a:p>
+                  </a:txBody>
+                  <a:tcPr/>
+                </a:tc>
+              </a:tr>
+              <a:tr h="370840">
+                <a:tc>
+                  <a:txBody>
+                    <a:bodyPr/>
+                    <a:lstStyle/>
+                    <a:p>
+                      <a:pPr algn="ctr"/>
+                      <a:r>
+                        <a:rPr lang="en-IN" dirty="0" smtClean="0"/>
+                        <a:t>I</a:t>
+                      </a:r>
+                      <a:endParaRPr lang="en-IN" dirty="0"/>
+                    </a:p>
+                  </a:txBody>
+                  <a:tcPr/>
+                </a:tc>
+                <a:tc>
+                  <a:txBody>
+                    <a:bodyPr/>
+                    <a:lstStyle/>
+                    <a:p>
+                      <a:pPr algn="ctr"/>
+                      <a:r>
+                        <a:rPr lang="en-IN" dirty="0" smtClean="0"/>
+                        <a:t>0.2495</a:t>
+                      </a:r>
+                      <a:endParaRPr lang="en-IN" dirty="0"/>
+                    </a:p>
+                  </a:txBody>
+                  <a:tcPr/>
+                </a:tc>
+                <a:tc>
+                  <a:txBody>
+                    <a:bodyPr/>
+                    <a:lstStyle/>
+                    <a:p>
+                      <a:pPr algn="ctr"/>
+                      <a:r>
+                        <a:rPr lang="en-IN" dirty="0" smtClean="0"/>
+                        <a:t>0.2495</a:t>
+                      </a:r>
+                      <a:endParaRPr lang="en-IN" dirty="0"/>
+                    </a:p>
+                  </a:txBody>
+                  <a:tcPr/>
+                </a:tc>
+              </a:tr>
+              <a:tr h="370840">
+                <a:tc>
+                  <a:txBody>
+                    <a:bodyPr/>
+                    <a:lstStyle/>
+                    <a:p>
+                      <a:pPr algn="ctr"/>
+                      <a:r>
+                        <a:rPr lang="en-IN" dirty="0" smtClean="0"/>
+                        <a:t>am</a:t>
+                      </a:r>
+                      <a:endParaRPr lang="en-IN" dirty="0"/>
+                    </a:p>
+                  </a:txBody>
+                  <a:tcPr/>
+                </a:tc>
+                <a:tc>
+                  <a:txBody>
+                    <a:bodyPr/>
+                    <a:lstStyle/>
+                    <a:p>
+                      <a:pPr algn="ctr"/>
+                      <a:r>
+                        <a:rPr lang="en-IN" dirty="0" smtClean="0"/>
+                        <a:t>0.2495</a:t>
+                      </a:r>
+                      <a:endParaRPr lang="en-IN" dirty="0"/>
+                    </a:p>
+                  </a:txBody>
+                  <a:tcPr/>
+                </a:tc>
+                <a:tc>
+                  <a:txBody>
+                    <a:bodyPr/>
+                    <a:lstStyle/>
+                    <a:p>
+                      <a:pPr algn="ctr"/>
+                      <a:r>
+                        <a:rPr lang="en-IN" dirty="0" smtClean="0"/>
+                        <a:t>0.2495</a:t>
+                      </a:r>
+                      <a:endParaRPr lang="en-IN" dirty="0"/>
+                    </a:p>
+                  </a:txBody>
+                  <a:tcPr/>
+                </a:tc>
+              </a:tr>
+              <a:tr h="370840">
+                <a:tc>
+                  <a:txBody>
+                    <a:bodyPr/>
+                    <a:lstStyle/>
+                    <a:p>
+                      <a:pPr algn="ctr"/>
+                      <a:r>
+                        <a:rPr lang="en-IN" dirty="0" smtClean="0"/>
+                        <a:t>because</a:t>
+                      </a:r>
+                      <a:endParaRPr lang="en-IN" dirty="0"/>
+                    </a:p>
+                  </a:txBody>
+                  <a:tcPr/>
+                </a:tc>
+                <a:tc>
+                  <a:txBody>
+                    <a:bodyPr/>
+                    <a:lstStyle/>
+                    <a:p>
+                      <a:pPr algn="ctr"/>
+                      <a:r>
+                        <a:rPr lang="en-IN" dirty="0" smtClean="0"/>
+                        <a:t>0.0317</a:t>
+                      </a:r>
+                      <a:endParaRPr lang="en-IN" dirty="0"/>
+                    </a:p>
+                  </a:txBody>
+                  <a:tcPr/>
+                </a:tc>
+                <a:tc>
+                  <a:txBody>
+                    <a:bodyPr/>
+                    <a:lstStyle/>
+                    <a:p>
+                      <a:pPr algn="ctr"/>
+                      <a:r>
+                        <a:rPr lang="en-IN" dirty="0" smtClean="0"/>
+                        <a:t>6.2e-4</a:t>
+                      </a:r>
+                      <a:endParaRPr lang="en-IN" dirty="0"/>
+                    </a:p>
+                  </a:txBody>
+                  <a:tcPr/>
+                </a:tc>
+              </a:tr>
+              <a:tr h="370840">
+                <a:tc>
+                  <a:txBody>
+                    <a:bodyPr/>
+                    <a:lstStyle/>
+                    <a:p>
+                      <a:pPr algn="ctr"/>
+                      <a:r>
+                        <a:rPr lang="en-IN" dirty="0" smtClean="0"/>
+                        <a:t>meeting</a:t>
+                      </a:r>
+                      <a:endParaRPr lang="en-IN" dirty="0"/>
+                    </a:p>
+                  </a:txBody>
+                  <a:tcPr/>
+                </a:tc>
+                <a:tc>
+                  <a:txBody>
+                    <a:bodyPr/>
+                    <a:lstStyle/>
+                    <a:p>
+                      <a:pPr algn="ctr"/>
+                      <a:r>
+                        <a:rPr lang="en-IN" dirty="0" smtClean="0"/>
+                        <a:t>0.125</a:t>
+                      </a:r>
+                      <a:endParaRPr lang="en-IN" dirty="0"/>
+                    </a:p>
+                  </a:txBody>
+                  <a:tcPr/>
+                </a:tc>
+                <a:tc>
+                  <a:txBody>
+                    <a:bodyPr/>
+                    <a:lstStyle/>
+                    <a:p>
+                      <a:pPr algn="ctr"/>
+                      <a:r>
+                        <a:rPr lang="en-IN" dirty="0" smtClean="0"/>
+                        <a:t>0.0628</a:t>
+                      </a:r>
+                      <a:endParaRPr lang="en-IN" dirty="0"/>
+                    </a:p>
+                  </a:txBody>
+                  <a:tcPr/>
+                </a:tc>
+              </a:tr>
+              <a:tr h="370840">
+                <a:tc>
+                  <a:txBody>
+                    <a:bodyPr/>
+                    <a:lstStyle/>
+                    <a:p>
+                      <a:pPr algn="ctr"/>
+                      <a:r>
+                        <a:rPr lang="en-IN" dirty="0" smtClean="0"/>
+                        <a:t>company</a:t>
+                      </a:r>
+                      <a:endParaRPr lang="en-IN" dirty="0"/>
+                    </a:p>
+                  </a:txBody>
+                  <a:tcPr/>
+                </a:tc>
+                <a:tc>
+                  <a:txBody>
+                    <a:bodyPr/>
+                    <a:lstStyle/>
+                    <a:p>
+                      <a:pPr algn="ctr"/>
+                      <a:r>
+                        <a:rPr lang="en-IN" dirty="0" smtClean="0"/>
+                        <a:t>0.2184</a:t>
+                      </a:r>
+                      <a:endParaRPr lang="en-IN" dirty="0"/>
+                    </a:p>
+                  </a:txBody>
+                  <a:tcPr/>
+                </a:tc>
+                <a:tc>
+                  <a:txBody>
+                    <a:bodyPr/>
+                    <a:lstStyle/>
+                    <a:p>
+                      <a:pPr algn="ctr"/>
+                      <a:r>
+                        <a:rPr lang="en-IN" dirty="0" smtClean="0"/>
+                        <a:t>0.0628</a:t>
+                      </a:r>
+                      <a:endParaRPr lang="en-IN" dirty="0"/>
+                    </a:p>
+                  </a:txBody>
+                  <a:tcPr/>
+                </a:tc>
+              </a:tr>
+              <a:tr h="370840">
+                <a:tc>
+                  <a:txBody>
+                    <a:bodyPr/>
+                    <a:lstStyle/>
+                    <a:p>
+                      <a:pPr algn="ctr"/>
+                      <a:r>
+                        <a:rPr lang="en-IN" dirty="0" smtClean="0"/>
+                        <a:t>discount</a:t>
+                      </a:r>
+                      <a:endParaRPr lang="en-IN" dirty="0"/>
+                    </a:p>
+                  </a:txBody>
+                  <a:tcPr/>
+                </a:tc>
+                <a:tc>
+                  <a:txBody>
+                    <a:bodyPr/>
+                    <a:lstStyle/>
+                    <a:p>
+                      <a:pPr algn="ctr"/>
+                      <a:r>
+                        <a:rPr lang="en-IN" dirty="0" smtClean="0"/>
+                        <a:t>0.0628</a:t>
+                      </a:r>
+                      <a:endParaRPr lang="en-IN" dirty="0"/>
+                    </a:p>
+                  </a:txBody>
+                  <a:tcPr/>
+                </a:tc>
+                <a:tc>
+                  <a:txBody>
+                    <a:bodyPr/>
+                    <a:lstStyle/>
+                    <a:p>
+                      <a:pPr algn="ctr"/>
+                      <a:r>
+                        <a:rPr lang="en-IN" dirty="0" smtClean="0"/>
+                        <a:t>0.125</a:t>
+                      </a:r>
+                      <a:endParaRPr lang="en-IN" dirty="0"/>
+                    </a:p>
+                  </a:txBody>
+                  <a:tcPr/>
+                </a:tc>
+              </a:tr>
+              <a:tr h="370840">
+                <a:tc>
+                  <a:txBody>
+                    <a:bodyPr/>
+                    <a:lstStyle/>
+                    <a:p>
+                      <a:pPr algn="ctr"/>
+                      <a:r>
+                        <a:rPr lang="en-IN" dirty="0" smtClean="0"/>
+                        <a:t>lottery</a:t>
+                      </a:r>
+                      <a:endParaRPr lang="en-IN" dirty="0"/>
+                    </a:p>
+                  </a:txBody>
+                  <a:tcPr/>
+                </a:tc>
+                <a:tc>
+                  <a:txBody>
+                    <a:bodyPr/>
+                    <a:lstStyle/>
+                    <a:p>
+                      <a:pPr algn="ctr"/>
+                      <a:r>
+                        <a:rPr lang="en-IN" dirty="0" smtClean="0"/>
+                        <a:t>0.0628</a:t>
+                      </a:r>
+                      <a:endParaRPr lang="en-IN" dirty="0"/>
+                    </a:p>
+                  </a:txBody>
+                  <a:tcPr/>
+                </a:tc>
+                <a:tc>
+                  <a:txBody>
+                    <a:bodyPr/>
+                    <a:lstStyle/>
+                    <a:p>
+                      <a:pPr algn="ctr"/>
+                      <a:r>
+                        <a:rPr lang="en-IN" dirty="0" smtClean="0"/>
+                        <a:t>0.2495</a:t>
+                      </a:r>
+                      <a:endParaRPr lang="en-IN" dirty="0"/>
+                    </a:p>
+                  </a:txBody>
+                  <a:tcPr/>
+                </a:tc>
+              </a:tr>
+            </a:tbl>
+          </a:graphicData>
+        </a:graphic>
+      </p:graphicFrame>
+    </p:spTree>
+  </p:cSld>
+  <p:clrMapOvr>
+    <a:masterClrMapping/>
+  </p:clrMapOvr>
 </p:sld>
 </file>
 
@@ -4276,6 +8495,311 @@
             <a:r>
               <a:rPr lang="en-US" dirty="0" smtClean="0"/>
               <a:t>Disadvantages</a:t>
+            </a:r>
+            <a:endParaRPr lang="en-US" dirty="0"/>
+          </a:p>
+        </p:txBody>
+      </p:sp>
+    </p:spTree>
+  </p:cSld>
+  <p:clrMapOvr>
+    <a:masterClrMapping/>
+  </p:clrMapOvr>
+  <p:timing>
+    <p:tnLst>
+      <p:par>
+        <p:cTn id="1" dur="indefinite" restart="never" nodeType="tmRoot"/>
+      </p:par>
+    </p:tnLst>
+  </p:timing>
+</p:sld>
+</file>
+
+<file path=ppt/slides/slide20.xml><?xml version="1.0" encoding="utf-8"?>
+<p:sld xmlns:a="http://schemas.openxmlformats.org/drawingml/2006/main" xmlns:r="http://schemas.openxmlformats.org/officeDocument/2006/relationships" xmlns:p="http://schemas.openxmlformats.org/presentationml/2006/main">
+  <p:cSld>
+    <p:spTree>
+      <p:nvGrpSpPr>
+        <p:cNvPr id="1" name=""/>
+        <p:cNvGrpSpPr/>
+        <p:nvPr/>
+      </p:nvGrpSpPr>
+      <p:grpSpPr>
+        <a:xfrm>
+          <a:off x="0" y="0"/>
+          <a:ext cx="0" cy="0"/>
+          <a:chOff x="0" y="0"/>
+          <a:chExt cx="0" cy="0"/>
+        </a:xfrm>
+      </p:grpSpPr>
+      <p:sp>
+        <p:nvSpPr>
+          <p:cNvPr id="2" name="Title 1"/>
+          <p:cNvSpPr>
+            <a:spLocks noGrp="1"/>
+          </p:cNvSpPr>
+          <p:nvPr>
+            <p:ph type="title"/>
+          </p:nvPr>
+        </p:nvSpPr>
+        <p:spPr/>
+        <p:txBody>
+          <a:bodyPr/>
+          <a:lstStyle/>
+          <a:p>
+            <a:r>
+              <a:rPr lang="en-IN" dirty="0" smtClean="0"/>
+              <a:t>Applications</a:t>
+            </a:r>
+            <a:endParaRPr lang="en-IN" dirty="0"/>
+          </a:p>
+        </p:txBody>
+      </p:sp>
+      <p:sp>
+        <p:nvSpPr>
+          <p:cNvPr id="3" name="Content Placeholder 2"/>
+          <p:cNvSpPr>
+            <a:spLocks noGrp="1"/>
+          </p:cNvSpPr>
+          <p:nvPr>
+            <p:ph idx="1"/>
+          </p:nvPr>
+        </p:nvSpPr>
+        <p:spPr/>
+        <p:txBody>
+          <a:bodyPr/>
+          <a:lstStyle/>
+          <a:p>
+            <a:r>
+              <a:rPr lang="en-IN" dirty="0" smtClean="0"/>
+              <a:t>Binary classification</a:t>
+            </a:r>
+          </a:p>
+          <a:p>
+            <a:r>
+              <a:rPr lang="en-IN" dirty="0" smtClean="0"/>
+              <a:t>Spam detection</a:t>
+            </a:r>
+          </a:p>
+          <a:p>
+            <a:endParaRPr lang="en-IN" dirty="0"/>
+          </a:p>
+        </p:txBody>
+      </p:sp>
+    </p:spTree>
+  </p:cSld>
+  <p:clrMapOvr>
+    <a:masterClrMapping/>
+  </p:clrMapOvr>
+</p:sld>
+</file>
+
+<file path=ppt/slides/slide21.xml><?xml version="1.0" encoding="utf-8"?>
+<p:sld xmlns:a="http://schemas.openxmlformats.org/drawingml/2006/main" xmlns:r="http://schemas.openxmlformats.org/officeDocument/2006/relationships" xmlns:p="http://schemas.openxmlformats.org/presentationml/2006/main">
+  <p:cSld>
+    <p:spTree>
+      <p:nvGrpSpPr>
+        <p:cNvPr id="1" name=""/>
+        <p:cNvGrpSpPr/>
+        <p:nvPr/>
+      </p:nvGrpSpPr>
+      <p:grpSpPr>
+        <a:xfrm>
+          <a:off x="0" y="0"/>
+          <a:ext cx="0" cy="0"/>
+          <a:chOff x="0" y="0"/>
+          <a:chExt cx="0" cy="0"/>
+        </a:xfrm>
+      </p:grpSpPr>
+      <p:sp>
+        <p:nvSpPr>
+          <p:cNvPr id="2" name="Title 1"/>
+          <p:cNvSpPr>
+            <a:spLocks noGrp="1"/>
+          </p:cNvSpPr>
+          <p:nvPr>
+            <p:ph type="title"/>
+          </p:nvPr>
+        </p:nvSpPr>
+        <p:spPr/>
+        <p:txBody>
+          <a:bodyPr/>
+          <a:lstStyle/>
+          <a:p>
+            <a:r>
+              <a:rPr lang="en-US" dirty="0" smtClean="0"/>
+              <a:t>Advantages</a:t>
+            </a:r>
+            <a:endParaRPr lang="en-US" dirty="0"/>
+          </a:p>
+        </p:txBody>
+      </p:sp>
+      <p:sp>
+        <p:nvSpPr>
+          <p:cNvPr id="4" name="Content Placeholder 3"/>
+          <p:cNvSpPr>
+            <a:spLocks noGrp="1"/>
+          </p:cNvSpPr>
+          <p:nvPr>
+            <p:ph idx="1"/>
+          </p:nvPr>
+        </p:nvSpPr>
+        <p:spPr/>
+        <p:txBody>
+          <a:bodyPr/>
+          <a:lstStyle/>
+          <a:p>
+            <a:endParaRPr lang="en-US" dirty="0"/>
+          </a:p>
+        </p:txBody>
+      </p:sp>
+    </p:spTree>
+  </p:cSld>
+  <p:clrMapOvr>
+    <a:masterClrMapping/>
+  </p:clrMapOvr>
+  <p:timing>
+    <p:tnLst>
+      <p:par>
+        <p:cTn id="1" dur="indefinite" restart="never" nodeType="tmRoot"/>
+      </p:par>
+    </p:tnLst>
+  </p:timing>
+</p:sld>
+</file>
+
+<file path=ppt/slides/slide22.xml><?xml version="1.0" encoding="utf-8"?>
+<p:sld xmlns:a="http://schemas.openxmlformats.org/drawingml/2006/main" xmlns:r="http://schemas.openxmlformats.org/officeDocument/2006/relationships" xmlns:p="http://schemas.openxmlformats.org/presentationml/2006/main">
+  <p:cSld>
+    <p:spTree>
+      <p:nvGrpSpPr>
+        <p:cNvPr id="1" name=""/>
+        <p:cNvGrpSpPr/>
+        <p:nvPr/>
+      </p:nvGrpSpPr>
+      <p:grpSpPr>
+        <a:xfrm>
+          <a:off x="0" y="0"/>
+          <a:ext cx="0" cy="0"/>
+          <a:chOff x="0" y="0"/>
+          <a:chExt cx="0" cy="0"/>
+        </a:xfrm>
+      </p:grpSpPr>
+      <p:sp>
+        <p:nvSpPr>
+          <p:cNvPr id="2" name="Title 1"/>
+          <p:cNvSpPr>
+            <a:spLocks noGrp="1"/>
+          </p:cNvSpPr>
+          <p:nvPr>
+            <p:ph type="title"/>
+          </p:nvPr>
+        </p:nvSpPr>
+        <p:spPr/>
+        <p:txBody>
+          <a:bodyPr/>
+          <a:lstStyle/>
+          <a:p>
+            <a:r>
+              <a:rPr lang="en-US" dirty="0" smtClean="0"/>
+              <a:t>Disadvantages</a:t>
+            </a:r>
+            <a:endParaRPr lang="en-US" dirty="0"/>
+          </a:p>
+        </p:txBody>
+      </p:sp>
+      <p:sp>
+        <p:nvSpPr>
+          <p:cNvPr id="4" name="Content Placeholder 3"/>
+          <p:cNvSpPr>
+            <a:spLocks noGrp="1"/>
+          </p:cNvSpPr>
+          <p:nvPr>
+            <p:ph idx="1"/>
+          </p:nvPr>
+        </p:nvSpPr>
+        <p:spPr/>
+        <p:txBody>
+          <a:bodyPr/>
+          <a:lstStyle/>
+          <a:p>
+            <a:endParaRPr lang="en-US" dirty="0"/>
+          </a:p>
+        </p:txBody>
+      </p:sp>
+    </p:spTree>
+  </p:cSld>
+  <p:clrMapOvr>
+    <a:masterClrMapping/>
+  </p:clrMapOvr>
+  <p:timing>
+    <p:tnLst>
+      <p:par>
+        <p:cTn id="1" dur="indefinite" restart="never" nodeType="tmRoot"/>
+      </p:par>
+    </p:tnLst>
+  </p:timing>
+</p:sld>
+</file>
+
+<file path=ppt/slides/slide23.xml><?xml version="1.0" encoding="utf-8"?>
+<p:sld xmlns:a="http://schemas.openxmlformats.org/drawingml/2006/main" xmlns:r="http://schemas.openxmlformats.org/officeDocument/2006/relationships" xmlns:p="http://schemas.openxmlformats.org/presentationml/2006/main">
+  <p:cSld>
+    <p:spTree>
+      <p:nvGrpSpPr>
+        <p:cNvPr id="1" name=""/>
+        <p:cNvGrpSpPr/>
+        <p:nvPr/>
+      </p:nvGrpSpPr>
+      <p:grpSpPr>
+        <a:xfrm>
+          <a:off x="0" y="0"/>
+          <a:ext cx="0" cy="0"/>
+          <a:chOff x="0" y="0"/>
+          <a:chExt cx="0" cy="0"/>
+        </a:xfrm>
+      </p:grpSpPr>
+      <p:sp>
+        <p:nvSpPr>
+          <p:cNvPr id="2" name="Title 1"/>
+          <p:cNvSpPr>
+            <a:spLocks noGrp="1"/>
+          </p:cNvSpPr>
+          <p:nvPr>
+            <p:ph type="ctrTitle"/>
+          </p:nvPr>
+        </p:nvSpPr>
+        <p:spPr/>
+        <p:txBody>
+          <a:bodyPr/>
+          <a:lstStyle/>
+          <a:p>
+            <a:r>
+              <a:rPr lang="en-US" dirty="0" smtClean="0"/>
+              <a:t>Questions?</a:t>
+            </a:r>
+            <a:endParaRPr lang="en-US" dirty="0"/>
+          </a:p>
+        </p:txBody>
+      </p:sp>
+      <p:sp>
+        <p:nvSpPr>
+          <p:cNvPr id="3" name="Subtitle 2"/>
+          <p:cNvSpPr>
+            <a:spLocks noGrp="1"/>
+          </p:cNvSpPr>
+          <p:nvPr>
+            <p:ph type="subTitle" idx="1"/>
+          </p:nvPr>
+        </p:nvSpPr>
+        <p:spPr/>
+        <p:txBody>
+          <a:bodyPr/>
+          <a:lstStyle/>
+          <a:p>
+            <a:r>
+              <a:rPr lang="en-US" dirty="0" smtClean="0"/>
+              <a:t>Thank you</a:t>
             </a:r>
             <a:endParaRPr lang="en-US" dirty="0"/>
           </a:p>

--- a/MachineLearning/NaiveBayes/NaiveBayes.pptx
+++ b/MachineLearning/NaiveBayes/NaiveBayes.pptx
@@ -7947,12 +7947,12 @@
           <p:nvPr/>
         </p:nvGraphicFramePr>
         <p:xfrm>
-          <a:off x="822325" y="1676400"/>
-          <a:ext cx="4647903" cy="2286000"/>
+          <a:off x="533400" y="1752600"/>
+          <a:ext cx="4703762" cy="2286000"/>
         </p:xfrm>
         <a:graphic>
           <a:graphicData uri="http://schemas.openxmlformats.org/presentationml/2006/ole">
-            <p:oleObj spid="_x0000_s15362" name="Equation" r:id="rId3" imgW="3200400" imgH="1574640" progId="Equation.3">
+            <p:oleObj spid="_x0000_s15362" name="Equation" r:id="rId3" imgW="3238200" imgH="1574640" progId="Equation.3">
               <p:embed/>
             </p:oleObj>
           </a:graphicData>
@@ -7967,7 +7967,7 @@
           <p:nvPr/>
         </p:nvGraphicFramePr>
         <p:xfrm>
-          <a:off x="5562600" y="1676400"/>
+          <a:off x="5410200" y="1676400"/>
           <a:ext cx="3352800" cy="2966720"/>
         </p:xfrm>
         <a:graphic>

--- a/MachineLearning/NaiveBayes/NaiveBayes.pptx
+++ b/MachineLearning/NaiveBayes/NaiveBayes.pptx
@@ -5,7 +5,7 @@
     <p:sldMasterId id="2147483648" r:id="rId1"/>
   </p:sldMasterIdLst>
   <p:notesMasterIdLst>
-    <p:notesMasterId r:id="rId25"/>
+    <p:notesMasterId r:id="rId26"/>
   </p:notesMasterIdLst>
   <p:sldIdLst>
     <p:sldId id="256" r:id="rId2"/>
@@ -27,10 +27,11 @@
     <p:sldId id="294" r:id="rId18"/>
     <p:sldId id="278" r:id="rId19"/>
     <p:sldId id="295" r:id="rId20"/>
-    <p:sldId id="279" r:id="rId21"/>
-    <p:sldId id="271" r:id="rId22"/>
-    <p:sldId id="273" r:id="rId23"/>
-    <p:sldId id="269" r:id="rId24"/>
+    <p:sldId id="296" r:id="rId21"/>
+    <p:sldId id="279" r:id="rId22"/>
+    <p:sldId id="271" r:id="rId23"/>
+    <p:sldId id="273" r:id="rId24"/>
+    <p:sldId id="269" r:id="rId25"/>
   </p:sldIdLst>
   <p:sldSz cx="9144000" cy="6858000" type="screen4x3"/>
   <p:notesSz cx="6858000" cy="9144000"/>
@@ -7816,7 +7817,7 @@
           <a:p>
             <a:r>
               <a:rPr lang="en-IN" dirty="0" smtClean="0"/>
-              <a:t>Probability – 0</a:t>
+              <a:t>Probability of sentence – 0</a:t>
             </a:r>
           </a:p>
           <a:p>
@@ -8422,7 +8423,7 @@
         <p:spPr/>
         <p:txBody>
           <a:bodyPr>
-            <a:normAutofit lnSpcReduction="10000"/>
+            <a:normAutofit fontScale="92500" lnSpcReduction="20000"/>
           </a:bodyPr>
           <a:lstStyle/>
           <a:p>
@@ -8477,6 +8478,13 @@
               <a:rPr lang="en-US" dirty="0" smtClean="0"/>
               <a:t>smoothing</a:t>
             </a:r>
+          </a:p>
+          <a:p>
+            <a:r>
+              <a:rPr lang="en-US" dirty="0" smtClean="0"/>
+              <a:t>Prior ratio</a:t>
+            </a:r>
+            <a:endParaRPr lang="en-US" dirty="0" smtClean="0"/>
           </a:p>
           <a:p>
             <a:r>
@@ -8549,7 +8557,7 @@
           <a:p>
             <a:r>
               <a:rPr lang="en-IN" dirty="0" smtClean="0"/>
-              <a:t>Applications</a:t>
+              <a:t>Prior ratio</a:t>
             </a:r>
             <a:endParaRPr lang="en-IN" dirty="0"/>
           </a:p>
@@ -8572,16 +8580,32 @@
           <a:p>
             <a:r>
               <a:rPr lang="en-IN" dirty="0" smtClean="0"/>
-              <a:t>Binary classification</a:t>
+              <a:t>Number of ham (positive) SMSs</a:t>
             </a:r>
           </a:p>
           <a:p>
             <a:r>
               <a:rPr lang="en-IN" dirty="0" smtClean="0"/>
-              <a:t>Spam detection</a:t>
-            </a:r>
-          </a:p>
-          <a:p>
+              <a:t>Number of </a:t>
+            </a:r>
+            <a:r>
+              <a:rPr lang="en-IN" dirty="0" smtClean="0"/>
+              <a:t>spam (negative) SMSs</a:t>
+            </a:r>
+          </a:p>
+          <a:p>
+            <a:r>
+              <a:rPr lang="en-IN" dirty="0" smtClean="0"/>
+              <a:t>Ratio of number of ham and </a:t>
+            </a:r>
+            <a:r>
+              <a:rPr lang="en-IN" smtClean="0"/>
+              <a:t>spam </a:t>
+            </a:r>
+            <a:r>
+              <a:rPr lang="en-IN" smtClean="0"/>
+              <a:t>SMSs</a:t>
+            </a:r>
             <a:endParaRPr lang="en-IN" dirty="0"/>
           </a:p>
         </p:txBody>
@@ -8627,16 +8651,16 @@
           <a:lstStyle/>
           <a:p>
             <a:r>
-              <a:rPr lang="en-US" dirty="0" smtClean="0"/>
-              <a:t>Advantages</a:t>
-            </a:r>
-            <a:endParaRPr lang="en-US" dirty="0"/>
-          </a:p>
-        </p:txBody>
-      </p:sp>
-      <p:sp>
-        <p:nvSpPr>
-          <p:cNvPr id="4" name="Content Placeholder 3"/>
+              <a:rPr lang="en-IN" dirty="0" smtClean="0"/>
+              <a:t>Applications</a:t>
+            </a:r>
+            <a:endParaRPr lang="en-IN" dirty="0"/>
+          </a:p>
+        </p:txBody>
+      </p:sp>
+      <p:sp>
+        <p:nvSpPr>
+          <p:cNvPr id="3" name="Content Placeholder 2"/>
           <p:cNvSpPr>
             <a:spLocks noGrp="1"/>
           </p:cNvSpPr>
@@ -8649,7 +8673,19 @@
           <a:bodyPr/>
           <a:lstStyle/>
           <a:p>
-            <a:endParaRPr lang="en-US" dirty="0"/>
+            <a:r>
+              <a:rPr lang="en-IN" dirty="0" smtClean="0"/>
+              <a:t>Binary classification</a:t>
+            </a:r>
+          </a:p>
+          <a:p>
+            <a:r>
+              <a:rPr lang="en-IN" dirty="0" smtClean="0"/>
+              <a:t>Spam detection</a:t>
+            </a:r>
+          </a:p>
+          <a:p>
+            <a:endParaRPr lang="en-IN" dirty="0"/>
           </a:p>
         </p:txBody>
       </p:sp>
@@ -8658,13 +8694,6 @@
   <p:clrMapOvr>
     <a:masterClrMapping/>
   </p:clrMapOvr>
-  <p:timing>
-    <p:tnLst>
-      <p:par>
-        <p:cTn id="1" dur="indefinite" restart="never" nodeType="tmRoot"/>
-      </p:par>
-    </p:tnLst>
-  </p:timing>
 </p:sld>
 </file>
 
@@ -8702,7 +8731,7 @@
           <a:p>
             <a:r>
               <a:rPr lang="en-US" dirty="0" smtClean="0"/>
-              <a:t>Disadvantages</a:t>
+              <a:t>Advantages</a:t>
             </a:r>
             <a:endParaRPr lang="en-US" dirty="0"/>
           </a:p>
@@ -8743,6 +8772,80 @@
 </file>
 
 <file path=ppt/slides/slide23.xml><?xml version="1.0" encoding="utf-8"?>
+<p:sld xmlns:a="http://schemas.openxmlformats.org/drawingml/2006/main" xmlns:r="http://schemas.openxmlformats.org/officeDocument/2006/relationships" xmlns:p="http://schemas.openxmlformats.org/presentationml/2006/main">
+  <p:cSld>
+    <p:spTree>
+      <p:nvGrpSpPr>
+        <p:cNvPr id="1" name=""/>
+        <p:cNvGrpSpPr/>
+        <p:nvPr/>
+      </p:nvGrpSpPr>
+      <p:grpSpPr>
+        <a:xfrm>
+          <a:off x="0" y="0"/>
+          <a:ext cx="0" cy="0"/>
+          <a:chOff x="0" y="0"/>
+          <a:chExt cx="0" cy="0"/>
+        </a:xfrm>
+      </p:grpSpPr>
+      <p:sp>
+        <p:nvSpPr>
+          <p:cNvPr id="2" name="Title 1"/>
+          <p:cNvSpPr>
+            <a:spLocks noGrp="1"/>
+          </p:cNvSpPr>
+          <p:nvPr>
+            <p:ph type="title"/>
+          </p:nvPr>
+        </p:nvSpPr>
+        <p:spPr/>
+        <p:txBody>
+          <a:bodyPr/>
+          <a:lstStyle/>
+          <a:p>
+            <a:r>
+              <a:rPr lang="en-US" dirty="0" smtClean="0"/>
+              <a:t>Disadvantages</a:t>
+            </a:r>
+            <a:endParaRPr lang="en-US" dirty="0"/>
+          </a:p>
+        </p:txBody>
+      </p:sp>
+      <p:sp>
+        <p:nvSpPr>
+          <p:cNvPr id="4" name="Content Placeholder 3"/>
+          <p:cNvSpPr>
+            <a:spLocks noGrp="1"/>
+          </p:cNvSpPr>
+          <p:nvPr>
+            <p:ph idx="1"/>
+          </p:nvPr>
+        </p:nvSpPr>
+        <p:spPr/>
+        <p:txBody>
+          <a:bodyPr/>
+          <a:lstStyle/>
+          <a:p>
+            <a:endParaRPr lang="en-US" dirty="0"/>
+          </a:p>
+        </p:txBody>
+      </p:sp>
+    </p:spTree>
+  </p:cSld>
+  <p:clrMapOvr>
+    <a:masterClrMapping/>
+  </p:clrMapOvr>
+  <p:timing>
+    <p:tnLst>
+      <p:par>
+        <p:cTn id="1" dur="indefinite" restart="never" nodeType="tmRoot"/>
+      </p:par>
+    </p:tnLst>
+  </p:timing>
+</p:sld>
+</file>
+
+<file path=ppt/slides/slide24.xml><?xml version="1.0" encoding="utf-8"?>
 <p:sld xmlns:a="http://schemas.openxmlformats.org/drawingml/2006/main" xmlns:r="http://schemas.openxmlformats.org/officeDocument/2006/relationships" xmlns:p="http://schemas.openxmlformats.org/presentationml/2006/main">
   <p:cSld>
     <p:spTree>

--- a/MachineLearning/NaiveBayes/NaiveBayes.pptx
+++ b/MachineLearning/NaiveBayes/NaiveBayes.pptx
@@ -5,7 +5,7 @@
     <p:sldMasterId id="2147483648" r:id="rId1"/>
   </p:sldMasterIdLst>
   <p:notesMasterIdLst>
-    <p:notesMasterId r:id="rId26"/>
+    <p:notesMasterId r:id="rId27"/>
   </p:notesMasterIdLst>
   <p:sldIdLst>
     <p:sldId id="256" r:id="rId2"/>
@@ -28,10 +28,11 @@
     <p:sldId id="278" r:id="rId19"/>
     <p:sldId id="295" r:id="rId20"/>
     <p:sldId id="296" r:id="rId21"/>
-    <p:sldId id="279" r:id="rId22"/>
-    <p:sldId id="271" r:id="rId23"/>
-    <p:sldId id="273" r:id="rId24"/>
-    <p:sldId id="269" r:id="rId25"/>
+    <p:sldId id="297" r:id="rId22"/>
+    <p:sldId id="279" r:id="rId23"/>
+    <p:sldId id="271" r:id="rId24"/>
+    <p:sldId id="273" r:id="rId25"/>
+    <p:sldId id="269" r:id="rId26"/>
   </p:sldIdLst>
   <p:sldSz cx="9144000" cy="6858000" type="screen4x3"/>
   <p:notesSz cx="6858000" cy="9144000"/>
@@ -8423,7 +8424,7 @@
         <p:spPr/>
         <p:txBody>
           <a:bodyPr>
-            <a:normAutofit fontScale="92500" lnSpcReduction="20000"/>
+            <a:normAutofit fontScale="85000" lnSpcReduction="20000"/>
           </a:bodyPr>
           <a:lstStyle/>
           <a:p>
@@ -8482,7 +8483,17 @@
           <a:p>
             <a:r>
               <a:rPr lang="en-US" dirty="0" smtClean="0"/>
-              <a:t>Prior ratio</a:t>
+              <a:t>Prior </a:t>
+            </a:r>
+            <a:r>
+              <a:rPr lang="en-US" dirty="0" smtClean="0"/>
+              <a:t>ratio</a:t>
+            </a:r>
+          </a:p>
+          <a:p>
+            <a:r>
+              <a:rPr lang="en-US" dirty="0" smtClean="0"/>
+              <a:t>Log Likelihood</a:t>
             </a:r>
             <a:endParaRPr lang="en-US" dirty="0" smtClean="0"/>
           </a:p>
@@ -8596,14 +8607,10 @@
           <a:p>
             <a:r>
               <a:rPr lang="en-IN" dirty="0" smtClean="0"/>
-              <a:t>Ratio of number of ham and </a:t>
-            </a:r>
-            <a:r>
-              <a:rPr lang="en-IN" smtClean="0"/>
-              <a:t>spam </a:t>
-            </a:r>
-            <a:r>
-              <a:rPr lang="en-IN" smtClean="0"/>
+              <a:t>Ratio of number of ham and spam </a:t>
+            </a:r>
+            <a:r>
+              <a:rPr lang="en-IN" dirty="0" smtClean="0"/>
               <a:t>SMSs</a:t>
             </a:r>
             <a:endParaRPr lang="en-IN" dirty="0"/>
@@ -8652,7 +8659,7 @@
           <a:p>
             <a:r>
               <a:rPr lang="en-IN" dirty="0" smtClean="0"/>
-              <a:t>Applications</a:t>
+              <a:t>Log Likelihood</a:t>
             </a:r>
             <a:endParaRPr lang="en-IN" dirty="0"/>
           </a:p>
@@ -8670,18 +8677,100 @@
         </p:nvSpPr>
         <p:spPr/>
         <p:txBody>
-          <a:bodyPr/>
+          <a:bodyPr>
+            <a:normAutofit fontScale="92500" lnSpcReduction="20000"/>
+          </a:bodyPr>
           <a:lstStyle/>
           <a:p>
             <a:r>
               <a:rPr lang="en-IN" dirty="0" smtClean="0"/>
-              <a:t>Binary classification</a:t>
-            </a:r>
-          </a:p>
-          <a:p>
+              <a:t>Multiplication </a:t>
+            </a:r>
+          </a:p>
+          <a:p>
+            <a:pPr lvl="1"/>
             <a:r>
               <a:rPr lang="en-IN" dirty="0" smtClean="0"/>
-              <a:t>Spam detection</a:t>
+              <a:t>Numerical instability </a:t>
+            </a:r>
+          </a:p>
+          <a:p>
+            <a:r>
+              <a:rPr lang="en-IN" dirty="0" smtClean="0"/>
+              <a:t>Logarithm of ration of probability</a:t>
+            </a:r>
+          </a:p>
+          <a:p>
+            <a:pPr lvl="1"/>
+            <a:r>
+              <a:rPr lang="en-IN" dirty="0" smtClean="0"/>
+              <a:t>Log likelihood</a:t>
+            </a:r>
+            <a:endParaRPr lang="en-IN" dirty="0" smtClean="0"/>
+          </a:p>
+          <a:p>
+            <a:r>
+              <a:rPr lang="en-IN" dirty="0" smtClean="0"/>
+              <a:t>Addition of logarithms </a:t>
+            </a:r>
+          </a:p>
+          <a:p>
+            <a:pPr lvl="1"/>
+            <a:r>
+              <a:rPr lang="en-IN" dirty="0" smtClean="0"/>
+              <a:t>No numerical </a:t>
+            </a:r>
+            <a:r>
+              <a:rPr lang="en-IN" dirty="0" smtClean="0"/>
+              <a:t>instability </a:t>
+            </a:r>
+            <a:endParaRPr lang="en-IN" dirty="0" smtClean="0"/>
+          </a:p>
+          <a:p>
+            <a:r>
+              <a:rPr lang="en-IN" dirty="0" smtClean="0"/>
+              <a:t>Word classification</a:t>
+            </a:r>
+          </a:p>
+          <a:p>
+            <a:pPr lvl="1"/>
+            <a:r>
+              <a:rPr lang="en-IN" dirty="0" smtClean="0"/>
+              <a:t>Neutral words – ~1  </a:t>
+            </a:r>
+          </a:p>
+          <a:p>
+            <a:pPr lvl="1"/>
+            <a:r>
+              <a:rPr lang="en-IN" dirty="0" smtClean="0"/>
+              <a:t>Positive </a:t>
+            </a:r>
+            <a:r>
+              <a:rPr lang="en-IN" dirty="0" smtClean="0"/>
+              <a:t>words </a:t>
+            </a:r>
+            <a:r>
+              <a:rPr lang="en-IN" dirty="0" smtClean="0"/>
+              <a:t>– &gt;   1</a:t>
+            </a:r>
+          </a:p>
+          <a:p>
+            <a:pPr lvl="1"/>
+            <a:r>
+              <a:rPr lang="en-IN" smtClean="0"/>
+              <a:t>Negative </a:t>
+            </a:r>
+            <a:r>
+              <a:rPr lang="en-IN" smtClean="0"/>
+              <a:t>words </a:t>
+            </a:r>
+            <a:r>
+              <a:rPr lang="en-IN" smtClean="0"/>
+              <a:t>– </a:t>
+            </a:r>
+            <a:r>
+              <a:rPr lang="en-IN" dirty="0" smtClean="0"/>
+              <a:t>&lt; 0</a:t>
             </a:r>
           </a:p>
           <a:p>
@@ -8730,16 +8819,16 @@
           <a:lstStyle/>
           <a:p>
             <a:r>
-              <a:rPr lang="en-US" dirty="0" smtClean="0"/>
-              <a:t>Advantages</a:t>
-            </a:r>
-            <a:endParaRPr lang="en-US" dirty="0"/>
-          </a:p>
-        </p:txBody>
-      </p:sp>
-      <p:sp>
-        <p:nvSpPr>
-          <p:cNvPr id="4" name="Content Placeholder 3"/>
+              <a:rPr lang="en-IN" dirty="0" smtClean="0"/>
+              <a:t>Applications</a:t>
+            </a:r>
+            <a:endParaRPr lang="en-IN" dirty="0"/>
+          </a:p>
+        </p:txBody>
+      </p:sp>
+      <p:sp>
+        <p:nvSpPr>
+          <p:cNvPr id="3" name="Content Placeholder 2"/>
           <p:cNvSpPr>
             <a:spLocks noGrp="1"/>
           </p:cNvSpPr>
@@ -8752,7 +8841,19 @@
           <a:bodyPr/>
           <a:lstStyle/>
           <a:p>
-            <a:endParaRPr lang="en-US" dirty="0"/>
+            <a:r>
+              <a:rPr lang="en-IN" dirty="0" smtClean="0"/>
+              <a:t>Binary classification</a:t>
+            </a:r>
+          </a:p>
+          <a:p>
+            <a:r>
+              <a:rPr lang="en-IN" dirty="0" smtClean="0"/>
+              <a:t>Spam detection</a:t>
+            </a:r>
+          </a:p>
+          <a:p>
+            <a:endParaRPr lang="en-IN" dirty="0"/>
           </a:p>
         </p:txBody>
       </p:sp>
@@ -8761,13 +8862,6 @@
   <p:clrMapOvr>
     <a:masterClrMapping/>
   </p:clrMapOvr>
-  <p:timing>
-    <p:tnLst>
-      <p:par>
-        <p:cTn id="1" dur="indefinite" restart="never" nodeType="tmRoot"/>
-      </p:par>
-    </p:tnLst>
-  </p:timing>
 </p:sld>
 </file>
 
@@ -8805,7 +8899,7 @@
           <a:p>
             <a:r>
               <a:rPr lang="en-US" dirty="0" smtClean="0"/>
-              <a:t>Disadvantages</a:t>
+              <a:t>Advantages</a:t>
             </a:r>
             <a:endParaRPr lang="en-US" dirty="0"/>
           </a:p>
@@ -8846,6 +8940,80 @@
 </file>
 
 <file path=ppt/slides/slide24.xml><?xml version="1.0" encoding="utf-8"?>
+<p:sld xmlns:a="http://schemas.openxmlformats.org/drawingml/2006/main" xmlns:r="http://schemas.openxmlformats.org/officeDocument/2006/relationships" xmlns:p="http://schemas.openxmlformats.org/presentationml/2006/main">
+  <p:cSld>
+    <p:spTree>
+      <p:nvGrpSpPr>
+        <p:cNvPr id="1" name=""/>
+        <p:cNvGrpSpPr/>
+        <p:nvPr/>
+      </p:nvGrpSpPr>
+      <p:grpSpPr>
+        <a:xfrm>
+          <a:off x="0" y="0"/>
+          <a:ext cx="0" cy="0"/>
+          <a:chOff x="0" y="0"/>
+          <a:chExt cx="0" cy="0"/>
+        </a:xfrm>
+      </p:grpSpPr>
+      <p:sp>
+        <p:nvSpPr>
+          <p:cNvPr id="2" name="Title 1"/>
+          <p:cNvSpPr>
+            <a:spLocks noGrp="1"/>
+          </p:cNvSpPr>
+          <p:nvPr>
+            <p:ph type="title"/>
+          </p:nvPr>
+        </p:nvSpPr>
+        <p:spPr/>
+        <p:txBody>
+          <a:bodyPr/>
+          <a:lstStyle/>
+          <a:p>
+            <a:r>
+              <a:rPr lang="en-US" dirty="0" smtClean="0"/>
+              <a:t>Disadvantages</a:t>
+            </a:r>
+            <a:endParaRPr lang="en-US" dirty="0"/>
+          </a:p>
+        </p:txBody>
+      </p:sp>
+      <p:sp>
+        <p:nvSpPr>
+          <p:cNvPr id="4" name="Content Placeholder 3"/>
+          <p:cNvSpPr>
+            <a:spLocks noGrp="1"/>
+          </p:cNvSpPr>
+          <p:nvPr>
+            <p:ph idx="1"/>
+          </p:nvPr>
+        </p:nvSpPr>
+        <p:spPr/>
+        <p:txBody>
+          <a:bodyPr/>
+          <a:lstStyle/>
+          <a:p>
+            <a:endParaRPr lang="en-US" dirty="0"/>
+          </a:p>
+        </p:txBody>
+      </p:sp>
+    </p:spTree>
+  </p:cSld>
+  <p:clrMapOvr>
+    <a:masterClrMapping/>
+  </p:clrMapOvr>
+  <p:timing>
+    <p:tnLst>
+      <p:par>
+        <p:cTn id="1" dur="indefinite" restart="never" nodeType="tmRoot"/>
+      </p:par>
+    </p:tnLst>
+  </p:timing>
+</p:sld>
+</file>
+
+<file path=ppt/slides/slide25.xml><?xml version="1.0" encoding="utf-8"?>
 <p:sld xmlns:a="http://schemas.openxmlformats.org/drawingml/2006/main" xmlns:r="http://schemas.openxmlformats.org/officeDocument/2006/relationships" xmlns:p="http://schemas.openxmlformats.org/presentationml/2006/main">
   <p:cSld>
     <p:spTree>

--- a/MachineLearning/NaiveBayes/NaiveBayes.pptx
+++ b/MachineLearning/NaiveBayes/NaiveBayes.pptx
@@ -5,7 +5,7 @@
     <p:sldMasterId id="2147483648" r:id="rId1"/>
   </p:sldMasterIdLst>
   <p:notesMasterIdLst>
-    <p:notesMasterId r:id="rId27"/>
+    <p:notesMasterId r:id="rId28"/>
   </p:notesMasterIdLst>
   <p:sldIdLst>
     <p:sldId id="256" r:id="rId2"/>
@@ -28,11 +28,12 @@
     <p:sldId id="278" r:id="rId19"/>
     <p:sldId id="295" r:id="rId20"/>
     <p:sldId id="296" r:id="rId21"/>
-    <p:sldId id="297" r:id="rId22"/>
-    <p:sldId id="279" r:id="rId23"/>
-    <p:sldId id="271" r:id="rId24"/>
-    <p:sldId id="273" r:id="rId25"/>
-    <p:sldId id="269" r:id="rId26"/>
+    <p:sldId id="298" r:id="rId22"/>
+    <p:sldId id="297" r:id="rId23"/>
+    <p:sldId id="279" r:id="rId24"/>
+    <p:sldId id="271" r:id="rId25"/>
+    <p:sldId id="273" r:id="rId26"/>
+    <p:sldId id="269" r:id="rId27"/>
   </p:sldIdLst>
   <p:sldSz cx="9144000" cy="6858000" type="screen4x3"/>
   <p:notesSz cx="6858000" cy="9144000"/>
@@ -8493,9 +8494,12 @@
           <a:p>
             <a:r>
               <a:rPr lang="en-US" dirty="0" smtClean="0"/>
-              <a:t>Log Likelihood</a:t>
-            </a:r>
-            <a:endParaRPr lang="en-US" dirty="0" smtClean="0"/>
+              <a:t>Log </a:t>
+            </a:r>
+            <a:r>
+              <a:rPr lang="en-US" dirty="0" smtClean="0"/>
+              <a:t>likelihood</a:t>
+            </a:r>
           </a:p>
           <a:p>
             <a:r>
@@ -8568,7 +8572,11 @@
           <a:p>
             <a:r>
               <a:rPr lang="en-IN" dirty="0" smtClean="0"/>
-              <a:t>Prior ratio</a:t>
+              <a:t>Prior </a:t>
+            </a:r>
+            <a:r>
+              <a:rPr lang="en-IN" dirty="0" smtClean="0"/>
+              <a:t>Ratio</a:t>
             </a:r>
             <a:endParaRPr lang="en-IN" dirty="0"/>
           </a:p>
@@ -8678,12 +8686,43 @@
         <p:spPr/>
         <p:txBody>
           <a:bodyPr>
-            <a:normAutofit fontScale="92500" lnSpcReduction="20000"/>
+            <a:normAutofit/>
           </a:bodyPr>
           <a:lstStyle/>
           <a:p>
             <a:r>
               <a:rPr lang="en-IN" dirty="0" smtClean="0"/>
+              <a:t>Word classification</a:t>
+            </a:r>
+          </a:p>
+          <a:p>
+            <a:pPr lvl="1"/>
+            <a:r>
+              <a:rPr lang="en-IN" dirty="0" smtClean="0"/>
+              <a:t>Neutral words – ~1  </a:t>
+            </a:r>
+          </a:p>
+          <a:p>
+            <a:pPr lvl="1"/>
+            <a:r>
+              <a:rPr lang="en-IN" dirty="0" smtClean="0"/>
+              <a:t>Positive words – &gt;   1</a:t>
+            </a:r>
+          </a:p>
+          <a:p>
+            <a:pPr lvl="1"/>
+            <a:r>
+              <a:rPr lang="en-IN" dirty="0" smtClean="0"/>
+              <a:t>Negative words – &lt; </a:t>
+            </a:r>
+            <a:r>
+              <a:rPr lang="en-IN" dirty="0" smtClean="0"/>
+              <a:t>0</a:t>
+            </a:r>
+          </a:p>
+          <a:p>
+            <a:r>
+              <a:rPr lang="en-IN" dirty="0" smtClean="0"/>
               <a:t>Multiplication </a:t>
             </a:r>
           </a:p>
@@ -8691,86 +8730,7 @@
             <a:pPr lvl="1"/>
             <a:r>
               <a:rPr lang="en-IN" dirty="0" smtClean="0"/>
-              <a:t>Numerical instability </a:t>
-            </a:r>
-          </a:p>
-          <a:p>
-            <a:r>
-              <a:rPr lang="en-IN" dirty="0" smtClean="0"/>
-              <a:t>Logarithm of ration of probability</a:t>
-            </a:r>
-          </a:p>
-          <a:p>
-            <a:pPr lvl="1"/>
-            <a:r>
-              <a:rPr lang="en-IN" dirty="0" smtClean="0"/>
-              <a:t>Log likelihood</a:t>
-            </a:r>
-            <a:endParaRPr lang="en-IN" dirty="0" smtClean="0"/>
-          </a:p>
-          <a:p>
-            <a:r>
-              <a:rPr lang="en-IN" dirty="0" smtClean="0"/>
-              <a:t>Addition of logarithms </a:t>
-            </a:r>
-          </a:p>
-          <a:p>
-            <a:pPr lvl="1"/>
-            <a:r>
-              <a:rPr lang="en-IN" dirty="0" smtClean="0"/>
-              <a:t>No numerical </a:t>
-            </a:r>
-            <a:r>
-              <a:rPr lang="en-IN" dirty="0" smtClean="0"/>
-              <a:t>instability </a:t>
-            </a:r>
-            <a:endParaRPr lang="en-IN" dirty="0" smtClean="0"/>
-          </a:p>
-          <a:p>
-            <a:r>
-              <a:rPr lang="en-IN" dirty="0" smtClean="0"/>
-              <a:t>Word classification</a:t>
-            </a:r>
-          </a:p>
-          <a:p>
-            <a:pPr lvl="1"/>
-            <a:r>
-              <a:rPr lang="en-IN" dirty="0" smtClean="0"/>
-              <a:t>Neutral words – ~1  </a:t>
-            </a:r>
-          </a:p>
-          <a:p>
-            <a:pPr lvl="1"/>
-            <a:r>
-              <a:rPr lang="en-IN" dirty="0" smtClean="0"/>
-              <a:t>Positive </a:t>
-            </a:r>
-            <a:r>
-              <a:rPr lang="en-IN" dirty="0" smtClean="0"/>
-              <a:t>words </a:t>
-            </a:r>
-            <a:r>
-              <a:rPr lang="en-IN" dirty="0" smtClean="0"/>
-              <a:t>– &gt;   1</a:t>
-            </a:r>
-          </a:p>
-          <a:p>
-            <a:pPr lvl="1"/>
-            <a:r>
-              <a:rPr lang="en-IN" smtClean="0"/>
-              <a:t>Negative </a:t>
-            </a:r>
-            <a:r>
-              <a:rPr lang="en-IN" smtClean="0"/>
-              <a:t>words </a:t>
-            </a:r>
-            <a:r>
-              <a:rPr lang="en-IN" smtClean="0"/>
-              <a:t>– </a:t>
-            </a:r>
-            <a:r>
-              <a:rPr lang="en-IN" dirty="0" smtClean="0"/>
-              <a:t>&lt; 0</a:t>
+              <a:t>Numerical underflow</a:t>
             </a:r>
           </a:p>
           <a:p>
@@ -8820,7 +8780,7 @@
           <a:p>
             <a:r>
               <a:rPr lang="en-IN" dirty="0" smtClean="0"/>
-              <a:t>Applications</a:t>
+              <a:t>Log Likelihood</a:t>
             </a:r>
             <a:endParaRPr lang="en-IN" dirty="0"/>
           </a:p>
@@ -8838,19 +8798,91 @@
         </p:nvSpPr>
         <p:spPr/>
         <p:txBody>
-          <a:bodyPr/>
+          <a:bodyPr>
+            <a:normAutofit fontScale="92500" lnSpcReduction="10000"/>
+          </a:bodyPr>
           <a:lstStyle/>
           <a:p>
             <a:r>
               <a:rPr lang="en-IN" dirty="0" smtClean="0"/>
-              <a:t>Binary classification</a:t>
-            </a:r>
-          </a:p>
-          <a:p>
-            <a:r>
-              <a:rPr lang="en-IN" dirty="0" smtClean="0"/>
-              <a:t>Spam detection</a:t>
-            </a:r>
+              <a:t>Logarithm of ration of probability</a:t>
+            </a:r>
+          </a:p>
+          <a:p>
+            <a:pPr lvl="1"/>
+            <a:r>
+              <a:rPr lang="en-IN" dirty="0" smtClean="0"/>
+              <a:t>Log likelihood</a:t>
+            </a:r>
+            <a:endParaRPr lang="en-IN" dirty="0" smtClean="0"/>
+          </a:p>
+          <a:p>
+            <a:r>
+              <a:rPr lang="en-IN" dirty="0" smtClean="0"/>
+              <a:t>Addition of logarithms </a:t>
+            </a:r>
+          </a:p>
+          <a:p>
+            <a:pPr lvl="1"/>
+            <a:r>
+              <a:rPr lang="en-IN" dirty="0" smtClean="0"/>
+              <a:t>No numerical </a:t>
+            </a:r>
+            <a:r>
+              <a:rPr lang="en-IN" dirty="0" smtClean="0"/>
+              <a:t>underflow</a:t>
+            </a:r>
+            <a:endParaRPr lang="en-IN" dirty="0" smtClean="0"/>
+          </a:p>
+          <a:p>
+            <a:r>
+              <a:rPr lang="en-IN" dirty="0" smtClean="0"/>
+              <a:t>Word classification</a:t>
+            </a:r>
+          </a:p>
+          <a:p>
+            <a:pPr lvl="1"/>
+            <a:r>
+              <a:rPr lang="en-IN" dirty="0" smtClean="0"/>
+              <a:t>Neutral words – &lt; 1  </a:t>
+            </a:r>
+          </a:p>
+          <a:p>
+            <a:pPr lvl="1"/>
+            <a:r>
+              <a:rPr lang="en-IN" dirty="0" smtClean="0"/>
+              <a:t>Positive </a:t>
+            </a:r>
+            <a:r>
+              <a:rPr lang="en-IN" dirty="0" smtClean="0"/>
+              <a:t>words </a:t>
+            </a:r>
+            <a:r>
+              <a:rPr lang="en-IN" dirty="0" smtClean="0"/>
+              <a:t>– &gt; 1</a:t>
+            </a:r>
+          </a:p>
+          <a:p>
+            <a:pPr lvl="1"/>
+            <a:r>
+              <a:rPr lang="en-IN" dirty="0" smtClean="0"/>
+              <a:t>Negative </a:t>
+            </a:r>
+            <a:r>
+              <a:rPr lang="en-IN" dirty="0" smtClean="0"/>
+              <a:t>words </a:t>
+            </a:r>
+            <a:r>
+              <a:rPr lang="en-IN" dirty="0" smtClean="0"/>
+              <a:t>– ~0</a:t>
+            </a:r>
+          </a:p>
+          <a:p>
+            <a:r>
+              <a:rPr lang="en-IN" dirty="0" err="1" smtClean="0"/>
+              <a:t>Logprior</a:t>
+            </a:r>
+            <a:endParaRPr lang="en-IN" dirty="0" smtClean="0"/>
           </a:p>
           <a:p>
             <a:endParaRPr lang="en-IN" dirty="0"/>
@@ -8898,16 +8930,16 @@
           <a:lstStyle/>
           <a:p>
             <a:r>
-              <a:rPr lang="en-US" dirty="0" smtClean="0"/>
-              <a:t>Advantages</a:t>
-            </a:r>
-            <a:endParaRPr lang="en-US" dirty="0"/>
-          </a:p>
-        </p:txBody>
-      </p:sp>
-      <p:sp>
-        <p:nvSpPr>
-          <p:cNvPr id="4" name="Content Placeholder 3"/>
+              <a:rPr lang="en-IN" dirty="0" smtClean="0"/>
+              <a:t>Applications</a:t>
+            </a:r>
+            <a:endParaRPr lang="en-IN" dirty="0"/>
+          </a:p>
+        </p:txBody>
+      </p:sp>
+      <p:sp>
+        <p:nvSpPr>
+          <p:cNvPr id="3" name="Content Placeholder 2"/>
           <p:cNvSpPr>
             <a:spLocks noGrp="1"/>
           </p:cNvSpPr>
@@ -8920,7 +8952,19 @@
           <a:bodyPr/>
           <a:lstStyle/>
           <a:p>
-            <a:endParaRPr lang="en-US" dirty="0"/>
+            <a:r>
+              <a:rPr lang="en-IN" dirty="0" smtClean="0"/>
+              <a:t>Binary classification</a:t>
+            </a:r>
+          </a:p>
+          <a:p>
+            <a:r>
+              <a:rPr lang="en-IN" dirty="0" smtClean="0"/>
+              <a:t>Spam detection</a:t>
+            </a:r>
+          </a:p>
+          <a:p>
+            <a:endParaRPr lang="en-IN" dirty="0"/>
           </a:p>
         </p:txBody>
       </p:sp>
@@ -8929,13 +8973,6 @@
   <p:clrMapOvr>
     <a:masterClrMapping/>
   </p:clrMapOvr>
-  <p:timing>
-    <p:tnLst>
-      <p:par>
-        <p:cTn id="1" dur="indefinite" restart="never" nodeType="tmRoot"/>
-      </p:par>
-    </p:tnLst>
-  </p:timing>
 </p:sld>
 </file>
 
@@ -8973,7 +9010,7 @@
           <a:p>
             <a:r>
               <a:rPr lang="en-US" dirty="0" smtClean="0"/>
-              <a:t>Disadvantages</a:t>
+              <a:t>Advantages</a:t>
             </a:r>
             <a:endParaRPr lang="en-US" dirty="0"/>
           </a:p>
@@ -9014,6 +9051,80 @@
 </file>
 
 <file path=ppt/slides/slide25.xml><?xml version="1.0" encoding="utf-8"?>
+<p:sld xmlns:a="http://schemas.openxmlformats.org/drawingml/2006/main" xmlns:r="http://schemas.openxmlformats.org/officeDocument/2006/relationships" xmlns:p="http://schemas.openxmlformats.org/presentationml/2006/main">
+  <p:cSld>
+    <p:spTree>
+      <p:nvGrpSpPr>
+        <p:cNvPr id="1" name=""/>
+        <p:cNvGrpSpPr/>
+        <p:nvPr/>
+      </p:nvGrpSpPr>
+      <p:grpSpPr>
+        <a:xfrm>
+          <a:off x="0" y="0"/>
+          <a:ext cx="0" cy="0"/>
+          <a:chOff x="0" y="0"/>
+          <a:chExt cx="0" cy="0"/>
+        </a:xfrm>
+      </p:grpSpPr>
+      <p:sp>
+        <p:nvSpPr>
+          <p:cNvPr id="2" name="Title 1"/>
+          <p:cNvSpPr>
+            <a:spLocks noGrp="1"/>
+          </p:cNvSpPr>
+          <p:nvPr>
+            <p:ph type="title"/>
+          </p:nvPr>
+        </p:nvSpPr>
+        <p:spPr/>
+        <p:txBody>
+          <a:bodyPr/>
+          <a:lstStyle/>
+          <a:p>
+            <a:r>
+              <a:rPr lang="en-US" dirty="0" smtClean="0"/>
+              <a:t>Disadvantages</a:t>
+            </a:r>
+            <a:endParaRPr lang="en-US" dirty="0"/>
+          </a:p>
+        </p:txBody>
+      </p:sp>
+      <p:sp>
+        <p:nvSpPr>
+          <p:cNvPr id="4" name="Content Placeholder 3"/>
+          <p:cNvSpPr>
+            <a:spLocks noGrp="1"/>
+          </p:cNvSpPr>
+          <p:nvPr>
+            <p:ph idx="1"/>
+          </p:nvPr>
+        </p:nvSpPr>
+        <p:spPr/>
+        <p:txBody>
+          <a:bodyPr/>
+          <a:lstStyle/>
+          <a:p>
+            <a:endParaRPr lang="en-US" dirty="0"/>
+          </a:p>
+        </p:txBody>
+      </p:sp>
+    </p:spTree>
+  </p:cSld>
+  <p:clrMapOvr>
+    <a:masterClrMapping/>
+  </p:clrMapOvr>
+  <p:timing>
+    <p:tnLst>
+      <p:par>
+        <p:cTn id="1" dur="indefinite" restart="never" nodeType="tmRoot"/>
+      </p:par>
+    </p:tnLst>
+  </p:timing>
+</p:sld>
+</file>
+
+<file path=ppt/slides/slide26.xml><?xml version="1.0" encoding="utf-8"?>
 <p:sld xmlns:a="http://schemas.openxmlformats.org/drawingml/2006/main" xmlns:r="http://schemas.openxmlformats.org/officeDocument/2006/relationships" xmlns:p="http://schemas.openxmlformats.org/presentationml/2006/main">
   <p:cSld>
     <p:spTree>

--- a/MachineLearning/NaiveBayes/NaiveBayes.pptx
+++ b/MachineLearning/NaiveBayes/NaiveBayes.pptx
@@ -218,7 +218,7 @@
             <a:fld id="{98BFDCCA-FFB9-49F6-B56E-F6432283D67C}" type="datetimeFigureOut">
               <a:rPr lang="en-US" smtClean="0"/>
               <a:pPr/>
-              <a:t>2/13/2023</a:t>
+              <a:t>2/14/2023</a:t>
             </a:fld>
             <a:endParaRPr lang="en-US"/>
           </a:p>
@@ -666,7 +666,7 @@
             <a:fld id="{9099FEDA-6AC3-495C-A467-2B0399D71BB7}" type="datetimeFigureOut">
               <a:rPr lang="en-US" smtClean="0"/>
               <a:pPr/>
-              <a:t>2/13/2023</a:t>
+              <a:t>2/14/2023</a:t>
             </a:fld>
             <a:endParaRPr lang="en-US"/>
           </a:p>
@@ -833,7 +833,7 @@
             <a:fld id="{9099FEDA-6AC3-495C-A467-2B0399D71BB7}" type="datetimeFigureOut">
               <a:rPr lang="en-US" smtClean="0"/>
               <a:pPr/>
-              <a:t>2/13/2023</a:t>
+              <a:t>2/14/2023</a:t>
             </a:fld>
             <a:endParaRPr lang="en-US"/>
           </a:p>
@@ -1010,7 +1010,7 @@
             <a:fld id="{9099FEDA-6AC3-495C-A467-2B0399D71BB7}" type="datetimeFigureOut">
               <a:rPr lang="en-US" smtClean="0"/>
               <a:pPr/>
-              <a:t>2/13/2023</a:t>
+              <a:t>2/14/2023</a:t>
             </a:fld>
             <a:endParaRPr lang="en-US"/>
           </a:p>
@@ -1177,7 +1177,7 @@
             <a:fld id="{9099FEDA-6AC3-495C-A467-2B0399D71BB7}" type="datetimeFigureOut">
               <a:rPr lang="en-US" smtClean="0"/>
               <a:pPr/>
-              <a:t>2/13/2023</a:t>
+              <a:t>2/14/2023</a:t>
             </a:fld>
             <a:endParaRPr lang="en-US"/>
           </a:p>
@@ -1420,7 +1420,7 @@
             <a:fld id="{9099FEDA-6AC3-495C-A467-2B0399D71BB7}" type="datetimeFigureOut">
               <a:rPr lang="en-US" smtClean="0"/>
               <a:pPr/>
-              <a:t>2/13/2023</a:t>
+              <a:t>2/14/2023</a:t>
             </a:fld>
             <a:endParaRPr lang="en-US"/>
           </a:p>
@@ -1705,7 +1705,7 @@
             <a:fld id="{9099FEDA-6AC3-495C-A467-2B0399D71BB7}" type="datetimeFigureOut">
               <a:rPr lang="en-US" smtClean="0"/>
               <a:pPr/>
-              <a:t>2/13/2023</a:t>
+              <a:t>2/14/2023</a:t>
             </a:fld>
             <a:endParaRPr lang="en-US"/>
           </a:p>
@@ -2124,7 +2124,7 @@
             <a:fld id="{9099FEDA-6AC3-495C-A467-2B0399D71BB7}" type="datetimeFigureOut">
               <a:rPr lang="en-US" smtClean="0"/>
               <a:pPr/>
-              <a:t>2/13/2023</a:t>
+              <a:t>2/14/2023</a:t>
             </a:fld>
             <a:endParaRPr lang="en-US"/>
           </a:p>
@@ -2239,7 +2239,7 @@
             <a:fld id="{9099FEDA-6AC3-495C-A467-2B0399D71BB7}" type="datetimeFigureOut">
               <a:rPr lang="en-US" smtClean="0"/>
               <a:pPr/>
-              <a:t>2/13/2023</a:t>
+              <a:t>2/14/2023</a:t>
             </a:fld>
             <a:endParaRPr lang="en-US"/>
           </a:p>
@@ -2331,7 +2331,7 @@
             <a:fld id="{9099FEDA-6AC3-495C-A467-2B0399D71BB7}" type="datetimeFigureOut">
               <a:rPr lang="en-US" smtClean="0"/>
               <a:pPr/>
-              <a:t>2/13/2023</a:t>
+              <a:t>2/14/2023</a:t>
             </a:fld>
             <a:endParaRPr lang="en-US"/>
           </a:p>
@@ -2605,7 +2605,7 @@
             <a:fld id="{9099FEDA-6AC3-495C-A467-2B0399D71BB7}" type="datetimeFigureOut">
               <a:rPr lang="en-US" smtClean="0"/>
               <a:pPr/>
-              <a:t>2/13/2023</a:t>
+              <a:t>2/14/2023</a:t>
             </a:fld>
             <a:endParaRPr lang="en-US"/>
           </a:p>
@@ -2855,7 +2855,7 @@
             <a:fld id="{9099FEDA-6AC3-495C-A467-2B0399D71BB7}" type="datetimeFigureOut">
               <a:rPr lang="en-US" smtClean="0"/>
               <a:pPr/>
-              <a:t>2/13/2023</a:t>
+              <a:t>2/14/2023</a:t>
             </a:fld>
             <a:endParaRPr lang="en-US"/>
           </a:p>
@@ -3065,7 +3065,7 @@
             <a:fld id="{9099FEDA-6AC3-495C-A467-2B0399D71BB7}" type="datetimeFigureOut">
               <a:rPr lang="en-US" smtClean="0"/>
               <a:pPr/>
-              <a:t>2/13/2023</a:t>
+              <a:t>2/14/2023</a:t>
             </a:fld>
             <a:endParaRPr lang="en-US"/>
           </a:p>
@@ -3560,11 +3560,7 @@
             </a:r>
             <a:r>
               <a:rPr lang="en-US" dirty="0" smtClean="0"/>
-              <a:t>’ R</a:t>
-            </a:r>
-            <a:r>
-              <a:rPr lang="en-US" dirty="0" smtClean="0"/>
-              <a:t>ule</a:t>
+              <a:t>’ Rule</a:t>
             </a:r>
             <a:endParaRPr lang="en-IN" dirty="0"/>
           </a:p>
@@ -3593,11 +3589,7 @@
           <a:p>
             <a:r>
               <a:rPr lang="en-IN" dirty="0" smtClean="0"/>
-              <a:t>Event – SMS – ‘discount</a:t>
-            </a:r>
-            <a:r>
-              <a:rPr lang="en-IN" dirty="0" smtClean="0"/>
-              <a:t>’</a:t>
+              <a:t>Event – SMS – ‘discount’</a:t>
             </a:r>
           </a:p>
           <a:p>
@@ -3720,15 +3712,7 @@
           <a:p>
             <a:r>
               <a:rPr lang="en-IN" dirty="0" smtClean="0"/>
-              <a:t>SMS </a:t>
-            </a:r>
-            <a:r>
-              <a:rPr lang="en-IN" dirty="0" smtClean="0"/>
-              <a:t>spam </a:t>
-            </a:r>
-            <a:r>
-              <a:rPr lang="en-IN" dirty="0" smtClean="0"/>
-              <a:t>detection</a:t>
+              <a:t>SMS spam detection</a:t>
             </a:r>
           </a:p>
           <a:p>
@@ -3756,7 +3740,6 @@
               <a:rPr lang="en-IN" dirty="0" smtClean="0"/>
               <a:t>Vocabulary </a:t>
             </a:r>
-            <a:endParaRPr lang="en-IN" dirty="0" smtClean="0"/>
           </a:p>
           <a:p>
             <a:pPr lvl="1"/>
@@ -3769,15 +3752,7 @@
             <a:pPr lvl="1"/>
             <a:r>
               <a:rPr lang="en-IN" dirty="0" smtClean="0"/>
-              <a:t>Spam and Ham </a:t>
-            </a:r>
-            <a:r>
-              <a:rPr lang="en-IN" dirty="0" smtClean="0"/>
-              <a:t>corpus</a:t>
-            </a:r>
-            <a:r>
-              <a:rPr lang="en-IN" dirty="0" smtClean="0"/>
-              <a:t> </a:t>
+              <a:t>Spam and Ham corpus </a:t>
             </a:r>
           </a:p>
         </p:txBody>
@@ -4312,15 +4287,7 @@
           <a:p>
             <a:r>
               <a:rPr lang="en-IN" dirty="0" smtClean="0"/>
-              <a:t>SMS </a:t>
-            </a:r>
-            <a:r>
-              <a:rPr lang="en-IN" dirty="0" smtClean="0"/>
-              <a:t>spam </a:t>
-            </a:r>
-            <a:r>
-              <a:rPr lang="en-IN" dirty="0" smtClean="0"/>
-              <a:t>detection</a:t>
+              <a:t>SMS spam detection</a:t>
             </a:r>
           </a:p>
           <a:p>
@@ -4348,7 +4315,6 @@
               <a:rPr lang="en-IN" dirty="0" smtClean="0"/>
               <a:t>Vocabulary </a:t>
             </a:r>
-            <a:endParaRPr lang="en-IN" dirty="0" smtClean="0"/>
           </a:p>
           <a:p>
             <a:pPr lvl="1"/>
@@ -4925,15 +4891,7 @@
           <a:p>
             <a:r>
               <a:rPr lang="en-IN" dirty="0" smtClean="0"/>
-              <a:t>SMS </a:t>
-            </a:r>
-            <a:r>
-              <a:rPr lang="en-IN" dirty="0" smtClean="0"/>
-              <a:t>spam </a:t>
-            </a:r>
-            <a:r>
-              <a:rPr lang="en-IN" dirty="0" smtClean="0"/>
-              <a:t>detection</a:t>
+              <a:t>SMS spam detection</a:t>
             </a:r>
           </a:p>
           <a:p>
@@ -4961,7 +4919,6 @@
               <a:rPr lang="en-IN" dirty="0" smtClean="0"/>
               <a:t>Vocabulary </a:t>
             </a:r>
-            <a:endParaRPr lang="en-IN" dirty="0" smtClean="0"/>
           </a:p>
           <a:p>
             <a:pPr lvl="1"/>
@@ -4974,15 +4931,7 @@
             <a:pPr lvl="1"/>
             <a:r>
               <a:rPr lang="en-IN" dirty="0" smtClean="0"/>
-              <a:t>Spam and Ham </a:t>
-            </a:r>
-            <a:r>
-              <a:rPr lang="en-IN" dirty="0" smtClean="0"/>
-              <a:t>corpus</a:t>
-            </a:r>
-            <a:r>
-              <a:rPr lang="en-IN" dirty="0" smtClean="0"/>
-              <a:t> </a:t>
+              <a:t>Spam and Ham corpus </a:t>
             </a:r>
           </a:p>
         </p:txBody>
@@ -5537,15 +5486,7 @@
           <a:p>
             <a:r>
               <a:rPr lang="en-IN" dirty="0" smtClean="0"/>
-              <a:t>SMS </a:t>
-            </a:r>
-            <a:r>
-              <a:rPr lang="en-IN" dirty="0" smtClean="0"/>
-              <a:t>spam </a:t>
-            </a:r>
-            <a:r>
-              <a:rPr lang="en-IN" dirty="0" smtClean="0"/>
-              <a:t>detection</a:t>
+              <a:t>SMS spam detection</a:t>
             </a:r>
           </a:p>
           <a:p>
@@ -5573,7 +5514,6 @@
               <a:rPr lang="en-IN" dirty="0" smtClean="0"/>
               <a:t>Vocabulary </a:t>
             </a:r>
-            <a:endParaRPr lang="en-IN" dirty="0" smtClean="0"/>
           </a:p>
           <a:p>
             <a:pPr lvl="1"/>
@@ -7780,11 +7720,7 @@
             </a:r>
             <a:r>
               <a:rPr lang="en-US" dirty="0" smtClean="0"/>
-              <a:t> </a:t>
-            </a:r>
-            <a:r>
-              <a:rPr lang="en-US" dirty="0" smtClean="0"/>
-              <a:t>Smoothing</a:t>
+              <a:t> Smoothing</a:t>
             </a:r>
             <a:endParaRPr lang="en-IN" dirty="0"/>
           </a:p>
@@ -7897,11 +7833,7 @@
             </a:r>
             <a:r>
               <a:rPr lang="en-US" dirty="0" smtClean="0"/>
-              <a:t> </a:t>
-            </a:r>
-            <a:r>
-              <a:rPr lang="en-US" dirty="0" smtClean="0"/>
-              <a:t>Smoothing</a:t>
+              <a:t> Smoothing</a:t>
             </a:r>
             <a:endParaRPr lang="en-IN" dirty="0"/>
           </a:p>
@@ -8433,14 +8365,12 @@
               <a:rPr lang="en-US" dirty="0" smtClean="0"/>
               <a:t>Supervised learning</a:t>
             </a:r>
-            <a:endParaRPr lang="en-US" dirty="0" smtClean="0"/>
           </a:p>
           <a:p>
             <a:r>
               <a:rPr lang="en-US" dirty="0" smtClean="0"/>
               <a:t>Conditional probability</a:t>
             </a:r>
-            <a:endParaRPr lang="en-US" dirty="0" smtClean="0"/>
           </a:p>
           <a:p>
             <a:r>
@@ -8449,11 +8379,7 @@
             </a:r>
             <a:r>
               <a:rPr lang="en-US" dirty="0" smtClean="0"/>
-              <a:t>’ </a:t>
-            </a:r>
-            <a:r>
-              <a:rPr lang="en-US" dirty="0" smtClean="0"/>
-              <a:t>rule</a:t>
+              <a:t>’ rule</a:t>
             </a:r>
           </a:p>
           <a:p>
@@ -8474,31 +8400,19 @@
             </a:r>
             <a:r>
               <a:rPr lang="en-US" dirty="0" smtClean="0"/>
-              <a:t> </a:t>
-            </a:r>
+              <a:t> smoothing</a:t>
+            </a:r>
+          </a:p>
+          <a:p>
             <a:r>
               <a:rPr lang="en-US" dirty="0" smtClean="0"/>
-              <a:t>smoothing</a:t>
+              <a:t>Prior ratio</a:t>
             </a:r>
           </a:p>
           <a:p>
             <a:r>
               <a:rPr lang="en-US" dirty="0" smtClean="0"/>
-              <a:t>Prior </a:t>
-            </a:r>
-            <a:r>
-              <a:rPr lang="en-US" dirty="0" smtClean="0"/>
-              <a:t>ratio</a:t>
-            </a:r>
-          </a:p>
-          <a:p>
-            <a:r>
-              <a:rPr lang="en-US" dirty="0" smtClean="0"/>
-              <a:t>Log </a:t>
-            </a:r>
-            <a:r>
-              <a:rPr lang="en-US" dirty="0" smtClean="0"/>
-              <a:t>likelihood</a:t>
+              <a:t>Log likelihood</a:t>
             </a:r>
           </a:p>
           <a:p>
@@ -8512,7 +8426,6 @@
               <a:rPr lang="en-US" dirty="0" smtClean="0"/>
               <a:t>Advantages </a:t>
             </a:r>
-            <a:endParaRPr lang="en-US" dirty="0" smtClean="0"/>
           </a:p>
           <a:p>
             <a:r>
@@ -8572,11 +8485,7 @@
           <a:p>
             <a:r>
               <a:rPr lang="en-IN" dirty="0" smtClean="0"/>
-              <a:t>Prior </a:t>
-            </a:r>
-            <a:r>
-              <a:rPr lang="en-IN" dirty="0" smtClean="0"/>
-              <a:t>Ratio</a:t>
+              <a:t>Prior Ratio</a:t>
             </a:r>
             <a:endParaRPr lang="en-IN" dirty="0"/>
           </a:p>
@@ -8605,21 +8514,13 @@
           <a:p>
             <a:r>
               <a:rPr lang="en-IN" dirty="0" smtClean="0"/>
-              <a:t>Number of </a:t>
-            </a:r>
+              <a:t>Number of spam (negative) SMSs</a:t>
+            </a:r>
+          </a:p>
+          <a:p>
             <a:r>
               <a:rPr lang="en-IN" dirty="0" smtClean="0"/>
-              <a:t>spam (negative) SMSs</a:t>
-            </a:r>
-          </a:p>
-          <a:p>
-            <a:r>
-              <a:rPr lang="en-IN" dirty="0" smtClean="0"/>
-              <a:t>Ratio of number of ham and spam </a:t>
-            </a:r>
-            <a:r>
-              <a:rPr lang="en-IN" dirty="0" smtClean="0"/>
-              <a:t>SMSs</a:t>
+              <a:t>Ratio of number of ham and spam SMSs</a:t>
             </a:r>
             <a:endParaRPr lang="en-IN" dirty="0"/>
           </a:p>
@@ -8713,11 +8614,7 @@
             <a:pPr lvl="1"/>
             <a:r>
               <a:rPr lang="en-IN" dirty="0" smtClean="0"/>
-              <a:t>Negative words – &lt; </a:t>
-            </a:r>
-            <a:r>
-              <a:rPr lang="en-IN" dirty="0" smtClean="0"/>
-              <a:t>0</a:t>
+              <a:t>Negative words – &lt; 0</a:t>
             </a:r>
           </a:p>
           <a:p>
@@ -8814,7 +8711,6 @@
               <a:rPr lang="en-IN" dirty="0" smtClean="0"/>
               <a:t>Log likelihood</a:t>
             </a:r>
-            <a:endParaRPr lang="en-IN" dirty="0" smtClean="0"/>
           </a:p>
           <a:p>
             <a:r>
@@ -8826,13 +8722,8 @@
             <a:pPr lvl="1"/>
             <a:r>
               <a:rPr lang="en-IN" dirty="0" smtClean="0"/>
-              <a:t>No numerical </a:t>
-            </a:r>
-            <a:r>
-              <a:rPr lang="en-IN" dirty="0" smtClean="0"/>
-              <a:t>underflow</a:t>
-            </a:r>
-            <a:endParaRPr lang="en-IN" dirty="0" smtClean="0"/>
+              <a:t>No numerical underflow</a:t>
+            </a:r>
           </a:p>
           <a:p>
             <a:r>
@@ -8851,30 +8742,14 @@
             <a:pPr lvl="1"/>
             <a:r>
               <a:rPr lang="en-IN" dirty="0" smtClean="0"/>
-              <a:t>Positive </a:t>
-            </a:r>
+              <a:t>Positive words – &gt; 1</a:t>
+            </a:r>
+          </a:p>
+          <a:p>
+            <a:pPr lvl="1"/>
             <a:r>
               <a:rPr lang="en-IN" dirty="0" smtClean="0"/>
-              <a:t>words </a:t>
-            </a:r>
-            <a:r>
-              <a:rPr lang="en-IN" dirty="0" smtClean="0"/>
-              <a:t>– &gt; 1</a:t>
-            </a:r>
-          </a:p>
-          <a:p>
-            <a:pPr lvl="1"/>
-            <a:r>
-              <a:rPr lang="en-IN" dirty="0" smtClean="0"/>
-              <a:t>Negative </a:t>
-            </a:r>
-            <a:r>
-              <a:rPr lang="en-IN" dirty="0" smtClean="0"/>
-              <a:t>words </a:t>
-            </a:r>
-            <a:r>
-              <a:rPr lang="en-IN" dirty="0" smtClean="0"/>
-              <a:t>– ~0</a:t>
+              <a:t>Negative words – ~0</a:t>
             </a:r>
           </a:p>
           <a:p>
@@ -9485,11 +9360,11 @@
           <a:p>
             <a:r>
               <a:rPr lang="en-IN" dirty="0" smtClean="0"/>
-              <a:t>Application </a:t>
+              <a:t>SMS </a:t>
             </a:r>
             <a:r>
               <a:rPr lang="en-IN" dirty="0" smtClean="0"/>
-              <a:t>– SMS spam detection</a:t>
+              <a:t>spam detection</a:t>
             </a:r>
           </a:p>
           <a:p>
@@ -9501,9 +9376,16 @@
           <a:p>
             <a:r>
               <a:rPr lang="en-IN" dirty="0" smtClean="0"/>
-              <a:t>Events – Ham or Spam SMS</a:t>
-            </a:r>
-            <a:endParaRPr lang="en-IN" dirty="0" smtClean="0"/>
+              <a:t>Events – Ham </a:t>
+            </a:r>
+            <a:r>
+              <a:rPr lang="en-IN" dirty="0" smtClean="0"/>
+              <a:t>SMS or </a:t>
+            </a:r>
+            <a:r>
+              <a:rPr lang="en-IN" dirty="0" smtClean="0"/>
+              <a:t>Spam SMS</a:t>
+            </a:r>
           </a:p>
           <a:p>
             <a:endParaRPr lang="en-IN" dirty="0" smtClean="0"/>
@@ -9522,12 +9404,12 @@
           <p:nvPr/>
         </p:nvGraphicFramePr>
         <p:xfrm>
-          <a:off x="838200" y="3505200"/>
-          <a:ext cx="3886200" cy="1865313"/>
+          <a:off x="798513" y="3505200"/>
+          <a:ext cx="3965575" cy="1865313"/>
         </p:xfrm>
         <a:graphic>
           <a:graphicData uri="http://schemas.openxmlformats.org/presentationml/2006/ole">
-            <p:oleObj spid="_x0000_s3074" name="Equation" r:id="rId3" imgW="1854000" imgH="888840" progId="Equation.3">
+            <p:oleObj spid="_x0000_s3074" name="Equation" r:id="rId3" imgW="1892160" imgH="888840" progId="Equation.3">
               <p:embed/>
             </p:oleObj>
           </a:graphicData>
@@ -9860,7 +9742,11 @@
           <a:p>
             <a:r>
               <a:rPr lang="en-IN" dirty="0" smtClean="0"/>
-              <a:t>Application – SMS spam detection</a:t>
+              <a:t>SMS </a:t>
+            </a:r>
+            <a:r>
+              <a:rPr lang="en-IN" dirty="0" smtClean="0"/>
+              <a:t>spam detection</a:t>
             </a:r>
           </a:p>
           <a:p>
@@ -9872,15 +9758,7 @@
           <a:p>
             <a:r>
               <a:rPr lang="en-IN" dirty="0" smtClean="0"/>
-              <a:t>Event – SMS </a:t>
-            </a:r>
-            <a:r>
-              <a:rPr lang="en-IN" dirty="0" smtClean="0"/>
-              <a:t>contains word </a:t>
-            </a:r>
-            <a:r>
-              <a:rPr lang="en-IN" dirty="0" smtClean="0"/>
-              <a:t>‘discount’</a:t>
+              <a:t>Event – SMS contains word ‘discount’</a:t>
             </a:r>
           </a:p>
           <a:p>
@@ -10133,11 +10011,7 @@
           <a:p>
             <a:r>
               <a:rPr lang="en-US" dirty="0" smtClean="0"/>
-              <a:t>Conditional </a:t>
-            </a:r>
-            <a:r>
-              <a:rPr lang="en-US" dirty="0" smtClean="0"/>
-              <a:t>Probability</a:t>
+              <a:t>Conditional Probability</a:t>
             </a:r>
             <a:endParaRPr lang="en-IN" dirty="0"/>
           </a:p>
@@ -10486,15 +10360,7 @@
           <a:p>
             <a:r>
               <a:rPr lang="en-IN" dirty="0" smtClean="0"/>
-              <a:t>Intersection – Spam and </a:t>
-            </a:r>
-            <a:r>
-              <a:rPr lang="en-IN" dirty="0" smtClean="0"/>
-              <a:t>‘discount’</a:t>
-            </a:r>
-            <a:r>
-              <a:rPr lang="en-IN" dirty="0" smtClean="0"/>
-              <a:t>  </a:t>
+              <a:t>Intersection – Spam and ‘discount’  </a:t>
             </a:r>
           </a:p>
           <a:p>
@@ -10512,15 +10378,7 @@
           <a:p>
             <a:r>
               <a:rPr lang="en-IN" dirty="0" smtClean="0"/>
-              <a:t>Probability that SMS is Spam and SMS contains word </a:t>
-            </a:r>
-            <a:r>
-              <a:rPr lang="en-IN" dirty="0" smtClean="0"/>
-              <a:t>‘discount</a:t>
-            </a:r>
-            <a:r>
-              <a:rPr lang="en-IN" dirty="0" smtClean="0"/>
-              <a:t>’. </a:t>
+              <a:t>Probability that SMS is Spam and SMS contains word ‘discount’. </a:t>
             </a:r>
             <a:endParaRPr lang="en-IN" dirty="0"/>
           </a:p>
@@ -10594,11 +10452,7 @@
             </a:r>
             <a:r>
               <a:rPr lang="en-US" dirty="0" smtClean="0"/>
-              <a:t>’ R</a:t>
-            </a:r>
-            <a:r>
-              <a:rPr lang="en-US" dirty="0" smtClean="0"/>
-              <a:t>ule</a:t>
+              <a:t>’ Rule</a:t>
             </a:r>
             <a:endParaRPr lang="en-IN" dirty="0"/>
           </a:p>
@@ -10627,11 +10481,7 @@
           <a:p>
             <a:r>
               <a:rPr lang="en-IN" dirty="0" smtClean="0"/>
-              <a:t>Event – SMS – ‘discount</a:t>
-            </a:r>
-            <a:r>
-              <a:rPr lang="en-IN" dirty="0" smtClean="0"/>
-              <a:t>’</a:t>
+              <a:t>Event – SMS – ‘discount’</a:t>
             </a:r>
           </a:p>
           <a:p>
@@ -10713,11 +10563,7 @@
             </a:r>
             <a:r>
               <a:rPr lang="en-US" dirty="0" smtClean="0"/>
-              <a:t>’ R</a:t>
-            </a:r>
-            <a:r>
-              <a:rPr lang="en-US" dirty="0" smtClean="0"/>
-              <a:t>ule</a:t>
+              <a:t>’ Rule</a:t>
             </a:r>
             <a:endParaRPr lang="en-IN" dirty="0"/>
           </a:p>
@@ -10746,11 +10592,7 @@
           <a:p>
             <a:r>
               <a:rPr lang="en-IN" dirty="0" smtClean="0"/>
-              <a:t>Event – SMS – ‘discount</a:t>
-            </a:r>
-            <a:r>
-              <a:rPr lang="en-IN" dirty="0" smtClean="0"/>
-              <a:t>’</a:t>
+              <a:t>Event – SMS – ‘discount’</a:t>
             </a:r>
           </a:p>
           <a:p>

--- a/MachineLearning/NaiveBayes/NaiveBayes.pptx
+++ b/MachineLearning/NaiveBayes/NaiveBayes.pptx
@@ -10372,7 +10372,15 @@
           <a:p>
             <a:r>
               <a:rPr lang="en-IN" dirty="0" smtClean="0"/>
-              <a:t>Probability that SMS is Spam given SMS contains word ‘discount’.</a:t>
+              <a:t>Probability that SMS is </a:t>
+            </a:r>
+            <a:r>
+              <a:rPr lang="en-IN" dirty="0" smtClean="0"/>
+              <a:t>Spam, </a:t>
+            </a:r>
+            <a:r>
+              <a:rPr lang="en-IN" dirty="0" smtClean="0"/>
+              <a:t>given SMS contains word ‘discount’.</a:t>
             </a:r>
           </a:p>
           <a:p>

--- a/MachineLearning/NaiveBayes/NaiveBayes.pptx
+++ b/MachineLearning/NaiveBayes/NaiveBayes.pptx
@@ -8829,16 +8829,46 @@
           <a:p>
             <a:r>
               <a:rPr lang="en-IN" dirty="0" smtClean="0"/>
-              <a:t>Binary classification</a:t>
-            </a:r>
-          </a:p>
-          <a:p>
-            <a:r>
-              <a:rPr lang="en-IN" dirty="0" smtClean="0"/>
-              <a:t>Spam detection</a:t>
-            </a:r>
-          </a:p>
-          <a:p>
+              <a:t>Spam </a:t>
+            </a:r>
+            <a:r>
+              <a:rPr lang="en-IN" dirty="0" smtClean="0"/>
+              <a:t>detection</a:t>
+            </a:r>
+          </a:p>
+          <a:p>
+            <a:r>
+              <a:rPr lang="en-IN" dirty="0" smtClean="0"/>
+              <a:t>Text classification</a:t>
+            </a:r>
+            <a:endParaRPr lang="en-IN" dirty="0" smtClean="0"/>
+          </a:p>
+          <a:p>
+            <a:r>
+              <a:rPr lang="en-IN" dirty="0" smtClean="0"/>
+              <a:t>Author identification</a:t>
+            </a:r>
+            <a:endParaRPr lang="en-IN" dirty="0" smtClean="0"/>
+          </a:p>
+          <a:p>
+            <a:r>
+              <a:rPr lang="en-IN" dirty="0" smtClean="0"/>
+              <a:t>Word </a:t>
+            </a:r>
+            <a:r>
+              <a:rPr lang="en-IN" dirty="0" smtClean="0"/>
+              <a:t>disambiguation</a:t>
+            </a:r>
+          </a:p>
+          <a:p>
+            <a:r>
+              <a:rPr lang="en-IN" dirty="0" smtClean="0"/>
+              <a:t>Sentiment </a:t>
+            </a:r>
+            <a:r>
+              <a:rPr lang="en-IN" dirty="0" smtClean="0"/>
+              <a:t>analysis</a:t>
+            </a:r>
             <a:endParaRPr lang="en-IN" dirty="0"/>
           </a:p>
         </p:txBody>
@@ -8903,9 +8933,63 @@
         </p:nvSpPr>
         <p:spPr/>
         <p:txBody>
-          <a:bodyPr/>
+          <a:bodyPr>
+            <a:normAutofit/>
+          </a:bodyPr>
           <a:lstStyle/>
           <a:p>
+            <a:r>
+              <a:rPr lang="en-IN" dirty="0" smtClean="0"/>
+              <a:t>Simple </a:t>
+            </a:r>
+          </a:p>
+          <a:p>
+            <a:r>
+              <a:rPr lang="en-IN" dirty="0" smtClean="0"/>
+              <a:t>Easy </a:t>
+            </a:r>
+            <a:r>
+              <a:rPr lang="en-IN" dirty="0" smtClean="0"/>
+              <a:t>to implement</a:t>
+            </a:r>
+          </a:p>
+          <a:p>
+            <a:r>
+              <a:rPr lang="en-IN" dirty="0" smtClean="0"/>
+              <a:t>Real-time </a:t>
+            </a:r>
+            <a:r>
+              <a:rPr lang="en-IN" dirty="0" smtClean="0"/>
+              <a:t>predictions</a:t>
+            </a:r>
+            <a:endParaRPr lang="en-IN" dirty="0" smtClean="0"/>
+          </a:p>
+          <a:p>
+            <a:r>
+              <a:rPr lang="en-IN" dirty="0" smtClean="0"/>
+              <a:t>Work with less training dataset</a:t>
+            </a:r>
+            <a:endParaRPr lang="en-IN" dirty="0" smtClean="0"/>
+          </a:p>
+          <a:p>
+            <a:r>
+              <a:rPr lang="en-IN" dirty="0" smtClean="0"/>
+              <a:t>Continuous </a:t>
+            </a:r>
+            <a:r>
+              <a:rPr lang="en-IN" dirty="0" smtClean="0"/>
+              <a:t>and discrete data</a:t>
+            </a:r>
+          </a:p>
+          <a:p>
+            <a:r>
+              <a:rPr lang="en-IN" dirty="0" smtClean="0"/>
+              <a:t>Not </a:t>
+            </a:r>
+            <a:r>
+              <a:rPr lang="en-IN" dirty="0" smtClean="0"/>
+              <a:t>sensitive to irrelevant features</a:t>
+            </a:r>
             <a:endParaRPr lang="en-US" dirty="0"/>
           </a:p>
         </p:txBody>
@@ -8980,7 +9064,21 @@
           <a:bodyPr/>
           <a:lstStyle/>
           <a:p>
-            <a:endParaRPr lang="en-US" dirty="0"/>
+            <a:r>
+              <a:rPr lang="en-IN" dirty="0" smtClean="0"/>
+              <a:t>Assume </a:t>
+            </a:r>
+            <a:r>
+              <a:rPr lang="en-IN" dirty="0" smtClean="0"/>
+              <a:t>independent </a:t>
+            </a:r>
+            <a:r>
+              <a:rPr lang="en-IN" dirty="0" smtClean="0"/>
+              <a:t>features</a:t>
+            </a:r>
+          </a:p>
+          <a:p>
+            <a:endParaRPr lang="en-IN" dirty="0" smtClean="0"/>
           </a:p>
         </p:txBody>
       </p:sp>

--- a/MachineLearning/NaiveBayes/NaiveBayes.pptx
+++ b/MachineLearning/NaiveBayes/NaiveBayes.pptx
@@ -218,7 +218,7 @@
             <a:fld id="{98BFDCCA-FFB9-49F6-B56E-F6432283D67C}" type="datetimeFigureOut">
               <a:rPr lang="en-US" smtClean="0"/>
               <a:pPr/>
-              <a:t>2/14/2023</a:t>
+              <a:t>2/23/2023</a:t>
             </a:fld>
             <a:endParaRPr lang="en-US"/>
           </a:p>
@@ -666,7 +666,7 @@
             <a:fld id="{9099FEDA-6AC3-495C-A467-2B0399D71BB7}" type="datetimeFigureOut">
               <a:rPr lang="en-US" smtClean="0"/>
               <a:pPr/>
-              <a:t>2/14/2023</a:t>
+              <a:t>2/23/2023</a:t>
             </a:fld>
             <a:endParaRPr lang="en-US"/>
           </a:p>
@@ -833,7 +833,7 @@
             <a:fld id="{9099FEDA-6AC3-495C-A467-2B0399D71BB7}" type="datetimeFigureOut">
               <a:rPr lang="en-US" smtClean="0"/>
               <a:pPr/>
-              <a:t>2/14/2023</a:t>
+              <a:t>2/23/2023</a:t>
             </a:fld>
             <a:endParaRPr lang="en-US"/>
           </a:p>
@@ -1010,7 +1010,7 @@
             <a:fld id="{9099FEDA-6AC3-495C-A467-2B0399D71BB7}" type="datetimeFigureOut">
               <a:rPr lang="en-US" smtClean="0"/>
               <a:pPr/>
-              <a:t>2/14/2023</a:t>
+              <a:t>2/23/2023</a:t>
             </a:fld>
             <a:endParaRPr lang="en-US"/>
           </a:p>
@@ -1177,7 +1177,7 @@
             <a:fld id="{9099FEDA-6AC3-495C-A467-2B0399D71BB7}" type="datetimeFigureOut">
               <a:rPr lang="en-US" smtClean="0"/>
               <a:pPr/>
-              <a:t>2/14/2023</a:t>
+              <a:t>2/23/2023</a:t>
             </a:fld>
             <a:endParaRPr lang="en-US"/>
           </a:p>
@@ -1420,7 +1420,7 @@
             <a:fld id="{9099FEDA-6AC3-495C-A467-2B0399D71BB7}" type="datetimeFigureOut">
               <a:rPr lang="en-US" smtClean="0"/>
               <a:pPr/>
-              <a:t>2/14/2023</a:t>
+              <a:t>2/23/2023</a:t>
             </a:fld>
             <a:endParaRPr lang="en-US"/>
           </a:p>
@@ -1705,7 +1705,7 @@
             <a:fld id="{9099FEDA-6AC3-495C-A467-2B0399D71BB7}" type="datetimeFigureOut">
               <a:rPr lang="en-US" smtClean="0"/>
               <a:pPr/>
-              <a:t>2/14/2023</a:t>
+              <a:t>2/23/2023</a:t>
             </a:fld>
             <a:endParaRPr lang="en-US"/>
           </a:p>
@@ -2124,7 +2124,7 @@
             <a:fld id="{9099FEDA-6AC3-495C-A467-2B0399D71BB7}" type="datetimeFigureOut">
               <a:rPr lang="en-US" smtClean="0"/>
               <a:pPr/>
-              <a:t>2/14/2023</a:t>
+              <a:t>2/23/2023</a:t>
             </a:fld>
             <a:endParaRPr lang="en-US"/>
           </a:p>
@@ -2239,7 +2239,7 @@
             <a:fld id="{9099FEDA-6AC3-495C-A467-2B0399D71BB7}" type="datetimeFigureOut">
               <a:rPr lang="en-US" smtClean="0"/>
               <a:pPr/>
-              <a:t>2/14/2023</a:t>
+              <a:t>2/23/2023</a:t>
             </a:fld>
             <a:endParaRPr lang="en-US"/>
           </a:p>
@@ -2331,7 +2331,7 @@
             <a:fld id="{9099FEDA-6AC3-495C-A467-2B0399D71BB7}" type="datetimeFigureOut">
               <a:rPr lang="en-US" smtClean="0"/>
               <a:pPr/>
-              <a:t>2/14/2023</a:t>
+              <a:t>2/23/2023</a:t>
             </a:fld>
             <a:endParaRPr lang="en-US"/>
           </a:p>
@@ -2605,7 +2605,7 @@
             <a:fld id="{9099FEDA-6AC3-495C-A467-2B0399D71BB7}" type="datetimeFigureOut">
               <a:rPr lang="en-US" smtClean="0"/>
               <a:pPr/>
-              <a:t>2/14/2023</a:t>
+              <a:t>2/23/2023</a:t>
             </a:fld>
             <a:endParaRPr lang="en-US"/>
           </a:p>
@@ -2855,7 +2855,7 @@
             <a:fld id="{9099FEDA-6AC3-495C-A467-2B0399D71BB7}" type="datetimeFigureOut">
               <a:rPr lang="en-US" smtClean="0"/>
               <a:pPr/>
-              <a:t>2/14/2023</a:t>
+              <a:t>2/23/2023</a:t>
             </a:fld>
             <a:endParaRPr lang="en-US"/>
           </a:p>
@@ -3065,7 +3065,7 @@
             <a:fld id="{9099FEDA-6AC3-495C-A467-2B0399D71BB7}" type="datetimeFigureOut">
               <a:rPr lang="en-US" smtClean="0"/>
               <a:pPr/>
-              <a:t>2/14/2023</a:t>
+              <a:t>2/23/2023</a:t>
             </a:fld>
             <a:endParaRPr lang="en-US"/>
           </a:p>
@@ -8614,8 +8614,13 @@
             <a:pPr lvl="1"/>
             <a:r>
               <a:rPr lang="en-IN" dirty="0" smtClean="0"/>
-              <a:t>Negative words – &lt; 0</a:t>
-            </a:r>
+              <a:t>Negative words – &lt; </a:t>
+            </a:r>
+            <a:r>
+              <a:rPr lang="en-IN" dirty="0" smtClean="0"/>
+              <a:t>1</a:t>
+            </a:r>
+            <a:endParaRPr lang="en-IN" dirty="0" smtClean="0"/>
           </a:p>
           <a:p>
             <a:r>
@@ -8702,7 +8707,15 @@
           <a:p>
             <a:r>
               <a:rPr lang="en-IN" dirty="0" smtClean="0"/>
-              <a:t>Logarithm of ration of probability</a:t>
+              <a:t>Logarithm of </a:t>
+            </a:r>
+            <a:r>
+              <a:rPr lang="en-IN" dirty="0" smtClean="0"/>
+              <a:t>ratio of </a:t>
+            </a:r>
+            <a:r>
+              <a:rPr lang="en-IN" dirty="0" smtClean="0"/>
+              <a:t>probability</a:t>
             </a:r>
           </a:p>
           <a:p>
@@ -8735,22 +8748,37 @@
             <a:pPr lvl="1"/>
             <a:r>
               <a:rPr lang="en-IN" dirty="0" smtClean="0"/>
-              <a:t>Neutral words – &lt; 1  </a:t>
-            </a:r>
+              <a:t>Neutral words – </a:t>
+            </a:r>
+            <a:r>
+              <a:rPr lang="en-IN" dirty="0" smtClean="0"/>
+              <a:t>~0  </a:t>
+            </a:r>
+            <a:endParaRPr lang="en-IN" dirty="0" smtClean="0"/>
           </a:p>
           <a:p>
             <a:pPr lvl="1"/>
             <a:r>
               <a:rPr lang="en-IN" dirty="0" smtClean="0"/>
-              <a:t>Positive words – &gt; 1</a:t>
-            </a:r>
+              <a:t>Positive words – &gt; </a:t>
+            </a:r>
+            <a:r>
+              <a:rPr lang="en-IN" dirty="0" smtClean="0"/>
+              <a:t>0</a:t>
+            </a:r>
+            <a:endParaRPr lang="en-IN" dirty="0" smtClean="0"/>
           </a:p>
           <a:p>
             <a:pPr lvl="1"/>
             <a:r>
               <a:rPr lang="en-IN" dirty="0" smtClean="0"/>
-              <a:t>Negative words – ~0</a:t>
-            </a:r>
+              <a:t>Negative words – </a:t>
+            </a:r>
+            <a:r>
+              <a:rPr lang="en-IN" smtClean="0"/>
+              <a:t>&lt; 0</a:t>
+            </a:r>
+            <a:endParaRPr lang="en-IN" dirty="0" smtClean="0"/>
           </a:p>
           <a:p>
             <a:r>
@@ -8829,11 +8857,7 @@
           <a:p>
             <a:r>
               <a:rPr lang="en-IN" dirty="0" smtClean="0"/>
-              <a:t>Spam </a:t>
-            </a:r>
-            <a:r>
-              <a:rPr lang="en-IN" dirty="0" smtClean="0"/>
-              <a:t>detection</a:t>
+              <a:t>Spam detection</a:t>
             </a:r>
           </a:p>
           <a:p>
@@ -8841,33 +8865,23 @@
               <a:rPr lang="en-IN" dirty="0" smtClean="0"/>
               <a:t>Text classification</a:t>
             </a:r>
-            <a:endParaRPr lang="en-IN" dirty="0" smtClean="0"/>
           </a:p>
           <a:p>
             <a:r>
               <a:rPr lang="en-IN" dirty="0" smtClean="0"/>
               <a:t>Author identification</a:t>
             </a:r>
-            <a:endParaRPr lang="en-IN" dirty="0" smtClean="0"/>
           </a:p>
           <a:p>
             <a:r>
               <a:rPr lang="en-IN" dirty="0" smtClean="0"/>
-              <a:t>Word </a:t>
-            </a:r>
+              <a:t>Word disambiguation</a:t>
+            </a:r>
+          </a:p>
+          <a:p>
             <a:r>
               <a:rPr lang="en-IN" dirty="0" smtClean="0"/>
-              <a:t>disambiguation</a:t>
-            </a:r>
-          </a:p>
-          <a:p>
-            <a:r>
-              <a:rPr lang="en-IN" dirty="0" smtClean="0"/>
-              <a:t>Sentiment </a:t>
-            </a:r>
-            <a:r>
-              <a:rPr lang="en-IN" dirty="0" smtClean="0"/>
-              <a:t>analysis</a:t>
+              <a:t>Sentiment analysis</a:t>
             </a:r>
             <a:endParaRPr lang="en-IN" dirty="0"/>
           </a:p>
@@ -8946,49 +8960,31 @@
           <a:p>
             <a:r>
               <a:rPr lang="en-IN" dirty="0" smtClean="0"/>
-              <a:t>Easy </a:t>
-            </a:r>
+              <a:t>Easy to implement</a:t>
+            </a:r>
+          </a:p>
+          <a:p>
             <a:r>
               <a:rPr lang="en-IN" dirty="0" smtClean="0"/>
-              <a:t>to implement</a:t>
-            </a:r>
-          </a:p>
-          <a:p>
-            <a:r>
-              <a:rPr lang="en-IN" dirty="0" smtClean="0"/>
-              <a:t>Real-time </a:t>
-            </a:r>
-            <a:r>
-              <a:rPr lang="en-IN" dirty="0" smtClean="0"/>
-              <a:t>predictions</a:t>
-            </a:r>
-            <a:endParaRPr lang="en-IN" dirty="0" smtClean="0"/>
+              <a:t>Real-time predictions</a:t>
+            </a:r>
           </a:p>
           <a:p>
             <a:r>
               <a:rPr lang="en-IN" dirty="0" smtClean="0"/>
               <a:t>Work with less training dataset</a:t>
             </a:r>
-            <a:endParaRPr lang="en-IN" dirty="0" smtClean="0"/>
           </a:p>
           <a:p>
             <a:r>
               <a:rPr lang="en-IN" dirty="0" smtClean="0"/>
-              <a:t>Continuous </a:t>
-            </a:r>
+              <a:t>Continuous and discrete data</a:t>
+            </a:r>
+          </a:p>
+          <a:p>
             <a:r>
               <a:rPr lang="en-IN" dirty="0" smtClean="0"/>
-              <a:t>and discrete data</a:t>
-            </a:r>
-          </a:p>
-          <a:p>
-            <a:r>
-              <a:rPr lang="en-IN" dirty="0" smtClean="0"/>
-              <a:t>Not </a:t>
-            </a:r>
-            <a:r>
-              <a:rPr lang="en-IN" dirty="0" smtClean="0"/>
-              <a:t>sensitive to irrelevant features</a:t>
+              <a:t>Not sensitive to irrelevant features</a:t>
             </a:r>
             <a:endParaRPr lang="en-US" dirty="0"/>
           </a:p>
@@ -9066,15 +9062,7 @@
           <a:p>
             <a:r>
               <a:rPr lang="en-IN" dirty="0" smtClean="0"/>
-              <a:t>Assume </a:t>
-            </a:r>
-            <a:r>
-              <a:rPr lang="en-IN" dirty="0" smtClean="0"/>
-              <a:t>independent </a:t>
-            </a:r>
-            <a:r>
-              <a:rPr lang="en-IN" dirty="0" smtClean="0"/>
-              <a:t>features</a:t>
+              <a:t>Assume independent features</a:t>
             </a:r>
           </a:p>
           <a:p>
@@ -9458,11 +9446,7 @@
           <a:p>
             <a:r>
               <a:rPr lang="en-IN" dirty="0" smtClean="0"/>
-              <a:t>SMS </a:t>
-            </a:r>
-            <a:r>
-              <a:rPr lang="en-IN" dirty="0" smtClean="0"/>
-              <a:t>spam detection</a:t>
+              <a:t>SMS spam detection</a:t>
             </a:r>
           </a:p>
           <a:p>
@@ -9474,15 +9458,7 @@
           <a:p>
             <a:r>
               <a:rPr lang="en-IN" dirty="0" smtClean="0"/>
-              <a:t>Events – Ham </a:t>
-            </a:r>
-            <a:r>
-              <a:rPr lang="en-IN" dirty="0" smtClean="0"/>
-              <a:t>SMS or </a:t>
-            </a:r>
-            <a:r>
-              <a:rPr lang="en-IN" dirty="0" smtClean="0"/>
-              <a:t>Spam SMS</a:t>
+              <a:t>Events – Ham SMS or Spam SMS</a:t>
             </a:r>
           </a:p>
           <a:p>
@@ -9840,11 +9816,7 @@
           <a:p>
             <a:r>
               <a:rPr lang="en-IN" dirty="0" smtClean="0"/>
-              <a:t>SMS </a:t>
-            </a:r>
-            <a:r>
-              <a:rPr lang="en-IN" dirty="0" smtClean="0"/>
-              <a:t>spam detection</a:t>
+              <a:t>SMS spam detection</a:t>
             </a:r>
           </a:p>
           <a:p>
@@ -10470,15 +10442,7 @@
           <a:p>
             <a:r>
               <a:rPr lang="en-IN" dirty="0" smtClean="0"/>
-              <a:t>Probability that SMS is </a:t>
-            </a:r>
-            <a:r>
-              <a:rPr lang="en-IN" dirty="0" smtClean="0"/>
-              <a:t>Spam, </a:t>
-            </a:r>
-            <a:r>
-              <a:rPr lang="en-IN" dirty="0" smtClean="0"/>
-              <a:t>given SMS contains word ‘discount’.</a:t>
+              <a:t>Probability that SMS is Spam, given SMS contains word ‘discount’.</a:t>
             </a:r>
           </a:p>
           <a:p>

--- a/MachineLearning/NaiveBayes/NaiveBayes.pptx
+++ b/MachineLearning/NaiveBayes/NaiveBayes.pptx
@@ -218,7 +218,7 @@
             <a:fld id="{98BFDCCA-FFB9-49F6-B56E-F6432283D67C}" type="datetimeFigureOut">
               <a:rPr lang="en-US" smtClean="0"/>
               <a:pPr/>
-              <a:t>2/23/2023</a:t>
+              <a:t>2/27/2023</a:t>
             </a:fld>
             <a:endParaRPr lang="en-US"/>
           </a:p>
@@ -666,7 +666,7 @@
             <a:fld id="{9099FEDA-6AC3-495C-A467-2B0399D71BB7}" type="datetimeFigureOut">
               <a:rPr lang="en-US" smtClean="0"/>
               <a:pPr/>
-              <a:t>2/23/2023</a:t>
+              <a:t>2/27/2023</a:t>
             </a:fld>
             <a:endParaRPr lang="en-US"/>
           </a:p>
@@ -833,7 +833,7 @@
             <a:fld id="{9099FEDA-6AC3-495C-A467-2B0399D71BB7}" type="datetimeFigureOut">
               <a:rPr lang="en-US" smtClean="0"/>
               <a:pPr/>
-              <a:t>2/23/2023</a:t>
+              <a:t>2/27/2023</a:t>
             </a:fld>
             <a:endParaRPr lang="en-US"/>
           </a:p>
@@ -1010,7 +1010,7 @@
             <a:fld id="{9099FEDA-6AC3-495C-A467-2B0399D71BB7}" type="datetimeFigureOut">
               <a:rPr lang="en-US" smtClean="0"/>
               <a:pPr/>
-              <a:t>2/23/2023</a:t>
+              <a:t>2/27/2023</a:t>
             </a:fld>
             <a:endParaRPr lang="en-US"/>
           </a:p>
@@ -1177,7 +1177,7 @@
             <a:fld id="{9099FEDA-6AC3-495C-A467-2B0399D71BB7}" type="datetimeFigureOut">
               <a:rPr lang="en-US" smtClean="0"/>
               <a:pPr/>
-              <a:t>2/23/2023</a:t>
+              <a:t>2/27/2023</a:t>
             </a:fld>
             <a:endParaRPr lang="en-US"/>
           </a:p>
@@ -1420,7 +1420,7 @@
             <a:fld id="{9099FEDA-6AC3-495C-A467-2B0399D71BB7}" type="datetimeFigureOut">
               <a:rPr lang="en-US" smtClean="0"/>
               <a:pPr/>
-              <a:t>2/23/2023</a:t>
+              <a:t>2/27/2023</a:t>
             </a:fld>
             <a:endParaRPr lang="en-US"/>
           </a:p>
@@ -1705,7 +1705,7 @@
             <a:fld id="{9099FEDA-6AC3-495C-A467-2B0399D71BB7}" type="datetimeFigureOut">
               <a:rPr lang="en-US" smtClean="0"/>
               <a:pPr/>
-              <a:t>2/23/2023</a:t>
+              <a:t>2/27/2023</a:t>
             </a:fld>
             <a:endParaRPr lang="en-US"/>
           </a:p>
@@ -2124,7 +2124,7 @@
             <a:fld id="{9099FEDA-6AC3-495C-A467-2B0399D71BB7}" type="datetimeFigureOut">
               <a:rPr lang="en-US" smtClean="0"/>
               <a:pPr/>
-              <a:t>2/23/2023</a:t>
+              <a:t>2/27/2023</a:t>
             </a:fld>
             <a:endParaRPr lang="en-US"/>
           </a:p>
@@ -2239,7 +2239,7 @@
             <a:fld id="{9099FEDA-6AC3-495C-A467-2B0399D71BB7}" type="datetimeFigureOut">
               <a:rPr lang="en-US" smtClean="0"/>
               <a:pPr/>
-              <a:t>2/23/2023</a:t>
+              <a:t>2/27/2023</a:t>
             </a:fld>
             <a:endParaRPr lang="en-US"/>
           </a:p>
@@ -2331,7 +2331,7 @@
             <a:fld id="{9099FEDA-6AC3-495C-A467-2B0399D71BB7}" type="datetimeFigureOut">
               <a:rPr lang="en-US" smtClean="0"/>
               <a:pPr/>
-              <a:t>2/23/2023</a:t>
+              <a:t>2/27/2023</a:t>
             </a:fld>
             <a:endParaRPr lang="en-US"/>
           </a:p>
@@ -2605,7 +2605,7 @@
             <a:fld id="{9099FEDA-6AC3-495C-A467-2B0399D71BB7}" type="datetimeFigureOut">
               <a:rPr lang="en-US" smtClean="0"/>
               <a:pPr/>
-              <a:t>2/23/2023</a:t>
+              <a:t>2/27/2023</a:t>
             </a:fld>
             <a:endParaRPr lang="en-US"/>
           </a:p>
@@ -2855,7 +2855,7 @@
             <a:fld id="{9099FEDA-6AC3-495C-A467-2B0399D71BB7}" type="datetimeFigureOut">
               <a:rPr lang="en-US" smtClean="0"/>
               <a:pPr/>
-              <a:t>2/23/2023</a:t>
+              <a:t>2/27/2023</a:t>
             </a:fld>
             <a:endParaRPr lang="en-US"/>
           </a:p>
@@ -3065,7 +3065,7 @@
             <a:fld id="{9099FEDA-6AC3-495C-A467-2B0399D71BB7}" type="datetimeFigureOut">
               <a:rPr lang="en-US" smtClean="0"/>
               <a:pPr/>
-              <a:t>2/23/2023</a:t>
+              <a:t>2/27/2023</a:t>
             </a:fld>
             <a:endParaRPr lang="en-US"/>
           </a:p>
@@ -3725,15 +3725,16 @@
             <a:pPr lvl="1"/>
             <a:r>
               <a:rPr lang="en-IN" dirty="0" smtClean="0"/>
+              <a:t>Ham corpus</a:t>
+            </a:r>
+          </a:p>
+          <a:p>
+            <a:pPr lvl="1"/>
+            <a:r>
+              <a:rPr lang="en-IN" dirty="0" smtClean="0"/>
               <a:t>Spam corpus</a:t>
             </a:r>
-          </a:p>
-          <a:p>
-            <a:pPr lvl="1"/>
-            <a:r>
-              <a:rPr lang="en-IN" dirty="0" smtClean="0"/>
-              <a:t>Ham corpus</a:t>
-            </a:r>
+            <a:endParaRPr lang="en-IN" dirty="0" smtClean="0"/>
           </a:p>
           <a:p>
             <a:r>
@@ -3752,8 +3753,17 @@
             <a:pPr lvl="1"/>
             <a:r>
               <a:rPr lang="en-IN" dirty="0" smtClean="0"/>
-              <a:t>Spam and Ham corpus </a:t>
-            </a:r>
+              <a:t>Ham </a:t>
+            </a:r>
+            <a:r>
+              <a:rPr lang="en-IN" dirty="0" smtClean="0"/>
+              <a:t>and Spam </a:t>
+            </a:r>
+            <a:r>
+              <a:rPr lang="en-IN" dirty="0" smtClean="0"/>
+              <a:t>corpus </a:t>
+            </a:r>
+            <a:endParaRPr lang="en-IN" dirty="0" smtClean="0"/>
           </a:p>
         </p:txBody>
       </p:sp>
@@ -4282,7 +4292,9 @@
         </p:nvSpPr>
         <p:spPr/>
         <p:txBody>
-          <a:bodyPr/>
+          <a:bodyPr>
+            <a:normAutofit/>
+          </a:bodyPr>
           <a:lstStyle/>
           <a:p>
             <a:r>
@@ -4300,14 +4312,14 @@
             <a:pPr lvl="1"/>
             <a:r>
               <a:rPr lang="en-IN" dirty="0" smtClean="0"/>
+              <a:t>Ham corpus</a:t>
+            </a:r>
+          </a:p>
+          <a:p>
+            <a:pPr lvl="1"/>
+            <a:r>
+              <a:rPr lang="en-IN" dirty="0" smtClean="0"/>
               <a:t>Spam corpus</a:t>
-            </a:r>
-          </a:p>
-          <a:p>
-            <a:pPr lvl="1"/>
-            <a:r>
-              <a:rPr lang="en-IN" dirty="0" smtClean="0"/>
-              <a:t>Ham corpus</a:t>
             </a:r>
           </a:p>
           <a:p>
@@ -4327,17 +4339,13 @@
             <a:pPr lvl="1"/>
             <a:r>
               <a:rPr lang="en-IN" dirty="0" smtClean="0"/>
-              <a:t>Spam and Ham corpus</a:t>
-            </a:r>
-          </a:p>
-          <a:p>
-            <a:pPr>
-              <a:buNone/>
-            </a:pPr>
+              <a:t>Ham and Spam </a:t>
+            </a:r>
             <a:r>
               <a:rPr lang="en-IN" dirty="0" smtClean="0"/>
-              <a:t> </a:t>
-            </a:r>
+              <a:t>corpus</a:t>
+            </a:r>
+            <a:endParaRPr lang="en-IN" dirty="0" smtClean="0"/>
           </a:p>
         </p:txBody>
       </p:sp>
@@ -4811,7 +4819,7 @@
           <p:nvPr/>
         </p:nvGraphicFramePr>
         <p:xfrm>
-          <a:off x="5410200" y="5486400"/>
+          <a:off x="5791200" y="5486400"/>
           <a:ext cx="2514600" cy="521319"/>
         </p:xfrm>
         <a:graphic>
@@ -4904,14 +4912,14 @@
             <a:pPr lvl="1"/>
             <a:r>
               <a:rPr lang="en-IN" dirty="0" smtClean="0"/>
+              <a:t>Ham corpus</a:t>
+            </a:r>
+          </a:p>
+          <a:p>
+            <a:pPr lvl="1"/>
+            <a:r>
+              <a:rPr lang="en-IN" dirty="0" smtClean="0"/>
               <a:t>Spam corpus</a:t>
-            </a:r>
-          </a:p>
-          <a:p>
-            <a:pPr lvl="1"/>
-            <a:r>
-              <a:rPr lang="en-IN" dirty="0" smtClean="0"/>
-              <a:t>Ham corpus</a:t>
             </a:r>
           </a:p>
           <a:p>
@@ -4931,8 +4939,9 @@
             <a:pPr lvl="1"/>
             <a:r>
               <a:rPr lang="en-IN" dirty="0" smtClean="0"/>
-              <a:t>Spam and Ham corpus </a:t>
-            </a:r>
+              <a:t>Ham and Spam corpus </a:t>
+            </a:r>
+            <a:endParaRPr lang="en-IN" dirty="0" smtClean="0"/>
           </a:p>
         </p:txBody>
       </p:sp>
@@ -5499,14 +5508,14 @@
             <a:pPr lvl="1"/>
             <a:r>
               <a:rPr lang="en-IN" dirty="0" smtClean="0"/>
+              <a:t>Ham corpus</a:t>
+            </a:r>
+          </a:p>
+          <a:p>
+            <a:pPr lvl="1"/>
+            <a:r>
+              <a:rPr lang="en-IN" dirty="0" smtClean="0"/>
               <a:t>Spam corpus</a:t>
-            </a:r>
-          </a:p>
-          <a:p>
-            <a:pPr lvl="1"/>
-            <a:r>
-              <a:rPr lang="en-IN" dirty="0" smtClean="0"/>
-              <a:t>Ham corpus</a:t>
             </a:r>
           </a:p>
           <a:p>
@@ -5526,8 +5535,9 @@
             <a:pPr lvl="1"/>
             <a:r>
               <a:rPr lang="en-IN" dirty="0" smtClean="0"/>
-              <a:t>Spam and Ham corpus</a:t>
-            </a:r>
+              <a:t>Ham and Spam corpus</a:t>
+            </a:r>
+            <a:endParaRPr lang="en-IN" dirty="0" smtClean="0"/>
           </a:p>
           <a:p>
             <a:pPr>
@@ -6027,8 +6037,24 @@
           <a:p>
             <a:pPr lvl="1"/>
             <a:r>
+              <a:rPr lang="en-IN" dirty="0" smtClean="0">
+                <a:solidFill>
+                  <a:srgbClr val="00B050"/>
+                </a:solidFill>
+              </a:rPr>
+              <a:t>I</a:t>
+            </a:r>
+            <a:r>
               <a:rPr lang="en-IN" dirty="0" smtClean="0"/>
-              <a:t>I, am</a:t>
+              <a:t>, </a:t>
+            </a:r>
+            <a:r>
+              <a:rPr lang="en-IN" dirty="0" smtClean="0">
+                <a:solidFill>
+                  <a:srgbClr val="00B050"/>
+                </a:solidFill>
+              </a:rPr>
+              <a:t>am</a:t>
             </a:r>
           </a:p>
           <a:p>
@@ -6041,28 +6067,61 @@
             <a:pPr lvl="1"/>
             <a:r>
               <a:rPr lang="en-IN" dirty="0" smtClean="0"/>
-              <a:t>meeting, company</a:t>
+              <a:t>Power words</a:t>
             </a:r>
           </a:p>
           <a:p>
             <a:pPr lvl="1"/>
             <a:r>
+              <a:rPr lang="en-IN" dirty="0" smtClean="0">
+                <a:solidFill>
+                  <a:srgbClr val="00B050"/>
+                </a:solidFill>
+              </a:rPr>
+              <a:t>meeting</a:t>
+            </a:r>
+            <a:r>
               <a:rPr lang="en-IN" dirty="0" smtClean="0"/>
-              <a:t>discount, lottery </a:t>
+              <a:t>, </a:t>
+            </a:r>
+            <a:r>
+              <a:rPr lang="en-IN" dirty="0" smtClean="0">
+                <a:solidFill>
+                  <a:srgbClr val="00B050"/>
+                </a:solidFill>
+              </a:rPr>
+              <a:t>company</a:t>
             </a:r>
           </a:p>
           <a:p>
             <a:pPr lvl="1"/>
+            <a:r>
+              <a:rPr lang="en-IN" dirty="0" smtClean="0">
+                <a:solidFill>
+                  <a:srgbClr val="00B050"/>
+                </a:solidFill>
+              </a:rPr>
+              <a:t>discount</a:t>
+            </a:r>
+            <a:r>
+              <a:rPr lang="en-IN" dirty="0" smtClean="0"/>
+              <a:t>, </a:t>
+            </a:r>
+            <a:r>
+              <a:rPr lang="en-IN" dirty="0" smtClean="0">
+                <a:solidFill>
+                  <a:srgbClr val="00B050"/>
+                </a:solidFill>
+              </a:rPr>
+              <a:t>lottery</a:t>
+            </a:r>
+          </a:p>
+          <a:p>
+            <a:r>
+              <a:rPr lang="en-IN" dirty="0" smtClean="0"/>
+              <a:t>Table of probabilities </a:t>
+            </a:r>
             <a:endParaRPr lang="en-IN" dirty="0" smtClean="0"/>
-          </a:p>
-          <a:p>
-            <a:pPr>
-              <a:buNone/>
-            </a:pPr>
-            <a:r>
-              <a:rPr lang="en-IN" dirty="0" smtClean="0"/>
-              <a:t> </a:t>
-            </a:r>
           </a:p>
         </p:txBody>
       </p:sp>
@@ -8614,13 +8673,8 @@
             <a:pPr lvl="1"/>
             <a:r>
               <a:rPr lang="en-IN" dirty="0" smtClean="0"/>
-              <a:t>Negative words – &lt; </a:t>
-            </a:r>
-            <a:r>
-              <a:rPr lang="en-IN" dirty="0" smtClean="0"/>
-              <a:t>1</a:t>
-            </a:r>
-            <a:endParaRPr lang="en-IN" dirty="0" smtClean="0"/>
+              <a:t>Negative words – &lt; 1</a:t>
+            </a:r>
           </a:p>
           <a:p>
             <a:r>
@@ -8707,15 +8761,7 @@
           <a:p>
             <a:r>
               <a:rPr lang="en-IN" dirty="0" smtClean="0"/>
-              <a:t>Logarithm of </a:t>
-            </a:r>
-            <a:r>
-              <a:rPr lang="en-IN" dirty="0" smtClean="0"/>
-              <a:t>ratio of </a:t>
-            </a:r>
-            <a:r>
-              <a:rPr lang="en-IN" dirty="0" smtClean="0"/>
-              <a:t>probability</a:t>
+              <a:t>Logarithm of ratio of probability</a:t>
             </a:r>
           </a:p>
           <a:p>
@@ -8748,25 +8794,15 @@
             <a:pPr lvl="1"/>
             <a:r>
               <a:rPr lang="en-IN" dirty="0" smtClean="0"/>
-              <a:t>Neutral words – </a:t>
-            </a:r>
+              <a:t>Neutral words – ~0  </a:t>
+            </a:r>
+          </a:p>
+          <a:p>
+            <a:pPr lvl="1"/>
             <a:r>
               <a:rPr lang="en-IN" dirty="0" smtClean="0"/>
-              <a:t>~0  </a:t>
-            </a:r>
-            <a:endParaRPr lang="en-IN" dirty="0" smtClean="0"/>
-          </a:p>
-          <a:p>
-            <a:pPr lvl="1"/>
-            <a:r>
-              <a:rPr lang="en-IN" dirty="0" smtClean="0"/>
-              <a:t>Positive words – &gt; </a:t>
-            </a:r>
-            <a:r>
-              <a:rPr lang="en-IN" dirty="0" smtClean="0"/>
-              <a:t>0</a:t>
-            </a:r>
-            <a:endParaRPr lang="en-IN" dirty="0" smtClean="0"/>
+              <a:t>Positive words – &gt; 0</a:t>
+            </a:r>
           </a:p>
           <a:p>
             <a:pPr lvl="1"/>

--- a/MachineLearning/NaiveBayes/NaiveBayes.pptx
+++ b/MachineLearning/NaiveBayes/NaiveBayes.pptx
@@ -7941,8 +7941,8 @@
           <p:nvPr/>
         </p:nvGraphicFramePr>
         <p:xfrm>
-          <a:off x="533400" y="1752600"/>
-          <a:ext cx="4703762" cy="2286000"/>
+          <a:off x="304800" y="1752600"/>
+          <a:ext cx="5029200" cy="2444161"/>
         </p:xfrm>
         <a:graphic>
           <a:graphicData uri="http://schemas.openxmlformats.org/presentationml/2006/ole">
@@ -7961,7 +7961,7 @@
           <p:nvPr/>
         </p:nvGraphicFramePr>
         <p:xfrm>
-          <a:off x="5410200" y="1676400"/>
+          <a:off x="5486400" y="1676400"/>
           <a:ext cx="3352800" cy="2966720"/>
         </p:xfrm>
         <a:graphic>
@@ -8567,19 +8567,51 @@
           <a:p>
             <a:r>
               <a:rPr lang="en-IN" dirty="0" smtClean="0"/>
-              <a:t>Number of ham (positive) SMSs</a:t>
-            </a:r>
-          </a:p>
-          <a:p>
-            <a:r>
-              <a:rPr lang="en-IN" dirty="0" smtClean="0"/>
-              <a:t>Number of spam (negative) SMSs</a:t>
-            </a:r>
-          </a:p>
-          <a:p>
-            <a:r>
-              <a:rPr lang="en-IN" dirty="0" smtClean="0"/>
-              <a:t>Ratio of number of ham and spam SMSs</a:t>
+              <a:t>Number of </a:t>
+            </a:r>
+            <a:r>
+              <a:rPr lang="en-IN" dirty="0" smtClean="0"/>
+              <a:t>Ham </a:t>
+            </a:r>
+            <a:r>
+              <a:rPr lang="en-IN" dirty="0" smtClean="0"/>
+              <a:t>(positive) SMSs</a:t>
+            </a:r>
+          </a:p>
+          <a:p>
+            <a:r>
+              <a:rPr lang="en-IN" dirty="0" smtClean="0"/>
+              <a:t>Number of </a:t>
+            </a:r>
+            <a:r>
+              <a:rPr lang="en-IN" dirty="0" smtClean="0"/>
+              <a:t>Spam </a:t>
+            </a:r>
+            <a:r>
+              <a:rPr lang="en-IN" dirty="0" smtClean="0"/>
+              <a:t>(negative) SMSs</a:t>
+            </a:r>
+          </a:p>
+          <a:p>
+            <a:r>
+              <a:rPr lang="en-IN" dirty="0" smtClean="0"/>
+              <a:t>Ratio of number of </a:t>
+            </a:r>
+            <a:r>
+              <a:rPr lang="en-IN" dirty="0" smtClean="0"/>
+              <a:t>Ham </a:t>
+            </a:r>
+            <a:r>
+              <a:rPr lang="en-IN" dirty="0" smtClean="0"/>
+              <a:t>and </a:t>
+            </a:r>
+            <a:r>
+              <a:rPr lang="en-IN" dirty="0" smtClean="0"/>
+              <a:t>Spam </a:t>
+            </a:r>
+            <a:r>
+              <a:rPr lang="en-IN" dirty="0" smtClean="0"/>
+              <a:t>SMSs</a:t>
             </a:r>
             <a:endParaRPr lang="en-IN" dirty="0"/>
           </a:p>
@@ -8627,7 +8659,11 @@
           <a:p>
             <a:r>
               <a:rPr lang="en-IN" dirty="0" smtClean="0"/>
-              <a:t>Log Likelihood</a:t>
+              <a:t>Log </a:t>
+            </a:r>
+            <a:r>
+              <a:rPr lang="en-IN" dirty="0" smtClean="0"/>
+              <a:t>Likelihood – Why ?</a:t>
             </a:r>
             <a:endParaRPr lang="en-IN" dirty="0"/>
           </a:p>
@@ -8646,35 +8682,67 @@
         <p:spPr/>
         <p:txBody>
           <a:bodyPr>
-            <a:normAutofit/>
+            <a:normAutofit fontScale="92500" lnSpcReduction="10000"/>
           </a:bodyPr>
           <a:lstStyle/>
           <a:p>
             <a:r>
               <a:rPr lang="en-IN" dirty="0" smtClean="0"/>
-              <a:t>Word classification</a:t>
-            </a:r>
+              <a:t>Ratio of probabilities</a:t>
+            </a:r>
+          </a:p>
+          <a:p>
+            <a:r>
+              <a:rPr lang="en-IN" dirty="0" smtClean="0"/>
+              <a:t>Neutral </a:t>
+            </a:r>
+            <a:r>
+              <a:rPr lang="en-IN" dirty="0" smtClean="0"/>
+              <a:t>words </a:t>
+            </a:r>
+            <a:endParaRPr lang="en-IN" dirty="0" smtClean="0"/>
           </a:p>
           <a:p>
             <a:pPr lvl="1"/>
             <a:r>
               <a:rPr lang="en-IN" dirty="0" smtClean="0"/>
-              <a:t>Neutral words – ~1  </a:t>
-            </a:r>
+              <a:t>~1.   </a:t>
+            </a:r>
+            <a:endParaRPr lang="en-IN" dirty="0" smtClean="0"/>
+          </a:p>
+          <a:p>
+            <a:r>
+              <a:rPr lang="en-IN" dirty="0" smtClean="0"/>
+              <a:t>Positive words </a:t>
+            </a:r>
+            <a:endParaRPr lang="en-IN" dirty="0" smtClean="0"/>
           </a:p>
           <a:p>
             <a:pPr lvl="1"/>
             <a:r>
               <a:rPr lang="en-IN" dirty="0" smtClean="0"/>
-              <a:t>Positive words – &gt;   1</a:t>
-            </a:r>
+              <a:t>&gt; 1 – Larger than 1 </a:t>
+            </a:r>
+            <a:endParaRPr lang="en-IN" dirty="0" smtClean="0"/>
+          </a:p>
+          <a:p>
+            <a:r>
+              <a:rPr lang="en-IN" dirty="0" smtClean="0"/>
+              <a:t>Negative words </a:t>
+            </a:r>
+            <a:endParaRPr lang="en-IN" dirty="0" smtClean="0"/>
           </a:p>
           <a:p>
             <a:pPr lvl="1"/>
             <a:r>
               <a:rPr lang="en-IN" dirty="0" smtClean="0"/>
-              <a:t>Negative words – &lt; 1</a:t>
-            </a:r>
+              <a:t>&lt; 1 – Less </a:t>
+            </a:r>
+            <a:r>
+              <a:rPr lang="en-IN" smtClean="0"/>
+              <a:t>than 1</a:t>
+            </a:r>
+            <a:endParaRPr lang="en-IN" dirty="0" smtClean="0"/>
           </a:p>
           <a:p>
             <a:r>
@@ -8736,7 +8804,11 @@
           <a:p>
             <a:r>
               <a:rPr lang="en-IN" dirty="0" smtClean="0"/>
-              <a:t>Log Likelihood</a:t>
+              <a:t>Log </a:t>
+            </a:r>
+            <a:r>
+              <a:rPr lang="en-IN" dirty="0" smtClean="0"/>
+              <a:t>Likelihood – How ?</a:t>
             </a:r>
             <a:endParaRPr lang="en-IN" dirty="0"/>
           </a:p>

--- a/MachineLearning/NaiveBayes/NaiveBayes.pptx
+++ b/MachineLearning/NaiveBayes/NaiveBayes.pptx
@@ -8659,11 +8659,7 @@
           <a:p>
             <a:r>
               <a:rPr lang="en-IN" dirty="0" smtClean="0"/>
-              <a:t>Log </a:t>
-            </a:r>
-            <a:r>
-              <a:rPr lang="en-IN" dirty="0" smtClean="0"/>
-              <a:t>Likelihood – Why ?</a:t>
+              <a:t>Likelihood</a:t>
             </a:r>
             <a:endParaRPr lang="en-IN" dirty="0"/>
           </a:p>
@@ -8736,11 +8732,7 @@
             <a:pPr lvl="1"/>
             <a:r>
               <a:rPr lang="en-IN" dirty="0" smtClean="0"/>
-              <a:t>&lt; 1 – Less </a:t>
-            </a:r>
-            <a:r>
-              <a:rPr lang="en-IN" smtClean="0"/>
-              <a:t>than 1</a:t>
+              <a:t>&lt; 1 – Less than 1</a:t>
             </a:r>
             <a:endParaRPr lang="en-IN" dirty="0" smtClean="0"/>
           </a:p>
@@ -8808,7 +8800,7 @@
             </a:r>
             <a:r>
               <a:rPr lang="en-IN" dirty="0" smtClean="0"/>
-              <a:t>Likelihood – How ?</a:t>
+              <a:t>Likelihood</a:t>
             </a:r>
             <a:endParaRPr lang="en-IN" dirty="0"/>
           </a:p>
@@ -8827,7 +8819,7 @@
         <p:spPr/>
         <p:txBody>
           <a:bodyPr>
-            <a:normAutofit fontScale="92500" lnSpcReduction="10000"/>
+            <a:normAutofit lnSpcReduction="10000"/>
           </a:bodyPr>
           <a:lstStyle/>
           <a:p>
@@ -8859,34 +8851,24 @@
           <a:p>
             <a:r>
               <a:rPr lang="en-IN" dirty="0" smtClean="0"/>
-              <a:t>Word classification</a:t>
-            </a:r>
-          </a:p>
-          <a:p>
-            <a:pPr lvl="1"/>
-            <a:r>
-              <a:rPr lang="en-IN" dirty="0" smtClean="0"/>
-              <a:t>Neutral words – ~0  </a:t>
-            </a:r>
-          </a:p>
-          <a:p>
-            <a:pPr lvl="1"/>
+              <a:t>Neutral </a:t>
+            </a:r>
+            <a:r>
+              <a:rPr lang="en-IN" dirty="0" smtClean="0"/>
+              <a:t>words – ~0  </a:t>
+            </a:r>
+          </a:p>
+          <a:p>
             <a:r>
               <a:rPr lang="en-IN" dirty="0" smtClean="0"/>
               <a:t>Positive words – &gt; 0</a:t>
             </a:r>
           </a:p>
           <a:p>
-            <a:pPr lvl="1"/>
-            <a:r>
-              <a:rPr lang="en-IN" dirty="0" smtClean="0"/>
-              <a:t>Negative words – </a:t>
-            </a:r>
-            <a:r>
-              <a:rPr lang="en-IN" smtClean="0"/>
-              <a:t>&lt; 0</a:t>
-            </a:r>
-            <a:endParaRPr lang="en-IN" dirty="0" smtClean="0"/>
+            <a:r>
+              <a:rPr lang="en-IN" dirty="0" smtClean="0"/>
+              <a:t>Negative words – &lt; 0</a:t>
+            </a:r>
           </a:p>
           <a:p>
             <a:r>

--- a/MachineLearning/NaiveBayes/NaiveBayes.pptx
+++ b/MachineLearning/NaiveBayes/NaiveBayes.pptx
@@ -3734,7 +3734,6 @@
               <a:rPr lang="en-IN" dirty="0" smtClean="0"/>
               <a:t>Spam corpus</a:t>
             </a:r>
-            <a:endParaRPr lang="en-IN" dirty="0" smtClean="0"/>
           </a:p>
           <a:p>
             <a:r>
@@ -3753,17 +3752,8 @@
             <a:pPr lvl="1"/>
             <a:r>
               <a:rPr lang="en-IN" dirty="0" smtClean="0"/>
-              <a:t>Ham </a:t>
-            </a:r>
-            <a:r>
-              <a:rPr lang="en-IN" dirty="0" smtClean="0"/>
-              <a:t>and Spam </a:t>
-            </a:r>
-            <a:r>
-              <a:rPr lang="en-IN" dirty="0" smtClean="0"/>
-              <a:t>corpus </a:t>
-            </a:r>
-            <a:endParaRPr lang="en-IN" dirty="0" smtClean="0"/>
+              <a:t>Ham and Spam corpus </a:t>
+            </a:r>
           </a:p>
         </p:txBody>
       </p:sp>
@@ -4339,13 +4329,8 @@
             <a:pPr lvl="1"/>
             <a:r>
               <a:rPr lang="en-IN" dirty="0" smtClean="0"/>
-              <a:t>Ham and Spam </a:t>
-            </a:r>
-            <a:r>
-              <a:rPr lang="en-IN" dirty="0" smtClean="0"/>
-              <a:t>corpus</a:t>
-            </a:r>
-            <a:endParaRPr lang="en-IN" dirty="0" smtClean="0"/>
+              <a:t>Ham and Spam corpus</a:t>
+            </a:r>
           </a:p>
         </p:txBody>
       </p:sp>
@@ -4941,7 +4926,6 @@
               <a:rPr lang="en-IN" dirty="0" smtClean="0"/>
               <a:t>Ham and Spam corpus </a:t>
             </a:r>
-            <a:endParaRPr lang="en-IN" dirty="0" smtClean="0"/>
           </a:p>
         </p:txBody>
       </p:sp>
@@ -5537,7 +5521,6 @@
               <a:rPr lang="en-IN" dirty="0" smtClean="0"/>
               <a:t>Ham and Spam corpus</a:t>
             </a:r>
-            <a:endParaRPr lang="en-IN" dirty="0" smtClean="0"/>
           </a:p>
           <a:p>
             <a:pPr>
@@ -6121,7 +6104,6 @@
               <a:rPr lang="en-IN" dirty="0" smtClean="0"/>
               <a:t>Table of probabilities </a:t>
             </a:r>
-            <a:endParaRPr lang="en-IN" dirty="0" smtClean="0"/>
           </a:p>
         </p:txBody>
       </p:sp>
@@ -8567,51 +8549,19 @@
           <a:p>
             <a:r>
               <a:rPr lang="en-IN" dirty="0" smtClean="0"/>
-              <a:t>Number of </a:t>
-            </a:r>
+              <a:t>Number of Ham (positive) SMSs</a:t>
+            </a:r>
+          </a:p>
+          <a:p>
             <a:r>
               <a:rPr lang="en-IN" dirty="0" smtClean="0"/>
-              <a:t>Ham </a:t>
-            </a:r>
+              <a:t>Number of Spam (negative) SMSs</a:t>
+            </a:r>
+          </a:p>
+          <a:p>
             <a:r>
               <a:rPr lang="en-IN" dirty="0" smtClean="0"/>
-              <a:t>(positive) SMSs</a:t>
-            </a:r>
-          </a:p>
-          <a:p>
-            <a:r>
-              <a:rPr lang="en-IN" dirty="0" smtClean="0"/>
-              <a:t>Number of </a:t>
-            </a:r>
-            <a:r>
-              <a:rPr lang="en-IN" dirty="0" smtClean="0"/>
-              <a:t>Spam </a:t>
-            </a:r>
-            <a:r>
-              <a:rPr lang="en-IN" dirty="0" smtClean="0"/>
-              <a:t>(negative) SMSs</a:t>
-            </a:r>
-          </a:p>
-          <a:p>
-            <a:r>
-              <a:rPr lang="en-IN" dirty="0" smtClean="0"/>
-              <a:t>Ratio of number of </a:t>
-            </a:r>
-            <a:r>
-              <a:rPr lang="en-IN" dirty="0" smtClean="0"/>
-              <a:t>Ham </a:t>
-            </a:r>
-            <a:r>
-              <a:rPr lang="en-IN" dirty="0" smtClean="0"/>
-              <a:t>and </a:t>
-            </a:r>
-            <a:r>
-              <a:rPr lang="en-IN" dirty="0" smtClean="0"/>
-              <a:t>Spam </a:t>
-            </a:r>
-            <a:r>
-              <a:rPr lang="en-IN" dirty="0" smtClean="0"/>
-              <a:t>SMSs</a:t>
+              <a:t>Ratio of number of Ham and Spam SMSs</a:t>
             </a:r>
             <a:endParaRPr lang="en-IN" dirty="0"/>
           </a:p>
@@ -8690,13 +8640,8 @@
           <a:p>
             <a:r>
               <a:rPr lang="en-IN" dirty="0" smtClean="0"/>
-              <a:t>Neutral </a:t>
-            </a:r>
-            <a:r>
-              <a:rPr lang="en-IN" dirty="0" smtClean="0"/>
-              <a:t>words </a:t>
-            </a:r>
-            <a:endParaRPr lang="en-IN" dirty="0" smtClean="0"/>
+              <a:t>Neutral words </a:t>
+            </a:r>
           </a:p>
           <a:p>
             <a:pPr lvl="1"/>
@@ -8704,14 +8649,12 @@
               <a:rPr lang="en-IN" dirty="0" smtClean="0"/>
               <a:t>~1.   </a:t>
             </a:r>
-            <a:endParaRPr lang="en-IN" dirty="0" smtClean="0"/>
           </a:p>
           <a:p>
             <a:r>
               <a:rPr lang="en-IN" dirty="0" smtClean="0"/>
               <a:t>Positive words </a:t>
             </a:r>
-            <a:endParaRPr lang="en-IN" dirty="0" smtClean="0"/>
           </a:p>
           <a:p>
             <a:pPr lvl="1"/>
@@ -8719,14 +8662,12 @@
               <a:rPr lang="en-IN" dirty="0" smtClean="0"/>
               <a:t>&gt; 1 – Larger than 1 </a:t>
             </a:r>
-            <a:endParaRPr lang="en-IN" dirty="0" smtClean="0"/>
           </a:p>
           <a:p>
             <a:r>
               <a:rPr lang="en-IN" dirty="0" smtClean="0"/>
               <a:t>Negative words </a:t>
             </a:r>
-            <a:endParaRPr lang="en-IN" dirty="0" smtClean="0"/>
           </a:p>
           <a:p>
             <a:pPr lvl="1"/>
@@ -8734,7 +8675,6 @@
               <a:rPr lang="en-IN" dirty="0" smtClean="0"/>
               <a:t>&lt; 1 – Less than 1</a:t>
             </a:r>
-            <a:endParaRPr lang="en-IN" dirty="0" smtClean="0"/>
           </a:p>
           <a:p>
             <a:r>
@@ -8796,11 +8736,7 @@
           <a:p>
             <a:r>
               <a:rPr lang="en-IN" dirty="0" smtClean="0"/>
-              <a:t>Log </a:t>
-            </a:r>
-            <a:r>
-              <a:rPr lang="en-IN" dirty="0" smtClean="0"/>
-              <a:t>Likelihood</a:t>
+              <a:t>Log Likelihood</a:t>
             </a:r>
             <a:endParaRPr lang="en-IN" dirty="0"/>
           </a:p>
@@ -8851,11 +8787,7 @@
           <a:p>
             <a:r>
               <a:rPr lang="en-IN" dirty="0" smtClean="0"/>
-              <a:t>Neutral </a:t>
-            </a:r>
-            <a:r>
-              <a:rPr lang="en-IN" dirty="0" smtClean="0"/>
-              <a:t>words – ~0  </a:t>
+              <a:t>Neutral words – ~0  </a:t>
             </a:r>
           </a:p>
           <a:p>
@@ -8953,13 +8885,33 @@
           <a:p>
             <a:r>
               <a:rPr lang="en-IN" dirty="0" smtClean="0"/>
-              <a:t>Text classification</a:t>
-            </a:r>
-          </a:p>
-          <a:p>
+              <a:t>Sentiment </a:t>
+            </a:r>
             <a:r>
               <a:rPr lang="en-IN" dirty="0" smtClean="0"/>
-              <a:t>Author identification</a:t>
+              <a:t>analysis</a:t>
+            </a:r>
+            <a:endParaRPr lang="en-IN" dirty="0" smtClean="0"/>
+          </a:p>
+          <a:p>
+            <a:r>
+              <a:rPr lang="en-IN" dirty="0" smtClean="0"/>
+              <a:t>Author </a:t>
+            </a:r>
+            <a:r>
+              <a:rPr lang="en-IN" dirty="0" smtClean="0"/>
+              <a:t>identification</a:t>
+            </a:r>
+            <a:endParaRPr lang="en-IN" dirty="0" smtClean="0"/>
+          </a:p>
+          <a:p>
+            <a:r>
+              <a:rPr lang="en-IN" dirty="0" smtClean="0"/>
+              <a:t>Text </a:t>
+            </a:r>
+            <a:r>
+              <a:rPr lang="en-IN" dirty="0" smtClean="0"/>
+              <a:t>classification</a:t>
             </a:r>
           </a:p>
           <a:p>
@@ -8967,13 +8919,7 @@
               <a:rPr lang="en-IN" dirty="0" smtClean="0"/>
               <a:t>Word disambiguation</a:t>
             </a:r>
-          </a:p>
-          <a:p>
-            <a:r>
-              <a:rPr lang="en-IN" dirty="0" smtClean="0"/>
-              <a:t>Sentiment analysis</a:t>
-            </a:r>
-            <a:endParaRPr lang="en-IN" dirty="0"/>
+            <a:endParaRPr lang="en-IN" dirty="0" smtClean="0"/>
           </a:p>
         </p:txBody>
       </p:sp>
@@ -9152,8 +9098,23 @@
           <a:p>
             <a:r>
               <a:rPr lang="en-IN" dirty="0" smtClean="0"/>
-              <a:t>Assume independent features</a:t>
-            </a:r>
+              <a:t>Assume independent </a:t>
+            </a:r>
+            <a:r>
+              <a:rPr lang="en-IN" dirty="0" smtClean="0"/>
+              <a:t>features</a:t>
+            </a:r>
+          </a:p>
+          <a:p>
+            <a:r>
+              <a:rPr lang="en-IN" smtClean="0"/>
+              <a:t>Relative frequencies </a:t>
+            </a:r>
+            <a:r>
+              <a:rPr lang="en-IN" dirty="0" smtClean="0"/>
+              <a:t>in corpus</a:t>
+            </a:r>
+            <a:endParaRPr lang="en-IN" dirty="0" smtClean="0"/>
           </a:p>
           <a:p>
             <a:endParaRPr lang="en-IN" dirty="0" smtClean="0"/>
